--- a/input/images-source/DeviceCatalog.pptx
+++ b/input/images-source/DeviceCatalog.pptx
@@ -197,7 +197,7 @@
           <a:p>
             <a:fld id="{C0FC2EA5-DDD9-41B5-A743-573E81829967}" type="datetimeFigureOut">
               <a:rPr lang="fr-FR" smtClean="0"/>
-              <a:t>28/01/2020</a:t>
+              <a:t>30/01/2020</a:t>
             </a:fld>
             <a:endParaRPr lang="fr-FR"/>
           </a:p>
@@ -695,7 +695,7 @@
           <a:p>
             <a:fld id="{DEBA1CB3-45B4-4365-8A01-D60AF6EBF46C}" type="datetimeFigureOut">
               <a:rPr lang="fr-FR" smtClean="0"/>
-              <a:t>28/01/2020</a:t>
+              <a:t>30/01/2020</a:t>
             </a:fld>
             <a:endParaRPr lang="fr-FR"/>
           </a:p>
@@ -893,7 +893,7 @@
           <a:p>
             <a:fld id="{DEBA1CB3-45B4-4365-8A01-D60AF6EBF46C}" type="datetimeFigureOut">
               <a:rPr lang="fr-FR" smtClean="0"/>
-              <a:t>28/01/2020</a:t>
+              <a:t>30/01/2020</a:t>
             </a:fld>
             <a:endParaRPr lang="fr-FR"/>
           </a:p>
@@ -1101,7 +1101,7 @@
           <a:p>
             <a:fld id="{DEBA1CB3-45B4-4365-8A01-D60AF6EBF46C}" type="datetimeFigureOut">
               <a:rPr lang="fr-FR" smtClean="0"/>
-              <a:t>28/01/2020</a:t>
+              <a:t>30/01/2020</a:t>
             </a:fld>
             <a:endParaRPr lang="fr-FR"/>
           </a:p>
@@ -1299,7 +1299,7 @@
           <a:p>
             <a:fld id="{DEBA1CB3-45B4-4365-8A01-D60AF6EBF46C}" type="datetimeFigureOut">
               <a:rPr lang="fr-FR" smtClean="0"/>
-              <a:t>28/01/2020</a:t>
+              <a:t>30/01/2020</a:t>
             </a:fld>
             <a:endParaRPr lang="fr-FR"/>
           </a:p>
@@ -1574,7 +1574,7 @@
           <a:p>
             <a:fld id="{DEBA1CB3-45B4-4365-8A01-D60AF6EBF46C}" type="datetimeFigureOut">
               <a:rPr lang="fr-FR" smtClean="0"/>
-              <a:t>28/01/2020</a:t>
+              <a:t>30/01/2020</a:t>
             </a:fld>
             <a:endParaRPr lang="fr-FR"/>
           </a:p>
@@ -1839,7 +1839,7 @@
           <a:p>
             <a:fld id="{DEBA1CB3-45B4-4365-8A01-D60AF6EBF46C}" type="datetimeFigureOut">
               <a:rPr lang="fr-FR" smtClean="0"/>
-              <a:t>28/01/2020</a:t>
+              <a:t>30/01/2020</a:t>
             </a:fld>
             <a:endParaRPr lang="fr-FR"/>
           </a:p>
@@ -2251,7 +2251,7 @@
           <a:p>
             <a:fld id="{DEBA1CB3-45B4-4365-8A01-D60AF6EBF46C}" type="datetimeFigureOut">
               <a:rPr lang="fr-FR" smtClean="0"/>
-              <a:t>28/01/2020</a:t>
+              <a:t>30/01/2020</a:t>
             </a:fld>
             <a:endParaRPr lang="fr-FR"/>
           </a:p>
@@ -2392,7 +2392,7 @@
           <a:p>
             <a:fld id="{DEBA1CB3-45B4-4365-8A01-D60AF6EBF46C}" type="datetimeFigureOut">
               <a:rPr lang="fr-FR" smtClean="0"/>
-              <a:t>28/01/2020</a:t>
+              <a:t>30/01/2020</a:t>
             </a:fld>
             <a:endParaRPr lang="fr-FR"/>
           </a:p>
@@ -2505,7 +2505,7 @@
           <a:p>
             <a:fld id="{DEBA1CB3-45B4-4365-8A01-D60AF6EBF46C}" type="datetimeFigureOut">
               <a:rPr lang="fr-FR" smtClean="0"/>
-              <a:t>28/01/2020</a:t>
+              <a:t>30/01/2020</a:t>
             </a:fld>
             <a:endParaRPr lang="fr-FR"/>
           </a:p>
@@ -2816,7 +2816,7 @@
           <a:p>
             <a:fld id="{DEBA1CB3-45B4-4365-8A01-D60AF6EBF46C}" type="datetimeFigureOut">
               <a:rPr lang="fr-FR" smtClean="0"/>
-              <a:t>28/01/2020</a:t>
+              <a:t>30/01/2020</a:t>
             </a:fld>
             <a:endParaRPr lang="fr-FR"/>
           </a:p>
@@ -3104,7 +3104,7 @@
           <a:p>
             <a:fld id="{DEBA1CB3-45B4-4365-8A01-D60AF6EBF46C}" type="datetimeFigureOut">
               <a:rPr lang="fr-FR" smtClean="0"/>
-              <a:t>28/01/2020</a:t>
+              <a:t>30/01/2020</a:t>
             </a:fld>
             <a:endParaRPr lang="fr-FR"/>
           </a:p>
@@ -3345,7 +3345,7 @@
           <a:p>
             <a:fld id="{DEBA1CB3-45B4-4365-8A01-D60AF6EBF46C}" type="datetimeFigureOut">
               <a:rPr lang="fr-FR" smtClean="0"/>
-              <a:t>28/01/2020</a:t>
+              <a:t>30/01/2020</a:t>
             </a:fld>
             <a:endParaRPr lang="fr-FR"/>
           </a:p>
@@ -4008,7 +4008,7 @@
           <a:p>
             <a:pPr algn="ctr"/>
             <a:r>
-              <a:rPr lang="en-US" noProof="1">
+              <a:rPr lang="en-US" i="1" noProof="1">
                 <a:solidFill>
                   <a:schemeClr val="accent1">
                     <a:lumMod val="60000"/>
@@ -4064,7 +4064,7 @@
           </a:lstStyle>
           <a:p>
             <a:r>
-              <a:rPr lang="en-US" noProof="1"/>
+              <a:rPr lang="en-US" i="1" noProof="1"/>
               <a:t>A device</a:t>
             </a:r>
           </a:p>

--- a/input/images-source/DeviceCatalog.pptx
+++ b/input/images-source/DeviceCatalog.pptx
@@ -197,7 +197,7 @@
           <a:p>
             <a:fld id="{C0FC2EA5-DDD9-41B5-A743-573E81829967}" type="datetimeFigureOut">
               <a:rPr lang="fr-FR" smtClean="0"/>
-              <a:t>30/01/2020</a:t>
+              <a:t>04/12/2020</a:t>
             </a:fld>
             <a:endParaRPr lang="fr-FR"/>
           </a:p>
@@ -695,7 +695,7 @@
           <a:p>
             <a:fld id="{DEBA1CB3-45B4-4365-8A01-D60AF6EBF46C}" type="datetimeFigureOut">
               <a:rPr lang="fr-FR" smtClean="0"/>
-              <a:t>30/01/2020</a:t>
+              <a:t>04/12/2020</a:t>
             </a:fld>
             <a:endParaRPr lang="fr-FR"/>
           </a:p>
@@ -893,7 +893,7 @@
           <a:p>
             <a:fld id="{DEBA1CB3-45B4-4365-8A01-D60AF6EBF46C}" type="datetimeFigureOut">
               <a:rPr lang="fr-FR" smtClean="0"/>
-              <a:t>30/01/2020</a:t>
+              <a:t>04/12/2020</a:t>
             </a:fld>
             <a:endParaRPr lang="fr-FR"/>
           </a:p>
@@ -1101,7 +1101,7 @@
           <a:p>
             <a:fld id="{DEBA1CB3-45B4-4365-8A01-D60AF6EBF46C}" type="datetimeFigureOut">
               <a:rPr lang="fr-FR" smtClean="0"/>
-              <a:t>30/01/2020</a:t>
+              <a:t>04/12/2020</a:t>
             </a:fld>
             <a:endParaRPr lang="fr-FR"/>
           </a:p>
@@ -1299,7 +1299,7 @@
           <a:p>
             <a:fld id="{DEBA1CB3-45B4-4365-8A01-D60AF6EBF46C}" type="datetimeFigureOut">
               <a:rPr lang="fr-FR" smtClean="0"/>
-              <a:t>30/01/2020</a:t>
+              <a:t>04/12/2020</a:t>
             </a:fld>
             <a:endParaRPr lang="fr-FR"/>
           </a:p>
@@ -1574,7 +1574,7 @@
           <a:p>
             <a:fld id="{DEBA1CB3-45B4-4365-8A01-D60AF6EBF46C}" type="datetimeFigureOut">
               <a:rPr lang="fr-FR" smtClean="0"/>
-              <a:t>30/01/2020</a:t>
+              <a:t>04/12/2020</a:t>
             </a:fld>
             <a:endParaRPr lang="fr-FR"/>
           </a:p>
@@ -1839,7 +1839,7 @@
           <a:p>
             <a:fld id="{DEBA1CB3-45B4-4365-8A01-D60AF6EBF46C}" type="datetimeFigureOut">
               <a:rPr lang="fr-FR" smtClean="0"/>
-              <a:t>30/01/2020</a:t>
+              <a:t>04/12/2020</a:t>
             </a:fld>
             <a:endParaRPr lang="fr-FR"/>
           </a:p>
@@ -2251,7 +2251,7 @@
           <a:p>
             <a:fld id="{DEBA1CB3-45B4-4365-8A01-D60AF6EBF46C}" type="datetimeFigureOut">
               <a:rPr lang="fr-FR" smtClean="0"/>
-              <a:t>30/01/2020</a:t>
+              <a:t>04/12/2020</a:t>
             </a:fld>
             <a:endParaRPr lang="fr-FR"/>
           </a:p>
@@ -2392,7 +2392,7 @@
           <a:p>
             <a:fld id="{DEBA1CB3-45B4-4365-8A01-D60AF6EBF46C}" type="datetimeFigureOut">
               <a:rPr lang="fr-FR" smtClean="0"/>
-              <a:t>30/01/2020</a:t>
+              <a:t>04/12/2020</a:t>
             </a:fld>
             <a:endParaRPr lang="fr-FR"/>
           </a:p>
@@ -2505,7 +2505,7 @@
           <a:p>
             <a:fld id="{DEBA1CB3-45B4-4365-8A01-D60AF6EBF46C}" type="datetimeFigureOut">
               <a:rPr lang="fr-FR" smtClean="0"/>
-              <a:t>30/01/2020</a:t>
+              <a:t>04/12/2020</a:t>
             </a:fld>
             <a:endParaRPr lang="fr-FR"/>
           </a:p>
@@ -2816,7 +2816,7 @@
           <a:p>
             <a:fld id="{DEBA1CB3-45B4-4365-8A01-D60AF6EBF46C}" type="datetimeFigureOut">
               <a:rPr lang="fr-FR" smtClean="0"/>
-              <a:t>30/01/2020</a:t>
+              <a:t>04/12/2020</a:t>
             </a:fld>
             <a:endParaRPr lang="fr-FR"/>
           </a:p>
@@ -3104,7 +3104,7 @@
           <a:p>
             <a:fld id="{DEBA1CB3-45B4-4365-8A01-D60AF6EBF46C}" type="datetimeFigureOut">
               <a:rPr lang="fr-FR" smtClean="0"/>
-              <a:t>30/01/2020</a:t>
+              <a:t>04/12/2020</a:t>
             </a:fld>
             <a:endParaRPr lang="fr-FR"/>
           </a:p>
@@ -3345,7 +3345,7 @@
           <a:p>
             <a:fld id="{DEBA1CB3-45B4-4365-8A01-D60AF6EBF46C}" type="datetimeFigureOut">
               <a:rPr lang="fr-FR" smtClean="0"/>
-              <a:t>30/01/2020</a:t>
+              <a:t>04/12/2020</a:t>
             </a:fld>
             <a:endParaRPr lang="fr-FR"/>
           </a:p>
@@ -3764,10 +3764,10 @@
       </p:grpSpPr>
       <p:sp>
         <p:nvSpPr>
-          <p:cNvPr id="9" name="ZoneTexte 8">
-            <a:extLst>
-              <a:ext uri="{FF2B5EF4-FFF2-40B4-BE49-F238E27FC236}">
-                <a16:creationId xmlns:a16="http://schemas.microsoft.com/office/drawing/2014/main" id="{A946E9D0-D148-4527-8D03-943EAE13355B}"/>
+          <p:cNvPr id="4" name="ZoneTexte 3">
+            <a:extLst>
+              <a:ext uri="{FF2B5EF4-FFF2-40B4-BE49-F238E27FC236}">
+                <a16:creationId xmlns:a16="http://schemas.microsoft.com/office/drawing/2014/main" id="{5B6C8461-F70B-415E-81E3-8C60209C46E4}"/>
               </a:ext>
             </a:extLst>
           </p:cNvPr>
@@ -3776,8 +3776,8 @@
         </p:nvSpPr>
         <p:spPr>
           <a:xfrm>
-            <a:off x="1046156" y="1667593"/>
-            <a:ext cx="607145" cy="369332"/>
+            <a:off x="685803" y="2892823"/>
+            <a:ext cx="2804666" cy="368227"/>
           </a:xfrm>
           <a:prstGeom prst="rect">
             <a:avLst/>
@@ -3788,39 +3788,239 @@
           <a:bodyPr wrap="square" rtlCol="0">
             <a:spAutoFit/>
           </a:bodyPr>
-          <a:lstStyle/>
-          <a:p>
-            <a:r>
-              <a:rPr lang="en-US" noProof="1"/>
-              <a:t>0..*</a:t>
-            </a:r>
+          <a:lstStyle>
+            <a:defPPr>
+              <a:defRPr lang="fr-FR"/>
+            </a:defPPr>
+            <a:lvl1pPr>
+              <a:defRPr>
+                <a:solidFill>
+                  <a:schemeClr val="accent1">
+                    <a:lumMod val="60000"/>
+                    <a:lumOff val="40000"/>
+                  </a:schemeClr>
+                </a:solidFill>
+              </a:defRPr>
+            </a:lvl1pPr>
+          </a:lstStyle>
+          <a:p>
+            <a:pPr algn="r"/>
+            <a:r>
+              <a:rPr lang="en-US" i="1" noProof="1"/>
+              <a:t>A medical device</a:t>
+            </a:r>
+          </a:p>
+        </p:txBody>
+      </p:sp>
+      <p:sp>
+        <p:nvSpPr>
+          <p:cNvPr id="18" name="Rectangle 17">
+            <a:extLst>
+              <a:ext uri="{FF2B5EF4-FFF2-40B4-BE49-F238E27FC236}">
+                <a16:creationId xmlns:a16="http://schemas.microsoft.com/office/drawing/2014/main" id="{0C4C974C-DB2F-4682-BF37-E5EE73D29411}"/>
+              </a:ext>
+            </a:extLst>
+          </p:cNvPr>
+          <p:cNvSpPr/>
+          <p:nvPr/>
+        </p:nvSpPr>
+        <p:spPr>
+          <a:xfrm>
+            <a:off x="4568663" y="2552821"/>
+            <a:ext cx="340999" cy="196994"/>
+          </a:xfrm>
+          <a:prstGeom prst="rect">
+            <a:avLst/>
+          </a:prstGeom>
+        </p:spPr>
+        <p:style>
+          <a:lnRef idx="2">
+            <a:schemeClr val="accent1">
+              <a:shade val="50000"/>
+            </a:schemeClr>
+          </a:lnRef>
+          <a:fillRef idx="1">
+            <a:schemeClr val="accent1"/>
+          </a:fillRef>
+          <a:effectRef idx="0">
+            <a:schemeClr val="accent1"/>
+          </a:effectRef>
+          <a:fontRef idx="minor">
+            <a:schemeClr val="lt1"/>
+          </a:fontRef>
+        </p:style>
+        <p:txBody>
+          <a:bodyPr rtlCol="0" anchor="ctr"/>
+          <a:lstStyle/>
+          <a:p>
+            <a:pPr algn="ctr"/>
+            <a:endParaRPr lang="fr-FR"/>
+          </a:p>
+        </p:txBody>
+      </p:sp>
+      <p:sp>
+        <p:nvSpPr>
+          <p:cNvPr id="41" name="Rectangle 40">
+            <a:extLst>
+              <a:ext uri="{FF2B5EF4-FFF2-40B4-BE49-F238E27FC236}">
+                <a16:creationId xmlns:a16="http://schemas.microsoft.com/office/drawing/2014/main" id="{9E3AEF37-BE16-41F5-A33B-0A84EFE3DF66}"/>
+              </a:ext>
+            </a:extLst>
+          </p:cNvPr>
+          <p:cNvSpPr/>
+          <p:nvPr/>
+        </p:nvSpPr>
+        <p:spPr>
+          <a:xfrm>
+            <a:off x="5120629" y="2552821"/>
+            <a:ext cx="340999" cy="196994"/>
+          </a:xfrm>
+          <a:prstGeom prst="rect">
+            <a:avLst/>
+          </a:prstGeom>
+        </p:spPr>
+        <p:style>
+          <a:lnRef idx="2">
+            <a:schemeClr val="accent1">
+              <a:shade val="50000"/>
+            </a:schemeClr>
+          </a:lnRef>
+          <a:fillRef idx="1">
+            <a:schemeClr val="accent1"/>
+          </a:fillRef>
+          <a:effectRef idx="0">
+            <a:schemeClr val="accent1"/>
+          </a:effectRef>
+          <a:fontRef idx="minor">
+            <a:schemeClr val="lt1"/>
+          </a:fontRef>
+        </p:style>
+        <p:txBody>
+          <a:bodyPr rtlCol="0" anchor="ctr"/>
+          <a:lstStyle/>
+          <a:p>
+            <a:pPr algn="ctr"/>
+            <a:endParaRPr lang="fr-FR"/>
+          </a:p>
+        </p:txBody>
+      </p:sp>
+      <p:sp>
+        <p:nvSpPr>
+          <p:cNvPr id="53" name="Rectangle 52">
+            <a:extLst>
+              <a:ext uri="{FF2B5EF4-FFF2-40B4-BE49-F238E27FC236}">
+                <a16:creationId xmlns:a16="http://schemas.microsoft.com/office/drawing/2014/main" id="{8A9B58A0-C40C-4E52-BF23-72924550E3EC}"/>
+              </a:ext>
+            </a:extLst>
+          </p:cNvPr>
+          <p:cNvSpPr/>
+          <p:nvPr/>
+        </p:nvSpPr>
+        <p:spPr>
+          <a:xfrm>
+            <a:off x="6039038" y="2588856"/>
+            <a:ext cx="340999" cy="324520"/>
+          </a:xfrm>
+          <a:prstGeom prst="rect">
+            <a:avLst/>
+          </a:prstGeom>
+        </p:spPr>
+        <p:style>
+          <a:lnRef idx="2">
+            <a:schemeClr val="accent1">
+              <a:shade val="50000"/>
+            </a:schemeClr>
+          </a:lnRef>
+          <a:fillRef idx="1">
+            <a:schemeClr val="accent1"/>
+          </a:fillRef>
+          <a:effectRef idx="0">
+            <a:schemeClr val="accent1"/>
+          </a:effectRef>
+          <a:fontRef idx="minor">
+            <a:schemeClr val="lt1"/>
+          </a:fontRef>
+        </p:style>
+        <p:txBody>
+          <a:bodyPr rtlCol="0" anchor="ctr"/>
+          <a:lstStyle/>
+          <a:p>
+            <a:pPr algn="ctr"/>
+            <a:endParaRPr lang="fr-FR"/>
+          </a:p>
+        </p:txBody>
+      </p:sp>
+      <p:sp>
+        <p:nvSpPr>
+          <p:cNvPr id="58" name="Rectangle 57">
+            <a:extLst>
+              <a:ext uri="{FF2B5EF4-FFF2-40B4-BE49-F238E27FC236}">
+                <a16:creationId xmlns:a16="http://schemas.microsoft.com/office/drawing/2014/main" id="{543DCC3D-F00F-4A3B-B3E9-1AA7B0D6911F}"/>
+              </a:ext>
+            </a:extLst>
+          </p:cNvPr>
+          <p:cNvSpPr/>
+          <p:nvPr/>
+        </p:nvSpPr>
+        <p:spPr>
+          <a:xfrm>
+            <a:off x="6049552" y="3341055"/>
+            <a:ext cx="340999" cy="324520"/>
+          </a:xfrm>
+          <a:prstGeom prst="rect">
+            <a:avLst/>
+          </a:prstGeom>
+        </p:spPr>
+        <p:style>
+          <a:lnRef idx="2">
+            <a:schemeClr val="accent1">
+              <a:shade val="50000"/>
+            </a:schemeClr>
+          </a:lnRef>
+          <a:fillRef idx="1">
+            <a:schemeClr val="accent1"/>
+          </a:fillRef>
+          <a:effectRef idx="0">
+            <a:schemeClr val="accent1"/>
+          </a:effectRef>
+          <a:fontRef idx="minor">
+            <a:schemeClr val="lt1"/>
+          </a:fontRef>
+        </p:style>
+        <p:txBody>
+          <a:bodyPr rtlCol="0" anchor="ctr"/>
+          <a:lstStyle/>
+          <a:p>
+            <a:pPr algn="ctr"/>
+            <a:endParaRPr lang="fr-FR"/>
           </a:p>
         </p:txBody>
       </p:sp>
       <p:cxnSp>
         <p:nvCxnSpPr>
-          <p:cNvPr id="14" name="Connecteur : en angle 13">
-            <a:extLst>
-              <a:ext uri="{FF2B5EF4-FFF2-40B4-BE49-F238E27FC236}">
-                <a16:creationId xmlns:a16="http://schemas.microsoft.com/office/drawing/2014/main" id="{96E14973-247A-449B-98ED-0D425A7A48C1}"/>
+          <p:cNvPr id="59" name="Connecteur : en angle 58">
+            <a:extLst>
+              <a:ext uri="{FF2B5EF4-FFF2-40B4-BE49-F238E27FC236}">
+                <a16:creationId xmlns:a16="http://schemas.microsoft.com/office/drawing/2014/main" id="{C516C08B-E656-4E4A-B0B6-18D2A2D32D0D}"/>
               </a:ext>
             </a:extLst>
           </p:cNvPr>
           <p:cNvCxnSpPr>
             <a:cxnSpLocks/>
-            <a:stCxn id="18" idx="0"/>
-            <a:endCxn id="20" idx="2"/>
+            <a:stCxn id="53" idx="0"/>
+            <a:endCxn id="53" idx="3"/>
           </p:cNvCxnSpPr>
           <p:nvPr/>
         </p:nvCxnSpPr>
         <p:spPr>
-          <a:xfrm rot="16200000" flipV="1">
-            <a:off x="2412270" y="717360"/>
-            <a:ext cx="953560" cy="2699199"/>
-          </a:xfrm>
-          <a:prstGeom prst="bentConnector3">
+          <a:xfrm rot="16200000" flipH="1">
+            <a:off x="6213657" y="2584737"/>
+            <a:ext cx="162260" cy="170499"/>
+          </a:xfrm>
+          <a:prstGeom prst="bentConnector4">
             <a:avLst>
-              <a:gd name="adj1" fmla="val 50000"/>
+              <a:gd name="adj1" fmla="val -140885"/>
+              <a:gd name="adj2" fmla="val 234077"/>
             </a:avLst>
           </a:prstGeom>
           <a:ln w="28575">
@@ -3845,10 +4045,45 @@
       </p:cxnSp>
       <p:sp>
         <p:nvSpPr>
-          <p:cNvPr id="20" name="Rectangle 19">
-            <a:extLst>
-              <a:ext uri="{FF2B5EF4-FFF2-40B4-BE49-F238E27FC236}">
-                <a16:creationId xmlns:a16="http://schemas.microsoft.com/office/drawing/2014/main" id="{0EF34064-8B6F-4B06-B950-EFD89EB71C6D}"/>
+          <p:cNvPr id="64" name="ZoneTexte 63">
+            <a:extLst>
+              <a:ext uri="{FF2B5EF4-FFF2-40B4-BE49-F238E27FC236}">
+                <a16:creationId xmlns:a16="http://schemas.microsoft.com/office/drawing/2014/main" id="{8557EF42-0914-4611-94A2-C378FCA4C870}"/>
+              </a:ext>
+            </a:extLst>
+          </p:cNvPr>
+          <p:cNvSpPr txBox="1"/>
+          <p:nvPr/>
+        </p:nvSpPr>
+        <p:spPr>
+          <a:xfrm>
+            <a:off x="6569199" y="2272905"/>
+            <a:ext cx="1496240" cy="369332"/>
+          </a:xfrm>
+          <a:prstGeom prst="rect">
+            <a:avLst/>
+          </a:prstGeom>
+          <a:noFill/>
+        </p:spPr>
+        <p:txBody>
+          <a:bodyPr wrap="square" rtlCol="0">
+            <a:spAutoFit/>
+          </a:bodyPr>
+          <a:lstStyle/>
+          <a:p>
+            <a:r>
+              <a:rPr lang="en-US" noProof="1"/>
+              <a:t>parentDevice</a:t>
+            </a:r>
+          </a:p>
+        </p:txBody>
+      </p:sp>
+      <p:sp>
+        <p:nvSpPr>
+          <p:cNvPr id="66" name="Rectangle 65">
+            <a:extLst>
+              <a:ext uri="{FF2B5EF4-FFF2-40B4-BE49-F238E27FC236}">
+                <a16:creationId xmlns:a16="http://schemas.microsoft.com/office/drawing/2014/main" id="{6B69C40E-C7DB-4EAD-B7F6-14CA889E4DD5}"/>
               </a:ext>
             </a:extLst>
           </p:cNvPr>
@@ -3857,8 +4092,89 @@
         </p:nvSpPr>
         <p:spPr>
           <a:xfrm>
-            <a:off x="466531" y="453038"/>
-            <a:ext cx="2145838" cy="1137142"/>
+            <a:off x="3651352" y="3335042"/>
+            <a:ext cx="539154" cy="324520"/>
+          </a:xfrm>
+          <a:prstGeom prst="rect">
+            <a:avLst/>
+          </a:prstGeom>
+        </p:spPr>
+        <p:style>
+          <a:lnRef idx="2">
+            <a:schemeClr val="accent1">
+              <a:shade val="50000"/>
+            </a:schemeClr>
+          </a:lnRef>
+          <a:fillRef idx="1">
+            <a:schemeClr val="accent1"/>
+          </a:fillRef>
+          <a:effectRef idx="0">
+            <a:schemeClr val="accent1"/>
+          </a:effectRef>
+          <a:fontRef idx="minor">
+            <a:schemeClr val="lt1"/>
+          </a:fontRef>
+        </p:style>
+        <p:txBody>
+          <a:bodyPr rtlCol="0" anchor="ctr"/>
+          <a:lstStyle/>
+          <a:p>
+            <a:pPr algn="ctr"/>
+            <a:endParaRPr lang="fr-FR"/>
+          </a:p>
+        </p:txBody>
+      </p:sp>
+      <p:sp>
+        <p:nvSpPr>
+          <p:cNvPr id="78" name="ZoneTexte 77">
+            <a:extLst>
+              <a:ext uri="{FF2B5EF4-FFF2-40B4-BE49-F238E27FC236}">
+                <a16:creationId xmlns:a16="http://schemas.microsoft.com/office/drawing/2014/main" id="{AC4046A4-D232-473B-9F2D-9F7674566BF4}"/>
+              </a:ext>
+            </a:extLst>
+          </p:cNvPr>
+          <p:cNvSpPr txBox="1"/>
+          <p:nvPr/>
+        </p:nvSpPr>
+        <p:spPr>
+          <a:xfrm>
+            <a:off x="6687772" y="2545899"/>
+            <a:ext cx="607145" cy="369332"/>
+          </a:xfrm>
+          <a:prstGeom prst="rect">
+            <a:avLst/>
+          </a:prstGeom>
+          <a:noFill/>
+        </p:spPr>
+        <p:txBody>
+          <a:bodyPr wrap="square" rtlCol="0">
+            <a:spAutoFit/>
+          </a:bodyPr>
+          <a:lstStyle/>
+          <a:p>
+            <a:r>
+              <a:rPr lang="en-US" noProof="1"/>
+              <a:t>0..*</a:t>
+            </a:r>
+          </a:p>
+        </p:txBody>
+      </p:sp>
+      <p:sp>
+        <p:nvSpPr>
+          <p:cNvPr id="79" name="Rectangle 78">
+            <a:extLst>
+              <a:ext uri="{FF2B5EF4-FFF2-40B4-BE49-F238E27FC236}">
+                <a16:creationId xmlns:a16="http://schemas.microsoft.com/office/drawing/2014/main" id="{76A7440C-B119-49C9-9B9C-97837351B98B}"/>
+              </a:ext>
+            </a:extLst>
+          </p:cNvPr>
+          <p:cNvSpPr/>
+          <p:nvPr/>
+        </p:nvSpPr>
+        <p:spPr>
+          <a:xfrm>
+            <a:off x="9574236" y="3898566"/>
+            <a:ext cx="2233710" cy="695103"/>
           </a:xfrm>
           <a:prstGeom prst="rect">
             <a:avLst/>
@@ -3891,7 +4207,7 @@
             <a:noFill/>
           </a:ln>
           <a:effectLst>
-            <a:glow rad="139700">
+            <a:glow rad="63500">
               <a:schemeClr val="accent1">
                 <a:satMod val="175000"/>
                 <a:alpha val="40000"/>
@@ -3921,272 +4237,39 @@
           <a:p>
             <a:pPr algn="ctr"/>
             <a:r>
-              <a:rPr lang="en-US" sz="2200" noProof="1">
+              <a:rPr lang="en-US" sz="2400" noProof="1">
                 <a:solidFill>
-                  <a:srgbClr val="FFFF00"/>
+                  <a:schemeClr val="bg1"/>
                 </a:solidFill>
               </a:rPr>
-              <a:t>CatalogHeader </a:t>
-            </a:r>
-            <a:r>
-              <a:rPr lang="en-US" sz="2000" noProof="1"/>
-              <a:t>profile of </a:t>
-            </a:r>
-            <a:r>
-              <a:rPr lang="en-US" sz="2200" noProof="1">
-                <a:solidFill>
-                  <a:srgbClr val="FFFF00"/>
-                </a:solidFill>
-              </a:rPr>
-              <a:t>Composition</a:t>
-            </a:r>
-          </a:p>
-        </p:txBody>
-      </p:sp>
-      <p:sp>
-        <p:nvSpPr>
-          <p:cNvPr id="3" name="ZoneTexte 2">
-            <a:extLst>
-              <a:ext uri="{FF2B5EF4-FFF2-40B4-BE49-F238E27FC236}">
-                <a16:creationId xmlns:a16="http://schemas.microsoft.com/office/drawing/2014/main" id="{50DBA933-9565-444C-B7B3-F193880AE287}"/>
-              </a:ext>
-            </a:extLst>
-          </p:cNvPr>
-          <p:cNvSpPr txBox="1"/>
-          <p:nvPr/>
-        </p:nvSpPr>
-        <p:spPr>
-          <a:xfrm>
-            <a:off x="2462934" y="2138351"/>
-            <a:ext cx="1876007" cy="369332"/>
-          </a:xfrm>
-          <a:prstGeom prst="rect">
-            <a:avLst/>
-          </a:prstGeom>
-          <a:noFill/>
-        </p:spPr>
-        <p:txBody>
-          <a:bodyPr wrap="square" rtlCol="0">
-            <a:spAutoFit/>
-          </a:bodyPr>
-          <a:lstStyle/>
-          <a:p>
-            <a:r>
-              <a:rPr lang="en-US" noProof="1"/>
-              <a:t>catalogReference</a:t>
-            </a:r>
-          </a:p>
-        </p:txBody>
-      </p:sp>
-      <p:sp>
-        <p:nvSpPr>
-          <p:cNvPr id="2" name="ZoneTexte 1">
-            <a:extLst>
-              <a:ext uri="{FF2B5EF4-FFF2-40B4-BE49-F238E27FC236}">
-                <a16:creationId xmlns:a16="http://schemas.microsoft.com/office/drawing/2014/main" id="{14C66D9E-6541-4236-87A7-C6FE9DAC58A9}"/>
-              </a:ext>
-            </a:extLst>
-          </p:cNvPr>
-          <p:cNvSpPr txBox="1"/>
-          <p:nvPr/>
-        </p:nvSpPr>
-        <p:spPr>
-          <a:xfrm>
-            <a:off x="3591134" y="604428"/>
-            <a:ext cx="1837542" cy="646331"/>
-          </a:xfrm>
-          <a:prstGeom prst="rect">
-            <a:avLst/>
-          </a:prstGeom>
-          <a:noFill/>
-        </p:spPr>
-        <p:txBody>
-          <a:bodyPr wrap="square" rtlCol="0">
-            <a:spAutoFit/>
-          </a:bodyPr>
-          <a:lstStyle/>
-          <a:p>
-            <a:pPr algn="ctr"/>
-            <a:r>
-              <a:rPr lang="en-US" i="1" noProof="1">
-                <a:solidFill>
-                  <a:schemeClr val="accent1">
-                    <a:lumMod val="60000"/>
-                    <a:lumOff val="40000"/>
-                  </a:schemeClr>
-                </a:solidFill>
-              </a:rPr>
-              <a:t>The catalog of devices</a:t>
-            </a:r>
-          </a:p>
-        </p:txBody>
-      </p:sp>
-      <p:sp>
-        <p:nvSpPr>
-          <p:cNvPr id="4" name="ZoneTexte 3">
-            <a:extLst>
-              <a:ext uri="{FF2B5EF4-FFF2-40B4-BE49-F238E27FC236}">
-                <a16:creationId xmlns:a16="http://schemas.microsoft.com/office/drawing/2014/main" id="{5B6C8461-F70B-415E-81E3-8C60209C46E4}"/>
-              </a:ext>
-            </a:extLst>
-          </p:cNvPr>
-          <p:cNvSpPr txBox="1"/>
-          <p:nvPr/>
-        </p:nvSpPr>
-        <p:spPr>
-          <a:xfrm>
-            <a:off x="2027804" y="2740734"/>
-            <a:ext cx="1093822" cy="369332"/>
-          </a:xfrm>
-          <a:prstGeom prst="rect">
-            <a:avLst/>
-          </a:prstGeom>
-          <a:noFill/>
-        </p:spPr>
-        <p:txBody>
-          <a:bodyPr wrap="square" rtlCol="0">
-            <a:spAutoFit/>
-          </a:bodyPr>
-          <a:lstStyle>
-            <a:defPPr>
-              <a:defRPr lang="fr-FR"/>
-            </a:defPPr>
-            <a:lvl1pPr>
-              <a:defRPr>
-                <a:solidFill>
-                  <a:schemeClr val="accent1">
-                    <a:lumMod val="60000"/>
-                    <a:lumOff val="40000"/>
-                  </a:schemeClr>
-                </a:solidFill>
-              </a:defRPr>
-            </a:lvl1pPr>
-          </a:lstStyle>
-          <a:p>
-            <a:r>
-              <a:rPr lang="en-US" i="1" noProof="1"/>
-              <a:t>A device</a:t>
-            </a:r>
-          </a:p>
-        </p:txBody>
-      </p:sp>
-      <p:sp>
-        <p:nvSpPr>
-          <p:cNvPr id="18" name="Rectangle 17">
-            <a:extLst>
-              <a:ext uri="{FF2B5EF4-FFF2-40B4-BE49-F238E27FC236}">
-                <a16:creationId xmlns:a16="http://schemas.microsoft.com/office/drawing/2014/main" id="{0C4C974C-DB2F-4682-BF37-E5EE73D29411}"/>
-              </a:ext>
-            </a:extLst>
-          </p:cNvPr>
-          <p:cNvSpPr/>
-          <p:nvPr/>
-        </p:nvSpPr>
-        <p:spPr>
-          <a:xfrm>
-            <a:off x="4068149" y="2543740"/>
-            <a:ext cx="340999" cy="196994"/>
-          </a:xfrm>
-          <a:prstGeom prst="rect">
-            <a:avLst/>
-          </a:prstGeom>
-        </p:spPr>
-        <p:style>
-          <a:lnRef idx="2">
-            <a:schemeClr val="accent1">
-              <a:shade val="50000"/>
-            </a:schemeClr>
-          </a:lnRef>
-          <a:fillRef idx="1">
-            <a:schemeClr val="accent1"/>
-          </a:fillRef>
-          <a:effectRef idx="0">
-            <a:schemeClr val="accent1"/>
-          </a:effectRef>
-          <a:fontRef idx="minor">
-            <a:schemeClr val="lt1"/>
-          </a:fontRef>
-        </p:style>
-        <p:txBody>
-          <a:bodyPr rtlCol="0" anchor="ctr"/>
-          <a:lstStyle/>
-          <a:p>
-            <a:pPr algn="ctr"/>
-            <a:endParaRPr lang="fr-FR"/>
-          </a:p>
-        </p:txBody>
-      </p:sp>
-      <p:sp>
-        <p:nvSpPr>
-          <p:cNvPr id="41" name="Rectangle 40">
-            <a:extLst>
-              <a:ext uri="{FF2B5EF4-FFF2-40B4-BE49-F238E27FC236}">
-                <a16:creationId xmlns:a16="http://schemas.microsoft.com/office/drawing/2014/main" id="{9E3AEF37-BE16-41F5-A33B-0A84EFE3DF66}"/>
-              </a:ext>
-            </a:extLst>
-          </p:cNvPr>
-          <p:cNvSpPr/>
-          <p:nvPr/>
-        </p:nvSpPr>
-        <p:spPr>
-          <a:xfrm>
-            <a:off x="4620115" y="2543740"/>
-            <a:ext cx="340999" cy="196994"/>
-          </a:xfrm>
-          <a:prstGeom prst="rect">
-            <a:avLst/>
-          </a:prstGeom>
-        </p:spPr>
-        <p:style>
-          <a:lnRef idx="2">
-            <a:schemeClr val="accent1">
-              <a:shade val="50000"/>
-            </a:schemeClr>
-          </a:lnRef>
-          <a:fillRef idx="1">
-            <a:schemeClr val="accent1"/>
-          </a:fillRef>
-          <a:effectRef idx="0">
-            <a:schemeClr val="accent1"/>
-          </a:effectRef>
-          <a:fontRef idx="minor">
-            <a:schemeClr val="lt1"/>
-          </a:fontRef>
-        </p:style>
-        <p:txBody>
-          <a:bodyPr rtlCol="0" anchor="ctr"/>
-          <a:lstStyle/>
-          <a:p>
-            <a:pPr algn="ctr"/>
-            <a:endParaRPr lang="fr-FR"/>
+              <a:t>ClinicalUseIssue</a:t>
+            </a:r>
           </a:p>
         </p:txBody>
       </p:sp>
       <p:cxnSp>
         <p:nvCxnSpPr>
-          <p:cNvPr id="42" name="Connecteur : en angle 41">
-            <a:extLst>
-              <a:ext uri="{FF2B5EF4-FFF2-40B4-BE49-F238E27FC236}">
-                <a16:creationId xmlns:a16="http://schemas.microsoft.com/office/drawing/2014/main" id="{C691524F-BE17-4970-A666-C3AB18AA5E2B}"/>
+          <p:cNvPr id="80" name="Connecteur : en angle 79">
+            <a:extLst>
+              <a:ext uri="{FF2B5EF4-FFF2-40B4-BE49-F238E27FC236}">
+                <a16:creationId xmlns:a16="http://schemas.microsoft.com/office/drawing/2014/main" id="{290BAD5C-AB7C-4779-B4E3-A264AC253CEE}"/>
               </a:ext>
             </a:extLst>
           </p:cNvPr>
           <p:cNvCxnSpPr>
             <a:cxnSpLocks/>
-            <a:stCxn id="45" idx="2"/>
-            <a:endCxn id="41" idx="0"/>
+            <a:stCxn id="58" idx="3"/>
+            <a:endCxn id="79" idx="0"/>
           </p:cNvCxnSpPr>
           <p:nvPr/>
         </p:nvCxnSpPr>
         <p:spPr>
-          <a:xfrm rot="5400000">
-            <a:off x="5684049" y="696745"/>
-            <a:ext cx="953561" cy="2740428"/>
-          </a:xfrm>
-          <a:prstGeom prst="bentConnector3">
-            <a:avLst>
-              <a:gd name="adj1" fmla="val 50000"/>
-            </a:avLst>
+          <a:xfrm>
+            <a:off x="6390551" y="3503315"/>
+            <a:ext cx="4300540" cy="395251"/>
+          </a:xfrm>
+          <a:prstGeom prst="bentConnector2">
+            <a:avLst/>
           </a:prstGeom>
           <a:ln w="28575">
             <a:headEnd type="none" w="med" len="med"/>
@@ -4210,10 +4293,80 @@
       </p:cxnSp>
       <p:sp>
         <p:nvSpPr>
-          <p:cNvPr id="45" name="Rectangle 44">
-            <a:extLst>
-              <a:ext uri="{FF2B5EF4-FFF2-40B4-BE49-F238E27FC236}">
-                <a16:creationId xmlns:a16="http://schemas.microsoft.com/office/drawing/2014/main" id="{0736E296-AEEF-4E68-85F6-E1F25226C681}"/>
+          <p:cNvPr id="81" name="ZoneTexte 80">
+            <a:extLst>
+              <a:ext uri="{FF2B5EF4-FFF2-40B4-BE49-F238E27FC236}">
+                <a16:creationId xmlns:a16="http://schemas.microsoft.com/office/drawing/2014/main" id="{5389545F-4984-4452-B307-860663536A2F}"/>
+              </a:ext>
+            </a:extLst>
+          </p:cNvPr>
+          <p:cNvSpPr txBox="1"/>
+          <p:nvPr/>
+        </p:nvSpPr>
+        <p:spPr>
+          <a:xfrm>
+            <a:off x="10742920" y="3476113"/>
+            <a:ext cx="578339" cy="369332"/>
+          </a:xfrm>
+          <a:prstGeom prst="rect">
+            <a:avLst/>
+          </a:prstGeom>
+          <a:noFill/>
+        </p:spPr>
+        <p:txBody>
+          <a:bodyPr wrap="square" rtlCol="0">
+            <a:spAutoFit/>
+          </a:bodyPr>
+          <a:lstStyle/>
+          <a:p>
+            <a:r>
+              <a:rPr lang="en-US" noProof="1"/>
+              <a:t>0..*</a:t>
+            </a:r>
+          </a:p>
+        </p:txBody>
+      </p:sp>
+      <p:sp>
+        <p:nvSpPr>
+          <p:cNvPr id="82" name="ZoneTexte 81">
+            <a:extLst>
+              <a:ext uri="{FF2B5EF4-FFF2-40B4-BE49-F238E27FC236}">
+                <a16:creationId xmlns:a16="http://schemas.microsoft.com/office/drawing/2014/main" id="{1F530B13-5A3A-4AEB-81C7-401E072832A9}"/>
+              </a:ext>
+            </a:extLst>
+          </p:cNvPr>
+          <p:cNvSpPr txBox="1"/>
+          <p:nvPr/>
+        </p:nvSpPr>
+        <p:spPr>
+          <a:xfrm>
+            <a:off x="6380037" y="3127544"/>
+            <a:ext cx="4591483" cy="369332"/>
+          </a:xfrm>
+          <a:prstGeom prst="rect">
+            <a:avLst/>
+          </a:prstGeom>
+          <a:noFill/>
+        </p:spPr>
+        <p:txBody>
+          <a:bodyPr wrap="square" rtlCol="0">
+            <a:spAutoFit/>
+          </a:bodyPr>
+          <a:lstStyle/>
+          <a:p>
+            <a:r>
+              <a:rPr lang="en-US" noProof="1"/>
+              <a:t>extensions (indication and/or contraindication)</a:t>
+            </a:r>
+          </a:p>
+        </p:txBody>
+      </p:sp>
+      <p:sp>
+        <p:nvSpPr>
+          <p:cNvPr id="89" name="Rectangle 88">
+            <a:extLst>
+              <a:ext uri="{FF2B5EF4-FFF2-40B4-BE49-F238E27FC236}">
+                <a16:creationId xmlns:a16="http://schemas.microsoft.com/office/drawing/2014/main" id="{B4181FCE-1070-4BAF-ADD0-462DC1C05C24}"/>
               </a:ext>
             </a:extLst>
           </p:cNvPr>
@@ -4222,8 +4375,8 @@
         </p:nvSpPr>
         <p:spPr>
           <a:xfrm>
-            <a:off x="6458124" y="453037"/>
-            <a:ext cx="2145838" cy="1137142"/>
+            <a:off x="3976722" y="5258036"/>
+            <a:ext cx="2056722" cy="930160"/>
           </a:xfrm>
           <a:prstGeom prst="rect">
             <a:avLst/>
@@ -4256,7 +4409,7 @@
             <a:noFill/>
           </a:ln>
           <a:effectLst>
-            <a:glow rad="139700">
+            <a:glow rad="63500">
               <a:schemeClr val="accent1">
                 <a:satMod val="175000"/>
                 <a:alpha val="40000"/>
@@ -4286,34 +4439,68 @@
           <a:p>
             <a:pPr algn="ctr"/>
             <a:r>
-              <a:rPr lang="en-US" sz="2200" noProof="1">
+              <a:rPr lang="en-US" sz="2400" noProof="1">
                 <a:solidFill>
-                  <a:srgbClr val="FFFF00"/>
+                  <a:schemeClr val="bg1"/>
                 </a:solidFill>
               </a:rPr>
-              <a:t>Catalog </a:t>
-            </a:r>
-            <a:r>
-              <a:rPr lang="en-US" sz="2000" noProof="1"/>
-              <a:t>profile of </a:t>
-            </a:r>
-            <a:r>
-              <a:rPr lang="en-US" sz="2200" noProof="1">
-                <a:solidFill>
-                  <a:srgbClr val="FFFF00"/>
-                </a:solidFill>
-              </a:rPr>
-              <a:t>Composition</a:t>
-            </a:r>
-          </a:p>
-        </p:txBody>
-      </p:sp>
-      <p:sp>
-        <p:nvSpPr>
-          <p:cNvPr id="29" name="ZoneTexte 28">
-            <a:extLst>
-              <a:ext uri="{FF2B5EF4-FFF2-40B4-BE49-F238E27FC236}">
-                <a16:creationId xmlns:a16="http://schemas.microsoft.com/office/drawing/2014/main" id="{97CA5B55-E112-4C9D-A240-12E869993473}"/>
+              <a:t>Organization</a:t>
+            </a:r>
+          </a:p>
+        </p:txBody>
+      </p:sp>
+      <p:cxnSp>
+        <p:nvCxnSpPr>
+          <p:cNvPr id="90" name="Connecteur : en angle 89">
+            <a:extLst>
+              <a:ext uri="{FF2B5EF4-FFF2-40B4-BE49-F238E27FC236}">
+                <a16:creationId xmlns:a16="http://schemas.microsoft.com/office/drawing/2014/main" id="{F9123053-3071-4616-B10E-4FB7C7CA9EC0}"/>
+              </a:ext>
+            </a:extLst>
+          </p:cNvPr>
+          <p:cNvCxnSpPr>
+            <a:cxnSpLocks/>
+            <a:stCxn id="11" idx="2"/>
+            <a:endCxn id="89" idx="0"/>
+          </p:cNvCxnSpPr>
+          <p:nvPr/>
+        </p:nvCxnSpPr>
+        <p:spPr>
+          <a:xfrm rot="5400000">
+            <a:off x="4220874" y="4468491"/>
+            <a:ext cx="1573754" cy="5336"/>
+          </a:xfrm>
+          <a:prstGeom prst="bentConnector3">
+            <a:avLst>
+              <a:gd name="adj1" fmla="val 50000"/>
+            </a:avLst>
+          </a:prstGeom>
+          <a:ln w="28575">
+            <a:headEnd type="none" w="med" len="med"/>
+            <a:tailEnd type="arrow" w="med" len="med"/>
+          </a:ln>
+        </p:spPr>
+        <p:style>
+          <a:lnRef idx="1">
+            <a:schemeClr val="accent1"/>
+          </a:lnRef>
+          <a:fillRef idx="0">
+            <a:schemeClr val="accent1"/>
+          </a:fillRef>
+          <a:effectRef idx="0">
+            <a:schemeClr val="accent1"/>
+          </a:effectRef>
+          <a:fontRef idx="minor">
+            <a:schemeClr val="tx1"/>
+          </a:fontRef>
+        </p:style>
+      </p:cxnSp>
+      <p:sp>
+        <p:nvSpPr>
+          <p:cNvPr id="95" name="ZoneTexte 94">
+            <a:extLst>
+              <a:ext uri="{FF2B5EF4-FFF2-40B4-BE49-F238E27FC236}">
+                <a16:creationId xmlns:a16="http://schemas.microsoft.com/office/drawing/2014/main" id="{2667A1F0-8A16-473B-A245-0CBE67791978}"/>
               </a:ext>
             </a:extLst>
           </p:cNvPr>
@@ -4322,8 +4509,8 @@
         </p:nvSpPr>
         <p:spPr>
           <a:xfrm>
-            <a:off x="4278499" y="1894450"/>
-            <a:ext cx="461986" cy="369332"/>
+            <a:off x="2617101" y="3700078"/>
+            <a:ext cx="2568699" cy="369332"/>
           </a:xfrm>
           <a:prstGeom prst="rect">
             <a:avLst/>
@@ -4331,45 +4518,170 @@
           <a:noFill/>
         </p:spPr>
         <p:txBody>
-          <a:bodyPr wrap="none" rtlCol="0">
+          <a:bodyPr wrap="square" rtlCol="0">
             <a:spAutoFit/>
           </a:bodyPr>
           <a:lstStyle/>
           <a:p>
             <a:r>
-              <a:rPr lang="fr-FR" dirty="0">
-                <a:solidFill>
-                  <a:schemeClr val="accent1">
-                    <a:lumMod val="60000"/>
-                    <a:lumOff val="40000"/>
-                  </a:schemeClr>
-                </a:solidFill>
-              </a:rPr>
-              <a:t>OR</a:t>
-            </a:r>
-          </a:p>
-        </p:txBody>
-      </p:sp>
-      <p:sp>
-        <p:nvSpPr>
-          <p:cNvPr id="53" name="Rectangle 52">
-            <a:extLst>
-              <a:ext uri="{FF2B5EF4-FFF2-40B4-BE49-F238E27FC236}">
-                <a16:creationId xmlns:a16="http://schemas.microsoft.com/office/drawing/2014/main" id="{8A9B58A0-C40C-4E52-BF23-72924550E3EC}"/>
-              </a:ext>
-            </a:extLst>
-          </p:cNvPr>
-          <p:cNvSpPr/>
+              <a:rPr lang="en-US" noProof="1"/>
+              <a:t>manufacturerReference</a:t>
+            </a:r>
+          </a:p>
+        </p:txBody>
+      </p:sp>
+      <p:sp>
+        <p:nvSpPr>
+          <p:cNvPr id="96" name="ZoneTexte 95">
+            <a:extLst>
+              <a:ext uri="{FF2B5EF4-FFF2-40B4-BE49-F238E27FC236}">
+                <a16:creationId xmlns:a16="http://schemas.microsoft.com/office/drawing/2014/main" id="{74EFED4F-FE38-405C-86B3-BBBC58145B2E}"/>
+              </a:ext>
+            </a:extLst>
+          </p:cNvPr>
+          <p:cNvSpPr txBox="1"/>
           <p:nvPr/>
         </p:nvSpPr>
         <p:spPr>
           <a:xfrm>
-            <a:off x="5538524" y="2588856"/>
-            <a:ext cx="340999" cy="324520"/>
+            <a:off x="4426743" y="4901835"/>
+            <a:ext cx="578339" cy="369332"/>
           </a:xfrm>
           <a:prstGeom prst="rect">
             <a:avLst/>
           </a:prstGeom>
+          <a:noFill/>
+        </p:spPr>
+        <p:txBody>
+          <a:bodyPr wrap="square" rtlCol="0">
+            <a:spAutoFit/>
+          </a:bodyPr>
+          <a:lstStyle/>
+          <a:p>
+            <a:r>
+              <a:rPr lang="en-US" noProof="1"/>
+              <a:t>0..1</a:t>
+            </a:r>
+          </a:p>
+        </p:txBody>
+      </p:sp>
+      <p:sp>
+        <p:nvSpPr>
+          <p:cNvPr id="34" name="ZoneTexte 33">
+            <a:extLst>
+              <a:ext uri="{FF2B5EF4-FFF2-40B4-BE49-F238E27FC236}">
+                <a16:creationId xmlns:a16="http://schemas.microsoft.com/office/drawing/2014/main" id="{9B988D15-0F5C-4951-8A40-BA21A83A3C85}"/>
+              </a:ext>
+            </a:extLst>
+          </p:cNvPr>
+          <p:cNvSpPr txBox="1"/>
+          <p:nvPr/>
+        </p:nvSpPr>
+        <p:spPr>
+          <a:xfrm>
+            <a:off x="2038673" y="1651952"/>
+            <a:ext cx="661288" cy="369332"/>
+          </a:xfrm>
+          <a:prstGeom prst="rect">
+            <a:avLst/>
+          </a:prstGeom>
+          <a:noFill/>
+        </p:spPr>
+        <p:txBody>
+          <a:bodyPr wrap="square" rtlCol="0">
+            <a:spAutoFit/>
+          </a:bodyPr>
+          <a:lstStyle/>
+          <a:p>
+            <a:r>
+              <a:rPr lang="en-US" noProof="1"/>
+              <a:t>0..*</a:t>
+            </a:r>
+          </a:p>
+        </p:txBody>
+      </p:sp>
+      <p:cxnSp>
+        <p:nvCxnSpPr>
+          <p:cNvPr id="35" name="Connecteur : en angle 34">
+            <a:extLst>
+              <a:ext uri="{FF2B5EF4-FFF2-40B4-BE49-F238E27FC236}">
+                <a16:creationId xmlns:a16="http://schemas.microsoft.com/office/drawing/2014/main" id="{F70BD90F-FD89-4313-9BA2-6807BD61486A}"/>
+              </a:ext>
+            </a:extLst>
+          </p:cNvPr>
+          <p:cNvCxnSpPr>
+            <a:cxnSpLocks/>
+            <a:stCxn id="17" idx="0"/>
+            <a:endCxn id="36" idx="2"/>
+          </p:cNvCxnSpPr>
+          <p:nvPr/>
+        </p:nvCxnSpPr>
+        <p:spPr>
+          <a:xfrm rot="16200000" flipV="1">
+            <a:off x="2887029" y="1351713"/>
+            <a:ext cx="922647" cy="1479569"/>
+          </a:xfrm>
+          <a:prstGeom prst="bentConnector3">
+            <a:avLst>
+              <a:gd name="adj1" fmla="val 50000"/>
+            </a:avLst>
+          </a:prstGeom>
+          <a:ln w="19050">
+            <a:headEnd type="none" w="med" len="med"/>
+            <a:tailEnd type="arrow" w="med" len="med"/>
+          </a:ln>
+        </p:spPr>
+        <p:style>
+          <a:lnRef idx="1">
+            <a:schemeClr val="accent1"/>
+          </a:lnRef>
+          <a:fillRef idx="0">
+            <a:schemeClr val="accent1"/>
+          </a:fillRef>
+          <a:effectRef idx="0">
+            <a:schemeClr val="accent1"/>
+          </a:effectRef>
+          <a:fontRef idx="minor">
+            <a:schemeClr val="tx1"/>
+          </a:fontRef>
+        </p:style>
+      </p:cxnSp>
+      <p:sp>
+        <p:nvSpPr>
+          <p:cNvPr id="36" name="Rectangle 35">
+            <a:extLst>
+              <a:ext uri="{FF2B5EF4-FFF2-40B4-BE49-F238E27FC236}">
+                <a16:creationId xmlns:a16="http://schemas.microsoft.com/office/drawing/2014/main" id="{BFF9D425-FF3A-4814-B9C3-A97951A1754F}"/>
+              </a:ext>
+            </a:extLst>
+          </p:cNvPr>
+          <p:cNvSpPr/>
+          <p:nvPr/>
+        </p:nvSpPr>
+        <p:spPr>
+          <a:xfrm>
+            <a:off x="1472666" y="413886"/>
+            <a:ext cx="2271802" cy="1216288"/>
+          </a:xfrm>
+          <a:prstGeom prst="rect">
+            <a:avLst/>
+          </a:prstGeom>
+          <a:solidFill>
+            <a:schemeClr val="accent6">
+              <a:lumMod val="75000"/>
+            </a:schemeClr>
+          </a:solidFill>
+          <a:ln>
+            <a:noFill/>
+          </a:ln>
+          <a:effectLst>
+            <a:glow rad="63500">
+              <a:schemeClr val="accent6">
+                <a:satMod val="175000"/>
+                <a:alpha val="40000"/>
+              </a:schemeClr>
+            </a:glow>
+          </a:effectLst>
         </p:spPr>
         <p:style>
           <a:lnRef idx="2">
@@ -4392,30 +4704,129 @@
           <a:lstStyle/>
           <a:p>
             <a:pPr algn="ctr"/>
-            <a:endParaRPr lang="fr-FR"/>
-          </a:p>
-        </p:txBody>
-      </p:sp>
-      <p:sp>
-        <p:nvSpPr>
-          <p:cNvPr id="58" name="Rectangle 57">
-            <a:extLst>
-              <a:ext uri="{FF2B5EF4-FFF2-40B4-BE49-F238E27FC236}">
-                <a16:creationId xmlns:a16="http://schemas.microsoft.com/office/drawing/2014/main" id="{543DCC3D-F00F-4A3B-B3E9-1AA7B0D6911F}"/>
-              </a:ext>
-            </a:extLst>
-          </p:cNvPr>
-          <p:cNvSpPr/>
+            <a:r>
+              <a:rPr lang="en-US" sz="2400" noProof="1">
+                <a:solidFill>
+                  <a:srgbClr val="FFFF00"/>
+                </a:solidFill>
+              </a:rPr>
+              <a:t>CatalogHeader profile of Composition</a:t>
+            </a:r>
+          </a:p>
+        </p:txBody>
+      </p:sp>
+      <p:sp>
+        <p:nvSpPr>
+          <p:cNvPr id="37" name="ZoneTexte 36">
+            <a:extLst>
+              <a:ext uri="{FF2B5EF4-FFF2-40B4-BE49-F238E27FC236}">
+                <a16:creationId xmlns:a16="http://schemas.microsoft.com/office/drawing/2014/main" id="{457CC573-B00C-4976-86CC-012E215A1748}"/>
+              </a:ext>
+            </a:extLst>
+          </p:cNvPr>
+          <p:cNvSpPr txBox="1"/>
           <p:nvPr/>
         </p:nvSpPr>
         <p:spPr>
           <a:xfrm>
-            <a:off x="5549038" y="3341055"/>
-            <a:ext cx="340999" cy="324520"/>
+            <a:off x="2496889" y="1744461"/>
+            <a:ext cx="1930294" cy="369332"/>
           </a:xfrm>
           <a:prstGeom prst="rect">
             <a:avLst/>
           </a:prstGeom>
+          <a:noFill/>
+        </p:spPr>
+        <p:txBody>
+          <a:bodyPr wrap="square" rtlCol="0">
+            <a:spAutoFit/>
+          </a:bodyPr>
+          <a:lstStyle/>
+          <a:p>
+            <a:pPr algn="r"/>
+            <a:r>
+              <a:rPr lang="en-US" noProof="1">
+                <a:solidFill>
+                  <a:srgbClr val="0070C0"/>
+                </a:solidFill>
+              </a:rPr>
+              <a:t>catalogReference</a:t>
+            </a:r>
+          </a:p>
+        </p:txBody>
+      </p:sp>
+      <p:sp>
+        <p:nvSpPr>
+          <p:cNvPr id="38" name="ZoneTexte 37">
+            <a:extLst>
+              <a:ext uri="{FF2B5EF4-FFF2-40B4-BE49-F238E27FC236}">
+                <a16:creationId xmlns:a16="http://schemas.microsoft.com/office/drawing/2014/main" id="{73E0FBE3-24E4-4AEB-B07B-4468F80E07B6}"/>
+              </a:ext>
+            </a:extLst>
+          </p:cNvPr>
+          <p:cNvSpPr txBox="1"/>
+          <p:nvPr/>
+        </p:nvSpPr>
+        <p:spPr>
+          <a:xfrm>
+            <a:off x="-45223" y="448754"/>
+            <a:ext cx="1462050" cy="1200329"/>
+          </a:xfrm>
+          <a:prstGeom prst="rect">
+            <a:avLst/>
+          </a:prstGeom>
+          <a:noFill/>
+        </p:spPr>
+        <p:txBody>
+          <a:bodyPr wrap="square" rtlCol="0">
+            <a:spAutoFit/>
+          </a:bodyPr>
+          <a:lstStyle/>
+          <a:p>
+            <a:pPr algn="r"/>
+            <a:r>
+              <a:rPr lang="en-US" i="1" noProof="1"/>
+              <a:t>a catalog of devices handled with method 2</a:t>
+            </a:r>
+          </a:p>
+        </p:txBody>
+      </p:sp>
+      <p:sp>
+        <p:nvSpPr>
+          <p:cNvPr id="40" name="Rectangle 39">
+            <a:extLst>
+              <a:ext uri="{FF2B5EF4-FFF2-40B4-BE49-F238E27FC236}">
+                <a16:creationId xmlns:a16="http://schemas.microsoft.com/office/drawing/2014/main" id="{412F768F-728D-4CCA-8D21-D83D721FC7AD}"/>
+              </a:ext>
+            </a:extLst>
+          </p:cNvPr>
+          <p:cNvSpPr/>
+          <p:nvPr/>
+        </p:nvSpPr>
+        <p:spPr>
+          <a:xfrm>
+            <a:off x="6783709" y="413886"/>
+            <a:ext cx="2213695" cy="1270066"/>
+          </a:xfrm>
+          <a:prstGeom prst="rect">
+            <a:avLst/>
+          </a:prstGeom>
+          <a:solidFill>
+            <a:schemeClr val="accent4">
+              <a:lumMod val="50000"/>
+            </a:schemeClr>
+          </a:solidFill>
+          <a:ln>
+            <a:noFill/>
+          </a:ln>
+          <a:effectLst>
+            <a:glow rad="63500">
+              <a:schemeClr val="accent2">
+                <a:satMod val="175000"/>
+                <a:alpha val="40000"/>
+              </a:schemeClr>
+            </a:glow>
+          </a:effectLst>
         </p:spPr>
         <p:style>
           <a:lnRef idx="2">
@@ -4438,40 +4849,46 @@
           <a:lstStyle/>
           <a:p>
             <a:pPr algn="ctr"/>
-            <a:endParaRPr lang="fr-FR"/>
+            <a:r>
+              <a:rPr lang="en-US" sz="2400" noProof="1">
+                <a:solidFill>
+                  <a:srgbClr val="FFFF00"/>
+                </a:solidFill>
+              </a:rPr>
+              <a:t>Catalog profile of Composition</a:t>
+            </a:r>
           </a:p>
         </p:txBody>
       </p:sp>
       <p:cxnSp>
         <p:nvCxnSpPr>
-          <p:cNvPr id="59" name="Connecteur : en angle 58">
-            <a:extLst>
-              <a:ext uri="{FF2B5EF4-FFF2-40B4-BE49-F238E27FC236}">
-                <a16:creationId xmlns:a16="http://schemas.microsoft.com/office/drawing/2014/main" id="{C516C08B-E656-4E4A-B0B6-18D2A2D32D0D}"/>
+          <p:cNvPr id="43" name="Connecteur : en angle 42">
+            <a:extLst>
+              <a:ext uri="{FF2B5EF4-FFF2-40B4-BE49-F238E27FC236}">
+                <a16:creationId xmlns:a16="http://schemas.microsoft.com/office/drawing/2014/main" id="{72C33B5B-AE81-4337-A063-3C000F869484}"/>
               </a:ext>
             </a:extLst>
           </p:cNvPr>
           <p:cNvCxnSpPr>
             <a:cxnSpLocks/>
-            <a:stCxn id="53" idx="0"/>
-            <a:endCxn id="53" idx="3"/>
+            <a:stCxn id="57" idx="0"/>
+            <a:endCxn id="40" idx="2"/>
           </p:cNvCxnSpPr>
           <p:nvPr/>
         </p:nvCxnSpPr>
         <p:spPr>
-          <a:xfrm rot="16200000" flipH="1">
-            <a:off x="5713143" y="2584737"/>
-            <a:ext cx="162260" cy="170499"/>
-          </a:xfrm>
-          <a:prstGeom prst="bentConnector4">
+          <a:xfrm rot="5400000" flipH="1" flipV="1">
+            <a:off x="6347142" y="1009406"/>
+            <a:ext cx="868869" cy="2217962"/>
+          </a:xfrm>
+          <a:prstGeom prst="bentConnector3">
             <a:avLst>
-              <a:gd name="adj1" fmla="val -140885"/>
-              <a:gd name="adj2" fmla="val 234077"/>
+              <a:gd name="adj1" fmla="val 50000"/>
             </a:avLst>
           </a:prstGeom>
-          <a:ln w="28575">
-            <a:headEnd type="none" w="med" len="med"/>
-            <a:tailEnd type="arrow" w="med" len="med"/>
+          <a:ln w="19050">
+            <a:headEnd type="arrow" w="med" len="med"/>
+            <a:tailEnd type="none" w="med" len="med"/>
           </a:ln>
         </p:spPr>
         <p:style>
@@ -4491,10 +4908,10 @@
       </p:cxnSp>
       <p:sp>
         <p:nvSpPr>
-          <p:cNvPr id="64" name="ZoneTexte 63">
-            <a:extLst>
-              <a:ext uri="{FF2B5EF4-FFF2-40B4-BE49-F238E27FC236}">
-                <a16:creationId xmlns:a16="http://schemas.microsoft.com/office/drawing/2014/main" id="{8557EF42-0914-4611-94A2-C378FCA4C870}"/>
+          <p:cNvPr id="44" name="ZoneTexte 43">
+            <a:extLst>
+              <a:ext uri="{FF2B5EF4-FFF2-40B4-BE49-F238E27FC236}">
+                <a16:creationId xmlns:a16="http://schemas.microsoft.com/office/drawing/2014/main" id="{1B57AAC5-78BC-45F2-8314-02D3DDD14B0C}"/>
               </a:ext>
             </a:extLst>
           </p:cNvPr>
@@ -4503,8 +4920,8 @@
         </p:nvSpPr>
         <p:spPr>
           <a:xfrm>
-            <a:off x="6068685" y="2272905"/>
-            <a:ext cx="1496240" cy="369332"/>
+            <a:off x="5153822" y="2180974"/>
+            <a:ext cx="610436" cy="369332"/>
           </a:xfrm>
           <a:prstGeom prst="rect">
             <a:avLst/>
@@ -4519,17 +4936,91 @@
           <a:p>
             <a:r>
               <a:rPr lang="en-US" noProof="1"/>
-              <a:t>parentDevice</a:t>
-            </a:r>
-          </a:p>
-        </p:txBody>
-      </p:sp>
-      <p:sp>
-        <p:nvSpPr>
-          <p:cNvPr id="66" name="Rectangle 65">
-            <a:extLst>
-              <a:ext uri="{FF2B5EF4-FFF2-40B4-BE49-F238E27FC236}">
-                <a16:creationId xmlns:a16="http://schemas.microsoft.com/office/drawing/2014/main" id="{6B69C40E-C7DB-4EAD-B7F6-14CA889E4DD5}"/>
+              <a:t>0..*</a:t>
+            </a:r>
+          </a:p>
+        </p:txBody>
+      </p:sp>
+      <p:sp>
+        <p:nvSpPr>
+          <p:cNvPr id="46" name="ZoneTexte 45">
+            <a:extLst>
+              <a:ext uri="{FF2B5EF4-FFF2-40B4-BE49-F238E27FC236}">
+                <a16:creationId xmlns:a16="http://schemas.microsoft.com/office/drawing/2014/main" id="{C4C1B98C-7E29-450E-B919-AC43FD871321}"/>
+              </a:ext>
+            </a:extLst>
+          </p:cNvPr>
+          <p:cNvSpPr txBox="1"/>
+          <p:nvPr/>
+        </p:nvSpPr>
+        <p:spPr>
+          <a:xfrm>
+            <a:off x="8997404" y="587254"/>
+            <a:ext cx="2045840" cy="923330"/>
+          </a:xfrm>
+          <a:prstGeom prst="rect">
+            <a:avLst/>
+          </a:prstGeom>
+          <a:noFill/>
+        </p:spPr>
+        <p:txBody>
+          <a:bodyPr wrap="square" rtlCol="0">
+            <a:spAutoFit/>
+          </a:bodyPr>
+          <a:lstStyle/>
+          <a:p>
+            <a:r>
+              <a:rPr lang="en-US" i="1" noProof="1"/>
+              <a:t>A catalog of devices handled with method 1</a:t>
+            </a:r>
+          </a:p>
+        </p:txBody>
+      </p:sp>
+      <p:sp>
+        <p:nvSpPr>
+          <p:cNvPr id="47" name="ZoneTexte 46">
+            <a:extLst>
+              <a:ext uri="{FF2B5EF4-FFF2-40B4-BE49-F238E27FC236}">
+                <a16:creationId xmlns:a16="http://schemas.microsoft.com/office/drawing/2014/main" id="{00B55C70-3998-4376-8DCC-4E262B2575DC}"/>
+              </a:ext>
+            </a:extLst>
+          </p:cNvPr>
+          <p:cNvSpPr txBox="1"/>
+          <p:nvPr/>
+        </p:nvSpPr>
+        <p:spPr>
+          <a:xfrm>
+            <a:off x="6499393" y="1751834"/>
+            <a:ext cx="1566041" cy="369332"/>
+          </a:xfrm>
+          <a:prstGeom prst="rect">
+            <a:avLst/>
+          </a:prstGeom>
+          <a:noFill/>
+        </p:spPr>
+        <p:txBody>
+          <a:bodyPr wrap="square" rtlCol="0">
+            <a:spAutoFit/>
+          </a:bodyPr>
+          <a:lstStyle/>
+          <a:p>
+            <a:r>
+              <a:rPr lang="en-US" noProof="1">
+                <a:solidFill>
+                  <a:srgbClr val="0070C0"/>
+                </a:solidFill>
+              </a:rPr>
+              <a:t>section.entry</a:t>
+            </a:r>
+          </a:p>
+        </p:txBody>
+      </p:sp>
+      <p:sp>
+        <p:nvSpPr>
+          <p:cNvPr id="17" name="Rectangle 16">
+            <a:extLst>
+              <a:ext uri="{FF2B5EF4-FFF2-40B4-BE49-F238E27FC236}">
+                <a16:creationId xmlns:a16="http://schemas.microsoft.com/office/drawing/2014/main" id="{E989523E-2435-438C-B1CA-FBD07084180E}"/>
               </a:ext>
             </a:extLst>
           </p:cNvPr>
@@ -4538,8 +5029,8 @@
         </p:nvSpPr>
         <p:spPr>
           <a:xfrm>
-            <a:off x="3150838" y="3335042"/>
-            <a:ext cx="539154" cy="324520"/>
+            <a:off x="3976722" y="2552821"/>
+            <a:ext cx="222828" cy="196994"/>
           </a:xfrm>
           <a:prstGeom prst="rect">
             <a:avLst/>
@@ -4572,115 +5063,56 @@
       </p:sp>
       <p:sp>
         <p:nvSpPr>
-          <p:cNvPr id="76" name="ZoneTexte 75">
-            <a:extLst>
-              <a:ext uri="{FF2B5EF4-FFF2-40B4-BE49-F238E27FC236}">
-                <a16:creationId xmlns:a16="http://schemas.microsoft.com/office/drawing/2014/main" id="{B05F6BC9-EFBF-45EC-B798-E8D5951D77BE}"/>
-              </a:ext>
-            </a:extLst>
-          </p:cNvPr>
-          <p:cNvSpPr txBox="1"/>
+          <p:cNvPr id="57" name="Rectangle 56">
+            <a:extLst>
+              <a:ext uri="{FF2B5EF4-FFF2-40B4-BE49-F238E27FC236}">
+                <a16:creationId xmlns:a16="http://schemas.microsoft.com/office/drawing/2014/main" id="{E55DC401-764A-4F06-AE91-26F204CC7A94}"/>
+              </a:ext>
+            </a:extLst>
+          </p:cNvPr>
+          <p:cNvSpPr/>
           <p:nvPr/>
         </p:nvSpPr>
         <p:spPr>
           <a:xfrm>
-            <a:off x="7564924" y="1562210"/>
-            <a:ext cx="1476440" cy="369332"/>
+            <a:off x="5561181" y="2552821"/>
+            <a:ext cx="222828" cy="196994"/>
           </a:xfrm>
           <a:prstGeom prst="rect">
             <a:avLst/>
           </a:prstGeom>
-          <a:noFill/>
-        </p:spPr>
-        <p:txBody>
-          <a:bodyPr wrap="square" rtlCol="0">
-            <a:spAutoFit/>
-          </a:bodyPr>
-          <a:lstStyle/>
-          <a:p>
-            <a:r>
-              <a:rPr lang="en-US" noProof="1"/>
-              <a:t>section.entry</a:t>
-            </a:r>
-          </a:p>
-        </p:txBody>
-      </p:sp>
-      <p:sp>
-        <p:nvSpPr>
-          <p:cNvPr id="77" name="ZoneTexte 76">
-            <a:extLst>
-              <a:ext uri="{FF2B5EF4-FFF2-40B4-BE49-F238E27FC236}">
-                <a16:creationId xmlns:a16="http://schemas.microsoft.com/office/drawing/2014/main" id="{A44F8136-AB90-42A9-BEB4-8FF927B27FF7}"/>
-              </a:ext>
-            </a:extLst>
-          </p:cNvPr>
-          <p:cNvSpPr txBox="1"/>
-          <p:nvPr/>
-        </p:nvSpPr>
-        <p:spPr>
-          <a:xfrm>
-            <a:off x="4790614" y="2079116"/>
-            <a:ext cx="607145" cy="369332"/>
-          </a:xfrm>
-          <a:prstGeom prst="rect">
-            <a:avLst/>
-          </a:prstGeom>
-          <a:noFill/>
-        </p:spPr>
-        <p:txBody>
-          <a:bodyPr wrap="square" rtlCol="0">
-            <a:spAutoFit/>
-          </a:bodyPr>
-          <a:lstStyle/>
-          <a:p>
-            <a:r>
-              <a:rPr lang="en-US" noProof="1"/>
-              <a:t>0..*</a:t>
-            </a:r>
-          </a:p>
-        </p:txBody>
-      </p:sp>
-      <p:sp>
-        <p:nvSpPr>
-          <p:cNvPr id="78" name="ZoneTexte 77">
-            <a:extLst>
-              <a:ext uri="{FF2B5EF4-FFF2-40B4-BE49-F238E27FC236}">
-                <a16:creationId xmlns:a16="http://schemas.microsoft.com/office/drawing/2014/main" id="{AC4046A4-D232-473B-9F2D-9F7674566BF4}"/>
-              </a:ext>
-            </a:extLst>
-          </p:cNvPr>
-          <p:cNvSpPr txBox="1"/>
-          <p:nvPr/>
-        </p:nvSpPr>
-        <p:spPr>
-          <a:xfrm>
-            <a:off x="6187258" y="2545899"/>
-            <a:ext cx="607145" cy="369332"/>
-          </a:xfrm>
-          <a:prstGeom prst="rect">
-            <a:avLst/>
-          </a:prstGeom>
-          <a:noFill/>
-        </p:spPr>
-        <p:txBody>
-          <a:bodyPr wrap="square" rtlCol="0">
-            <a:spAutoFit/>
-          </a:bodyPr>
-          <a:lstStyle/>
-          <a:p>
-            <a:r>
-              <a:rPr lang="en-US" noProof="1"/>
-              <a:t>0..*</a:t>
-            </a:r>
-          </a:p>
-        </p:txBody>
-      </p:sp>
-      <p:sp>
-        <p:nvSpPr>
-          <p:cNvPr id="79" name="Rectangle 78">
-            <a:extLst>
-              <a:ext uri="{FF2B5EF4-FFF2-40B4-BE49-F238E27FC236}">
-                <a16:creationId xmlns:a16="http://schemas.microsoft.com/office/drawing/2014/main" id="{76A7440C-B119-49C9-9B9C-97837351B98B}"/>
+        </p:spPr>
+        <p:style>
+          <a:lnRef idx="2">
+            <a:schemeClr val="accent1">
+              <a:shade val="50000"/>
+            </a:schemeClr>
+          </a:lnRef>
+          <a:fillRef idx="1">
+            <a:schemeClr val="accent1"/>
+          </a:fillRef>
+          <a:effectRef idx="0">
+            <a:schemeClr val="accent1"/>
+          </a:effectRef>
+          <a:fontRef idx="minor">
+            <a:schemeClr val="lt1"/>
+          </a:fontRef>
+        </p:style>
+        <p:txBody>
+          <a:bodyPr rtlCol="0" anchor="ctr"/>
+          <a:lstStyle/>
+          <a:p>
+            <a:pPr algn="ctr"/>
+            <a:endParaRPr lang="fr-FR"/>
+          </a:p>
+        </p:txBody>
+      </p:sp>
+      <p:sp>
+        <p:nvSpPr>
+          <p:cNvPr id="11" name="Rectangle 10">
+            <a:extLst>
+              <a:ext uri="{FF2B5EF4-FFF2-40B4-BE49-F238E27FC236}">
+                <a16:creationId xmlns:a16="http://schemas.microsoft.com/office/drawing/2014/main" id="{E2B1908B-CC45-41BD-BE20-7F25C0BD8D17}"/>
               </a:ext>
             </a:extLst>
           </p:cNvPr>
@@ -4689,8 +5121,8 @@
         </p:nvSpPr>
         <p:spPr>
           <a:xfrm>
-            <a:off x="9574236" y="3898566"/>
-            <a:ext cx="2233710" cy="695103"/>
+            <a:off x="3622139" y="2543740"/>
+            <a:ext cx="2776560" cy="1140542"/>
           </a:xfrm>
           <a:prstGeom prst="rect">
             <a:avLst/>
@@ -4723,7 +5155,7 @@
             <a:noFill/>
           </a:ln>
           <a:effectLst>
-            <a:glow rad="139700">
+            <a:glow rad="63500">
               <a:schemeClr val="accent1">
                 <a:satMod val="175000"/>
                 <a:alpha val="40000"/>
@@ -4753,639 +5185,23 @@
           <a:p>
             <a:pPr algn="ctr"/>
             <a:r>
-              <a:rPr lang="en-US" sz="2200" noProof="1">
-                <a:solidFill>
-                  <a:srgbClr val="FFFF00"/>
-                </a:solidFill>
-              </a:rPr>
-              <a:t>ClinicalUseIssue</a:t>
-            </a:r>
-          </a:p>
-        </p:txBody>
-      </p:sp>
-      <p:cxnSp>
-        <p:nvCxnSpPr>
-          <p:cNvPr id="80" name="Connecteur : en angle 79">
-            <a:extLst>
-              <a:ext uri="{FF2B5EF4-FFF2-40B4-BE49-F238E27FC236}">
-                <a16:creationId xmlns:a16="http://schemas.microsoft.com/office/drawing/2014/main" id="{290BAD5C-AB7C-4779-B4E3-A264AC253CEE}"/>
-              </a:ext>
-            </a:extLst>
-          </p:cNvPr>
-          <p:cNvCxnSpPr>
-            <a:cxnSpLocks/>
-            <a:stCxn id="58" idx="3"/>
-            <a:endCxn id="79" idx="0"/>
-          </p:cNvCxnSpPr>
-          <p:nvPr/>
-        </p:nvCxnSpPr>
-        <p:spPr>
-          <a:xfrm>
-            <a:off x="5890037" y="3503315"/>
-            <a:ext cx="4801054" cy="395251"/>
-          </a:xfrm>
-          <a:prstGeom prst="bentConnector2">
-            <a:avLst/>
-          </a:prstGeom>
-          <a:ln w="28575">
-            <a:headEnd type="none" w="med" len="med"/>
-            <a:tailEnd type="arrow" w="med" len="med"/>
-          </a:ln>
-        </p:spPr>
-        <p:style>
-          <a:lnRef idx="1">
-            <a:schemeClr val="accent1"/>
-          </a:lnRef>
-          <a:fillRef idx="0">
-            <a:schemeClr val="accent1"/>
-          </a:fillRef>
-          <a:effectRef idx="0">
-            <a:schemeClr val="accent1"/>
-          </a:effectRef>
-          <a:fontRef idx="minor">
-            <a:schemeClr val="tx1"/>
-          </a:fontRef>
-        </p:style>
-      </p:cxnSp>
-      <p:sp>
-        <p:nvSpPr>
-          <p:cNvPr id="81" name="ZoneTexte 80">
-            <a:extLst>
-              <a:ext uri="{FF2B5EF4-FFF2-40B4-BE49-F238E27FC236}">
-                <a16:creationId xmlns:a16="http://schemas.microsoft.com/office/drawing/2014/main" id="{5389545F-4984-4452-B307-860663536A2F}"/>
-              </a:ext>
-            </a:extLst>
-          </p:cNvPr>
-          <p:cNvSpPr txBox="1"/>
-          <p:nvPr/>
-        </p:nvSpPr>
-        <p:spPr>
-          <a:xfrm>
-            <a:off x="10742920" y="3476113"/>
-            <a:ext cx="578339" cy="369332"/>
-          </a:xfrm>
-          <a:prstGeom prst="rect">
-            <a:avLst/>
-          </a:prstGeom>
-          <a:noFill/>
-        </p:spPr>
-        <p:txBody>
-          <a:bodyPr wrap="square" rtlCol="0">
-            <a:spAutoFit/>
-          </a:bodyPr>
-          <a:lstStyle/>
-          <a:p>
-            <a:r>
-              <a:rPr lang="en-US" noProof="1"/>
-              <a:t>0..*</a:t>
-            </a:r>
-          </a:p>
-        </p:txBody>
-      </p:sp>
-      <p:sp>
-        <p:nvSpPr>
-          <p:cNvPr id="82" name="ZoneTexte 81">
-            <a:extLst>
-              <a:ext uri="{FF2B5EF4-FFF2-40B4-BE49-F238E27FC236}">
-                <a16:creationId xmlns:a16="http://schemas.microsoft.com/office/drawing/2014/main" id="{1F530B13-5A3A-4AEB-81C7-401E072832A9}"/>
-              </a:ext>
-            </a:extLst>
-          </p:cNvPr>
-          <p:cNvSpPr txBox="1"/>
-          <p:nvPr/>
-        </p:nvSpPr>
-        <p:spPr>
-          <a:xfrm>
-            <a:off x="5876734" y="3115955"/>
-            <a:ext cx="4591483" cy="369332"/>
-          </a:xfrm>
-          <a:prstGeom prst="rect">
-            <a:avLst/>
-          </a:prstGeom>
-          <a:noFill/>
-        </p:spPr>
-        <p:txBody>
-          <a:bodyPr wrap="square" rtlCol="0">
-            <a:spAutoFit/>
-          </a:bodyPr>
-          <a:lstStyle/>
-          <a:p>
-            <a:r>
-              <a:rPr lang="en-US" noProof="1"/>
-              <a:t>extensions (indication and/or contraindication)</a:t>
-            </a:r>
-          </a:p>
-        </p:txBody>
-      </p:sp>
-      <p:sp>
-        <p:nvSpPr>
-          <p:cNvPr id="83" name="Rectangle 82">
-            <a:extLst>
-              <a:ext uri="{FF2B5EF4-FFF2-40B4-BE49-F238E27FC236}">
-                <a16:creationId xmlns:a16="http://schemas.microsoft.com/office/drawing/2014/main" id="{02805C96-98FA-44E6-98D0-E2038946710E}"/>
-              </a:ext>
-            </a:extLst>
-          </p:cNvPr>
-          <p:cNvSpPr/>
-          <p:nvPr/>
-        </p:nvSpPr>
-        <p:spPr>
-          <a:xfrm>
-            <a:off x="9171993" y="5355771"/>
-            <a:ext cx="2635953" cy="942890"/>
-          </a:xfrm>
-          <a:prstGeom prst="rect">
-            <a:avLst/>
-          </a:prstGeom>
-          <a:gradFill flip="none" rotWithShape="1">
-            <a:gsLst>
-              <a:gs pos="0">
-                <a:schemeClr val="accent1">
-                  <a:shade val="30000"/>
-                  <a:satMod val="115000"/>
-                </a:schemeClr>
-              </a:gs>
-              <a:gs pos="50000">
-                <a:schemeClr val="accent1">
-                  <a:shade val="67500"/>
-                  <a:satMod val="115000"/>
-                </a:schemeClr>
-              </a:gs>
-              <a:gs pos="100000">
-                <a:schemeClr val="accent1">
-                  <a:shade val="100000"/>
-                  <a:satMod val="115000"/>
-                </a:schemeClr>
-              </a:gs>
-            </a:gsLst>
-            <a:lin ang="0" scaled="1"/>
-            <a:tileRect/>
-          </a:gradFill>
-          <a:ln>
-            <a:noFill/>
-          </a:ln>
-          <a:effectLst>
-            <a:glow rad="139700">
-              <a:schemeClr val="accent1">
-                <a:satMod val="175000"/>
-                <a:alpha val="40000"/>
-              </a:schemeClr>
-            </a:glow>
-          </a:effectLst>
-        </p:spPr>
-        <p:style>
-          <a:lnRef idx="2">
-            <a:schemeClr val="accent1">
-              <a:shade val="50000"/>
-            </a:schemeClr>
-          </a:lnRef>
-          <a:fillRef idx="1">
-            <a:schemeClr val="accent1"/>
-          </a:fillRef>
-          <a:effectRef idx="0">
-            <a:schemeClr val="accent1"/>
-          </a:effectRef>
-          <a:fontRef idx="minor">
-            <a:schemeClr val="lt1"/>
-          </a:fontRef>
-        </p:style>
-        <p:txBody>
-          <a:bodyPr rtlCol="0" anchor="ctr"/>
-          <a:lstStyle/>
-          <a:p>
-            <a:pPr algn="ctr"/>
-            <a:r>
-              <a:rPr lang="en-US" sz="2200" noProof="1">
-                <a:solidFill>
-                  <a:srgbClr val="FFFF00"/>
-                </a:solidFill>
-              </a:rPr>
-              <a:t>DocumentReference</a:t>
-            </a:r>
-          </a:p>
-        </p:txBody>
-      </p:sp>
-      <p:cxnSp>
-        <p:nvCxnSpPr>
-          <p:cNvPr id="84" name="Connecteur : en angle 83">
-            <a:extLst>
-              <a:ext uri="{FF2B5EF4-FFF2-40B4-BE49-F238E27FC236}">
-                <a16:creationId xmlns:a16="http://schemas.microsoft.com/office/drawing/2014/main" id="{B18F4A4C-959C-4537-89D2-256F7A61E632}"/>
-              </a:ext>
-            </a:extLst>
-          </p:cNvPr>
-          <p:cNvCxnSpPr>
-            <a:cxnSpLocks/>
-            <a:stCxn id="58" idx="2"/>
-            <a:endCxn id="83" idx="1"/>
-          </p:cNvCxnSpPr>
-          <p:nvPr/>
-        </p:nvCxnSpPr>
-        <p:spPr>
-          <a:xfrm rot="16200000" flipH="1">
-            <a:off x="6364945" y="3020167"/>
-            <a:ext cx="2161641" cy="3452455"/>
-          </a:xfrm>
-          <a:prstGeom prst="bentConnector2">
-            <a:avLst/>
-          </a:prstGeom>
-          <a:ln w="28575">
-            <a:headEnd type="none" w="med" len="med"/>
-            <a:tailEnd type="arrow" w="med" len="med"/>
-          </a:ln>
-        </p:spPr>
-        <p:style>
-          <a:lnRef idx="1">
-            <a:schemeClr val="accent1"/>
-          </a:lnRef>
-          <a:fillRef idx="0">
-            <a:schemeClr val="accent1"/>
-          </a:fillRef>
-          <a:effectRef idx="0">
-            <a:schemeClr val="accent1"/>
-          </a:effectRef>
-          <a:fontRef idx="minor">
-            <a:schemeClr val="tx1"/>
-          </a:fontRef>
-        </p:style>
-      </p:cxnSp>
-      <p:sp>
-        <p:nvSpPr>
-          <p:cNvPr id="86" name="ZoneTexte 85">
-            <a:extLst>
-              <a:ext uri="{FF2B5EF4-FFF2-40B4-BE49-F238E27FC236}">
-                <a16:creationId xmlns:a16="http://schemas.microsoft.com/office/drawing/2014/main" id="{B823AA54-C27A-459E-86E3-E5AF43BF9955}"/>
-              </a:ext>
-            </a:extLst>
-          </p:cNvPr>
-          <p:cNvSpPr txBox="1"/>
-          <p:nvPr/>
-        </p:nvSpPr>
-        <p:spPr>
-          <a:xfrm>
-            <a:off x="5719537" y="3720339"/>
-            <a:ext cx="2127663" cy="369332"/>
-          </a:xfrm>
-          <a:prstGeom prst="rect">
-            <a:avLst/>
-          </a:prstGeom>
-          <a:noFill/>
-        </p:spPr>
-        <p:txBody>
-          <a:bodyPr wrap="square" rtlCol="0">
-            <a:spAutoFit/>
-          </a:bodyPr>
-          <a:lstStyle/>
-          <a:p>
-            <a:r>
-              <a:rPr lang="en-US" noProof="1"/>
-              <a:t>extension</a:t>
-            </a:r>
-          </a:p>
-        </p:txBody>
-      </p:sp>
-      <p:sp>
-        <p:nvSpPr>
-          <p:cNvPr id="87" name="ZoneTexte 86">
-            <a:extLst>
-              <a:ext uri="{FF2B5EF4-FFF2-40B4-BE49-F238E27FC236}">
-                <a16:creationId xmlns:a16="http://schemas.microsoft.com/office/drawing/2014/main" id="{C752915E-DFE4-4928-86D0-B319DA9126BD}"/>
-              </a:ext>
-            </a:extLst>
-          </p:cNvPr>
-          <p:cNvSpPr txBox="1"/>
-          <p:nvPr/>
-        </p:nvSpPr>
-        <p:spPr>
-          <a:xfrm>
-            <a:off x="8570250" y="5457884"/>
-            <a:ext cx="578339" cy="369332"/>
-          </a:xfrm>
-          <a:prstGeom prst="rect">
-            <a:avLst/>
-          </a:prstGeom>
-          <a:noFill/>
-        </p:spPr>
-        <p:txBody>
-          <a:bodyPr wrap="square" rtlCol="0">
-            <a:spAutoFit/>
-          </a:bodyPr>
-          <a:lstStyle/>
-          <a:p>
-            <a:r>
-              <a:rPr lang="en-US" noProof="1"/>
-              <a:t>0..*</a:t>
-            </a:r>
-          </a:p>
-        </p:txBody>
-      </p:sp>
-      <p:sp>
-        <p:nvSpPr>
-          <p:cNvPr id="89" name="Rectangle 88">
-            <a:extLst>
-              <a:ext uri="{FF2B5EF4-FFF2-40B4-BE49-F238E27FC236}">
-                <a16:creationId xmlns:a16="http://schemas.microsoft.com/office/drawing/2014/main" id="{B4181FCE-1070-4BAF-ADD0-462DC1C05C24}"/>
-              </a:ext>
-            </a:extLst>
-          </p:cNvPr>
-          <p:cNvSpPr/>
-          <p:nvPr/>
-        </p:nvSpPr>
-        <p:spPr>
-          <a:xfrm>
-            <a:off x="3657599" y="5355770"/>
-            <a:ext cx="1693939" cy="734691"/>
-          </a:xfrm>
-          <a:prstGeom prst="rect">
-            <a:avLst/>
-          </a:prstGeom>
-          <a:gradFill flip="none" rotWithShape="1">
-            <a:gsLst>
-              <a:gs pos="0">
-                <a:schemeClr val="accent1">
-                  <a:shade val="30000"/>
-                  <a:satMod val="115000"/>
-                </a:schemeClr>
-              </a:gs>
-              <a:gs pos="50000">
-                <a:schemeClr val="accent1">
-                  <a:shade val="67500"/>
-                  <a:satMod val="115000"/>
-                </a:schemeClr>
-              </a:gs>
-              <a:gs pos="100000">
-                <a:schemeClr val="accent1">
-                  <a:shade val="100000"/>
-                  <a:satMod val="115000"/>
-                </a:schemeClr>
-              </a:gs>
-            </a:gsLst>
-            <a:lin ang="0" scaled="1"/>
-            <a:tileRect/>
-          </a:gradFill>
-          <a:ln>
-            <a:noFill/>
-          </a:ln>
-          <a:effectLst>
-            <a:glow rad="139700">
-              <a:schemeClr val="accent1">
-                <a:satMod val="175000"/>
-                <a:alpha val="40000"/>
-              </a:schemeClr>
-            </a:glow>
-          </a:effectLst>
-        </p:spPr>
-        <p:style>
-          <a:lnRef idx="2">
-            <a:schemeClr val="accent1">
-              <a:shade val="50000"/>
-            </a:schemeClr>
-          </a:lnRef>
-          <a:fillRef idx="1">
-            <a:schemeClr val="accent1"/>
-          </a:fillRef>
-          <a:effectRef idx="0">
-            <a:schemeClr val="accent1"/>
-          </a:effectRef>
-          <a:fontRef idx="minor">
-            <a:schemeClr val="lt1"/>
-          </a:fontRef>
-        </p:style>
-        <p:txBody>
-          <a:bodyPr rtlCol="0" anchor="ctr"/>
-          <a:lstStyle/>
-          <a:p>
-            <a:pPr algn="ctr"/>
-            <a:r>
-              <a:rPr lang="en-US" sz="2200" noProof="1">
-                <a:solidFill>
-                  <a:srgbClr val="FFFF00"/>
-                </a:solidFill>
-              </a:rPr>
-              <a:t>Organization</a:t>
-            </a:r>
-          </a:p>
-        </p:txBody>
-      </p:sp>
-      <p:cxnSp>
-        <p:nvCxnSpPr>
-          <p:cNvPr id="90" name="Connecteur : en angle 89">
-            <a:extLst>
-              <a:ext uri="{FF2B5EF4-FFF2-40B4-BE49-F238E27FC236}">
-                <a16:creationId xmlns:a16="http://schemas.microsoft.com/office/drawing/2014/main" id="{F9123053-3071-4616-B10E-4FB7C7CA9EC0}"/>
-              </a:ext>
-            </a:extLst>
-          </p:cNvPr>
-          <p:cNvCxnSpPr>
-            <a:cxnSpLocks/>
-            <a:stCxn id="11" idx="2"/>
-            <a:endCxn id="89" idx="0"/>
-          </p:cNvCxnSpPr>
-          <p:nvPr/>
-        </p:nvCxnSpPr>
-        <p:spPr>
-          <a:xfrm rot="5400000">
-            <a:off x="3671493" y="4517358"/>
-            <a:ext cx="1671488" cy="5336"/>
-          </a:xfrm>
-          <a:prstGeom prst="bentConnector3">
-            <a:avLst>
-              <a:gd name="adj1" fmla="val 50000"/>
-            </a:avLst>
-          </a:prstGeom>
-          <a:ln w="28575">
-            <a:headEnd type="none" w="med" len="med"/>
-            <a:tailEnd type="arrow" w="med" len="med"/>
-          </a:ln>
-        </p:spPr>
-        <p:style>
-          <a:lnRef idx="1">
-            <a:schemeClr val="accent1"/>
-          </a:lnRef>
-          <a:fillRef idx="0">
-            <a:schemeClr val="accent1"/>
-          </a:fillRef>
-          <a:effectRef idx="0">
-            <a:schemeClr val="accent1"/>
-          </a:effectRef>
-          <a:fontRef idx="minor">
-            <a:schemeClr val="tx1"/>
-          </a:fontRef>
-        </p:style>
-      </p:cxnSp>
-      <p:sp>
-        <p:nvSpPr>
-          <p:cNvPr id="95" name="ZoneTexte 94">
-            <a:extLst>
-              <a:ext uri="{FF2B5EF4-FFF2-40B4-BE49-F238E27FC236}">
-                <a16:creationId xmlns:a16="http://schemas.microsoft.com/office/drawing/2014/main" id="{2667A1F0-8A16-473B-A245-0CBE67791978}"/>
-              </a:ext>
-            </a:extLst>
-          </p:cNvPr>
-          <p:cNvSpPr txBox="1"/>
-          <p:nvPr/>
-        </p:nvSpPr>
-        <p:spPr>
-          <a:xfrm>
-            <a:off x="2116587" y="3700078"/>
-            <a:ext cx="2568699" cy="369332"/>
-          </a:xfrm>
-          <a:prstGeom prst="rect">
-            <a:avLst/>
-          </a:prstGeom>
-          <a:noFill/>
-        </p:spPr>
-        <p:txBody>
-          <a:bodyPr wrap="square" rtlCol="0">
-            <a:spAutoFit/>
-          </a:bodyPr>
-          <a:lstStyle/>
-          <a:p>
-            <a:r>
-              <a:rPr lang="en-US" noProof="1"/>
-              <a:t>manufacturerReference</a:t>
-            </a:r>
-          </a:p>
-        </p:txBody>
-      </p:sp>
-      <p:sp>
-        <p:nvSpPr>
-          <p:cNvPr id="96" name="ZoneTexte 95">
-            <a:extLst>
-              <a:ext uri="{FF2B5EF4-FFF2-40B4-BE49-F238E27FC236}">
-                <a16:creationId xmlns:a16="http://schemas.microsoft.com/office/drawing/2014/main" id="{74EFED4F-FE38-405C-86B3-BBBC58145B2E}"/>
-              </a:ext>
-            </a:extLst>
-          </p:cNvPr>
-          <p:cNvSpPr txBox="1"/>
-          <p:nvPr/>
-        </p:nvSpPr>
-        <p:spPr>
-          <a:xfrm>
-            <a:off x="3926229" y="4901835"/>
-            <a:ext cx="578339" cy="369332"/>
-          </a:xfrm>
-          <a:prstGeom prst="rect">
-            <a:avLst/>
-          </a:prstGeom>
-          <a:noFill/>
-        </p:spPr>
-        <p:txBody>
-          <a:bodyPr wrap="square" rtlCol="0">
-            <a:spAutoFit/>
-          </a:bodyPr>
-          <a:lstStyle/>
-          <a:p>
-            <a:r>
-              <a:rPr lang="en-US" noProof="1"/>
-              <a:t>0..1</a:t>
-            </a:r>
-          </a:p>
-        </p:txBody>
-      </p:sp>
-      <p:sp>
-        <p:nvSpPr>
-          <p:cNvPr id="11" name="Rectangle 10">
-            <a:extLst>
-              <a:ext uri="{FF2B5EF4-FFF2-40B4-BE49-F238E27FC236}">
-                <a16:creationId xmlns:a16="http://schemas.microsoft.com/office/drawing/2014/main" id="{E2B1908B-CC45-41BD-BE20-7F25C0BD8D17}"/>
-              </a:ext>
-            </a:extLst>
-          </p:cNvPr>
-          <p:cNvSpPr/>
-          <p:nvPr/>
-        </p:nvSpPr>
-        <p:spPr>
-          <a:xfrm>
-            <a:off x="3121625" y="2543740"/>
-            <a:ext cx="2776560" cy="1140542"/>
-          </a:xfrm>
-          <a:prstGeom prst="rect">
-            <a:avLst/>
-          </a:prstGeom>
-          <a:gradFill flip="none" rotWithShape="1">
-            <a:gsLst>
-              <a:gs pos="0">
-                <a:schemeClr val="accent1">
-                  <a:shade val="30000"/>
-                  <a:satMod val="115000"/>
-                </a:schemeClr>
-              </a:gs>
-              <a:gs pos="50000">
-                <a:schemeClr val="accent1">
-                  <a:shade val="67500"/>
-                  <a:satMod val="115000"/>
-                </a:schemeClr>
-              </a:gs>
-              <a:gs pos="100000">
-                <a:schemeClr val="accent1">
-                  <a:shade val="100000"/>
-                  <a:satMod val="115000"/>
-                </a:schemeClr>
-              </a:gs>
-            </a:gsLst>
-            <a:lin ang="0" scaled="1"/>
-            <a:tileRect/>
-          </a:gradFill>
-          <a:ln>
-            <a:noFill/>
-          </a:ln>
-          <a:effectLst>
-            <a:glow rad="139700">
-              <a:schemeClr val="accent1">
-                <a:satMod val="175000"/>
-                <a:alpha val="40000"/>
-              </a:schemeClr>
-            </a:glow>
-          </a:effectLst>
-        </p:spPr>
-        <p:style>
-          <a:lnRef idx="2">
-            <a:schemeClr val="accent1">
-              <a:shade val="50000"/>
-            </a:schemeClr>
-          </a:lnRef>
-          <a:fillRef idx="1">
-            <a:schemeClr val="accent1"/>
-          </a:fillRef>
-          <a:effectRef idx="0">
-            <a:schemeClr val="accent1"/>
-          </a:effectRef>
-          <a:fontRef idx="minor">
-            <a:schemeClr val="lt1"/>
-          </a:fontRef>
-        </p:style>
-        <p:txBody>
-          <a:bodyPr rtlCol="0" anchor="ctr"/>
-          <a:lstStyle/>
-          <a:p>
-            <a:pPr algn="ctr"/>
-            <a:r>
-              <a:rPr lang="en-US" sz="2200" noProof="1">
-                <a:solidFill>
-                  <a:srgbClr val="FFFF00"/>
-                </a:solidFill>
-              </a:rPr>
-              <a:t>DDextended</a:t>
-            </a:r>
-          </a:p>
-          <a:p>
-            <a:pPr algn="ctr"/>
-            <a:r>
-              <a:rPr lang="en-US" sz="2000" noProof="1">
+              <a:rPr lang="en-US" sz="2400" noProof="1">
                 <a:solidFill>
                   <a:schemeClr val="bg1"/>
                 </a:solidFill>
               </a:rPr>
-              <a:t>Profile of </a:t>
-            </a:r>
-            <a:r>
-              <a:rPr lang="en-US" sz="2200" noProof="1">
+              <a:t>MDDefinition</a:t>
+            </a:r>
+          </a:p>
+          <a:p>
+            <a:pPr algn="ctr"/>
+            <a:r>
+              <a:rPr lang="en-US" sz="2400" noProof="1">
                 <a:solidFill>
-                  <a:srgbClr val="FFFF00"/>
+                  <a:schemeClr val="bg1"/>
                 </a:solidFill>
               </a:rPr>
-              <a:t>DeviceDefinition</a:t>
+              <a:t>Profile of DeviceDefinition</a:t>
             </a:r>
           </a:p>
         </p:txBody>

--- a/input/images-source/DeviceCatalog.pptx
+++ b/input/images-source/DeviceCatalog.pptx
@@ -197,7 +197,7 @@
           <a:p>
             <a:fld id="{C0FC2EA5-DDD9-41B5-A743-573E81829967}" type="datetimeFigureOut">
               <a:rPr lang="fr-FR" smtClean="0"/>
-              <a:t>04/12/2020</a:t>
+              <a:t>18/12/2020</a:t>
             </a:fld>
             <a:endParaRPr lang="fr-FR"/>
           </a:p>
@@ -695,7 +695,7 @@
           <a:p>
             <a:fld id="{DEBA1CB3-45B4-4365-8A01-D60AF6EBF46C}" type="datetimeFigureOut">
               <a:rPr lang="fr-FR" smtClean="0"/>
-              <a:t>04/12/2020</a:t>
+              <a:t>18/12/2020</a:t>
             </a:fld>
             <a:endParaRPr lang="fr-FR"/>
           </a:p>
@@ -893,7 +893,7 @@
           <a:p>
             <a:fld id="{DEBA1CB3-45B4-4365-8A01-D60AF6EBF46C}" type="datetimeFigureOut">
               <a:rPr lang="fr-FR" smtClean="0"/>
-              <a:t>04/12/2020</a:t>
+              <a:t>18/12/2020</a:t>
             </a:fld>
             <a:endParaRPr lang="fr-FR"/>
           </a:p>
@@ -1101,7 +1101,7 @@
           <a:p>
             <a:fld id="{DEBA1CB3-45B4-4365-8A01-D60AF6EBF46C}" type="datetimeFigureOut">
               <a:rPr lang="fr-FR" smtClean="0"/>
-              <a:t>04/12/2020</a:t>
+              <a:t>18/12/2020</a:t>
             </a:fld>
             <a:endParaRPr lang="fr-FR"/>
           </a:p>
@@ -1299,7 +1299,7 @@
           <a:p>
             <a:fld id="{DEBA1CB3-45B4-4365-8A01-D60AF6EBF46C}" type="datetimeFigureOut">
               <a:rPr lang="fr-FR" smtClean="0"/>
-              <a:t>04/12/2020</a:t>
+              <a:t>18/12/2020</a:t>
             </a:fld>
             <a:endParaRPr lang="fr-FR"/>
           </a:p>
@@ -1574,7 +1574,7 @@
           <a:p>
             <a:fld id="{DEBA1CB3-45B4-4365-8A01-D60AF6EBF46C}" type="datetimeFigureOut">
               <a:rPr lang="fr-FR" smtClean="0"/>
-              <a:t>04/12/2020</a:t>
+              <a:t>18/12/2020</a:t>
             </a:fld>
             <a:endParaRPr lang="fr-FR"/>
           </a:p>
@@ -1839,7 +1839,7 @@
           <a:p>
             <a:fld id="{DEBA1CB3-45B4-4365-8A01-D60AF6EBF46C}" type="datetimeFigureOut">
               <a:rPr lang="fr-FR" smtClean="0"/>
-              <a:t>04/12/2020</a:t>
+              <a:t>18/12/2020</a:t>
             </a:fld>
             <a:endParaRPr lang="fr-FR"/>
           </a:p>
@@ -2251,7 +2251,7 @@
           <a:p>
             <a:fld id="{DEBA1CB3-45B4-4365-8A01-D60AF6EBF46C}" type="datetimeFigureOut">
               <a:rPr lang="fr-FR" smtClean="0"/>
-              <a:t>04/12/2020</a:t>
+              <a:t>18/12/2020</a:t>
             </a:fld>
             <a:endParaRPr lang="fr-FR"/>
           </a:p>
@@ -2392,7 +2392,7 @@
           <a:p>
             <a:fld id="{DEBA1CB3-45B4-4365-8A01-D60AF6EBF46C}" type="datetimeFigureOut">
               <a:rPr lang="fr-FR" smtClean="0"/>
-              <a:t>04/12/2020</a:t>
+              <a:t>18/12/2020</a:t>
             </a:fld>
             <a:endParaRPr lang="fr-FR"/>
           </a:p>
@@ -2505,7 +2505,7 @@
           <a:p>
             <a:fld id="{DEBA1CB3-45B4-4365-8A01-D60AF6EBF46C}" type="datetimeFigureOut">
               <a:rPr lang="fr-FR" smtClean="0"/>
-              <a:t>04/12/2020</a:t>
+              <a:t>18/12/2020</a:t>
             </a:fld>
             <a:endParaRPr lang="fr-FR"/>
           </a:p>
@@ -2816,7 +2816,7 @@
           <a:p>
             <a:fld id="{DEBA1CB3-45B4-4365-8A01-D60AF6EBF46C}" type="datetimeFigureOut">
               <a:rPr lang="fr-FR" smtClean="0"/>
-              <a:t>04/12/2020</a:t>
+              <a:t>18/12/2020</a:t>
             </a:fld>
             <a:endParaRPr lang="fr-FR"/>
           </a:p>
@@ -3104,7 +3104,7 @@
           <a:p>
             <a:fld id="{DEBA1CB3-45B4-4365-8A01-D60AF6EBF46C}" type="datetimeFigureOut">
               <a:rPr lang="fr-FR" smtClean="0"/>
-              <a:t>04/12/2020</a:t>
+              <a:t>18/12/2020</a:t>
             </a:fld>
             <a:endParaRPr lang="fr-FR"/>
           </a:p>
@@ -3345,7 +3345,7 @@
           <a:p>
             <a:fld id="{DEBA1CB3-45B4-4365-8A01-D60AF6EBF46C}" type="datetimeFigureOut">
               <a:rPr lang="fr-FR" smtClean="0"/>
-              <a:t>04/12/2020</a:t>
+              <a:t>18/12/2020</a:t>
             </a:fld>
             <a:endParaRPr lang="fr-FR"/>
           </a:p>
@@ -3776,8 +3776,8 @@
         </p:nvSpPr>
         <p:spPr>
           <a:xfrm>
-            <a:off x="685803" y="2892823"/>
-            <a:ext cx="2804666" cy="368227"/>
+            <a:off x="5145945" y="2496238"/>
+            <a:ext cx="1428357" cy="646331"/>
           </a:xfrm>
           <a:prstGeom prst="rect">
             <a:avLst/>
@@ -3804,9 +3804,13 @@
             </a:lvl1pPr>
           </a:lstStyle>
           <a:p>
-            <a:pPr algn="r"/>
-            <a:r>
-              <a:rPr lang="en-US" i="1" noProof="1"/>
+            <a:pPr algn="ctr"/>
+            <a:r>
+              <a:rPr lang="en-US" i="1" noProof="1">
+                <a:solidFill>
+                  <a:schemeClr val="tx1"/>
+                </a:solidFill>
+              </a:rPr>
               <a:t>A medical device</a:t>
             </a:r>
           </a:p>
@@ -3826,7 +3830,7 @@
         </p:nvSpPr>
         <p:spPr>
           <a:xfrm>
-            <a:off x="4568663" y="2552821"/>
+            <a:off x="5582446" y="3129287"/>
             <a:ext cx="340999" cy="196994"/>
           </a:xfrm>
           <a:prstGeom prst="rect">
@@ -3872,7 +3876,7 @@
         </p:nvSpPr>
         <p:spPr>
           <a:xfrm>
-            <a:off x="5120629" y="2552821"/>
+            <a:off x="6134412" y="3129287"/>
             <a:ext cx="340999" cy="196994"/>
           </a:xfrm>
           <a:prstGeom prst="rect">
@@ -3918,7 +3922,7 @@
         </p:nvSpPr>
         <p:spPr>
           <a:xfrm>
-            <a:off x="6039038" y="2588856"/>
+            <a:off x="7052821" y="3165322"/>
             <a:ext cx="340999" cy="324520"/>
           </a:xfrm>
           <a:prstGeom prst="rect">
@@ -3964,7 +3968,7 @@
         </p:nvSpPr>
         <p:spPr>
           <a:xfrm>
-            <a:off x="6049552" y="3341055"/>
+            <a:off x="7063335" y="3917521"/>
             <a:ext cx="340999" cy="324520"/>
           </a:xfrm>
           <a:prstGeom prst="rect">
@@ -4014,7 +4018,7 @@
         </p:nvCxnSpPr>
         <p:spPr>
           <a:xfrm rot="16200000" flipH="1">
-            <a:off x="6213657" y="2584737"/>
+            <a:off x="7227440" y="3161203"/>
             <a:ext cx="162260" cy="170499"/>
           </a:xfrm>
           <a:prstGeom prst="bentConnector4">
@@ -4057,8 +4061,8 @@
         </p:nvSpPr>
         <p:spPr>
           <a:xfrm>
-            <a:off x="6569199" y="2272905"/>
-            <a:ext cx="1496240" cy="369332"/>
+            <a:off x="7582981" y="2849371"/>
+            <a:ext cx="3429569" cy="369332"/>
           </a:xfrm>
           <a:prstGeom prst="rect">
             <a:avLst/>
@@ -4073,7 +4077,11 @@
           <a:p>
             <a:r>
               <a:rPr lang="en-US" noProof="1"/>
-              <a:t>parentDevice</a:t>
+              <a:t>parentDevice </a:t>
+            </a:r>
+            <a:r>
+              <a:rPr lang="en-US" i="1" noProof="1"/>
+              <a:t>(is part of)</a:t>
             </a:r>
           </a:p>
         </p:txBody>
@@ -4092,7 +4100,7 @@
         </p:nvSpPr>
         <p:spPr>
           <a:xfrm>
-            <a:off x="3651352" y="3335042"/>
+            <a:off x="4665135" y="3898256"/>
             <a:ext cx="539154" cy="324520"/>
           </a:xfrm>
           <a:prstGeom prst="rect">
@@ -4138,7 +4146,7 @@
         </p:nvSpPr>
         <p:spPr>
           <a:xfrm>
-            <a:off x="6687772" y="2545899"/>
+            <a:off x="7701555" y="3122365"/>
             <a:ext cx="607145" cy="369332"/>
           </a:xfrm>
           <a:prstGeom prst="rect">
@@ -4173,8 +4181,8 @@
         </p:nvSpPr>
         <p:spPr>
           <a:xfrm>
-            <a:off x="9574236" y="3898566"/>
-            <a:ext cx="2233710" cy="695103"/>
+            <a:off x="9708507" y="4478458"/>
+            <a:ext cx="1994629" cy="695103"/>
           </a:xfrm>
           <a:prstGeom prst="rect">
             <a:avLst/>
@@ -4237,7 +4245,7 @@
           <a:p>
             <a:pPr algn="ctr"/>
             <a:r>
-              <a:rPr lang="en-US" sz="2400" noProof="1">
+              <a:rPr lang="en-US" sz="2000" noProof="1">
                 <a:solidFill>
                   <a:schemeClr val="bg1"/>
                 </a:solidFill>
@@ -4265,8 +4273,8 @@
         </p:nvCxnSpPr>
         <p:spPr>
           <a:xfrm>
-            <a:off x="6390551" y="3503315"/>
-            <a:ext cx="4300540" cy="395251"/>
+            <a:off x="7404334" y="4079781"/>
+            <a:ext cx="3301488" cy="398677"/>
           </a:xfrm>
           <a:prstGeom prst="bentConnector2">
             <a:avLst/>
@@ -4305,7 +4313,7 @@
         </p:nvSpPr>
         <p:spPr>
           <a:xfrm>
-            <a:off x="10742920" y="3476113"/>
+            <a:off x="10742920" y="4052579"/>
             <a:ext cx="578339" cy="369332"/>
           </a:xfrm>
           <a:prstGeom prst="rect">
@@ -4340,8 +4348,8 @@
         </p:nvSpPr>
         <p:spPr>
           <a:xfrm>
-            <a:off x="6380037" y="3127544"/>
-            <a:ext cx="4591483" cy="369332"/>
+            <a:off x="7890117" y="3764691"/>
+            <a:ext cx="2160248" cy="369332"/>
           </a:xfrm>
           <a:prstGeom prst="rect">
             <a:avLst/>
@@ -4355,8 +4363,12 @@
           <a:lstStyle/>
           <a:p>
             <a:r>
-              <a:rPr lang="en-US" noProof="1"/>
-              <a:t>extensions (indication and/or contraindication)</a:t>
+              <a:rPr lang="en-US" noProof="1">
+                <a:solidFill>
+                  <a:srgbClr val="0070C0"/>
+                </a:solidFill>
+              </a:rPr>
+              <a:t>Guideline extension</a:t>
             </a:r>
           </a:p>
         </p:txBody>
@@ -4375,8 +4387,8 @@
         </p:nvSpPr>
         <p:spPr>
           <a:xfrm>
-            <a:off x="3976722" y="5258036"/>
-            <a:ext cx="2056722" cy="930160"/>
+            <a:off x="4997131" y="6041784"/>
+            <a:ext cx="2056722" cy="695103"/>
           </a:xfrm>
           <a:prstGeom prst="rect">
             <a:avLst/>
@@ -4439,7 +4451,7 @@
           <a:p>
             <a:pPr algn="ctr"/>
             <a:r>
-              <a:rPr lang="en-US" sz="2400" noProof="1">
+              <a:rPr lang="en-US" sz="2000" noProof="1">
                 <a:solidFill>
                   <a:schemeClr val="bg1"/>
                 </a:solidFill>
@@ -4466,9 +4478,9 @@
           <p:nvPr/>
         </p:nvCxnSpPr>
         <p:spPr>
-          <a:xfrm rot="5400000">
-            <a:off x="4220874" y="4468491"/>
-            <a:ext cx="1573754" cy="5336"/>
+          <a:xfrm rot="16200000" flipH="1">
+            <a:off x="5134329" y="5150621"/>
+            <a:ext cx="1781036" cy="1290"/>
           </a:xfrm>
           <a:prstGeom prst="bentConnector3">
             <a:avLst>
@@ -4509,7 +4521,7 @@
         </p:nvSpPr>
         <p:spPr>
           <a:xfrm>
-            <a:off x="2617101" y="3700078"/>
+            <a:off x="5980935" y="4321363"/>
             <a:ext cx="2568699" cy="369332"/>
           </a:xfrm>
           <a:prstGeom prst="rect">
@@ -4524,7 +4536,11 @@
           <a:lstStyle/>
           <a:p>
             <a:r>
-              <a:rPr lang="en-US" noProof="1"/>
+              <a:rPr lang="en-US" noProof="1">
+                <a:solidFill>
+                  <a:srgbClr val="0070C0"/>
+                </a:solidFill>
+              </a:rPr>
               <a:t>manufacturerReference</a:t>
             </a:r>
           </a:p>
@@ -4544,7 +4560,7 @@
         </p:nvSpPr>
         <p:spPr>
           <a:xfrm>
-            <a:off x="4426743" y="4901835"/>
+            <a:off x="5445863" y="5686245"/>
             <a:ext cx="578339" cy="369332"/>
           </a:xfrm>
           <a:prstGeom prst="rect">
@@ -4579,7 +4595,7 @@
         </p:nvSpPr>
         <p:spPr>
           <a:xfrm>
-            <a:off x="2038673" y="1651952"/>
+            <a:off x="2038673" y="1347156"/>
             <a:ext cx="661288" cy="369332"/>
           </a:xfrm>
           <a:prstGeom prst="rect">
@@ -4618,8 +4634,8 @@
         </p:nvCxnSpPr>
         <p:spPr>
           <a:xfrm rot="16200000" flipV="1">
-            <a:off x="2887029" y="1351713"/>
-            <a:ext cx="922647" cy="1479569"/>
+            <a:off x="2953289" y="980656"/>
+            <a:ext cx="1803908" cy="2493352"/>
           </a:xfrm>
           <a:prstGeom prst="bentConnector3">
             <a:avLst>
@@ -4660,7 +4676,7 @@
         </p:nvSpPr>
         <p:spPr>
           <a:xfrm>
-            <a:off x="1472666" y="413886"/>
+            <a:off x="1472666" y="109090"/>
             <a:ext cx="2271802" cy="1216288"/>
           </a:xfrm>
           <a:prstGeom prst="rect">
@@ -4705,7 +4721,7 @@
           <a:p>
             <a:pPr algn="ctr"/>
             <a:r>
-              <a:rPr lang="en-US" sz="2400" noProof="1">
+              <a:rPr lang="en-US" sz="2000" noProof="1">
                 <a:solidFill>
                   <a:srgbClr val="FFFF00"/>
                 </a:solidFill>
@@ -4729,7 +4745,7 @@
         </p:nvSpPr>
         <p:spPr>
           <a:xfrm>
-            <a:off x="2496889" y="1744461"/>
+            <a:off x="2496889" y="1439665"/>
             <a:ext cx="1930294" cy="369332"/>
           </a:xfrm>
           <a:prstGeom prst="rect">
@@ -4769,7 +4785,7 @@
         </p:nvSpPr>
         <p:spPr>
           <a:xfrm>
-            <a:off x="-45223" y="448754"/>
+            <a:off x="-26095" y="109090"/>
             <a:ext cx="1462050" cy="1200329"/>
           </a:xfrm>
           <a:prstGeom prst="rect">
@@ -4805,7 +4821,7 @@
         </p:nvSpPr>
         <p:spPr>
           <a:xfrm>
-            <a:off x="6783709" y="413886"/>
+            <a:off x="7916768" y="109090"/>
             <a:ext cx="2213695" cy="1270066"/>
           </a:xfrm>
           <a:prstGeom prst="rect">
@@ -4850,7 +4866,7 @@
           <a:p>
             <a:pPr algn="ctr"/>
             <a:r>
-              <a:rPr lang="en-US" sz="2400" noProof="1">
+              <a:rPr lang="en-US" sz="2000" noProof="1">
                 <a:solidFill>
                   <a:srgbClr val="FFFF00"/>
                 </a:solidFill>
@@ -4878,12 +4894,12 @@
         </p:nvCxnSpPr>
         <p:spPr>
           <a:xfrm rot="5400000" flipH="1" flipV="1">
-            <a:off x="6347142" y="1009406"/>
-            <a:ext cx="868869" cy="2217962"/>
+            <a:off x="7099200" y="1204871"/>
+            <a:ext cx="1750131" cy="2098702"/>
           </a:xfrm>
           <a:prstGeom prst="bentConnector3">
             <a:avLst>
-              <a:gd name="adj1" fmla="val 50000"/>
+              <a:gd name="adj1" fmla="val 74231"/>
             </a:avLst>
           </a:prstGeom>
           <a:ln w="19050">
@@ -4920,7 +4936,7 @@
         </p:nvSpPr>
         <p:spPr>
           <a:xfrm>
-            <a:off x="5153822" y="2180974"/>
+            <a:off x="6446519" y="2777973"/>
             <a:ext cx="610436" cy="369332"/>
           </a:xfrm>
           <a:prstGeom prst="rect">
@@ -4955,7 +4971,7 @@
         </p:nvSpPr>
         <p:spPr>
           <a:xfrm>
-            <a:off x="8997404" y="587254"/>
+            <a:off x="10130463" y="282458"/>
             <a:ext cx="2045840" cy="923330"/>
           </a:xfrm>
           <a:prstGeom prst="rect">
@@ -4990,7 +5006,7 @@
         </p:nvSpPr>
         <p:spPr>
           <a:xfrm>
-            <a:off x="6499393" y="1751834"/>
+            <a:off x="7632452" y="1447038"/>
             <a:ext cx="1566041" cy="369332"/>
           </a:xfrm>
           <a:prstGeom prst="rect">
@@ -5017,10 +5033,10 @@
       </p:sp>
       <p:sp>
         <p:nvSpPr>
-          <p:cNvPr id="17" name="Rectangle 16">
-            <a:extLst>
-              <a:ext uri="{FF2B5EF4-FFF2-40B4-BE49-F238E27FC236}">
-                <a16:creationId xmlns:a16="http://schemas.microsoft.com/office/drawing/2014/main" id="{E989523E-2435-438C-B1CA-FBD07084180E}"/>
+          <p:cNvPr id="57" name="Rectangle 56">
+            <a:extLst>
+              <a:ext uri="{FF2B5EF4-FFF2-40B4-BE49-F238E27FC236}">
+                <a16:creationId xmlns:a16="http://schemas.microsoft.com/office/drawing/2014/main" id="{E55DC401-764A-4F06-AE91-26F204CC7A94}"/>
               </a:ext>
             </a:extLst>
           </p:cNvPr>
@@ -5029,7 +5045,7 @@
         </p:nvSpPr>
         <p:spPr>
           <a:xfrm>
-            <a:off x="3976722" y="2552821"/>
+            <a:off x="6813500" y="3129287"/>
             <a:ext cx="222828" cy="196994"/>
           </a:xfrm>
           <a:prstGeom prst="rect">
@@ -5063,10 +5079,10 @@
       </p:sp>
       <p:sp>
         <p:nvSpPr>
-          <p:cNvPr id="57" name="Rectangle 56">
-            <a:extLst>
-              <a:ext uri="{FF2B5EF4-FFF2-40B4-BE49-F238E27FC236}">
-                <a16:creationId xmlns:a16="http://schemas.microsoft.com/office/drawing/2014/main" id="{E55DC401-764A-4F06-AE91-26F204CC7A94}"/>
+          <p:cNvPr id="32" name="Rectangle 31">
+            <a:extLst>
+              <a:ext uri="{FF2B5EF4-FFF2-40B4-BE49-F238E27FC236}">
+                <a16:creationId xmlns:a16="http://schemas.microsoft.com/office/drawing/2014/main" id="{F8DDAFC6-8889-41A5-A980-EAAB08538619}"/>
               </a:ext>
             </a:extLst>
           </p:cNvPr>
@@ -5075,54 +5091,8 @@
         </p:nvSpPr>
         <p:spPr>
           <a:xfrm>
-            <a:off x="5561181" y="2552821"/>
-            <a:ext cx="222828" cy="196994"/>
-          </a:xfrm>
-          <a:prstGeom prst="rect">
-            <a:avLst/>
-          </a:prstGeom>
-        </p:spPr>
-        <p:style>
-          <a:lnRef idx="2">
-            <a:schemeClr val="accent1">
-              <a:shade val="50000"/>
-            </a:schemeClr>
-          </a:lnRef>
-          <a:fillRef idx="1">
-            <a:schemeClr val="accent1"/>
-          </a:fillRef>
-          <a:effectRef idx="0">
-            <a:schemeClr val="accent1"/>
-          </a:effectRef>
-          <a:fontRef idx="minor">
-            <a:schemeClr val="lt1"/>
-          </a:fontRef>
-        </p:style>
-        <p:txBody>
-          <a:bodyPr rtlCol="0" anchor="ctr"/>
-          <a:lstStyle/>
-          <a:p>
-            <a:pPr algn="ctr"/>
-            <a:endParaRPr lang="fr-FR"/>
-          </a:p>
-        </p:txBody>
-      </p:sp>
-      <p:sp>
-        <p:nvSpPr>
-          <p:cNvPr id="11" name="Rectangle 10">
-            <a:extLst>
-              <a:ext uri="{FF2B5EF4-FFF2-40B4-BE49-F238E27FC236}">
-                <a16:creationId xmlns:a16="http://schemas.microsoft.com/office/drawing/2014/main" id="{E2B1908B-CC45-41BD-BE20-7F25C0BD8D17}"/>
-              </a:ext>
-            </a:extLst>
-          </p:cNvPr>
-          <p:cNvSpPr/>
-          <p:nvPr/>
-        </p:nvSpPr>
-        <p:spPr>
-          <a:xfrm>
-            <a:off x="3622139" y="2543740"/>
-            <a:ext cx="2776560" cy="1140542"/>
+            <a:off x="9956362" y="6038871"/>
+            <a:ext cx="1493515" cy="695103"/>
           </a:xfrm>
           <a:prstGeom prst="rect">
             <a:avLst/>
@@ -5185,23 +5155,735 @@
           <a:p>
             <a:pPr algn="ctr"/>
             <a:r>
-              <a:rPr lang="en-US" sz="2400" noProof="1">
+              <a:rPr lang="en-US" sz="2000" noProof="1">
                 <a:solidFill>
                   <a:schemeClr val="bg1"/>
                 </a:solidFill>
               </a:rPr>
-              <a:t>MDDefinition</a:t>
-            </a:r>
-          </a:p>
+              <a:t>Observation</a:t>
+            </a:r>
+          </a:p>
+        </p:txBody>
+      </p:sp>
+      <p:cxnSp>
+        <p:nvCxnSpPr>
+          <p:cNvPr id="33" name="Connecteur : en angle 32">
+            <a:extLst>
+              <a:ext uri="{FF2B5EF4-FFF2-40B4-BE49-F238E27FC236}">
+                <a16:creationId xmlns:a16="http://schemas.microsoft.com/office/drawing/2014/main" id="{06E99D9A-F33A-4023-98C9-570C2B78D1C9}"/>
+              </a:ext>
+            </a:extLst>
+          </p:cNvPr>
+          <p:cNvCxnSpPr>
+            <a:cxnSpLocks/>
+            <a:stCxn id="79" idx="2"/>
+            <a:endCxn id="32" idx="0"/>
+          </p:cNvCxnSpPr>
+          <p:nvPr/>
+        </p:nvCxnSpPr>
+        <p:spPr>
+          <a:xfrm rot="5400000">
+            <a:off x="10271816" y="5604865"/>
+            <a:ext cx="865310" cy="2702"/>
+          </a:xfrm>
+          <a:prstGeom prst="bentConnector3">
+            <a:avLst>
+              <a:gd name="adj1" fmla="val 50000"/>
+            </a:avLst>
+          </a:prstGeom>
+          <a:ln w="28575">
+            <a:headEnd type="none" w="med" len="med"/>
+            <a:tailEnd type="arrow" w="med" len="med"/>
+          </a:ln>
+        </p:spPr>
+        <p:style>
+          <a:lnRef idx="1">
+            <a:schemeClr val="accent1"/>
+          </a:lnRef>
+          <a:fillRef idx="0">
+            <a:schemeClr val="accent1"/>
+          </a:fillRef>
+          <a:effectRef idx="0">
+            <a:schemeClr val="accent1"/>
+          </a:effectRef>
+          <a:fontRef idx="minor">
+            <a:schemeClr val="tx1"/>
+          </a:fontRef>
+        </p:style>
+      </p:cxnSp>
+      <p:sp>
+        <p:nvSpPr>
+          <p:cNvPr id="42" name="ZoneTexte 41">
+            <a:extLst>
+              <a:ext uri="{FF2B5EF4-FFF2-40B4-BE49-F238E27FC236}">
+                <a16:creationId xmlns:a16="http://schemas.microsoft.com/office/drawing/2014/main" id="{ED75D7F4-418B-4EE7-8C91-B426DF662924}"/>
+              </a:ext>
+            </a:extLst>
+          </p:cNvPr>
+          <p:cNvSpPr txBox="1"/>
+          <p:nvPr/>
+        </p:nvSpPr>
+        <p:spPr>
+          <a:xfrm>
+            <a:off x="10693814" y="5173561"/>
+            <a:ext cx="1206345" cy="369332"/>
+          </a:xfrm>
+          <a:prstGeom prst="rect">
+            <a:avLst/>
+          </a:prstGeom>
+          <a:noFill/>
+        </p:spPr>
+        <p:txBody>
+          <a:bodyPr wrap="square" rtlCol="0">
+            <a:spAutoFit/>
+          </a:bodyPr>
+          <a:lstStyle/>
+          <a:p>
+            <a:r>
+              <a:rPr lang="en-US" noProof="1">
+                <a:solidFill>
+                  <a:srgbClr val="0070C0"/>
+                </a:solidFill>
+              </a:rPr>
+              <a:t>extension</a:t>
+            </a:r>
+          </a:p>
+        </p:txBody>
+      </p:sp>
+      <p:sp>
+        <p:nvSpPr>
+          <p:cNvPr id="45" name="ZoneTexte 44">
+            <a:extLst>
+              <a:ext uri="{FF2B5EF4-FFF2-40B4-BE49-F238E27FC236}">
+                <a16:creationId xmlns:a16="http://schemas.microsoft.com/office/drawing/2014/main" id="{07DBE21F-8FE0-4F67-B02E-C0F97E28852C}"/>
+              </a:ext>
+            </a:extLst>
+          </p:cNvPr>
+          <p:cNvSpPr txBox="1"/>
+          <p:nvPr/>
+        </p:nvSpPr>
+        <p:spPr>
+          <a:xfrm>
+            <a:off x="10693814" y="5669539"/>
+            <a:ext cx="578339" cy="369332"/>
+          </a:xfrm>
+          <a:prstGeom prst="rect">
+            <a:avLst/>
+          </a:prstGeom>
+          <a:noFill/>
+        </p:spPr>
+        <p:txBody>
+          <a:bodyPr wrap="square" rtlCol="0">
+            <a:spAutoFit/>
+          </a:bodyPr>
+          <a:lstStyle/>
+          <a:p>
+            <a:r>
+              <a:rPr lang="en-US" noProof="1"/>
+              <a:t>0..*</a:t>
+            </a:r>
+          </a:p>
+        </p:txBody>
+      </p:sp>
+      <p:sp>
+        <p:nvSpPr>
+          <p:cNvPr id="48" name="Rectangle 47">
+            <a:extLst>
+              <a:ext uri="{FF2B5EF4-FFF2-40B4-BE49-F238E27FC236}">
+                <a16:creationId xmlns:a16="http://schemas.microsoft.com/office/drawing/2014/main" id="{84593E0E-7660-4421-8039-B990407D625F}"/>
+              </a:ext>
+            </a:extLst>
+          </p:cNvPr>
+          <p:cNvSpPr/>
+          <p:nvPr/>
+        </p:nvSpPr>
+        <p:spPr>
+          <a:xfrm>
+            <a:off x="4643485" y="3925520"/>
+            <a:ext cx="340999" cy="324520"/>
+          </a:xfrm>
+          <a:prstGeom prst="rect">
+            <a:avLst/>
+          </a:prstGeom>
+        </p:spPr>
+        <p:style>
+          <a:lnRef idx="2">
+            <a:schemeClr val="accent1">
+              <a:shade val="50000"/>
+            </a:schemeClr>
+          </a:lnRef>
+          <a:fillRef idx="1">
+            <a:schemeClr val="accent1"/>
+          </a:fillRef>
+          <a:effectRef idx="0">
+            <a:schemeClr val="accent1"/>
+          </a:effectRef>
+          <a:fontRef idx="minor">
+            <a:schemeClr val="lt1"/>
+          </a:fontRef>
+        </p:style>
+        <p:txBody>
+          <a:bodyPr rtlCol="0" anchor="ctr"/>
+          <a:lstStyle/>
           <a:p>
             <a:pPr algn="ctr"/>
-            <a:r>
-              <a:rPr lang="en-US" sz="2400" noProof="1">
+            <a:endParaRPr lang="fr-FR"/>
+          </a:p>
+        </p:txBody>
+      </p:sp>
+      <p:cxnSp>
+        <p:nvCxnSpPr>
+          <p:cNvPr id="49" name="Connecteur : en angle 48">
+            <a:extLst>
+              <a:ext uri="{FF2B5EF4-FFF2-40B4-BE49-F238E27FC236}">
+                <a16:creationId xmlns:a16="http://schemas.microsoft.com/office/drawing/2014/main" id="{FD63C80E-988B-4680-A687-CF845F4FFCCA}"/>
+              </a:ext>
+            </a:extLst>
+          </p:cNvPr>
+          <p:cNvCxnSpPr>
+            <a:cxnSpLocks/>
+            <a:stCxn id="48" idx="1"/>
+            <a:endCxn id="50" idx="0"/>
+          </p:cNvCxnSpPr>
+          <p:nvPr/>
+        </p:nvCxnSpPr>
+        <p:spPr>
+          <a:xfrm rot="10800000" flipV="1">
+            <a:off x="2585553" y="4087780"/>
+            <a:ext cx="2057932" cy="692048"/>
+          </a:xfrm>
+          <a:prstGeom prst="bentConnector2">
+            <a:avLst/>
+          </a:prstGeom>
+          <a:ln w="28575">
+            <a:headEnd type="none" w="med" len="med"/>
+            <a:tailEnd type="arrow" w="med" len="med"/>
+          </a:ln>
+        </p:spPr>
+        <p:style>
+          <a:lnRef idx="1">
+            <a:schemeClr val="accent1"/>
+          </a:lnRef>
+          <a:fillRef idx="0">
+            <a:schemeClr val="accent1"/>
+          </a:fillRef>
+          <a:effectRef idx="0">
+            <a:schemeClr val="accent1"/>
+          </a:effectRef>
+          <a:fontRef idx="minor">
+            <a:schemeClr val="tx1"/>
+          </a:fontRef>
+        </p:style>
+      </p:cxnSp>
+      <p:sp>
+        <p:nvSpPr>
+          <p:cNvPr id="50" name="Rectangle 49">
+            <a:extLst>
+              <a:ext uri="{FF2B5EF4-FFF2-40B4-BE49-F238E27FC236}">
+                <a16:creationId xmlns:a16="http://schemas.microsoft.com/office/drawing/2014/main" id="{8DE433AB-BAA4-4305-B1E7-470CA2B05998}"/>
+              </a:ext>
+            </a:extLst>
+          </p:cNvPr>
+          <p:cNvSpPr/>
+          <p:nvPr/>
+        </p:nvSpPr>
+        <p:spPr>
+          <a:xfrm>
+            <a:off x="1828800" y="4779828"/>
+            <a:ext cx="1513505" cy="792704"/>
+          </a:xfrm>
+          <a:prstGeom prst="rect">
+            <a:avLst/>
+          </a:prstGeom>
+          <a:gradFill flip="none" rotWithShape="1">
+            <a:gsLst>
+              <a:gs pos="0">
+                <a:schemeClr val="accent1">
+                  <a:shade val="30000"/>
+                  <a:satMod val="115000"/>
+                </a:schemeClr>
+              </a:gs>
+              <a:gs pos="50000">
+                <a:schemeClr val="accent1">
+                  <a:shade val="67500"/>
+                  <a:satMod val="115000"/>
+                </a:schemeClr>
+              </a:gs>
+              <a:gs pos="100000">
+                <a:schemeClr val="accent1">
+                  <a:shade val="100000"/>
+                  <a:satMod val="115000"/>
+                </a:schemeClr>
+              </a:gs>
+            </a:gsLst>
+            <a:lin ang="0" scaled="1"/>
+            <a:tileRect/>
+          </a:gradFill>
+          <a:ln>
+            <a:noFill/>
+          </a:ln>
+          <a:effectLst>
+            <a:glow rad="63500">
+              <a:schemeClr val="accent1">
+                <a:satMod val="175000"/>
+                <a:alpha val="40000"/>
+              </a:schemeClr>
+            </a:glow>
+          </a:effectLst>
+        </p:spPr>
+        <p:style>
+          <a:lnRef idx="2">
+            <a:schemeClr val="accent1">
+              <a:shade val="50000"/>
+            </a:schemeClr>
+          </a:lnRef>
+          <a:fillRef idx="1">
+            <a:schemeClr val="accent1"/>
+          </a:fillRef>
+          <a:effectRef idx="0">
+            <a:schemeClr val="accent1"/>
+          </a:effectRef>
+          <a:fontRef idx="minor">
+            <a:schemeClr val="lt1"/>
+          </a:fontRef>
+        </p:style>
+        <p:txBody>
+          <a:bodyPr rtlCol="0" anchor="ctr"/>
+          <a:lstStyle/>
+          <a:p>
+            <a:pPr algn="ctr"/>
+            <a:r>
+              <a:rPr lang="en-US" sz="2000" noProof="1">
+                <a:solidFill>
+                  <a:schemeClr val="bg1"/>
+                </a:solidFill>
+              </a:rPr>
+              <a:t>ChargeItemDefinition</a:t>
+            </a:r>
+          </a:p>
+        </p:txBody>
+      </p:sp>
+      <p:sp>
+        <p:nvSpPr>
+          <p:cNvPr id="51" name="ZoneTexte 50">
+            <a:extLst>
+              <a:ext uri="{FF2B5EF4-FFF2-40B4-BE49-F238E27FC236}">
+                <a16:creationId xmlns:a16="http://schemas.microsoft.com/office/drawing/2014/main" id="{B432A0E3-37FB-43D6-AD1D-49E58D642501}"/>
+              </a:ext>
+            </a:extLst>
+          </p:cNvPr>
+          <p:cNvSpPr txBox="1"/>
+          <p:nvPr/>
+        </p:nvSpPr>
+        <p:spPr>
+          <a:xfrm>
+            <a:off x="2608567" y="4412675"/>
+            <a:ext cx="578339" cy="369332"/>
+          </a:xfrm>
+          <a:prstGeom prst="rect">
+            <a:avLst/>
+          </a:prstGeom>
+          <a:noFill/>
+        </p:spPr>
+        <p:txBody>
+          <a:bodyPr wrap="square" rtlCol="0">
+            <a:spAutoFit/>
+          </a:bodyPr>
+          <a:lstStyle/>
+          <a:p>
+            <a:r>
+              <a:rPr lang="en-US" noProof="1"/>
+              <a:t>0..*</a:t>
+            </a:r>
+          </a:p>
+        </p:txBody>
+      </p:sp>
+      <p:sp>
+        <p:nvSpPr>
+          <p:cNvPr id="52" name="ZoneTexte 51">
+            <a:extLst>
+              <a:ext uri="{FF2B5EF4-FFF2-40B4-BE49-F238E27FC236}">
+                <a16:creationId xmlns:a16="http://schemas.microsoft.com/office/drawing/2014/main" id="{2B606A26-93C1-4D3C-82E9-8BCA6914F050}"/>
+              </a:ext>
+            </a:extLst>
+          </p:cNvPr>
+          <p:cNvSpPr txBox="1"/>
+          <p:nvPr/>
+        </p:nvSpPr>
+        <p:spPr>
+          <a:xfrm>
+            <a:off x="2845067" y="4034851"/>
+            <a:ext cx="1737451" cy="369332"/>
+          </a:xfrm>
+          <a:prstGeom prst="rect">
+            <a:avLst/>
+          </a:prstGeom>
+          <a:noFill/>
+        </p:spPr>
+        <p:txBody>
+          <a:bodyPr wrap="square" rtlCol="0">
+            <a:spAutoFit/>
+          </a:bodyPr>
+          <a:lstStyle/>
+          <a:p>
+            <a:r>
+              <a:rPr lang="en-US" noProof="1">
+                <a:solidFill>
+                  <a:srgbClr val="0070C0"/>
+                </a:solidFill>
+              </a:rPr>
+              <a:t>Billing extension</a:t>
+            </a:r>
+          </a:p>
+        </p:txBody>
+      </p:sp>
+      <p:sp>
+        <p:nvSpPr>
+          <p:cNvPr id="56" name="Rectangle 55">
+            <a:extLst>
+              <a:ext uri="{FF2B5EF4-FFF2-40B4-BE49-F238E27FC236}">
+                <a16:creationId xmlns:a16="http://schemas.microsoft.com/office/drawing/2014/main" id="{83984D95-771F-4A70-B1FE-3A801BC9188F}"/>
+              </a:ext>
+            </a:extLst>
+          </p:cNvPr>
+          <p:cNvSpPr/>
+          <p:nvPr/>
+        </p:nvSpPr>
+        <p:spPr>
+          <a:xfrm>
+            <a:off x="366174" y="2438107"/>
+            <a:ext cx="1978492" cy="802183"/>
+          </a:xfrm>
+          <a:prstGeom prst="rect">
+            <a:avLst/>
+          </a:prstGeom>
+          <a:gradFill flip="none" rotWithShape="1">
+            <a:gsLst>
+              <a:gs pos="0">
+                <a:schemeClr val="accent1">
+                  <a:shade val="30000"/>
+                  <a:satMod val="115000"/>
+                </a:schemeClr>
+              </a:gs>
+              <a:gs pos="50000">
+                <a:schemeClr val="accent1">
+                  <a:shade val="67500"/>
+                  <a:satMod val="115000"/>
+                </a:schemeClr>
+              </a:gs>
+              <a:gs pos="100000">
+                <a:schemeClr val="accent1">
+                  <a:shade val="100000"/>
+                  <a:satMod val="115000"/>
+                </a:schemeClr>
+              </a:gs>
+            </a:gsLst>
+            <a:lin ang="0" scaled="1"/>
+            <a:tileRect/>
+          </a:gradFill>
+          <a:ln>
+            <a:noFill/>
+          </a:ln>
+          <a:effectLst>
+            <a:glow rad="63500">
+              <a:schemeClr val="accent1">
+                <a:satMod val="175000"/>
+                <a:alpha val="40000"/>
+              </a:schemeClr>
+            </a:glow>
+          </a:effectLst>
+        </p:spPr>
+        <p:style>
+          <a:lnRef idx="2">
+            <a:schemeClr val="accent1">
+              <a:shade val="50000"/>
+            </a:schemeClr>
+          </a:lnRef>
+          <a:fillRef idx="1">
+            <a:schemeClr val="accent1"/>
+          </a:fillRef>
+          <a:effectRef idx="0">
+            <a:schemeClr val="accent1"/>
+          </a:effectRef>
+          <a:fontRef idx="minor">
+            <a:schemeClr val="lt1"/>
+          </a:fontRef>
+        </p:style>
+        <p:txBody>
+          <a:bodyPr rtlCol="0" anchor="ctr"/>
+          <a:lstStyle/>
+          <a:p>
+            <a:pPr algn="ctr"/>
+            <a:r>
+              <a:rPr lang="en-US" sz="2000" noProof="1">
+                <a:solidFill>
+                  <a:schemeClr val="bg1"/>
+                </a:solidFill>
+              </a:rPr>
+              <a:t>PackagedProductDefinition</a:t>
+            </a:r>
+          </a:p>
+        </p:txBody>
+      </p:sp>
+      <p:cxnSp>
+        <p:nvCxnSpPr>
+          <p:cNvPr id="60" name="Connecteur : en angle 59">
+            <a:extLst>
+              <a:ext uri="{FF2B5EF4-FFF2-40B4-BE49-F238E27FC236}">
+                <a16:creationId xmlns:a16="http://schemas.microsoft.com/office/drawing/2014/main" id="{DBE3843E-86A8-4D8A-A479-211385544CFB}"/>
+              </a:ext>
+            </a:extLst>
+          </p:cNvPr>
+          <p:cNvCxnSpPr>
+            <a:cxnSpLocks/>
+            <a:stCxn id="11" idx="1"/>
+            <a:endCxn id="56" idx="2"/>
+          </p:cNvCxnSpPr>
+          <p:nvPr/>
+        </p:nvCxnSpPr>
+        <p:spPr>
+          <a:xfrm rot="10800000">
+            <a:off x="1355420" y="3240291"/>
+            <a:ext cx="3280502" cy="450187"/>
+          </a:xfrm>
+          <a:prstGeom prst="bentConnector2">
+            <a:avLst/>
+          </a:prstGeom>
+          <a:ln w="28575">
+            <a:headEnd type="arrow" w="med" len="med"/>
+            <a:tailEnd type="none" w="med" len="med"/>
+          </a:ln>
+        </p:spPr>
+        <p:style>
+          <a:lnRef idx="1">
+            <a:schemeClr val="accent1"/>
+          </a:lnRef>
+          <a:fillRef idx="0">
+            <a:schemeClr val="accent1"/>
+          </a:fillRef>
+          <a:effectRef idx="0">
+            <a:schemeClr val="accent1"/>
+          </a:effectRef>
+          <a:fontRef idx="minor">
+            <a:schemeClr val="tx1"/>
+          </a:fontRef>
+        </p:style>
+      </p:cxnSp>
+      <p:sp>
+        <p:nvSpPr>
+          <p:cNvPr id="17" name="Rectangle 16">
+            <a:extLst>
+              <a:ext uri="{FF2B5EF4-FFF2-40B4-BE49-F238E27FC236}">
+                <a16:creationId xmlns:a16="http://schemas.microsoft.com/office/drawing/2014/main" id="{E989523E-2435-438C-B1CA-FBD07084180E}"/>
+              </a:ext>
+            </a:extLst>
+          </p:cNvPr>
+          <p:cNvSpPr/>
+          <p:nvPr/>
+        </p:nvSpPr>
+        <p:spPr>
+          <a:xfrm>
+            <a:off x="4643485" y="3129286"/>
+            <a:ext cx="916868" cy="250017"/>
+          </a:xfrm>
+          <a:prstGeom prst="rect">
+            <a:avLst/>
+          </a:prstGeom>
+        </p:spPr>
+        <p:style>
+          <a:lnRef idx="2">
+            <a:schemeClr val="accent1">
+              <a:shade val="50000"/>
+            </a:schemeClr>
+          </a:lnRef>
+          <a:fillRef idx="1">
+            <a:schemeClr val="accent1"/>
+          </a:fillRef>
+          <a:effectRef idx="0">
+            <a:schemeClr val="accent1"/>
+          </a:effectRef>
+          <a:fontRef idx="minor">
+            <a:schemeClr val="lt1"/>
+          </a:fontRef>
+        </p:style>
+        <p:txBody>
+          <a:bodyPr rtlCol="0" anchor="ctr"/>
+          <a:lstStyle/>
+          <a:p>
+            <a:pPr algn="ctr"/>
+            <a:endParaRPr lang="fr-FR"/>
+          </a:p>
+        </p:txBody>
+      </p:sp>
+      <p:sp>
+        <p:nvSpPr>
+          <p:cNvPr id="11" name="Rectangle 10">
+            <a:extLst>
+              <a:ext uri="{FF2B5EF4-FFF2-40B4-BE49-F238E27FC236}">
+                <a16:creationId xmlns:a16="http://schemas.microsoft.com/office/drawing/2014/main" id="{E2B1908B-CC45-41BD-BE20-7F25C0BD8D17}"/>
+              </a:ext>
+            </a:extLst>
+          </p:cNvPr>
+          <p:cNvSpPr/>
+          <p:nvPr/>
+        </p:nvSpPr>
+        <p:spPr>
+          <a:xfrm>
+            <a:off x="4635922" y="3120206"/>
+            <a:ext cx="2776560" cy="1140542"/>
+          </a:xfrm>
+          <a:prstGeom prst="rect">
+            <a:avLst/>
+          </a:prstGeom>
+          <a:gradFill flip="none" rotWithShape="1">
+            <a:gsLst>
+              <a:gs pos="0">
+                <a:schemeClr val="accent1">
+                  <a:shade val="30000"/>
+                  <a:satMod val="115000"/>
+                </a:schemeClr>
+              </a:gs>
+              <a:gs pos="50000">
+                <a:schemeClr val="accent1">
+                  <a:shade val="67500"/>
+                  <a:satMod val="115000"/>
+                </a:schemeClr>
+              </a:gs>
+              <a:gs pos="100000">
+                <a:schemeClr val="accent1">
+                  <a:shade val="100000"/>
+                  <a:satMod val="115000"/>
+                </a:schemeClr>
+              </a:gs>
+            </a:gsLst>
+            <a:lin ang="0" scaled="1"/>
+            <a:tileRect/>
+          </a:gradFill>
+          <a:ln>
+            <a:noFill/>
+          </a:ln>
+          <a:effectLst>
+            <a:glow rad="63500">
+              <a:schemeClr val="accent1">
+                <a:satMod val="175000"/>
+                <a:alpha val="40000"/>
+              </a:schemeClr>
+            </a:glow>
+          </a:effectLst>
+        </p:spPr>
+        <p:style>
+          <a:lnRef idx="2">
+            <a:schemeClr val="accent1">
+              <a:shade val="50000"/>
+            </a:schemeClr>
+          </a:lnRef>
+          <a:fillRef idx="1">
+            <a:schemeClr val="accent1"/>
+          </a:fillRef>
+          <a:effectRef idx="0">
+            <a:schemeClr val="accent1"/>
+          </a:effectRef>
+          <a:fontRef idx="minor">
+            <a:schemeClr val="lt1"/>
+          </a:fontRef>
+        </p:style>
+        <p:txBody>
+          <a:bodyPr rtlCol="0" anchor="ctr"/>
+          <a:lstStyle/>
+          <a:p>
+            <a:pPr algn="ctr"/>
+            <a:r>
+              <a:rPr lang="en-US" sz="2000" noProof="1">
+                <a:solidFill>
+                  <a:schemeClr val="bg1"/>
+                </a:solidFill>
+              </a:rPr>
+              <a:t>MDD4Catalog</a:t>
+            </a:r>
+          </a:p>
+          <a:p>
+            <a:pPr algn="ctr"/>
+            <a:r>
+              <a:rPr lang="en-US" sz="2000" noProof="1">
                 <a:solidFill>
                   <a:schemeClr val="bg1"/>
                 </a:solidFill>
               </a:rPr>
               <a:t>Profile of DeviceDefinition</a:t>
+            </a:r>
+          </a:p>
+        </p:txBody>
+      </p:sp>
+      <p:sp>
+        <p:nvSpPr>
+          <p:cNvPr id="67" name="ZoneTexte 66">
+            <a:extLst>
+              <a:ext uri="{FF2B5EF4-FFF2-40B4-BE49-F238E27FC236}">
+                <a16:creationId xmlns:a16="http://schemas.microsoft.com/office/drawing/2014/main" id="{FA781BF2-8F55-456C-8277-C86579AC43D1}"/>
+              </a:ext>
+            </a:extLst>
+          </p:cNvPr>
+          <p:cNvSpPr txBox="1"/>
+          <p:nvPr/>
+        </p:nvSpPr>
+        <p:spPr>
+          <a:xfrm>
+            <a:off x="1413863" y="3351295"/>
+            <a:ext cx="2845128" cy="369332"/>
+          </a:xfrm>
+          <a:prstGeom prst="rect">
+            <a:avLst/>
+          </a:prstGeom>
+          <a:noFill/>
+        </p:spPr>
+        <p:txBody>
+          <a:bodyPr wrap="square" rtlCol="0">
+            <a:spAutoFit/>
+          </a:bodyPr>
+          <a:lstStyle/>
+          <a:p>
+            <a:r>
+              <a:rPr lang="en-US" noProof="1">
+                <a:solidFill>
+                  <a:srgbClr val="0070C0"/>
+                </a:solidFill>
+              </a:rPr>
+              <a:t>package.containedItem.item</a:t>
+            </a:r>
+          </a:p>
+        </p:txBody>
+      </p:sp>
+      <p:sp>
+        <p:nvSpPr>
+          <p:cNvPr id="71" name="ZoneTexte 70">
+            <a:extLst>
+              <a:ext uri="{FF2B5EF4-FFF2-40B4-BE49-F238E27FC236}">
+                <a16:creationId xmlns:a16="http://schemas.microsoft.com/office/drawing/2014/main" id="{AE23D196-8C9D-4D94-BB2F-CE84DC54F7C3}"/>
+              </a:ext>
+            </a:extLst>
+          </p:cNvPr>
+          <p:cNvSpPr txBox="1"/>
+          <p:nvPr/>
+        </p:nvSpPr>
+        <p:spPr>
+          <a:xfrm>
+            <a:off x="4158287" y="3348845"/>
+            <a:ext cx="578339" cy="369332"/>
+          </a:xfrm>
+          <a:prstGeom prst="rect">
+            <a:avLst/>
+          </a:prstGeom>
+          <a:noFill/>
+        </p:spPr>
+        <p:txBody>
+          <a:bodyPr wrap="square" rtlCol="0">
+            <a:spAutoFit/>
+          </a:bodyPr>
+          <a:lstStyle/>
+          <a:p>
+            <a:r>
+              <a:rPr lang="en-US" noProof="1"/>
+              <a:t>0..*</a:t>
             </a:r>
           </a:p>
         </p:txBody>

--- a/input/images-source/DeviceCatalog.pptx
+++ b/input/images-source/DeviceCatalog.pptx
@@ -197,7 +197,7 @@
           <a:p>
             <a:fld id="{C0FC2EA5-DDD9-41B5-A743-573E81829967}" type="datetimeFigureOut">
               <a:rPr lang="fr-FR" smtClean="0"/>
-              <a:t>18/12/2020</a:t>
+              <a:t>19/12/2020</a:t>
             </a:fld>
             <a:endParaRPr lang="fr-FR"/>
           </a:p>
@@ -695,7 +695,7 @@
           <a:p>
             <a:fld id="{DEBA1CB3-45B4-4365-8A01-D60AF6EBF46C}" type="datetimeFigureOut">
               <a:rPr lang="fr-FR" smtClean="0"/>
-              <a:t>18/12/2020</a:t>
+              <a:t>19/12/2020</a:t>
             </a:fld>
             <a:endParaRPr lang="fr-FR"/>
           </a:p>
@@ -893,7 +893,7 @@
           <a:p>
             <a:fld id="{DEBA1CB3-45B4-4365-8A01-D60AF6EBF46C}" type="datetimeFigureOut">
               <a:rPr lang="fr-FR" smtClean="0"/>
-              <a:t>18/12/2020</a:t>
+              <a:t>19/12/2020</a:t>
             </a:fld>
             <a:endParaRPr lang="fr-FR"/>
           </a:p>
@@ -1101,7 +1101,7 @@
           <a:p>
             <a:fld id="{DEBA1CB3-45B4-4365-8A01-D60AF6EBF46C}" type="datetimeFigureOut">
               <a:rPr lang="fr-FR" smtClean="0"/>
-              <a:t>18/12/2020</a:t>
+              <a:t>19/12/2020</a:t>
             </a:fld>
             <a:endParaRPr lang="fr-FR"/>
           </a:p>
@@ -1299,7 +1299,7 @@
           <a:p>
             <a:fld id="{DEBA1CB3-45B4-4365-8A01-D60AF6EBF46C}" type="datetimeFigureOut">
               <a:rPr lang="fr-FR" smtClean="0"/>
-              <a:t>18/12/2020</a:t>
+              <a:t>19/12/2020</a:t>
             </a:fld>
             <a:endParaRPr lang="fr-FR"/>
           </a:p>
@@ -1574,7 +1574,7 @@
           <a:p>
             <a:fld id="{DEBA1CB3-45B4-4365-8A01-D60AF6EBF46C}" type="datetimeFigureOut">
               <a:rPr lang="fr-FR" smtClean="0"/>
-              <a:t>18/12/2020</a:t>
+              <a:t>19/12/2020</a:t>
             </a:fld>
             <a:endParaRPr lang="fr-FR"/>
           </a:p>
@@ -1839,7 +1839,7 @@
           <a:p>
             <a:fld id="{DEBA1CB3-45B4-4365-8A01-D60AF6EBF46C}" type="datetimeFigureOut">
               <a:rPr lang="fr-FR" smtClean="0"/>
-              <a:t>18/12/2020</a:t>
+              <a:t>19/12/2020</a:t>
             </a:fld>
             <a:endParaRPr lang="fr-FR"/>
           </a:p>
@@ -2251,7 +2251,7 @@
           <a:p>
             <a:fld id="{DEBA1CB3-45B4-4365-8A01-D60AF6EBF46C}" type="datetimeFigureOut">
               <a:rPr lang="fr-FR" smtClean="0"/>
-              <a:t>18/12/2020</a:t>
+              <a:t>19/12/2020</a:t>
             </a:fld>
             <a:endParaRPr lang="fr-FR"/>
           </a:p>
@@ -2392,7 +2392,7 @@
           <a:p>
             <a:fld id="{DEBA1CB3-45B4-4365-8A01-D60AF6EBF46C}" type="datetimeFigureOut">
               <a:rPr lang="fr-FR" smtClean="0"/>
-              <a:t>18/12/2020</a:t>
+              <a:t>19/12/2020</a:t>
             </a:fld>
             <a:endParaRPr lang="fr-FR"/>
           </a:p>
@@ -2505,7 +2505,7 @@
           <a:p>
             <a:fld id="{DEBA1CB3-45B4-4365-8A01-D60AF6EBF46C}" type="datetimeFigureOut">
               <a:rPr lang="fr-FR" smtClean="0"/>
-              <a:t>18/12/2020</a:t>
+              <a:t>19/12/2020</a:t>
             </a:fld>
             <a:endParaRPr lang="fr-FR"/>
           </a:p>
@@ -2816,7 +2816,7 @@
           <a:p>
             <a:fld id="{DEBA1CB3-45B4-4365-8A01-D60AF6EBF46C}" type="datetimeFigureOut">
               <a:rPr lang="fr-FR" smtClean="0"/>
-              <a:t>18/12/2020</a:t>
+              <a:t>19/12/2020</a:t>
             </a:fld>
             <a:endParaRPr lang="fr-FR"/>
           </a:p>
@@ -3104,7 +3104,7 @@
           <a:p>
             <a:fld id="{DEBA1CB3-45B4-4365-8A01-D60AF6EBF46C}" type="datetimeFigureOut">
               <a:rPr lang="fr-FR" smtClean="0"/>
-              <a:t>18/12/2020</a:t>
+              <a:t>19/12/2020</a:t>
             </a:fld>
             <a:endParaRPr lang="fr-FR"/>
           </a:p>
@@ -3345,7 +3345,7 @@
           <a:p>
             <a:fld id="{DEBA1CB3-45B4-4365-8A01-D60AF6EBF46C}" type="datetimeFigureOut">
               <a:rPr lang="fr-FR" smtClean="0"/>
-              <a:t>18/12/2020</a:t>
+              <a:t>19/12/2020</a:t>
             </a:fld>
             <a:endParaRPr lang="fr-FR"/>
           </a:p>
@@ -4639,7 +4639,7 @@
           </a:xfrm>
           <a:prstGeom prst="bentConnector3">
             <a:avLst>
-              <a:gd name="adj1" fmla="val 50000"/>
+              <a:gd name="adj1" fmla="val 73508"/>
             </a:avLst>
           </a:prstGeom>
           <a:ln w="19050">
@@ -5582,7 +5582,12 @@
             <a:tileRect/>
           </a:gradFill>
           <a:ln>
-            <a:noFill/>
+            <a:solidFill>
+              <a:schemeClr val="accent2">
+                <a:lumMod val="75000"/>
+              </a:schemeClr>
+            </a:solidFill>
+            <a:prstDash val="dash"/>
           </a:ln>
           <a:effectLst>
             <a:glow rad="63500">
@@ -5650,6 +5655,12 @@
             <a:avLst/>
           </a:prstGeom>
           <a:ln w="28575">
+            <a:solidFill>
+              <a:schemeClr val="accent2">
+                <a:lumMod val="75000"/>
+              </a:schemeClr>
+            </a:solidFill>
+            <a:prstDash val="dash"/>
             <a:headEnd type="arrow" w="med" len="med"/>
             <a:tailEnd type="none" w="med" len="med"/>
           </a:ln>
@@ -5884,6 +5895,47 @@
             <a:r>
               <a:rPr lang="en-US" noProof="1"/>
               <a:t>0..*</a:t>
+            </a:r>
+          </a:p>
+        </p:txBody>
+      </p:sp>
+      <p:sp>
+        <p:nvSpPr>
+          <p:cNvPr id="2" name="ZoneTexte 1">
+            <a:extLst>
+              <a:ext uri="{FF2B5EF4-FFF2-40B4-BE49-F238E27FC236}">
+                <a16:creationId xmlns:a16="http://schemas.microsoft.com/office/drawing/2014/main" id="{0F469C56-5A9B-44D6-8DC0-321DB1D0D50D}"/>
+              </a:ext>
+            </a:extLst>
+          </p:cNvPr>
+          <p:cNvSpPr txBox="1"/>
+          <p:nvPr/>
+        </p:nvSpPr>
+        <p:spPr>
+          <a:xfrm>
+            <a:off x="936228" y="3179916"/>
+            <a:ext cx="578339" cy="584775"/>
+          </a:xfrm>
+          <a:prstGeom prst="rect">
+            <a:avLst/>
+          </a:prstGeom>
+          <a:noFill/>
+        </p:spPr>
+        <p:txBody>
+          <a:bodyPr wrap="square" rtlCol="0">
+            <a:spAutoFit/>
+          </a:bodyPr>
+          <a:lstStyle/>
+          <a:p>
+            <a:r>
+              <a:rPr lang="fr-FR" sz="3200" dirty="0">
+                <a:solidFill>
+                  <a:schemeClr val="accent2">
+                    <a:lumMod val="75000"/>
+                  </a:schemeClr>
+                </a:solidFill>
+              </a:rPr>
+              <a:t>?</a:t>
             </a:r>
           </a:p>
         </p:txBody>

--- a/input/images-source/DeviceCatalog.pptx
+++ b/input/images-source/DeviceCatalog.pptx
@@ -197,7 +197,7 @@
           <a:p>
             <a:fld id="{C0FC2EA5-DDD9-41B5-A743-573E81829967}" type="datetimeFigureOut">
               <a:rPr lang="fr-FR" smtClean="0"/>
-              <a:t>19/12/2020</a:t>
+              <a:t>07/01/2021</a:t>
             </a:fld>
             <a:endParaRPr lang="fr-FR"/>
           </a:p>
@@ -695,7 +695,7 @@
           <a:p>
             <a:fld id="{DEBA1CB3-45B4-4365-8A01-D60AF6EBF46C}" type="datetimeFigureOut">
               <a:rPr lang="fr-FR" smtClean="0"/>
-              <a:t>19/12/2020</a:t>
+              <a:t>07/01/2021</a:t>
             </a:fld>
             <a:endParaRPr lang="fr-FR"/>
           </a:p>
@@ -893,7 +893,7 @@
           <a:p>
             <a:fld id="{DEBA1CB3-45B4-4365-8A01-D60AF6EBF46C}" type="datetimeFigureOut">
               <a:rPr lang="fr-FR" smtClean="0"/>
-              <a:t>19/12/2020</a:t>
+              <a:t>07/01/2021</a:t>
             </a:fld>
             <a:endParaRPr lang="fr-FR"/>
           </a:p>
@@ -1101,7 +1101,7 @@
           <a:p>
             <a:fld id="{DEBA1CB3-45B4-4365-8A01-D60AF6EBF46C}" type="datetimeFigureOut">
               <a:rPr lang="fr-FR" smtClean="0"/>
-              <a:t>19/12/2020</a:t>
+              <a:t>07/01/2021</a:t>
             </a:fld>
             <a:endParaRPr lang="fr-FR"/>
           </a:p>
@@ -1299,7 +1299,7 @@
           <a:p>
             <a:fld id="{DEBA1CB3-45B4-4365-8A01-D60AF6EBF46C}" type="datetimeFigureOut">
               <a:rPr lang="fr-FR" smtClean="0"/>
-              <a:t>19/12/2020</a:t>
+              <a:t>07/01/2021</a:t>
             </a:fld>
             <a:endParaRPr lang="fr-FR"/>
           </a:p>
@@ -1574,7 +1574,7 @@
           <a:p>
             <a:fld id="{DEBA1CB3-45B4-4365-8A01-D60AF6EBF46C}" type="datetimeFigureOut">
               <a:rPr lang="fr-FR" smtClean="0"/>
-              <a:t>19/12/2020</a:t>
+              <a:t>07/01/2021</a:t>
             </a:fld>
             <a:endParaRPr lang="fr-FR"/>
           </a:p>
@@ -1839,7 +1839,7 @@
           <a:p>
             <a:fld id="{DEBA1CB3-45B4-4365-8A01-D60AF6EBF46C}" type="datetimeFigureOut">
               <a:rPr lang="fr-FR" smtClean="0"/>
-              <a:t>19/12/2020</a:t>
+              <a:t>07/01/2021</a:t>
             </a:fld>
             <a:endParaRPr lang="fr-FR"/>
           </a:p>
@@ -2251,7 +2251,7 @@
           <a:p>
             <a:fld id="{DEBA1CB3-45B4-4365-8A01-D60AF6EBF46C}" type="datetimeFigureOut">
               <a:rPr lang="fr-FR" smtClean="0"/>
-              <a:t>19/12/2020</a:t>
+              <a:t>07/01/2021</a:t>
             </a:fld>
             <a:endParaRPr lang="fr-FR"/>
           </a:p>
@@ -2392,7 +2392,7 @@
           <a:p>
             <a:fld id="{DEBA1CB3-45B4-4365-8A01-D60AF6EBF46C}" type="datetimeFigureOut">
               <a:rPr lang="fr-FR" smtClean="0"/>
-              <a:t>19/12/2020</a:t>
+              <a:t>07/01/2021</a:t>
             </a:fld>
             <a:endParaRPr lang="fr-FR"/>
           </a:p>
@@ -2505,7 +2505,7 @@
           <a:p>
             <a:fld id="{DEBA1CB3-45B4-4365-8A01-D60AF6EBF46C}" type="datetimeFigureOut">
               <a:rPr lang="fr-FR" smtClean="0"/>
-              <a:t>19/12/2020</a:t>
+              <a:t>07/01/2021</a:t>
             </a:fld>
             <a:endParaRPr lang="fr-FR"/>
           </a:p>
@@ -2816,7 +2816,7 @@
           <a:p>
             <a:fld id="{DEBA1CB3-45B4-4365-8A01-D60AF6EBF46C}" type="datetimeFigureOut">
               <a:rPr lang="fr-FR" smtClean="0"/>
-              <a:t>19/12/2020</a:t>
+              <a:t>07/01/2021</a:t>
             </a:fld>
             <a:endParaRPr lang="fr-FR"/>
           </a:p>
@@ -3104,7 +3104,7 @@
           <a:p>
             <a:fld id="{DEBA1CB3-45B4-4365-8A01-D60AF6EBF46C}" type="datetimeFigureOut">
               <a:rPr lang="fr-FR" smtClean="0"/>
-              <a:t>19/12/2020</a:t>
+              <a:t>07/01/2021</a:t>
             </a:fld>
             <a:endParaRPr lang="fr-FR"/>
           </a:p>
@@ -3345,7 +3345,7 @@
           <a:p>
             <a:fld id="{DEBA1CB3-45B4-4365-8A01-D60AF6EBF46C}" type="datetimeFigureOut">
               <a:rPr lang="fr-FR" smtClean="0"/>
-              <a:t>19/12/2020</a:t>
+              <a:t>07/01/2021</a:t>
             </a:fld>
             <a:endParaRPr lang="fr-FR"/>
           </a:p>
@@ -4181,7 +4181,7 @@
         </p:nvSpPr>
         <p:spPr>
           <a:xfrm>
-            <a:off x="9708507" y="4478458"/>
+            <a:off x="8900126" y="4478458"/>
             <a:ext cx="1994629" cy="695103"/>
           </a:xfrm>
           <a:prstGeom prst="rect">
@@ -4274,7 +4274,7 @@
         <p:spPr>
           <a:xfrm>
             <a:off x="7404334" y="4079781"/>
-            <a:ext cx="3301488" cy="398677"/>
+            <a:ext cx="2493107" cy="398677"/>
           </a:xfrm>
           <a:prstGeom prst="bentConnector2">
             <a:avLst/>
@@ -4313,7 +4313,7 @@
         </p:nvSpPr>
         <p:spPr>
           <a:xfrm>
-            <a:off x="10742920" y="4052579"/>
+            <a:off x="9934539" y="4052579"/>
             <a:ext cx="578339" cy="369332"/>
           </a:xfrm>
           <a:prstGeom prst="rect">
@@ -5091,7 +5091,7 @@
         </p:nvSpPr>
         <p:spPr>
           <a:xfrm>
-            <a:off x="9956362" y="6038871"/>
+            <a:off x="9147981" y="6038871"/>
             <a:ext cx="1493515" cy="695103"/>
           </a:xfrm>
           <a:prstGeom prst="rect">
@@ -5183,7 +5183,7 @@
         </p:nvCxnSpPr>
         <p:spPr>
           <a:xfrm rot="5400000">
-            <a:off x="10271816" y="5604865"/>
+            <a:off x="9463435" y="5604865"/>
             <a:ext cx="865310" cy="2702"/>
           </a:xfrm>
           <a:prstGeom prst="bentConnector3">
@@ -5225,7 +5225,7 @@
         </p:nvSpPr>
         <p:spPr>
           <a:xfrm>
-            <a:off x="10693814" y="5173561"/>
+            <a:off x="9885433" y="5173561"/>
             <a:ext cx="1206345" cy="369332"/>
           </a:xfrm>
           <a:prstGeom prst="rect">
@@ -5264,7 +5264,7 @@
         </p:nvSpPr>
         <p:spPr>
           <a:xfrm>
-            <a:off x="10693814" y="5669539"/>
+            <a:off x="9885433" y="5669539"/>
             <a:ext cx="578339" cy="369332"/>
           </a:xfrm>
           <a:prstGeom prst="rect">
@@ -5539,149 +5539,6 @@
       </p:sp>
       <p:sp>
         <p:nvSpPr>
-          <p:cNvPr id="56" name="Rectangle 55">
-            <a:extLst>
-              <a:ext uri="{FF2B5EF4-FFF2-40B4-BE49-F238E27FC236}">
-                <a16:creationId xmlns:a16="http://schemas.microsoft.com/office/drawing/2014/main" id="{83984D95-771F-4A70-B1FE-3A801BC9188F}"/>
-              </a:ext>
-            </a:extLst>
-          </p:cNvPr>
-          <p:cNvSpPr/>
-          <p:nvPr/>
-        </p:nvSpPr>
-        <p:spPr>
-          <a:xfrm>
-            <a:off x="366174" y="2438107"/>
-            <a:ext cx="1978492" cy="802183"/>
-          </a:xfrm>
-          <a:prstGeom prst="rect">
-            <a:avLst/>
-          </a:prstGeom>
-          <a:gradFill flip="none" rotWithShape="1">
-            <a:gsLst>
-              <a:gs pos="0">
-                <a:schemeClr val="accent1">
-                  <a:shade val="30000"/>
-                  <a:satMod val="115000"/>
-                </a:schemeClr>
-              </a:gs>
-              <a:gs pos="50000">
-                <a:schemeClr val="accent1">
-                  <a:shade val="67500"/>
-                  <a:satMod val="115000"/>
-                </a:schemeClr>
-              </a:gs>
-              <a:gs pos="100000">
-                <a:schemeClr val="accent1">
-                  <a:shade val="100000"/>
-                  <a:satMod val="115000"/>
-                </a:schemeClr>
-              </a:gs>
-            </a:gsLst>
-            <a:lin ang="0" scaled="1"/>
-            <a:tileRect/>
-          </a:gradFill>
-          <a:ln>
-            <a:solidFill>
-              <a:schemeClr val="accent2">
-                <a:lumMod val="75000"/>
-              </a:schemeClr>
-            </a:solidFill>
-            <a:prstDash val="dash"/>
-          </a:ln>
-          <a:effectLst>
-            <a:glow rad="63500">
-              <a:schemeClr val="accent1">
-                <a:satMod val="175000"/>
-                <a:alpha val="40000"/>
-              </a:schemeClr>
-            </a:glow>
-          </a:effectLst>
-        </p:spPr>
-        <p:style>
-          <a:lnRef idx="2">
-            <a:schemeClr val="accent1">
-              <a:shade val="50000"/>
-            </a:schemeClr>
-          </a:lnRef>
-          <a:fillRef idx="1">
-            <a:schemeClr val="accent1"/>
-          </a:fillRef>
-          <a:effectRef idx="0">
-            <a:schemeClr val="accent1"/>
-          </a:effectRef>
-          <a:fontRef idx="minor">
-            <a:schemeClr val="lt1"/>
-          </a:fontRef>
-        </p:style>
-        <p:txBody>
-          <a:bodyPr rtlCol="0" anchor="ctr"/>
-          <a:lstStyle/>
-          <a:p>
-            <a:pPr algn="ctr"/>
-            <a:r>
-              <a:rPr lang="en-US" sz="2000" noProof="1">
-                <a:solidFill>
-                  <a:schemeClr val="bg1"/>
-                </a:solidFill>
-              </a:rPr>
-              <a:t>PackagedProductDefinition</a:t>
-            </a:r>
-          </a:p>
-        </p:txBody>
-      </p:sp>
-      <p:cxnSp>
-        <p:nvCxnSpPr>
-          <p:cNvPr id="60" name="Connecteur : en angle 59">
-            <a:extLst>
-              <a:ext uri="{FF2B5EF4-FFF2-40B4-BE49-F238E27FC236}">
-                <a16:creationId xmlns:a16="http://schemas.microsoft.com/office/drawing/2014/main" id="{DBE3843E-86A8-4D8A-A479-211385544CFB}"/>
-              </a:ext>
-            </a:extLst>
-          </p:cNvPr>
-          <p:cNvCxnSpPr>
-            <a:cxnSpLocks/>
-            <a:stCxn id="11" idx="1"/>
-            <a:endCxn id="56" idx="2"/>
-          </p:cNvCxnSpPr>
-          <p:nvPr/>
-        </p:nvCxnSpPr>
-        <p:spPr>
-          <a:xfrm rot="10800000">
-            <a:off x="1355420" y="3240291"/>
-            <a:ext cx="3280502" cy="450187"/>
-          </a:xfrm>
-          <a:prstGeom prst="bentConnector2">
-            <a:avLst/>
-          </a:prstGeom>
-          <a:ln w="28575">
-            <a:solidFill>
-              <a:schemeClr val="accent2">
-                <a:lumMod val="75000"/>
-              </a:schemeClr>
-            </a:solidFill>
-            <a:prstDash val="dash"/>
-            <a:headEnd type="arrow" w="med" len="med"/>
-            <a:tailEnd type="none" w="med" len="med"/>
-          </a:ln>
-        </p:spPr>
-        <p:style>
-          <a:lnRef idx="1">
-            <a:schemeClr val="accent1"/>
-          </a:lnRef>
-          <a:fillRef idx="0">
-            <a:schemeClr val="accent1"/>
-          </a:fillRef>
-          <a:effectRef idx="0">
-            <a:schemeClr val="accent1"/>
-          </a:effectRef>
-          <a:fontRef idx="minor">
-            <a:schemeClr val="tx1"/>
-          </a:fontRef>
-        </p:style>
-      </p:cxnSp>
-      <p:sp>
-        <p:nvSpPr>
           <p:cNvPr id="17" name="Rectangle 16">
             <a:extLst>
               <a:ext uri="{FF2B5EF4-FFF2-40B4-BE49-F238E27FC236}">
@@ -5821,121 +5678,6 @@
                 </a:solidFill>
               </a:rPr>
               <a:t>Profile of DeviceDefinition</a:t>
-            </a:r>
-          </a:p>
-        </p:txBody>
-      </p:sp>
-      <p:sp>
-        <p:nvSpPr>
-          <p:cNvPr id="67" name="ZoneTexte 66">
-            <a:extLst>
-              <a:ext uri="{FF2B5EF4-FFF2-40B4-BE49-F238E27FC236}">
-                <a16:creationId xmlns:a16="http://schemas.microsoft.com/office/drawing/2014/main" id="{FA781BF2-8F55-456C-8277-C86579AC43D1}"/>
-              </a:ext>
-            </a:extLst>
-          </p:cNvPr>
-          <p:cNvSpPr txBox="1"/>
-          <p:nvPr/>
-        </p:nvSpPr>
-        <p:spPr>
-          <a:xfrm>
-            <a:off x="1413863" y="3351295"/>
-            <a:ext cx="2845128" cy="369332"/>
-          </a:xfrm>
-          <a:prstGeom prst="rect">
-            <a:avLst/>
-          </a:prstGeom>
-          <a:noFill/>
-        </p:spPr>
-        <p:txBody>
-          <a:bodyPr wrap="square" rtlCol="0">
-            <a:spAutoFit/>
-          </a:bodyPr>
-          <a:lstStyle/>
-          <a:p>
-            <a:r>
-              <a:rPr lang="en-US" noProof="1">
-                <a:solidFill>
-                  <a:srgbClr val="0070C0"/>
-                </a:solidFill>
-              </a:rPr>
-              <a:t>package.containedItem.item</a:t>
-            </a:r>
-          </a:p>
-        </p:txBody>
-      </p:sp>
-      <p:sp>
-        <p:nvSpPr>
-          <p:cNvPr id="71" name="ZoneTexte 70">
-            <a:extLst>
-              <a:ext uri="{FF2B5EF4-FFF2-40B4-BE49-F238E27FC236}">
-                <a16:creationId xmlns:a16="http://schemas.microsoft.com/office/drawing/2014/main" id="{AE23D196-8C9D-4D94-BB2F-CE84DC54F7C3}"/>
-              </a:ext>
-            </a:extLst>
-          </p:cNvPr>
-          <p:cNvSpPr txBox="1"/>
-          <p:nvPr/>
-        </p:nvSpPr>
-        <p:spPr>
-          <a:xfrm>
-            <a:off x="4158287" y="3348845"/>
-            <a:ext cx="578339" cy="369332"/>
-          </a:xfrm>
-          <a:prstGeom prst="rect">
-            <a:avLst/>
-          </a:prstGeom>
-          <a:noFill/>
-        </p:spPr>
-        <p:txBody>
-          <a:bodyPr wrap="square" rtlCol="0">
-            <a:spAutoFit/>
-          </a:bodyPr>
-          <a:lstStyle/>
-          <a:p>
-            <a:r>
-              <a:rPr lang="en-US" noProof="1"/>
-              <a:t>0..*</a:t>
-            </a:r>
-          </a:p>
-        </p:txBody>
-      </p:sp>
-      <p:sp>
-        <p:nvSpPr>
-          <p:cNvPr id="2" name="ZoneTexte 1">
-            <a:extLst>
-              <a:ext uri="{FF2B5EF4-FFF2-40B4-BE49-F238E27FC236}">
-                <a16:creationId xmlns:a16="http://schemas.microsoft.com/office/drawing/2014/main" id="{0F469C56-5A9B-44D6-8DC0-321DB1D0D50D}"/>
-              </a:ext>
-            </a:extLst>
-          </p:cNvPr>
-          <p:cNvSpPr txBox="1"/>
-          <p:nvPr/>
-        </p:nvSpPr>
-        <p:spPr>
-          <a:xfrm>
-            <a:off x="936228" y="3179916"/>
-            <a:ext cx="578339" cy="584775"/>
-          </a:xfrm>
-          <a:prstGeom prst="rect">
-            <a:avLst/>
-          </a:prstGeom>
-          <a:noFill/>
-        </p:spPr>
-        <p:txBody>
-          <a:bodyPr wrap="square" rtlCol="0">
-            <a:spAutoFit/>
-          </a:bodyPr>
-          <a:lstStyle/>
-          <a:p>
-            <a:r>
-              <a:rPr lang="fr-FR" sz="3200" dirty="0">
-                <a:solidFill>
-                  <a:schemeClr val="accent2">
-                    <a:lumMod val="75000"/>
-                  </a:schemeClr>
-                </a:solidFill>
-              </a:rPr>
-              <a:t>?</a:t>
             </a:r>
           </a:p>
         </p:txBody>

--- a/input/images-source/DeviceCatalog.pptx
+++ b/input/images-source/DeviceCatalog.pptx
@@ -197,7 +197,7 @@
           <a:p>
             <a:fld id="{C0FC2EA5-DDD9-41B5-A743-573E81829967}" type="datetimeFigureOut">
               <a:rPr lang="fr-FR" smtClean="0"/>
-              <a:t>07/01/2021</a:t>
+              <a:t>08/01/2021</a:t>
             </a:fld>
             <a:endParaRPr lang="fr-FR"/>
           </a:p>
@@ -695,7 +695,7 @@
           <a:p>
             <a:fld id="{DEBA1CB3-45B4-4365-8A01-D60AF6EBF46C}" type="datetimeFigureOut">
               <a:rPr lang="fr-FR" smtClean="0"/>
-              <a:t>07/01/2021</a:t>
+              <a:t>08/01/2021</a:t>
             </a:fld>
             <a:endParaRPr lang="fr-FR"/>
           </a:p>
@@ -893,7 +893,7 @@
           <a:p>
             <a:fld id="{DEBA1CB3-45B4-4365-8A01-D60AF6EBF46C}" type="datetimeFigureOut">
               <a:rPr lang="fr-FR" smtClean="0"/>
-              <a:t>07/01/2021</a:t>
+              <a:t>08/01/2021</a:t>
             </a:fld>
             <a:endParaRPr lang="fr-FR"/>
           </a:p>
@@ -1101,7 +1101,7 @@
           <a:p>
             <a:fld id="{DEBA1CB3-45B4-4365-8A01-D60AF6EBF46C}" type="datetimeFigureOut">
               <a:rPr lang="fr-FR" smtClean="0"/>
-              <a:t>07/01/2021</a:t>
+              <a:t>08/01/2021</a:t>
             </a:fld>
             <a:endParaRPr lang="fr-FR"/>
           </a:p>
@@ -1299,7 +1299,7 @@
           <a:p>
             <a:fld id="{DEBA1CB3-45B4-4365-8A01-D60AF6EBF46C}" type="datetimeFigureOut">
               <a:rPr lang="fr-FR" smtClean="0"/>
-              <a:t>07/01/2021</a:t>
+              <a:t>08/01/2021</a:t>
             </a:fld>
             <a:endParaRPr lang="fr-FR"/>
           </a:p>
@@ -1574,7 +1574,7 @@
           <a:p>
             <a:fld id="{DEBA1CB3-45B4-4365-8A01-D60AF6EBF46C}" type="datetimeFigureOut">
               <a:rPr lang="fr-FR" smtClean="0"/>
-              <a:t>07/01/2021</a:t>
+              <a:t>08/01/2021</a:t>
             </a:fld>
             <a:endParaRPr lang="fr-FR"/>
           </a:p>
@@ -1839,7 +1839,7 @@
           <a:p>
             <a:fld id="{DEBA1CB3-45B4-4365-8A01-D60AF6EBF46C}" type="datetimeFigureOut">
               <a:rPr lang="fr-FR" smtClean="0"/>
-              <a:t>07/01/2021</a:t>
+              <a:t>08/01/2021</a:t>
             </a:fld>
             <a:endParaRPr lang="fr-FR"/>
           </a:p>
@@ -2251,7 +2251,7 @@
           <a:p>
             <a:fld id="{DEBA1CB3-45B4-4365-8A01-D60AF6EBF46C}" type="datetimeFigureOut">
               <a:rPr lang="fr-FR" smtClean="0"/>
-              <a:t>07/01/2021</a:t>
+              <a:t>08/01/2021</a:t>
             </a:fld>
             <a:endParaRPr lang="fr-FR"/>
           </a:p>
@@ -2392,7 +2392,7 @@
           <a:p>
             <a:fld id="{DEBA1CB3-45B4-4365-8A01-D60AF6EBF46C}" type="datetimeFigureOut">
               <a:rPr lang="fr-FR" smtClean="0"/>
-              <a:t>07/01/2021</a:t>
+              <a:t>08/01/2021</a:t>
             </a:fld>
             <a:endParaRPr lang="fr-FR"/>
           </a:p>
@@ -2505,7 +2505,7 @@
           <a:p>
             <a:fld id="{DEBA1CB3-45B4-4365-8A01-D60AF6EBF46C}" type="datetimeFigureOut">
               <a:rPr lang="fr-FR" smtClean="0"/>
-              <a:t>07/01/2021</a:t>
+              <a:t>08/01/2021</a:t>
             </a:fld>
             <a:endParaRPr lang="fr-FR"/>
           </a:p>
@@ -2816,7 +2816,7 @@
           <a:p>
             <a:fld id="{DEBA1CB3-45B4-4365-8A01-D60AF6EBF46C}" type="datetimeFigureOut">
               <a:rPr lang="fr-FR" smtClean="0"/>
-              <a:t>07/01/2021</a:t>
+              <a:t>08/01/2021</a:t>
             </a:fld>
             <a:endParaRPr lang="fr-FR"/>
           </a:p>
@@ -3104,7 +3104,7 @@
           <a:p>
             <a:fld id="{DEBA1CB3-45B4-4365-8A01-D60AF6EBF46C}" type="datetimeFigureOut">
               <a:rPr lang="fr-FR" smtClean="0"/>
-              <a:t>07/01/2021</a:t>
+              <a:t>08/01/2021</a:t>
             </a:fld>
             <a:endParaRPr lang="fr-FR"/>
           </a:p>
@@ -3345,7 +3345,7 @@
           <a:p>
             <a:fld id="{DEBA1CB3-45B4-4365-8A01-D60AF6EBF46C}" type="datetimeFigureOut">
               <a:rPr lang="fr-FR" smtClean="0"/>
-              <a:t>07/01/2021</a:t>
+              <a:t>08/01/2021</a:t>
             </a:fld>
             <a:endParaRPr lang="fr-FR"/>
           </a:p>
@@ -3776,8 +3776,8 @@
         </p:nvSpPr>
         <p:spPr>
           <a:xfrm>
-            <a:off x="5145945" y="2496238"/>
-            <a:ext cx="1428357" cy="646331"/>
+            <a:off x="5251623" y="2476034"/>
+            <a:ext cx="1604093" cy="646331"/>
           </a:xfrm>
           <a:prstGeom prst="rect">
             <a:avLst/>
@@ -3811,7 +3811,7 @@
                   <a:schemeClr val="tx1"/>
                 </a:solidFill>
               </a:rPr>
-              <a:t>A medical device</a:t>
+              <a:t>A model of medical device</a:t>
             </a:r>
           </a:p>
         </p:txBody>
@@ -4076,13 +4076,38 @@
           <a:lstStyle/>
           <a:p>
             <a:r>
-              <a:rPr lang="en-US" noProof="1"/>
+              <a:rPr lang="en-US" strike="sngStrike" noProof="1">
+                <a:solidFill>
+                  <a:srgbClr val="FF0000"/>
+                </a:solidFill>
+              </a:rPr>
               <a:t>parentDevice </a:t>
             </a:r>
             <a:r>
+              <a:rPr lang="en-US" i="1" strike="sngStrike" noProof="1">
+                <a:solidFill>
+                  <a:srgbClr val="FF0000"/>
+                </a:solidFill>
+              </a:rPr>
+              <a:t>(is part of)</a:t>
+            </a:r>
+            <a:r>
               <a:rPr lang="en-US" i="1" noProof="1"/>
-              <a:t>(is part of)</a:t>
-            </a:r>
+              <a:t> </a:t>
+            </a:r>
+            <a:r>
+              <a:rPr lang="en-US" i="1" noProof="1">
+                <a:solidFill>
+                  <a:srgbClr val="00B050"/>
+                </a:solidFill>
+              </a:rPr>
+              <a:t>hasPart</a:t>
+            </a:r>
+            <a:endParaRPr lang="en-US" i="1" strike="sngStrike" noProof="1">
+              <a:solidFill>
+                <a:srgbClr val="00B050"/>
+              </a:solidFill>
+            </a:endParaRPr>
           </a:p>
         </p:txBody>
       </p:sp>
@@ -4936,7 +4961,7 @@
         </p:nvSpPr>
         <p:spPr>
           <a:xfrm>
-            <a:off x="6446519" y="2777973"/>
+            <a:off x="6883291" y="2581017"/>
             <a:ext cx="610436" cy="369332"/>
           </a:xfrm>
           <a:prstGeom prst="rect">
@@ -5349,8 +5374,8 @@
         </p:nvCxnSpPr>
         <p:spPr>
           <a:xfrm rot="10800000" flipV="1">
-            <a:off x="2585553" y="4087780"/>
-            <a:ext cx="2057932" cy="692048"/>
+            <a:off x="2351313" y="4087780"/>
+            <a:ext cx="2292173" cy="440260"/>
           </a:xfrm>
           <a:prstGeom prst="bentConnector2">
             <a:avLst/>
@@ -5389,8 +5414,8 @@
         </p:nvSpPr>
         <p:spPr>
           <a:xfrm>
-            <a:off x="1828800" y="4779828"/>
-            <a:ext cx="1513505" cy="792704"/>
+            <a:off x="1131159" y="4528040"/>
+            <a:ext cx="2440305" cy="792704"/>
           </a:xfrm>
           <a:prstGeom prst="rect">
             <a:avLst/>
@@ -5477,7 +5502,7 @@
         </p:nvSpPr>
         <p:spPr>
           <a:xfrm>
-            <a:off x="2608567" y="4412675"/>
+            <a:off x="2309020" y="4179990"/>
             <a:ext cx="578339" cy="369332"/>
           </a:xfrm>
           <a:prstGeom prst="rect">

--- a/input/images-source/DeviceCatalog.pptx
+++ b/input/images-source/DeviceCatalog.pptx
@@ -2,21 +2,21 @@
 <file path=ppt/presentation.xml><?xml version="1.0" encoding="utf-8"?>
 <p:presentation xmlns:a="http://schemas.openxmlformats.org/drawingml/2006/main" xmlns:r="http://schemas.openxmlformats.org/officeDocument/2006/relationships" xmlns:p="http://schemas.openxmlformats.org/presentationml/2006/main" saveSubsetFonts="1">
   <p:sldMasterIdLst>
-    <p:sldMasterId id="2147483648" r:id="rId1"/>
+    <p:sldMasterId id="2147483660" r:id="rId1"/>
   </p:sldMasterIdLst>
   <p:notesMasterIdLst>
     <p:notesMasterId r:id="rId3"/>
   </p:notesMasterIdLst>
   <p:sldIdLst>
-    <p:sldId id="333" r:id="rId2"/>
+    <p:sldId id="335" r:id="rId2"/>
   </p:sldIdLst>
-  <p:sldSz cx="12192000" cy="6858000"/>
+  <p:sldSz cx="6858000" cy="12192000"/>
   <p:notesSz cx="6858000" cy="9144000"/>
   <p:defaultTextStyle>
     <a:defPPr>
-      <a:defRPr lang="fr-FR"/>
+      <a:defRPr lang="en-US"/>
     </a:defPPr>
-    <a:lvl1pPr marL="0" algn="l" defTabSz="914400" rtl="0" eaLnBrk="1" latinLnBrk="0" hangingPunct="1">
+    <a:lvl1pPr marL="0" algn="l" defTabSz="457200" rtl="0" eaLnBrk="1" latinLnBrk="0" hangingPunct="1">
       <a:defRPr sz="1800" kern="1200">
         <a:solidFill>
           <a:schemeClr val="tx1"/>
@@ -26,7 +26,7 @@
         <a:cs typeface="+mn-cs"/>
       </a:defRPr>
     </a:lvl1pPr>
-    <a:lvl2pPr marL="457200" algn="l" defTabSz="914400" rtl="0" eaLnBrk="1" latinLnBrk="0" hangingPunct="1">
+    <a:lvl2pPr marL="457200" algn="l" defTabSz="457200" rtl="0" eaLnBrk="1" latinLnBrk="0" hangingPunct="1">
       <a:defRPr sz="1800" kern="1200">
         <a:solidFill>
           <a:schemeClr val="tx1"/>
@@ -36,7 +36,7 @@
         <a:cs typeface="+mn-cs"/>
       </a:defRPr>
     </a:lvl2pPr>
-    <a:lvl3pPr marL="914400" algn="l" defTabSz="914400" rtl="0" eaLnBrk="1" latinLnBrk="0" hangingPunct="1">
+    <a:lvl3pPr marL="914400" algn="l" defTabSz="457200" rtl="0" eaLnBrk="1" latinLnBrk="0" hangingPunct="1">
       <a:defRPr sz="1800" kern="1200">
         <a:solidFill>
           <a:schemeClr val="tx1"/>
@@ -46,7 +46,7 @@
         <a:cs typeface="+mn-cs"/>
       </a:defRPr>
     </a:lvl3pPr>
-    <a:lvl4pPr marL="1371600" algn="l" defTabSz="914400" rtl="0" eaLnBrk="1" latinLnBrk="0" hangingPunct="1">
+    <a:lvl4pPr marL="1371600" algn="l" defTabSz="457200" rtl="0" eaLnBrk="1" latinLnBrk="0" hangingPunct="1">
       <a:defRPr sz="1800" kern="1200">
         <a:solidFill>
           <a:schemeClr val="tx1"/>
@@ -56,7 +56,7 @@
         <a:cs typeface="+mn-cs"/>
       </a:defRPr>
     </a:lvl4pPr>
-    <a:lvl5pPr marL="1828800" algn="l" defTabSz="914400" rtl="0" eaLnBrk="1" latinLnBrk="0" hangingPunct="1">
+    <a:lvl5pPr marL="1828800" algn="l" defTabSz="457200" rtl="0" eaLnBrk="1" latinLnBrk="0" hangingPunct="1">
       <a:defRPr sz="1800" kern="1200">
         <a:solidFill>
           <a:schemeClr val="tx1"/>
@@ -66,7 +66,7 @@
         <a:cs typeface="+mn-cs"/>
       </a:defRPr>
     </a:lvl5pPr>
-    <a:lvl6pPr marL="2286000" algn="l" defTabSz="914400" rtl="0" eaLnBrk="1" latinLnBrk="0" hangingPunct="1">
+    <a:lvl6pPr marL="2286000" algn="l" defTabSz="457200" rtl="0" eaLnBrk="1" latinLnBrk="0" hangingPunct="1">
       <a:defRPr sz="1800" kern="1200">
         <a:solidFill>
           <a:schemeClr val="tx1"/>
@@ -76,7 +76,7 @@
         <a:cs typeface="+mn-cs"/>
       </a:defRPr>
     </a:lvl6pPr>
-    <a:lvl7pPr marL="2743200" algn="l" defTabSz="914400" rtl="0" eaLnBrk="1" latinLnBrk="0" hangingPunct="1">
+    <a:lvl7pPr marL="2743200" algn="l" defTabSz="457200" rtl="0" eaLnBrk="1" latinLnBrk="0" hangingPunct="1">
       <a:defRPr sz="1800" kern="1200">
         <a:solidFill>
           <a:schemeClr val="tx1"/>
@@ -86,7 +86,7 @@
         <a:cs typeface="+mn-cs"/>
       </a:defRPr>
     </a:lvl7pPr>
-    <a:lvl8pPr marL="3200400" algn="l" defTabSz="914400" rtl="0" eaLnBrk="1" latinLnBrk="0" hangingPunct="1">
+    <a:lvl8pPr marL="3200400" algn="l" defTabSz="457200" rtl="0" eaLnBrk="1" latinLnBrk="0" hangingPunct="1">
       <a:defRPr sz="1800" kern="1200">
         <a:solidFill>
           <a:schemeClr val="tx1"/>
@@ -96,7 +96,7 @@
         <a:cs typeface="+mn-cs"/>
       </a:defRPr>
     </a:lvl8pPr>
-    <a:lvl9pPr marL="3657600" algn="l" defTabSz="914400" rtl="0" eaLnBrk="1" latinLnBrk="0" hangingPunct="1">
+    <a:lvl9pPr marL="3657600" algn="l" defTabSz="457200" rtl="0" eaLnBrk="1" latinLnBrk="0" hangingPunct="1">
       <a:defRPr sz="1800" kern="1200">
         <a:solidFill>
           <a:schemeClr val="tx1"/>
@@ -197,7 +197,7 @@
           <a:p>
             <a:fld id="{C0FC2EA5-DDD9-41B5-A743-573E81829967}" type="datetimeFigureOut">
               <a:rPr lang="fr-FR" smtClean="0"/>
-              <a:t>08/01/2021</a:t>
+              <a:t>07/05/2021</a:t>
             </a:fld>
             <a:endParaRPr lang="fr-FR"/>
           </a:p>
@@ -215,8 +215,8 @@
         </p:nvSpPr>
         <p:spPr>
           <a:xfrm>
-            <a:off x="685800" y="1143000"/>
-            <a:ext cx="5486400" cy="3086100"/>
+            <a:off x="2560638" y="1143000"/>
+            <a:ext cx="1736725" cy="3086100"/>
           </a:xfrm>
           <a:prstGeom prst="rect">
             <a:avLst/>
@@ -491,7 +491,12 @@
             <p:ph type="sldImg"/>
           </p:nvPr>
         </p:nvSpPr>
-        <p:spPr/>
+        <p:spPr>
+          <a:xfrm>
+            <a:off x="2560638" y="1143000"/>
+            <a:ext cx="1736725" cy="3086100"/>
+          </a:xfrm>
+        </p:spPr>
       </p:sp>
       <p:sp>
         <p:nvSpPr>
@@ -567,13 +572,7 @@
       </p:grpSpPr>
       <p:sp>
         <p:nvSpPr>
-          <p:cNvPr id="2" name="Titre 1">
-            <a:extLst>
-              <a:ext uri="{FF2B5EF4-FFF2-40B4-BE49-F238E27FC236}">
-                <a16:creationId xmlns:a16="http://schemas.microsoft.com/office/drawing/2014/main" id="{0ED7A579-5204-4993-842E-5C879015839E}"/>
-              </a:ext>
-            </a:extLst>
-          </p:cNvPr>
+          <p:cNvPr id="2" name="Title 1"/>
           <p:cNvSpPr>
             <a:spLocks noGrp="1"/>
           </p:cNvSpPr>
@@ -583,15 +582,15 @@
         </p:nvSpPr>
         <p:spPr>
           <a:xfrm>
-            <a:off x="1524000" y="1122363"/>
-            <a:ext cx="9144000" cy="2387600"/>
+            <a:off x="514350" y="1995312"/>
+            <a:ext cx="5829300" cy="4244622"/>
           </a:xfrm>
         </p:spPr>
         <p:txBody>
           <a:bodyPr anchor="b"/>
           <a:lstStyle>
             <a:lvl1pPr algn="ctr">
-              <a:defRPr sz="6000"/>
+              <a:defRPr sz="4500"/>
             </a:lvl1pPr>
           </a:lstStyle>
           <a:p>
@@ -599,18 +598,13 @@
               <a:rPr lang="fr-FR"/>
               <a:t>Modifiez le style du titre</a:t>
             </a:r>
-          </a:p>
-        </p:txBody>
-      </p:sp>
-      <p:sp>
-        <p:nvSpPr>
-          <p:cNvPr id="3" name="Sous-titre 2">
-            <a:extLst>
-              <a:ext uri="{FF2B5EF4-FFF2-40B4-BE49-F238E27FC236}">
-                <a16:creationId xmlns:a16="http://schemas.microsoft.com/office/drawing/2014/main" id="{2958703F-81DA-4849-A0F5-06C3D4136621}"/>
-              </a:ext>
-            </a:extLst>
-          </p:cNvPr>
+            <a:endParaRPr lang="en-US" dirty="0"/>
+          </a:p>
+        </p:txBody>
+      </p:sp>
+      <p:sp>
+        <p:nvSpPr>
+          <p:cNvPr id="3" name="Subtitle 2"/>
           <p:cNvSpPr>
             <a:spLocks noGrp="1"/>
           </p:cNvSpPr>
@@ -620,8 +614,8 @@
         </p:nvSpPr>
         <p:spPr>
           <a:xfrm>
-            <a:off x="1524000" y="3602038"/>
-            <a:ext cx="9144000" cy="1655762"/>
+            <a:off x="857250" y="6403623"/>
+            <a:ext cx="5143500" cy="2943577"/>
           </a:xfrm>
         </p:spPr>
         <p:txBody>
@@ -629,39 +623,39 @@
           <a:lstStyle>
             <a:lvl1pPr marL="0" indent="0" algn="ctr">
               <a:buNone/>
-              <a:defRPr sz="2400"/>
+              <a:defRPr sz="1800"/>
             </a:lvl1pPr>
-            <a:lvl2pPr marL="457200" indent="0" algn="ctr">
+            <a:lvl2pPr marL="342900" indent="0" algn="ctr">
               <a:buNone/>
-              <a:defRPr sz="2000"/>
+              <a:defRPr sz="1500"/>
             </a:lvl2pPr>
-            <a:lvl3pPr marL="914400" indent="0" algn="ctr">
+            <a:lvl3pPr marL="685800" indent="0" algn="ctr">
               <a:buNone/>
-              <a:defRPr sz="1800"/>
+              <a:defRPr sz="1350"/>
             </a:lvl3pPr>
-            <a:lvl4pPr marL="1371600" indent="0" algn="ctr">
+            <a:lvl4pPr marL="1028700" indent="0" algn="ctr">
               <a:buNone/>
-              <a:defRPr sz="1600"/>
+              <a:defRPr sz="1200"/>
             </a:lvl4pPr>
-            <a:lvl5pPr marL="1828800" indent="0" algn="ctr">
+            <a:lvl5pPr marL="1371600" indent="0" algn="ctr">
               <a:buNone/>
-              <a:defRPr sz="1600"/>
+              <a:defRPr sz="1200"/>
             </a:lvl5pPr>
-            <a:lvl6pPr marL="2286000" indent="0" algn="ctr">
+            <a:lvl6pPr marL="1714500" indent="0" algn="ctr">
               <a:buNone/>
-              <a:defRPr sz="1600"/>
+              <a:defRPr sz="1200"/>
             </a:lvl6pPr>
-            <a:lvl7pPr marL="2743200" indent="0" algn="ctr">
+            <a:lvl7pPr marL="2057400" indent="0" algn="ctr">
               <a:buNone/>
-              <a:defRPr sz="1600"/>
+              <a:defRPr sz="1200"/>
             </a:lvl7pPr>
-            <a:lvl8pPr marL="3200400" indent="0" algn="ctr">
+            <a:lvl8pPr marL="2400300" indent="0" algn="ctr">
               <a:buNone/>
-              <a:defRPr sz="1600"/>
+              <a:defRPr sz="1200"/>
             </a:lvl8pPr>
-            <a:lvl9pPr marL="3657600" indent="0" algn="ctr">
+            <a:lvl9pPr marL="2743200" indent="0" algn="ctr">
               <a:buNone/>
-              <a:defRPr sz="1600"/>
+              <a:defRPr sz="1200"/>
             </a:lvl9pPr>
           </a:lstStyle>
           <a:p>
@@ -669,18 +663,13 @@
               <a:rPr lang="fr-FR"/>
               <a:t>Modifiez le style des sous-titres du masque</a:t>
             </a:r>
-          </a:p>
-        </p:txBody>
-      </p:sp>
-      <p:sp>
-        <p:nvSpPr>
-          <p:cNvPr id="4" name="Espace réservé de la date 3">
-            <a:extLst>
-              <a:ext uri="{FF2B5EF4-FFF2-40B4-BE49-F238E27FC236}">
-                <a16:creationId xmlns:a16="http://schemas.microsoft.com/office/drawing/2014/main" id="{0520DC03-3594-487B-889D-30BCA2EB14B3}"/>
-              </a:ext>
-            </a:extLst>
-          </p:cNvPr>
+            <a:endParaRPr lang="en-US" dirty="0"/>
+          </a:p>
+        </p:txBody>
+      </p:sp>
+      <p:sp>
+        <p:nvSpPr>
+          <p:cNvPr id="4" name="Date Placeholder 3"/>
           <p:cNvSpPr>
             <a:spLocks noGrp="1"/>
           </p:cNvSpPr>
@@ -695,7 +684,7 @@
           <a:p>
             <a:fld id="{DEBA1CB3-45B4-4365-8A01-D60AF6EBF46C}" type="datetimeFigureOut">
               <a:rPr lang="fr-FR" smtClean="0"/>
-              <a:t>08/01/2021</a:t>
+              <a:t>07/05/2021</a:t>
             </a:fld>
             <a:endParaRPr lang="fr-FR"/>
           </a:p>
@@ -703,13 +692,7 @@
       </p:sp>
       <p:sp>
         <p:nvSpPr>
-          <p:cNvPr id="5" name="Espace réservé du pied de page 4">
-            <a:extLst>
-              <a:ext uri="{FF2B5EF4-FFF2-40B4-BE49-F238E27FC236}">
-                <a16:creationId xmlns:a16="http://schemas.microsoft.com/office/drawing/2014/main" id="{D949DD6E-6441-4DD4-A257-2CFFD1E30C59}"/>
-              </a:ext>
-            </a:extLst>
-          </p:cNvPr>
+          <p:cNvPr id="5" name="Footer Placeholder 4"/>
           <p:cNvSpPr>
             <a:spLocks noGrp="1"/>
           </p:cNvSpPr>
@@ -728,13 +711,7 @@
       </p:sp>
       <p:sp>
         <p:nvSpPr>
-          <p:cNvPr id="6" name="Espace réservé du numéro de diapositive 5">
-            <a:extLst>
-              <a:ext uri="{FF2B5EF4-FFF2-40B4-BE49-F238E27FC236}">
-                <a16:creationId xmlns:a16="http://schemas.microsoft.com/office/drawing/2014/main" id="{FEC1E843-19E1-4A2D-A3FA-4D681934BBE8}"/>
-              </a:ext>
-            </a:extLst>
-          </p:cNvPr>
+          <p:cNvPr id="6" name="Slide Number Placeholder 5"/>
           <p:cNvSpPr>
             <a:spLocks noGrp="1"/>
           </p:cNvSpPr>
@@ -758,7 +735,7 @@
     </p:spTree>
     <p:extLst>
       <p:ext uri="{BB962C8B-B14F-4D97-AF65-F5344CB8AC3E}">
-        <p14:creationId xmlns:p14="http://schemas.microsoft.com/office/powerpoint/2010/main" val="2294441865"/>
+        <p14:creationId xmlns:p14="http://schemas.microsoft.com/office/powerpoint/2010/main" val="1534199144"/>
       </p:ext>
     </p:extLst>
   </p:cSld>
@@ -787,13 +764,7 @@
       </p:grpSpPr>
       <p:sp>
         <p:nvSpPr>
-          <p:cNvPr id="2" name="Titre 1">
-            <a:extLst>
-              <a:ext uri="{FF2B5EF4-FFF2-40B4-BE49-F238E27FC236}">
-                <a16:creationId xmlns:a16="http://schemas.microsoft.com/office/drawing/2014/main" id="{A76CF45A-3A6A-418B-A444-DD98FA943E66}"/>
-              </a:ext>
-            </a:extLst>
-          </p:cNvPr>
+          <p:cNvPr id="2" name="Title 1"/>
           <p:cNvSpPr>
             <a:spLocks noGrp="1"/>
           </p:cNvSpPr>
@@ -810,18 +781,13 @@
               <a:rPr lang="fr-FR"/>
               <a:t>Modifiez le style du titre</a:t>
             </a:r>
-          </a:p>
-        </p:txBody>
-      </p:sp>
-      <p:sp>
-        <p:nvSpPr>
-          <p:cNvPr id="3" name="Espace réservé du texte vertical 2">
-            <a:extLst>
-              <a:ext uri="{FF2B5EF4-FFF2-40B4-BE49-F238E27FC236}">
-                <a16:creationId xmlns:a16="http://schemas.microsoft.com/office/drawing/2014/main" id="{C9C79861-7519-4EF0-BD1C-9DF5B6AE307C}"/>
-              </a:ext>
-            </a:extLst>
-          </p:cNvPr>
+            <a:endParaRPr lang="en-US" dirty="0"/>
+          </a:p>
+        </p:txBody>
+      </p:sp>
+      <p:sp>
+        <p:nvSpPr>
+          <p:cNvPr id="3" name="Vertical Text Placeholder 2"/>
           <p:cNvSpPr>
             <a:spLocks noGrp="1"/>
           </p:cNvSpPr>
@@ -867,18 +833,13 @@
               <a:rPr lang="fr-FR"/>
               <a:t>Cinquième niveau</a:t>
             </a:r>
-          </a:p>
-        </p:txBody>
-      </p:sp>
-      <p:sp>
-        <p:nvSpPr>
-          <p:cNvPr id="4" name="Espace réservé de la date 3">
-            <a:extLst>
-              <a:ext uri="{FF2B5EF4-FFF2-40B4-BE49-F238E27FC236}">
-                <a16:creationId xmlns:a16="http://schemas.microsoft.com/office/drawing/2014/main" id="{EC2E3985-B990-4E6F-BFE7-6F3B6DEB09EA}"/>
-              </a:ext>
-            </a:extLst>
-          </p:cNvPr>
+            <a:endParaRPr lang="en-US" dirty="0"/>
+          </a:p>
+        </p:txBody>
+      </p:sp>
+      <p:sp>
+        <p:nvSpPr>
+          <p:cNvPr id="4" name="Date Placeholder 3"/>
           <p:cNvSpPr>
             <a:spLocks noGrp="1"/>
           </p:cNvSpPr>
@@ -893,7 +854,7 @@
           <a:p>
             <a:fld id="{DEBA1CB3-45B4-4365-8A01-D60AF6EBF46C}" type="datetimeFigureOut">
               <a:rPr lang="fr-FR" smtClean="0"/>
-              <a:t>08/01/2021</a:t>
+              <a:t>07/05/2021</a:t>
             </a:fld>
             <a:endParaRPr lang="fr-FR"/>
           </a:p>
@@ -901,13 +862,7 @@
       </p:sp>
       <p:sp>
         <p:nvSpPr>
-          <p:cNvPr id="5" name="Espace réservé du pied de page 4">
-            <a:extLst>
-              <a:ext uri="{FF2B5EF4-FFF2-40B4-BE49-F238E27FC236}">
-                <a16:creationId xmlns:a16="http://schemas.microsoft.com/office/drawing/2014/main" id="{C9CE1EAD-142C-47C5-A1E8-5C282C812A1A}"/>
-              </a:ext>
-            </a:extLst>
-          </p:cNvPr>
+          <p:cNvPr id="5" name="Footer Placeholder 4"/>
           <p:cNvSpPr>
             <a:spLocks noGrp="1"/>
           </p:cNvSpPr>
@@ -926,13 +881,7 @@
       </p:sp>
       <p:sp>
         <p:nvSpPr>
-          <p:cNvPr id="6" name="Espace réservé du numéro de diapositive 5">
-            <a:extLst>
-              <a:ext uri="{FF2B5EF4-FFF2-40B4-BE49-F238E27FC236}">
-                <a16:creationId xmlns:a16="http://schemas.microsoft.com/office/drawing/2014/main" id="{84BF5F82-0382-493C-B915-37551A4A915F}"/>
-              </a:ext>
-            </a:extLst>
-          </p:cNvPr>
+          <p:cNvPr id="6" name="Slide Number Placeholder 5"/>
           <p:cNvSpPr>
             <a:spLocks noGrp="1"/>
           </p:cNvSpPr>
@@ -956,7 +905,7 @@
     </p:spTree>
     <p:extLst>
       <p:ext uri="{BB962C8B-B14F-4D97-AF65-F5344CB8AC3E}">
-        <p14:creationId xmlns:p14="http://schemas.microsoft.com/office/powerpoint/2010/main" val="1664668899"/>
+        <p14:creationId xmlns:p14="http://schemas.microsoft.com/office/powerpoint/2010/main" val="3203473594"/>
       </p:ext>
     </p:extLst>
   </p:cSld>
@@ -985,13 +934,7 @@
       </p:grpSpPr>
       <p:sp>
         <p:nvSpPr>
-          <p:cNvPr id="2" name="Titre vertical 1">
-            <a:extLst>
-              <a:ext uri="{FF2B5EF4-FFF2-40B4-BE49-F238E27FC236}">
-                <a16:creationId xmlns:a16="http://schemas.microsoft.com/office/drawing/2014/main" id="{B5435CC3-7813-463E-AB95-485A5453F964}"/>
-              </a:ext>
-            </a:extLst>
-          </p:cNvPr>
+          <p:cNvPr id="2" name="Vertical Title 1"/>
           <p:cNvSpPr>
             <a:spLocks noGrp="1"/>
           </p:cNvSpPr>
@@ -1001,8 +944,8 @@
         </p:nvSpPr>
         <p:spPr>
           <a:xfrm>
-            <a:off x="8724900" y="365125"/>
-            <a:ext cx="2628900" cy="5811838"/>
+            <a:off x="4907757" y="649111"/>
+            <a:ext cx="1478756" cy="10332156"/>
           </a:xfrm>
         </p:spPr>
         <p:txBody>
@@ -1013,18 +956,13 @@
               <a:rPr lang="fr-FR"/>
               <a:t>Modifiez le style du titre</a:t>
             </a:r>
-          </a:p>
-        </p:txBody>
-      </p:sp>
-      <p:sp>
-        <p:nvSpPr>
-          <p:cNvPr id="3" name="Espace réservé du texte vertical 2">
-            <a:extLst>
-              <a:ext uri="{FF2B5EF4-FFF2-40B4-BE49-F238E27FC236}">
-                <a16:creationId xmlns:a16="http://schemas.microsoft.com/office/drawing/2014/main" id="{E93A6F50-7AE1-40EF-BACD-747AB9901069}"/>
-              </a:ext>
-            </a:extLst>
-          </p:cNvPr>
+            <a:endParaRPr lang="en-US" dirty="0"/>
+          </a:p>
+        </p:txBody>
+      </p:sp>
+      <p:sp>
+        <p:nvSpPr>
+          <p:cNvPr id="3" name="Vertical Text Placeholder 2"/>
           <p:cNvSpPr>
             <a:spLocks noGrp="1"/>
           </p:cNvSpPr>
@@ -1034,8 +972,8 @@
         </p:nvSpPr>
         <p:spPr>
           <a:xfrm>
-            <a:off x="838200" y="365125"/>
-            <a:ext cx="7734300" cy="5811838"/>
+            <a:off x="471488" y="649111"/>
+            <a:ext cx="4350544" cy="10332156"/>
           </a:xfrm>
         </p:spPr>
         <p:txBody>
@@ -1075,18 +1013,13 @@
               <a:rPr lang="fr-FR"/>
               <a:t>Cinquième niveau</a:t>
             </a:r>
-          </a:p>
-        </p:txBody>
-      </p:sp>
-      <p:sp>
-        <p:nvSpPr>
-          <p:cNvPr id="4" name="Espace réservé de la date 3">
-            <a:extLst>
-              <a:ext uri="{FF2B5EF4-FFF2-40B4-BE49-F238E27FC236}">
-                <a16:creationId xmlns:a16="http://schemas.microsoft.com/office/drawing/2014/main" id="{E855A3E5-1E3D-4608-A690-E65ED1EC366E}"/>
-              </a:ext>
-            </a:extLst>
-          </p:cNvPr>
+            <a:endParaRPr lang="en-US" dirty="0"/>
+          </a:p>
+        </p:txBody>
+      </p:sp>
+      <p:sp>
+        <p:nvSpPr>
+          <p:cNvPr id="4" name="Date Placeholder 3"/>
           <p:cNvSpPr>
             <a:spLocks noGrp="1"/>
           </p:cNvSpPr>
@@ -1101,7 +1034,7 @@
           <a:p>
             <a:fld id="{DEBA1CB3-45B4-4365-8A01-D60AF6EBF46C}" type="datetimeFigureOut">
               <a:rPr lang="fr-FR" smtClean="0"/>
-              <a:t>08/01/2021</a:t>
+              <a:t>07/05/2021</a:t>
             </a:fld>
             <a:endParaRPr lang="fr-FR"/>
           </a:p>
@@ -1109,13 +1042,7 @@
       </p:sp>
       <p:sp>
         <p:nvSpPr>
-          <p:cNvPr id="5" name="Espace réservé du pied de page 4">
-            <a:extLst>
-              <a:ext uri="{FF2B5EF4-FFF2-40B4-BE49-F238E27FC236}">
-                <a16:creationId xmlns:a16="http://schemas.microsoft.com/office/drawing/2014/main" id="{13A0A97C-FB18-472E-9472-17AC170D6B6D}"/>
-              </a:ext>
-            </a:extLst>
-          </p:cNvPr>
+          <p:cNvPr id="5" name="Footer Placeholder 4"/>
           <p:cNvSpPr>
             <a:spLocks noGrp="1"/>
           </p:cNvSpPr>
@@ -1134,13 +1061,7 @@
       </p:sp>
       <p:sp>
         <p:nvSpPr>
-          <p:cNvPr id="6" name="Espace réservé du numéro de diapositive 5">
-            <a:extLst>
-              <a:ext uri="{FF2B5EF4-FFF2-40B4-BE49-F238E27FC236}">
-                <a16:creationId xmlns:a16="http://schemas.microsoft.com/office/drawing/2014/main" id="{02130E76-7746-40CE-B7C0-C5DEF955CD25}"/>
-              </a:ext>
-            </a:extLst>
-          </p:cNvPr>
+          <p:cNvPr id="6" name="Slide Number Placeholder 5"/>
           <p:cNvSpPr>
             <a:spLocks noGrp="1"/>
           </p:cNvSpPr>
@@ -1164,7 +1085,7 @@
     </p:spTree>
     <p:extLst>
       <p:ext uri="{BB962C8B-B14F-4D97-AF65-F5344CB8AC3E}">
-        <p14:creationId xmlns:p14="http://schemas.microsoft.com/office/powerpoint/2010/main" val="3856950827"/>
+        <p14:creationId xmlns:p14="http://schemas.microsoft.com/office/powerpoint/2010/main" val="1415934348"/>
       </p:ext>
     </p:extLst>
   </p:cSld>
@@ -1193,13 +1114,7 @@
       </p:grpSpPr>
       <p:sp>
         <p:nvSpPr>
-          <p:cNvPr id="2" name="Titre 1">
-            <a:extLst>
-              <a:ext uri="{FF2B5EF4-FFF2-40B4-BE49-F238E27FC236}">
-                <a16:creationId xmlns:a16="http://schemas.microsoft.com/office/drawing/2014/main" id="{60627C49-7589-4F42-81EA-D28EAE1EEE5C}"/>
-              </a:ext>
-            </a:extLst>
-          </p:cNvPr>
+          <p:cNvPr id="2" name="Title 1"/>
           <p:cNvSpPr>
             <a:spLocks noGrp="1"/>
           </p:cNvSpPr>
@@ -1216,18 +1131,13 @@
               <a:rPr lang="fr-FR"/>
               <a:t>Modifiez le style du titre</a:t>
             </a:r>
-          </a:p>
-        </p:txBody>
-      </p:sp>
-      <p:sp>
-        <p:nvSpPr>
-          <p:cNvPr id="3" name="Espace réservé du contenu 2">
-            <a:extLst>
-              <a:ext uri="{FF2B5EF4-FFF2-40B4-BE49-F238E27FC236}">
-                <a16:creationId xmlns:a16="http://schemas.microsoft.com/office/drawing/2014/main" id="{136E96BE-713A-4E60-8D60-62FA13538B9E}"/>
-              </a:ext>
-            </a:extLst>
-          </p:cNvPr>
+            <a:endParaRPr lang="en-US" dirty="0"/>
+          </a:p>
+        </p:txBody>
+      </p:sp>
+      <p:sp>
+        <p:nvSpPr>
+          <p:cNvPr id="3" name="Content Placeholder 2"/>
           <p:cNvSpPr>
             <a:spLocks noGrp="1"/>
           </p:cNvSpPr>
@@ -1273,18 +1183,13 @@
               <a:rPr lang="fr-FR"/>
               <a:t>Cinquième niveau</a:t>
             </a:r>
-          </a:p>
-        </p:txBody>
-      </p:sp>
-      <p:sp>
-        <p:nvSpPr>
-          <p:cNvPr id="4" name="Espace réservé de la date 3">
-            <a:extLst>
-              <a:ext uri="{FF2B5EF4-FFF2-40B4-BE49-F238E27FC236}">
-                <a16:creationId xmlns:a16="http://schemas.microsoft.com/office/drawing/2014/main" id="{B81FF944-7692-4E6C-8331-006688126D99}"/>
-              </a:ext>
-            </a:extLst>
-          </p:cNvPr>
+            <a:endParaRPr lang="en-US" dirty="0"/>
+          </a:p>
+        </p:txBody>
+      </p:sp>
+      <p:sp>
+        <p:nvSpPr>
+          <p:cNvPr id="4" name="Date Placeholder 3"/>
           <p:cNvSpPr>
             <a:spLocks noGrp="1"/>
           </p:cNvSpPr>
@@ -1299,7 +1204,7 @@
           <a:p>
             <a:fld id="{DEBA1CB3-45B4-4365-8A01-D60AF6EBF46C}" type="datetimeFigureOut">
               <a:rPr lang="fr-FR" smtClean="0"/>
-              <a:t>08/01/2021</a:t>
+              <a:t>07/05/2021</a:t>
             </a:fld>
             <a:endParaRPr lang="fr-FR"/>
           </a:p>
@@ -1307,13 +1212,7 @@
       </p:sp>
       <p:sp>
         <p:nvSpPr>
-          <p:cNvPr id="5" name="Espace réservé du pied de page 4">
-            <a:extLst>
-              <a:ext uri="{FF2B5EF4-FFF2-40B4-BE49-F238E27FC236}">
-                <a16:creationId xmlns:a16="http://schemas.microsoft.com/office/drawing/2014/main" id="{32D33A06-BC5C-404C-B1EA-BC8712092C79}"/>
-              </a:ext>
-            </a:extLst>
-          </p:cNvPr>
+          <p:cNvPr id="5" name="Footer Placeholder 4"/>
           <p:cNvSpPr>
             <a:spLocks noGrp="1"/>
           </p:cNvSpPr>
@@ -1332,13 +1231,7 @@
       </p:sp>
       <p:sp>
         <p:nvSpPr>
-          <p:cNvPr id="6" name="Espace réservé du numéro de diapositive 5">
-            <a:extLst>
-              <a:ext uri="{FF2B5EF4-FFF2-40B4-BE49-F238E27FC236}">
-                <a16:creationId xmlns:a16="http://schemas.microsoft.com/office/drawing/2014/main" id="{7AFACD0D-E37B-4B84-9CA0-1AC620DBAB57}"/>
-              </a:ext>
-            </a:extLst>
-          </p:cNvPr>
+          <p:cNvPr id="6" name="Slide Number Placeholder 5"/>
           <p:cNvSpPr>
             <a:spLocks noGrp="1"/>
           </p:cNvSpPr>
@@ -1362,7 +1255,7 @@
     </p:spTree>
     <p:extLst>
       <p:ext uri="{BB962C8B-B14F-4D97-AF65-F5344CB8AC3E}">
-        <p14:creationId xmlns:p14="http://schemas.microsoft.com/office/powerpoint/2010/main" val="2997950377"/>
+        <p14:creationId xmlns:p14="http://schemas.microsoft.com/office/powerpoint/2010/main" val="3035053189"/>
       </p:ext>
     </p:extLst>
   </p:cSld>
@@ -1391,13 +1284,7 @@
       </p:grpSpPr>
       <p:sp>
         <p:nvSpPr>
-          <p:cNvPr id="2" name="Titre 1">
-            <a:extLst>
-              <a:ext uri="{FF2B5EF4-FFF2-40B4-BE49-F238E27FC236}">
-                <a16:creationId xmlns:a16="http://schemas.microsoft.com/office/drawing/2014/main" id="{C7BC418F-3606-4B14-8582-EB0954B07747}"/>
-              </a:ext>
-            </a:extLst>
-          </p:cNvPr>
+          <p:cNvPr id="2" name="Title 1"/>
           <p:cNvSpPr>
             <a:spLocks noGrp="1"/>
           </p:cNvSpPr>
@@ -1407,15 +1294,15 @@
         </p:nvSpPr>
         <p:spPr>
           <a:xfrm>
-            <a:off x="831850" y="1709738"/>
-            <a:ext cx="10515600" cy="2852737"/>
+            <a:off x="467916" y="3039537"/>
+            <a:ext cx="5915025" cy="5071532"/>
           </a:xfrm>
         </p:spPr>
         <p:txBody>
           <a:bodyPr anchor="b"/>
           <a:lstStyle>
             <a:lvl1pPr>
-              <a:defRPr sz="6000"/>
+              <a:defRPr sz="4500"/>
             </a:lvl1pPr>
           </a:lstStyle>
           <a:p>
@@ -1423,18 +1310,13 @@
               <a:rPr lang="fr-FR"/>
               <a:t>Modifiez le style du titre</a:t>
             </a:r>
-          </a:p>
-        </p:txBody>
-      </p:sp>
-      <p:sp>
-        <p:nvSpPr>
-          <p:cNvPr id="3" name="Espace réservé du texte 2">
-            <a:extLst>
-              <a:ext uri="{FF2B5EF4-FFF2-40B4-BE49-F238E27FC236}">
-                <a16:creationId xmlns:a16="http://schemas.microsoft.com/office/drawing/2014/main" id="{74199D1D-4AEB-4406-8477-7D8467A8737E}"/>
-              </a:ext>
-            </a:extLst>
-          </p:cNvPr>
+            <a:endParaRPr lang="en-US" dirty="0"/>
+          </a:p>
+        </p:txBody>
+      </p:sp>
+      <p:sp>
+        <p:nvSpPr>
+          <p:cNvPr id="3" name="Text Placeholder 2"/>
           <p:cNvSpPr>
             <a:spLocks noGrp="1"/>
           </p:cNvSpPr>
@@ -1444,8 +1326,8 @@
         </p:nvSpPr>
         <p:spPr>
           <a:xfrm>
-            <a:off x="831850" y="4589463"/>
-            <a:ext cx="10515600" cy="1500187"/>
+            <a:off x="467916" y="8159048"/>
+            <a:ext cx="5915025" cy="2666999"/>
           </a:xfrm>
         </p:spPr>
         <p:txBody>
@@ -1453,17 +1335,15 @@
           <a:lstStyle>
             <a:lvl1pPr marL="0" indent="0">
               <a:buNone/>
-              <a:defRPr sz="2400">
+              <a:defRPr sz="1800">
                 <a:solidFill>
-                  <a:schemeClr val="tx1">
-                    <a:tint val="75000"/>
-                  </a:schemeClr>
+                  <a:schemeClr val="tx1"/>
                 </a:solidFill>
               </a:defRPr>
             </a:lvl1pPr>
-            <a:lvl2pPr marL="457200" indent="0">
+            <a:lvl2pPr marL="342900" indent="0">
               <a:buNone/>
-              <a:defRPr sz="2000">
+              <a:defRPr sz="1500">
                 <a:solidFill>
                   <a:schemeClr val="tx1">
                     <a:tint val="75000"/>
@@ -1471,9 +1351,9 @@
                 </a:solidFill>
               </a:defRPr>
             </a:lvl2pPr>
-            <a:lvl3pPr marL="914400" indent="0">
+            <a:lvl3pPr marL="685800" indent="0">
               <a:buNone/>
-              <a:defRPr sz="1800">
+              <a:defRPr sz="1350">
                 <a:solidFill>
                   <a:schemeClr val="tx1">
                     <a:tint val="75000"/>
@@ -1481,9 +1361,9 @@
                 </a:solidFill>
               </a:defRPr>
             </a:lvl3pPr>
-            <a:lvl4pPr marL="1371600" indent="0">
+            <a:lvl4pPr marL="1028700" indent="0">
               <a:buNone/>
-              <a:defRPr sz="1600">
+              <a:defRPr sz="1200">
                 <a:solidFill>
                   <a:schemeClr val="tx1">
                     <a:tint val="75000"/>
@@ -1491,9 +1371,9 @@
                 </a:solidFill>
               </a:defRPr>
             </a:lvl4pPr>
-            <a:lvl5pPr marL="1828800" indent="0">
+            <a:lvl5pPr marL="1371600" indent="0">
               <a:buNone/>
-              <a:defRPr sz="1600">
+              <a:defRPr sz="1200">
                 <a:solidFill>
                   <a:schemeClr val="tx1">
                     <a:tint val="75000"/>
@@ -1501,9 +1381,9 @@
                 </a:solidFill>
               </a:defRPr>
             </a:lvl5pPr>
-            <a:lvl6pPr marL="2286000" indent="0">
+            <a:lvl6pPr marL="1714500" indent="0">
               <a:buNone/>
-              <a:defRPr sz="1600">
+              <a:defRPr sz="1200">
                 <a:solidFill>
                   <a:schemeClr val="tx1">
                     <a:tint val="75000"/>
@@ -1511,9 +1391,9 @@
                 </a:solidFill>
               </a:defRPr>
             </a:lvl6pPr>
-            <a:lvl7pPr marL="2743200" indent="0">
+            <a:lvl7pPr marL="2057400" indent="0">
               <a:buNone/>
-              <a:defRPr sz="1600">
+              <a:defRPr sz="1200">
                 <a:solidFill>
                   <a:schemeClr val="tx1">
                     <a:tint val="75000"/>
@@ -1521,9 +1401,9 @@
                 </a:solidFill>
               </a:defRPr>
             </a:lvl7pPr>
-            <a:lvl8pPr marL="3200400" indent="0">
+            <a:lvl8pPr marL="2400300" indent="0">
               <a:buNone/>
-              <a:defRPr sz="1600">
+              <a:defRPr sz="1200">
                 <a:solidFill>
                   <a:schemeClr val="tx1">
                     <a:tint val="75000"/>
@@ -1531,9 +1411,9 @@
                 </a:solidFill>
               </a:defRPr>
             </a:lvl8pPr>
-            <a:lvl9pPr marL="3657600" indent="0">
+            <a:lvl9pPr marL="2743200" indent="0">
               <a:buNone/>
-              <a:defRPr sz="1600">
+              <a:defRPr sz="1200">
                 <a:solidFill>
                   <a:schemeClr val="tx1">
                     <a:tint val="75000"/>
@@ -1553,13 +1433,7 @@
       </p:sp>
       <p:sp>
         <p:nvSpPr>
-          <p:cNvPr id="4" name="Espace réservé de la date 3">
-            <a:extLst>
-              <a:ext uri="{FF2B5EF4-FFF2-40B4-BE49-F238E27FC236}">
-                <a16:creationId xmlns:a16="http://schemas.microsoft.com/office/drawing/2014/main" id="{F50FEBE3-5D8C-4E19-9887-F69A6FDD78ED}"/>
-              </a:ext>
-            </a:extLst>
-          </p:cNvPr>
+          <p:cNvPr id="4" name="Date Placeholder 3"/>
           <p:cNvSpPr>
             <a:spLocks noGrp="1"/>
           </p:cNvSpPr>
@@ -1574,7 +1448,7 @@
           <a:p>
             <a:fld id="{DEBA1CB3-45B4-4365-8A01-D60AF6EBF46C}" type="datetimeFigureOut">
               <a:rPr lang="fr-FR" smtClean="0"/>
-              <a:t>08/01/2021</a:t>
+              <a:t>07/05/2021</a:t>
             </a:fld>
             <a:endParaRPr lang="fr-FR"/>
           </a:p>
@@ -1582,13 +1456,7 @@
       </p:sp>
       <p:sp>
         <p:nvSpPr>
-          <p:cNvPr id="5" name="Espace réservé du pied de page 4">
-            <a:extLst>
-              <a:ext uri="{FF2B5EF4-FFF2-40B4-BE49-F238E27FC236}">
-                <a16:creationId xmlns:a16="http://schemas.microsoft.com/office/drawing/2014/main" id="{D57DAF95-F104-4A96-B076-73BF10472839}"/>
-              </a:ext>
-            </a:extLst>
-          </p:cNvPr>
+          <p:cNvPr id="5" name="Footer Placeholder 4"/>
           <p:cNvSpPr>
             <a:spLocks noGrp="1"/>
           </p:cNvSpPr>
@@ -1607,13 +1475,7 @@
       </p:sp>
       <p:sp>
         <p:nvSpPr>
-          <p:cNvPr id="6" name="Espace réservé du numéro de diapositive 5">
-            <a:extLst>
-              <a:ext uri="{FF2B5EF4-FFF2-40B4-BE49-F238E27FC236}">
-                <a16:creationId xmlns:a16="http://schemas.microsoft.com/office/drawing/2014/main" id="{1DE210DB-A997-49B5-9611-F2C136839BB4}"/>
-              </a:ext>
-            </a:extLst>
-          </p:cNvPr>
+          <p:cNvPr id="6" name="Slide Number Placeholder 5"/>
           <p:cNvSpPr>
             <a:spLocks noGrp="1"/>
           </p:cNvSpPr>
@@ -1637,7 +1499,7 @@
     </p:spTree>
     <p:extLst>
       <p:ext uri="{BB962C8B-B14F-4D97-AF65-F5344CB8AC3E}">
-        <p14:creationId xmlns:p14="http://schemas.microsoft.com/office/powerpoint/2010/main" val="2557758578"/>
+        <p14:creationId xmlns:p14="http://schemas.microsoft.com/office/powerpoint/2010/main" val="4003737657"/>
       </p:ext>
     </p:extLst>
   </p:cSld>
@@ -1666,13 +1528,7 @@
       </p:grpSpPr>
       <p:sp>
         <p:nvSpPr>
-          <p:cNvPr id="2" name="Titre 1">
-            <a:extLst>
-              <a:ext uri="{FF2B5EF4-FFF2-40B4-BE49-F238E27FC236}">
-                <a16:creationId xmlns:a16="http://schemas.microsoft.com/office/drawing/2014/main" id="{99E3A876-473B-4C19-BA63-42C53B539C02}"/>
-              </a:ext>
-            </a:extLst>
-          </p:cNvPr>
+          <p:cNvPr id="2" name="Title 1"/>
           <p:cNvSpPr>
             <a:spLocks noGrp="1"/>
           </p:cNvSpPr>
@@ -1689,18 +1545,13 @@
               <a:rPr lang="fr-FR"/>
               <a:t>Modifiez le style du titre</a:t>
             </a:r>
-          </a:p>
-        </p:txBody>
-      </p:sp>
-      <p:sp>
-        <p:nvSpPr>
-          <p:cNvPr id="3" name="Espace réservé du contenu 2">
-            <a:extLst>
-              <a:ext uri="{FF2B5EF4-FFF2-40B4-BE49-F238E27FC236}">
-                <a16:creationId xmlns:a16="http://schemas.microsoft.com/office/drawing/2014/main" id="{84DBD61C-2670-4D37-B019-F9C80A6CAAB9}"/>
-              </a:ext>
-            </a:extLst>
-          </p:cNvPr>
+            <a:endParaRPr lang="en-US" dirty="0"/>
+          </a:p>
+        </p:txBody>
+      </p:sp>
+      <p:sp>
+        <p:nvSpPr>
+          <p:cNvPr id="3" name="Content Placeholder 2"/>
           <p:cNvSpPr>
             <a:spLocks noGrp="1"/>
           </p:cNvSpPr>
@@ -1710,8 +1561,8 @@
         </p:nvSpPr>
         <p:spPr>
           <a:xfrm>
-            <a:off x="838200" y="1825625"/>
-            <a:ext cx="5181600" cy="4351338"/>
+            <a:off x="471488" y="3245556"/>
+            <a:ext cx="2914650" cy="7735712"/>
           </a:xfrm>
         </p:spPr>
         <p:txBody>
@@ -1751,18 +1602,13 @@
               <a:rPr lang="fr-FR"/>
               <a:t>Cinquième niveau</a:t>
             </a:r>
-          </a:p>
-        </p:txBody>
-      </p:sp>
-      <p:sp>
-        <p:nvSpPr>
-          <p:cNvPr id="4" name="Espace réservé du contenu 3">
-            <a:extLst>
-              <a:ext uri="{FF2B5EF4-FFF2-40B4-BE49-F238E27FC236}">
-                <a16:creationId xmlns:a16="http://schemas.microsoft.com/office/drawing/2014/main" id="{6093A4CF-2B61-48E4-9482-AAF327AC6981}"/>
-              </a:ext>
-            </a:extLst>
-          </p:cNvPr>
+            <a:endParaRPr lang="en-US" dirty="0"/>
+          </a:p>
+        </p:txBody>
+      </p:sp>
+      <p:sp>
+        <p:nvSpPr>
+          <p:cNvPr id="4" name="Content Placeholder 3"/>
           <p:cNvSpPr>
             <a:spLocks noGrp="1"/>
           </p:cNvSpPr>
@@ -1772,8 +1618,8 @@
         </p:nvSpPr>
         <p:spPr>
           <a:xfrm>
-            <a:off x="6172200" y="1825625"/>
-            <a:ext cx="5181600" cy="4351338"/>
+            <a:off x="3471863" y="3245556"/>
+            <a:ext cx="2914650" cy="7735712"/>
           </a:xfrm>
         </p:spPr>
         <p:txBody>
@@ -1813,18 +1659,13 @@
               <a:rPr lang="fr-FR"/>
               <a:t>Cinquième niveau</a:t>
             </a:r>
-          </a:p>
-        </p:txBody>
-      </p:sp>
-      <p:sp>
-        <p:nvSpPr>
-          <p:cNvPr id="5" name="Espace réservé de la date 4">
-            <a:extLst>
-              <a:ext uri="{FF2B5EF4-FFF2-40B4-BE49-F238E27FC236}">
-                <a16:creationId xmlns:a16="http://schemas.microsoft.com/office/drawing/2014/main" id="{07F50E4A-94C5-4430-B9DF-8847C66D6233}"/>
-              </a:ext>
-            </a:extLst>
-          </p:cNvPr>
+            <a:endParaRPr lang="en-US" dirty="0"/>
+          </a:p>
+        </p:txBody>
+      </p:sp>
+      <p:sp>
+        <p:nvSpPr>
+          <p:cNvPr id="5" name="Date Placeholder 4"/>
           <p:cNvSpPr>
             <a:spLocks noGrp="1"/>
           </p:cNvSpPr>
@@ -1839,7 +1680,7 @@
           <a:p>
             <a:fld id="{DEBA1CB3-45B4-4365-8A01-D60AF6EBF46C}" type="datetimeFigureOut">
               <a:rPr lang="fr-FR" smtClean="0"/>
-              <a:t>08/01/2021</a:t>
+              <a:t>07/05/2021</a:t>
             </a:fld>
             <a:endParaRPr lang="fr-FR"/>
           </a:p>
@@ -1847,13 +1688,7 @@
       </p:sp>
       <p:sp>
         <p:nvSpPr>
-          <p:cNvPr id="6" name="Espace réservé du pied de page 5">
-            <a:extLst>
-              <a:ext uri="{FF2B5EF4-FFF2-40B4-BE49-F238E27FC236}">
-                <a16:creationId xmlns:a16="http://schemas.microsoft.com/office/drawing/2014/main" id="{1BED642C-4D7F-4B0B-895E-1CD0AF76F185}"/>
-              </a:ext>
-            </a:extLst>
-          </p:cNvPr>
+          <p:cNvPr id="6" name="Footer Placeholder 5"/>
           <p:cNvSpPr>
             <a:spLocks noGrp="1"/>
           </p:cNvSpPr>
@@ -1872,13 +1707,7 @@
       </p:sp>
       <p:sp>
         <p:nvSpPr>
-          <p:cNvPr id="7" name="Espace réservé du numéro de diapositive 6">
-            <a:extLst>
-              <a:ext uri="{FF2B5EF4-FFF2-40B4-BE49-F238E27FC236}">
-                <a16:creationId xmlns:a16="http://schemas.microsoft.com/office/drawing/2014/main" id="{2ECE1EC4-7F79-4A4B-A667-A968DA6CDB37}"/>
-              </a:ext>
-            </a:extLst>
-          </p:cNvPr>
+          <p:cNvPr id="7" name="Slide Number Placeholder 6"/>
           <p:cNvSpPr>
             <a:spLocks noGrp="1"/>
           </p:cNvSpPr>
@@ -1902,7 +1731,7 @@
     </p:spTree>
     <p:extLst>
       <p:ext uri="{BB962C8B-B14F-4D97-AF65-F5344CB8AC3E}">
-        <p14:creationId xmlns:p14="http://schemas.microsoft.com/office/powerpoint/2010/main" val="1429810632"/>
+        <p14:creationId xmlns:p14="http://schemas.microsoft.com/office/powerpoint/2010/main" val="3231870508"/>
       </p:ext>
     </p:extLst>
   </p:cSld>
@@ -1931,13 +1760,7 @@
       </p:grpSpPr>
       <p:sp>
         <p:nvSpPr>
-          <p:cNvPr id="2" name="Titre 1">
-            <a:extLst>
-              <a:ext uri="{FF2B5EF4-FFF2-40B4-BE49-F238E27FC236}">
-                <a16:creationId xmlns:a16="http://schemas.microsoft.com/office/drawing/2014/main" id="{C423D0AA-8871-4E40-A4CC-2882E2BBBD77}"/>
-              </a:ext>
-            </a:extLst>
-          </p:cNvPr>
+          <p:cNvPr id="2" name="Title 1"/>
           <p:cNvSpPr>
             <a:spLocks noGrp="1"/>
           </p:cNvSpPr>
@@ -1947,8 +1770,8 @@
         </p:nvSpPr>
         <p:spPr>
           <a:xfrm>
-            <a:off x="839788" y="365125"/>
-            <a:ext cx="10515600" cy="1325563"/>
+            <a:off x="472381" y="649114"/>
+            <a:ext cx="5915025" cy="2356556"/>
           </a:xfrm>
         </p:spPr>
         <p:txBody>
@@ -1959,18 +1782,13 @@
               <a:rPr lang="fr-FR"/>
               <a:t>Modifiez le style du titre</a:t>
             </a:r>
-          </a:p>
-        </p:txBody>
-      </p:sp>
-      <p:sp>
-        <p:nvSpPr>
-          <p:cNvPr id="3" name="Espace réservé du texte 2">
-            <a:extLst>
-              <a:ext uri="{FF2B5EF4-FFF2-40B4-BE49-F238E27FC236}">
-                <a16:creationId xmlns:a16="http://schemas.microsoft.com/office/drawing/2014/main" id="{472705FC-CB73-4D4F-98DC-26FE0F25118A}"/>
-              </a:ext>
-            </a:extLst>
-          </p:cNvPr>
+            <a:endParaRPr lang="en-US" dirty="0"/>
+          </a:p>
+        </p:txBody>
+      </p:sp>
+      <p:sp>
+        <p:nvSpPr>
+          <p:cNvPr id="3" name="Text Placeholder 2"/>
           <p:cNvSpPr>
             <a:spLocks noGrp="1"/>
           </p:cNvSpPr>
@@ -1980,8 +1798,8 @@
         </p:nvSpPr>
         <p:spPr>
           <a:xfrm>
-            <a:off x="839788" y="1681163"/>
-            <a:ext cx="5157787" cy="823912"/>
+            <a:off x="472381" y="2988734"/>
+            <a:ext cx="2901255" cy="1464732"/>
           </a:xfrm>
         </p:spPr>
         <p:txBody>
@@ -1989,39 +1807,39 @@
           <a:lstStyle>
             <a:lvl1pPr marL="0" indent="0">
               <a:buNone/>
-              <a:defRPr sz="2400" b="1"/>
+              <a:defRPr sz="1800" b="1"/>
             </a:lvl1pPr>
-            <a:lvl2pPr marL="457200" indent="0">
+            <a:lvl2pPr marL="342900" indent="0">
               <a:buNone/>
-              <a:defRPr sz="2000" b="1"/>
+              <a:defRPr sz="1500" b="1"/>
             </a:lvl2pPr>
-            <a:lvl3pPr marL="914400" indent="0">
+            <a:lvl3pPr marL="685800" indent="0">
               <a:buNone/>
-              <a:defRPr sz="1800" b="1"/>
+              <a:defRPr sz="1350" b="1"/>
             </a:lvl3pPr>
-            <a:lvl4pPr marL="1371600" indent="0">
+            <a:lvl4pPr marL="1028700" indent="0">
               <a:buNone/>
-              <a:defRPr sz="1600" b="1"/>
+              <a:defRPr sz="1200" b="1"/>
             </a:lvl4pPr>
-            <a:lvl5pPr marL="1828800" indent="0">
+            <a:lvl5pPr marL="1371600" indent="0">
               <a:buNone/>
-              <a:defRPr sz="1600" b="1"/>
+              <a:defRPr sz="1200" b="1"/>
             </a:lvl5pPr>
-            <a:lvl6pPr marL="2286000" indent="0">
+            <a:lvl6pPr marL="1714500" indent="0">
               <a:buNone/>
-              <a:defRPr sz="1600" b="1"/>
+              <a:defRPr sz="1200" b="1"/>
             </a:lvl6pPr>
-            <a:lvl7pPr marL="2743200" indent="0">
+            <a:lvl7pPr marL="2057400" indent="0">
               <a:buNone/>
-              <a:defRPr sz="1600" b="1"/>
+              <a:defRPr sz="1200" b="1"/>
             </a:lvl7pPr>
-            <a:lvl8pPr marL="3200400" indent="0">
+            <a:lvl8pPr marL="2400300" indent="0">
               <a:buNone/>
-              <a:defRPr sz="1600" b="1"/>
+              <a:defRPr sz="1200" b="1"/>
             </a:lvl8pPr>
-            <a:lvl9pPr marL="3657600" indent="0">
+            <a:lvl9pPr marL="2743200" indent="0">
               <a:buNone/>
-              <a:defRPr sz="1600" b="1"/>
+              <a:defRPr sz="1200" b="1"/>
             </a:lvl9pPr>
           </a:lstStyle>
           <a:p>
@@ -2035,13 +1853,7 @@
       </p:sp>
       <p:sp>
         <p:nvSpPr>
-          <p:cNvPr id="4" name="Espace réservé du contenu 3">
-            <a:extLst>
-              <a:ext uri="{FF2B5EF4-FFF2-40B4-BE49-F238E27FC236}">
-                <a16:creationId xmlns:a16="http://schemas.microsoft.com/office/drawing/2014/main" id="{6E0F8149-EE69-4ABB-9F4E-E479A35710AD}"/>
-              </a:ext>
-            </a:extLst>
-          </p:cNvPr>
+          <p:cNvPr id="4" name="Content Placeholder 3"/>
           <p:cNvSpPr>
             <a:spLocks noGrp="1"/>
           </p:cNvSpPr>
@@ -2051,8 +1863,8 @@
         </p:nvSpPr>
         <p:spPr>
           <a:xfrm>
-            <a:off x="839788" y="2505075"/>
-            <a:ext cx="5157787" cy="3684588"/>
+            <a:off x="472381" y="4453467"/>
+            <a:ext cx="2901255" cy="6550379"/>
           </a:xfrm>
         </p:spPr>
         <p:txBody>
@@ -2092,18 +1904,13 @@
               <a:rPr lang="fr-FR"/>
               <a:t>Cinquième niveau</a:t>
             </a:r>
-          </a:p>
-        </p:txBody>
-      </p:sp>
-      <p:sp>
-        <p:nvSpPr>
-          <p:cNvPr id="5" name="Espace réservé du texte 4">
-            <a:extLst>
-              <a:ext uri="{FF2B5EF4-FFF2-40B4-BE49-F238E27FC236}">
-                <a16:creationId xmlns:a16="http://schemas.microsoft.com/office/drawing/2014/main" id="{7FD1B5F6-1A02-43FD-B3CC-4D2CF04E8845}"/>
-              </a:ext>
-            </a:extLst>
-          </p:cNvPr>
+            <a:endParaRPr lang="en-US" dirty="0"/>
+          </a:p>
+        </p:txBody>
+      </p:sp>
+      <p:sp>
+        <p:nvSpPr>
+          <p:cNvPr id="5" name="Text Placeholder 4"/>
           <p:cNvSpPr>
             <a:spLocks noGrp="1"/>
           </p:cNvSpPr>
@@ -2113,8 +1920,8 @@
         </p:nvSpPr>
         <p:spPr>
           <a:xfrm>
-            <a:off x="6172200" y="1681163"/>
-            <a:ext cx="5183188" cy="823912"/>
+            <a:off x="3471863" y="2988734"/>
+            <a:ext cx="2915543" cy="1464732"/>
           </a:xfrm>
         </p:spPr>
         <p:txBody>
@@ -2122,39 +1929,39 @@
           <a:lstStyle>
             <a:lvl1pPr marL="0" indent="0">
               <a:buNone/>
-              <a:defRPr sz="2400" b="1"/>
+              <a:defRPr sz="1800" b="1"/>
             </a:lvl1pPr>
-            <a:lvl2pPr marL="457200" indent="0">
+            <a:lvl2pPr marL="342900" indent="0">
               <a:buNone/>
-              <a:defRPr sz="2000" b="1"/>
+              <a:defRPr sz="1500" b="1"/>
             </a:lvl2pPr>
-            <a:lvl3pPr marL="914400" indent="0">
+            <a:lvl3pPr marL="685800" indent="0">
               <a:buNone/>
-              <a:defRPr sz="1800" b="1"/>
+              <a:defRPr sz="1350" b="1"/>
             </a:lvl3pPr>
-            <a:lvl4pPr marL="1371600" indent="0">
+            <a:lvl4pPr marL="1028700" indent="0">
               <a:buNone/>
-              <a:defRPr sz="1600" b="1"/>
+              <a:defRPr sz="1200" b="1"/>
             </a:lvl4pPr>
-            <a:lvl5pPr marL="1828800" indent="0">
+            <a:lvl5pPr marL="1371600" indent="0">
               <a:buNone/>
-              <a:defRPr sz="1600" b="1"/>
+              <a:defRPr sz="1200" b="1"/>
             </a:lvl5pPr>
-            <a:lvl6pPr marL="2286000" indent="0">
+            <a:lvl6pPr marL="1714500" indent="0">
               <a:buNone/>
-              <a:defRPr sz="1600" b="1"/>
+              <a:defRPr sz="1200" b="1"/>
             </a:lvl6pPr>
-            <a:lvl7pPr marL="2743200" indent="0">
+            <a:lvl7pPr marL="2057400" indent="0">
               <a:buNone/>
-              <a:defRPr sz="1600" b="1"/>
+              <a:defRPr sz="1200" b="1"/>
             </a:lvl7pPr>
-            <a:lvl8pPr marL="3200400" indent="0">
+            <a:lvl8pPr marL="2400300" indent="0">
               <a:buNone/>
-              <a:defRPr sz="1600" b="1"/>
+              <a:defRPr sz="1200" b="1"/>
             </a:lvl8pPr>
-            <a:lvl9pPr marL="3657600" indent="0">
+            <a:lvl9pPr marL="2743200" indent="0">
               <a:buNone/>
-              <a:defRPr sz="1600" b="1"/>
+              <a:defRPr sz="1200" b="1"/>
             </a:lvl9pPr>
           </a:lstStyle>
           <a:p>
@@ -2168,13 +1975,7 @@
       </p:sp>
       <p:sp>
         <p:nvSpPr>
-          <p:cNvPr id="6" name="Espace réservé du contenu 5">
-            <a:extLst>
-              <a:ext uri="{FF2B5EF4-FFF2-40B4-BE49-F238E27FC236}">
-                <a16:creationId xmlns:a16="http://schemas.microsoft.com/office/drawing/2014/main" id="{3C998070-8D25-48BB-A188-D67548DA2D7C}"/>
-              </a:ext>
-            </a:extLst>
-          </p:cNvPr>
+          <p:cNvPr id="6" name="Content Placeholder 5"/>
           <p:cNvSpPr>
             <a:spLocks noGrp="1"/>
           </p:cNvSpPr>
@@ -2184,8 +1985,8 @@
         </p:nvSpPr>
         <p:spPr>
           <a:xfrm>
-            <a:off x="6172200" y="2505075"/>
-            <a:ext cx="5183188" cy="3684588"/>
+            <a:off x="3471863" y="4453467"/>
+            <a:ext cx="2915543" cy="6550379"/>
           </a:xfrm>
         </p:spPr>
         <p:txBody>
@@ -2225,18 +2026,13 @@
               <a:rPr lang="fr-FR"/>
               <a:t>Cinquième niveau</a:t>
             </a:r>
-          </a:p>
-        </p:txBody>
-      </p:sp>
-      <p:sp>
-        <p:nvSpPr>
-          <p:cNvPr id="7" name="Espace réservé de la date 6">
-            <a:extLst>
-              <a:ext uri="{FF2B5EF4-FFF2-40B4-BE49-F238E27FC236}">
-                <a16:creationId xmlns:a16="http://schemas.microsoft.com/office/drawing/2014/main" id="{A14DC0C7-0BA6-47E0-BCC7-0AF7D9401108}"/>
-              </a:ext>
-            </a:extLst>
-          </p:cNvPr>
+            <a:endParaRPr lang="en-US" dirty="0"/>
+          </a:p>
+        </p:txBody>
+      </p:sp>
+      <p:sp>
+        <p:nvSpPr>
+          <p:cNvPr id="7" name="Date Placeholder 6"/>
           <p:cNvSpPr>
             <a:spLocks noGrp="1"/>
           </p:cNvSpPr>
@@ -2251,7 +2047,7 @@
           <a:p>
             <a:fld id="{DEBA1CB3-45B4-4365-8A01-D60AF6EBF46C}" type="datetimeFigureOut">
               <a:rPr lang="fr-FR" smtClean="0"/>
-              <a:t>08/01/2021</a:t>
+              <a:t>07/05/2021</a:t>
             </a:fld>
             <a:endParaRPr lang="fr-FR"/>
           </a:p>
@@ -2259,13 +2055,7 @@
       </p:sp>
       <p:sp>
         <p:nvSpPr>
-          <p:cNvPr id="8" name="Espace réservé du pied de page 7">
-            <a:extLst>
-              <a:ext uri="{FF2B5EF4-FFF2-40B4-BE49-F238E27FC236}">
-                <a16:creationId xmlns:a16="http://schemas.microsoft.com/office/drawing/2014/main" id="{C8ACDAF5-786C-4442-BB8C-77E90C563AFC}"/>
-              </a:ext>
-            </a:extLst>
-          </p:cNvPr>
+          <p:cNvPr id="8" name="Footer Placeholder 7"/>
           <p:cNvSpPr>
             <a:spLocks noGrp="1"/>
           </p:cNvSpPr>
@@ -2284,13 +2074,7 @@
       </p:sp>
       <p:sp>
         <p:nvSpPr>
-          <p:cNvPr id="9" name="Espace réservé du numéro de diapositive 8">
-            <a:extLst>
-              <a:ext uri="{FF2B5EF4-FFF2-40B4-BE49-F238E27FC236}">
-                <a16:creationId xmlns:a16="http://schemas.microsoft.com/office/drawing/2014/main" id="{D4EA81E7-8C92-4F28-A8BB-34FFEBCC5E15}"/>
-              </a:ext>
-            </a:extLst>
-          </p:cNvPr>
+          <p:cNvPr id="9" name="Slide Number Placeholder 8"/>
           <p:cNvSpPr>
             <a:spLocks noGrp="1"/>
           </p:cNvSpPr>
@@ -2314,7 +2098,7 @@
     </p:spTree>
     <p:extLst>
       <p:ext uri="{BB962C8B-B14F-4D97-AF65-F5344CB8AC3E}">
-        <p14:creationId xmlns:p14="http://schemas.microsoft.com/office/powerpoint/2010/main" val="42725331"/>
+        <p14:creationId xmlns:p14="http://schemas.microsoft.com/office/powerpoint/2010/main" val="4130006557"/>
       </p:ext>
     </p:extLst>
   </p:cSld>
@@ -2343,13 +2127,7 @@
       </p:grpSpPr>
       <p:sp>
         <p:nvSpPr>
-          <p:cNvPr id="2" name="Titre 1">
-            <a:extLst>
-              <a:ext uri="{FF2B5EF4-FFF2-40B4-BE49-F238E27FC236}">
-                <a16:creationId xmlns:a16="http://schemas.microsoft.com/office/drawing/2014/main" id="{30392397-4265-4ECA-858E-3B46F0929D7F}"/>
-              </a:ext>
-            </a:extLst>
-          </p:cNvPr>
+          <p:cNvPr id="2" name="Title 1"/>
           <p:cNvSpPr>
             <a:spLocks noGrp="1"/>
           </p:cNvSpPr>
@@ -2366,18 +2144,13 @@
               <a:rPr lang="fr-FR"/>
               <a:t>Modifiez le style du titre</a:t>
             </a:r>
-          </a:p>
-        </p:txBody>
-      </p:sp>
-      <p:sp>
-        <p:nvSpPr>
-          <p:cNvPr id="3" name="Espace réservé de la date 2">
-            <a:extLst>
-              <a:ext uri="{FF2B5EF4-FFF2-40B4-BE49-F238E27FC236}">
-                <a16:creationId xmlns:a16="http://schemas.microsoft.com/office/drawing/2014/main" id="{4B670A94-0D61-48ED-8771-70631593E67E}"/>
-              </a:ext>
-            </a:extLst>
-          </p:cNvPr>
+            <a:endParaRPr lang="en-US" dirty="0"/>
+          </a:p>
+        </p:txBody>
+      </p:sp>
+      <p:sp>
+        <p:nvSpPr>
+          <p:cNvPr id="3" name="Date Placeholder 2"/>
           <p:cNvSpPr>
             <a:spLocks noGrp="1"/>
           </p:cNvSpPr>
@@ -2392,7 +2165,7 @@
           <a:p>
             <a:fld id="{DEBA1CB3-45B4-4365-8A01-D60AF6EBF46C}" type="datetimeFigureOut">
               <a:rPr lang="fr-FR" smtClean="0"/>
-              <a:t>08/01/2021</a:t>
+              <a:t>07/05/2021</a:t>
             </a:fld>
             <a:endParaRPr lang="fr-FR"/>
           </a:p>
@@ -2400,13 +2173,7 @@
       </p:sp>
       <p:sp>
         <p:nvSpPr>
-          <p:cNvPr id="4" name="Espace réservé du pied de page 3">
-            <a:extLst>
-              <a:ext uri="{FF2B5EF4-FFF2-40B4-BE49-F238E27FC236}">
-                <a16:creationId xmlns:a16="http://schemas.microsoft.com/office/drawing/2014/main" id="{3FE28DEE-EF36-4611-A91F-35D39F9AE43C}"/>
-              </a:ext>
-            </a:extLst>
-          </p:cNvPr>
+          <p:cNvPr id="4" name="Footer Placeholder 3"/>
           <p:cNvSpPr>
             <a:spLocks noGrp="1"/>
           </p:cNvSpPr>
@@ -2425,13 +2192,7 @@
       </p:sp>
       <p:sp>
         <p:nvSpPr>
-          <p:cNvPr id="5" name="Espace réservé du numéro de diapositive 4">
-            <a:extLst>
-              <a:ext uri="{FF2B5EF4-FFF2-40B4-BE49-F238E27FC236}">
-                <a16:creationId xmlns:a16="http://schemas.microsoft.com/office/drawing/2014/main" id="{306C44B8-F89C-48D9-A474-A6A3716DF284}"/>
-              </a:ext>
-            </a:extLst>
-          </p:cNvPr>
+          <p:cNvPr id="5" name="Slide Number Placeholder 4"/>
           <p:cNvSpPr>
             <a:spLocks noGrp="1"/>
           </p:cNvSpPr>
@@ -2455,7 +2216,7 @@
     </p:spTree>
     <p:extLst>
       <p:ext uri="{BB962C8B-B14F-4D97-AF65-F5344CB8AC3E}">
-        <p14:creationId xmlns:p14="http://schemas.microsoft.com/office/powerpoint/2010/main" val="1670204845"/>
+        <p14:creationId xmlns:p14="http://schemas.microsoft.com/office/powerpoint/2010/main" val="2494105456"/>
       </p:ext>
     </p:extLst>
   </p:cSld>
@@ -2484,13 +2245,7 @@
       </p:grpSpPr>
       <p:sp>
         <p:nvSpPr>
-          <p:cNvPr id="2" name="Espace réservé de la date 1">
-            <a:extLst>
-              <a:ext uri="{FF2B5EF4-FFF2-40B4-BE49-F238E27FC236}">
-                <a16:creationId xmlns:a16="http://schemas.microsoft.com/office/drawing/2014/main" id="{D1B8C0FB-12D5-4FE5-83E3-79A6110FEF91}"/>
-              </a:ext>
-            </a:extLst>
-          </p:cNvPr>
+          <p:cNvPr id="2" name="Date Placeholder 1"/>
           <p:cNvSpPr>
             <a:spLocks noGrp="1"/>
           </p:cNvSpPr>
@@ -2505,7 +2260,7 @@
           <a:p>
             <a:fld id="{DEBA1CB3-45B4-4365-8A01-D60AF6EBF46C}" type="datetimeFigureOut">
               <a:rPr lang="fr-FR" smtClean="0"/>
-              <a:t>08/01/2021</a:t>
+              <a:t>07/05/2021</a:t>
             </a:fld>
             <a:endParaRPr lang="fr-FR"/>
           </a:p>
@@ -2513,13 +2268,7 @@
       </p:sp>
       <p:sp>
         <p:nvSpPr>
-          <p:cNvPr id="3" name="Espace réservé du pied de page 2">
-            <a:extLst>
-              <a:ext uri="{FF2B5EF4-FFF2-40B4-BE49-F238E27FC236}">
-                <a16:creationId xmlns:a16="http://schemas.microsoft.com/office/drawing/2014/main" id="{46544E9A-EA1C-45BF-90B7-C6287B80BE96}"/>
-              </a:ext>
-            </a:extLst>
-          </p:cNvPr>
+          <p:cNvPr id="3" name="Footer Placeholder 2"/>
           <p:cNvSpPr>
             <a:spLocks noGrp="1"/>
           </p:cNvSpPr>
@@ -2538,13 +2287,7 @@
       </p:sp>
       <p:sp>
         <p:nvSpPr>
-          <p:cNvPr id="4" name="Espace réservé du numéro de diapositive 3">
-            <a:extLst>
-              <a:ext uri="{FF2B5EF4-FFF2-40B4-BE49-F238E27FC236}">
-                <a16:creationId xmlns:a16="http://schemas.microsoft.com/office/drawing/2014/main" id="{7EED49FD-B14F-4B05-8D5C-8ED2F5689E9D}"/>
-              </a:ext>
-            </a:extLst>
-          </p:cNvPr>
+          <p:cNvPr id="4" name="Slide Number Placeholder 3"/>
           <p:cNvSpPr>
             <a:spLocks noGrp="1"/>
           </p:cNvSpPr>
@@ -2568,7 +2311,7 @@
     </p:spTree>
     <p:extLst>
       <p:ext uri="{BB962C8B-B14F-4D97-AF65-F5344CB8AC3E}">
-        <p14:creationId xmlns:p14="http://schemas.microsoft.com/office/powerpoint/2010/main" val="480225409"/>
+        <p14:creationId xmlns:p14="http://schemas.microsoft.com/office/powerpoint/2010/main" val="3178129440"/>
       </p:ext>
     </p:extLst>
   </p:cSld>
@@ -2597,13 +2340,7 @@
       </p:grpSpPr>
       <p:sp>
         <p:nvSpPr>
-          <p:cNvPr id="2" name="Titre 1">
-            <a:extLst>
-              <a:ext uri="{FF2B5EF4-FFF2-40B4-BE49-F238E27FC236}">
-                <a16:creationId xmlns:a16="http://schemas.microsoft.com/office/drawing/2014/main" id="{32C3BC82-7F57-409C-B5CC-29EE1E04B5D9}"/>
-              </a:ext>
-            </a:extLst>
-          </p:cNvPr>
+          <p:cNvPr id="2" name="Title 1"/>
           <p:cNvSpPr>
             <a:spLocks noGrp="1"/>
           </p:cNvSpPr>
@@ -2613,15 +2350,15 @@
         </p:nvSpPr>
         <p:spPr>
           <a:xfrm>
-            <a:off x="839788" y="457200"/>
-            <a:ext cx="3932237" cy="1600200"/>
+            <a:off x="472381" y="812800"/>
+            <a:ext cx="2211884" cy="2844800"/>
           </a:xfrm>
         </p:spPr>
         <p:txBody>
           <a:bodyPr anchor="b"/>
           <a:lstStyle>
             <a:lvl1pPr>
-              <a:defRPr sz="3200"/>
+              <a:defRPr sz="2400"/>
             </a:lvl1pPr>
           </a:lstStyle>
           <a:p>
@@ -2629,18 +2366,13 @@
               <a:rPr lang="fr-FR"/>
               <a:t>Modifiez le style du titre</a:t>
             </a:r>
-          </a:p>
-        </p:txBody>
-      </p:sp>
-      <p:sp>
-        <p:nvSpPr>
-          <p:cNvPr id="3" name="Espace réservé du contenu 2">
-            <a:extLst>
-              <a:ext uri="{FF2B5EF4-FFF2-40B4-BE49-F238E27FC236}">
-                <a16:creationId xmlns:a16="http://schemas.microsoft.com/office/drawing/2014/main" id="{6786F8FB-B69F-469E-8049-5F30E48CE577}"/>
-              </a:ext>
-            </a:extLst>
-          </p:cNvPr>
+            <a:endParaRPr lang="en-US" dirty="0"/>
+          </a:p>
+        </p:txBody>
+      </p:sp>
+      <p:sp>
+        <p:nvSpPr>
+          <p:cNvPr id="3" name="Content Placeholder 2"/>
           <p:cNvSpPr>
             <a:spLocks noGrp="1"/>
           </p:cNvSpPr>
@@ -2650,39 +2382,39 @@
         </p:nvSpPr>
         <p:spPr>
           <a:xfrm>
-            <a:off x="5183188" y="987425"/>
-            <a:ext cx="6172200" cy="4873625"/>
+            <a:off x="2915543" y="1755425"/>
+            <a:ext cx="3471863" cy="8664222"/>
           </a:xfrm>
         </p:spPr>
         <p:txBody>
           <a:bodyPr/>
           <a:lstStyle>
             <a:lvl1pPr>
-              <a:defRPr sz="3200"/>
+              <a:defRPr sz="2400"/>
             </a:lvl1pPr>
             <a:lvl2pPr>
-              <a:defRPr sz="2800"/>
+              <a:defRPr sz="2100"/>
             </a:lvl2pPr>
             <a:lvl3pPr>
-              <a:defRPr sz="2400"/>
+              <a:defRPr sz="1800"/>
             </a:lvl3pPr>
             <a:lvl4pPr>
-              <a:defRPr sz="2000"/>
+              <a:defRPr sz="1500"/>
             </a:lvl4pPr>
             <a:lvl5pPr>
-              <a:defRPr sz="2000"/>
+              <a:defRPr sz="1500"/>
             </a:lvl5pPr>
             <a:lvl6pPr>
-              <a:defRPr sz="2000"/>
+              <a:defRPr sz="1500"/>
             </a:lvl6pPr>
             <a:lvl7pPr>
-              <a:defRPr sz="2000"/>
+              <a:defRPr sz="1500"/>
             </a:lvl7pPr>
             <a:lvl8pPr>
-              <a:defRPr sz="2000"/>
+              <a:defRPr sz="1500"/>
             </a:lvl8pPr>
             <a:lvl9pPr>
-              <a:defRPr sz="2000"/>
+              <a:defRPr sz="1500"/>
             </a:lvl9pPr>
           </a:lstStyle>
           <a:p>
@@ -2719,18 +2451,13 @@
               <a:rPr lang="fr-FR"/>
               <a:t>Cinquième niveau</a:t>
             </a:r>
-          </a:p>
-        </p:txBody>
-      </p:sp>
-      <p:sp>
-        <p:nvSpPr>
-          <p:cNvPr id="4" name="Espace réservé du texte 3">
-            <a:extLst>
-              <a:ext uri="{FF2B5EF4-FFF2-40B4-BE49-F238E27FC236}">
-                <a16:creationId xmlns:a16="http://schemas.microsoft.com/office/drawing/2014/main" id="{9B9E53FC-E3BF-4943-B1D3-BA081630B96D}"/>
-              </a:ext>
-            </a:extLst>
-          </p:cNvPr>
+            <a:endParaRPr lang="en-US" dirty="0"/>
+          </a:p>
+        </p:txBody>
+      </p:sp>
+      <p:sp>
+        <p:nvSpPr>
+          <p:cNvPr id="4" name="Text Placeholder 3"/>
           <p:cNvSpPr>
             <a:spLocks noGrp="1"/>
           </p:cNvSpPr>
@@ -2740,8 +2467,8 @@
         </p:nvSpPr>
         <p:spPr>
           <a:xfrm>
-            <a:off x="839788" y="2057400"/>
-            <a:ext cx="3932237" cy="3811588"/>
+            <a:off x="472381" y="3657600"/>
+            <a:ext cx="2211884" cy="6776156"/>
           </a:xfrm>
         </p:spPr>
         <p:txBody>
@@ -2749,39 +2476,39 @@
           <a:lstStyle>
             <a:lvl1pPr marL="0" indent="0">
               <a:buNone/>
-              <a:defRPr sz="1600"/>
+              <a:defRPr sz="1200"/>
             </a:lvl1pPr>
-            <a:lvl2pPr marL="457200" indent="0">
+            <a:lvl2pPr marL="342900" indent="0">
               <a:buNone/>
-              <a:defRPr sz="1400"/>
+              <a:defRPr sz="1050"/>
             </a:lvl2pPr>
-            <a:lvl3pPr marL="914400" indent="0">
+            <a:lvl3pPr marL="685800" indent="0">
               <a:buNone/>
-              <a:defRPr sz="1200"/>
+              <a:defRPr sz="900"/>
             </a:lvl3pPr>
-            <a:lvl4pPr marL="1371600" indent="0">
+            <a:lvl4pPr marL="1028700" indent="0">
               <a:buNone/>
-              <a:defRPr sz="1000"/>
+              <a:defRPr sz="750"/>
             </a:lvl4pPr>
-            <a:lvl5pPr marL="1828800" indent="0">
+            <a:lvl5pPr marL="1371600" indent="0">
               <a:buNone/>
-              <a:defRPr sz="1000"/>
+              <a:defRPr sz="750"/>
             </a:lvl5pPr>
-            <a:lvl6pPr marL="2286000" indent="0">
+            <a:lvl6pPr marL="1714500" indent="0">
               <a:buNone/>
-              <a:defRPr sz="1000"/>
+              <a:defRPr sz="750"/>
             </a:lvl6pPr>
-            <a:lvl7pPr marL="2743200" indent="0">
+            <a:lvl7pPr marL="2057400" indent="0">
               <a:buNone/>
-              <a:defRPr sz="1000"/>
+              <a:defRPr sz="750"/>
             </a:lvl7pPr>
-            <a:lvl8pPr marL="3200400" indent="0">
+            <a:lvl8pPr marL="2400300" indent="0">
               <a:buNone/>
-              <a:defRPr sz="1000"/>
+              <a:defRPr sz="750"/>
             </a:lvl8pPr>
-            <a:lvl9pPr marL="3657600" indent="0">
+            <a:lvl9pPr marL="2743200" indent="0">
               <a:buNone/>
-              <a:defRPr sz="1000"/>
+              <a:defRPr sz="750"/>
             </a:lvl9pPr>
           </a:lstStyle>
           <a:p>
@@ -2795,13 +2522,7 @@
       </p:sp>
       <p:sp>
         <p:nvSpPr>
-          <p:cNvPr id="5" name="Espace réservé de la date 4">
-            <a:extLst>
-              <a:ext uri="{FF2B5EF4-FFF2-40B4-BE49-F238E27FC236}">
-                <a16:creationId xmlns:a16="http://schemas.microsoft.com/office/drawing/2014/main" id="{94497159-70B0-4462-8716-BD096D866BA4}"/>
-              </a:ext>
-            </a:extLst>
-          </p:cNvPr>
+          <p:cNvPr id="5" name="Date Placeholder 4"/>
           <p:cNvSpPr>
             <a:spLocks noGrp="1"/>
           </p:cNvSpPr>
@@ -2816,7 +2537,7 @@
           <a:p>
             <a:fld id="{DEBA1CB3-45B4-4365-8A01-D60AF6EBF46C}" type="datetimeFigureOut">
               <a:rPr lang="fr-FR" smtClean="0"/>
-              <a:t>08/01/2021</a:t>
+              <a:t>07/05/2021</a:t>
             </a:fld>
             <a:endParaRPr lang="fr-FR"/>
           </a:p>
@@ -2824,13 +2545,7 @@
       </p:sp>
       <p:sp>
         <p:nvSpPr>
-          <p:cNvPr id="6" name="Espace réservé du pied de page 5">
-            <a:extLst>
-              <a:ext uri="{FF2B5EF4-FFF2-40B4-BE49-F238E27FC236}">
-                <a16:creationId xmlns:a16="http://schemas.microsoft.com/office/drawing/2014/main" id="{D5894408-DEDA-4E62-83B9-3FCD4057527C}"/>
-              </a:ext>
-            </a:extLst>
-          </p:cNvPr>
+          <p:cNvPr id="6" name="Footer Placeholder 5"/>
           <p:cNvSpPr>
             <a:spLocks noGrp="1"/>
           </p:cNvSpPr>
@@ -2849,13 +2564,7 @@
       </p:sp>
       <p:sp>
         <p:nvSpPr>
-          <p:cNvPr id="7" name="Espace réservé du numéro de diapositive 6">
-            <a:extLst>
-              <a:ext uri="{FF2B5EF4-FFF2-40B4-BE49-F238E27FC236}">
-                <a16:creationId xmlns:a16="http://schemas.microsoft.com/office/drawing/2014/main" id="{2F877443-1E5E-4603-BA55-D152D27C99BA}"/>
-              </a:ext>
-            </a:extLst>
-          </p:cNvPr>
+          <p:cNvPr id="7" name="Slide Number Placeholder 6"/>
           <p:cNvSpPr>
             <a:spLocks noGrp="1"/>
           </p:cNvSpPr>
@@ -2879,7 +2588,7 @@
     </p:spTree>
     <p:extLst>
       <p:ext uri="{BB962C8B-B14F-4D97-AF65-F5344CB8AC3E}">
-        <p14:creationId xmlns:p14="http://schemas.microsoft.com/office/powerpoint/2010/main" val="183021658"/>
+        <p14:creationId xmlns:p14="http://schemas.microsoft.com/office/powerpoint/2010/main" val="4124178380"/>
       </p:ext>
     </p:extLst>
   </p:cSld>
@@ -2908,13 +2617,7 @@
       </p:grpSpPr>
       <p:sp>
         <p:nvSpPr>
-          <p:cNvPr id="2" name="Titre 1">
-            <a:extLst>
-              <a:ext uri="{FF2B5EF4-FFF2-40B4-BE49-F238E27FC236}">
-                <a16:creationId xmlns:a16="http://schemas.microsoft.com/office/drawing/2014/main" id="{DEDF6D6F-F0A9-4A88-BE72-B91055C90E0A}"/>
-              </a:ext>
-            </a:extLst>
-          </p:cNvPr>
+          <p:cNvPr id="2" name="Title 1"/>
           <p:cNvSpPr>
             <a:spLocks noGrp="1"/>
           </p:cNvSpPr>
@@ -2924,15 +2627,15 @@
         </p:nvSpPr>
         <p:spPr>
           <a:xfrm>
-            <a:off x="839788" y="457200"/>
-            <a:ext cx="3932237" cy="1600200"/>
+            <a:off x="472381" y="812800"/>
+            <a:ext cx="2211884" cy="2844800"/>
           </a:xfrm>
         </p:spPr>
         <p:txBody>
           <a:bodyPr anchor="b"/>
           <a:lstStyle>
             <a:lvl1pPr>
-              <a:defRPr sz="3200"/>
+              <a:defRPr sz="2400"/>
             </a:lvl1pPr>
           </a:lstStyle>
           <a:p>
@@ -2940,20 +2643,15 @@
               <a:rPr lang="fr-FR"/>
               <a:t>Modifiez le style du titre</a:t>
             </a:r>
-          </a:p>
-        </p:txBody>
-      </p:sp>
-      <p:sp>
-        <p:nvSpPr>
-          <p:cNvPr id="3" name="Espace réservé pour une image  2">
-            <a:extLst>
-              <a:ext uri="{FF2B5EF4-FFF2-40B4-BE49-F238E27FC236}">
-                <a16:creationId xmlns:a16="http://schemas.microsoft.com/office/drawing/2014/main" id="{A29E2DDF-1918-45B9-89CA-A0F14491C4FD}"/>
-              </a:ext>
-            </a:extLst>
-          </p:cNvPr>
+            <a:endParaRPr lang="en-US" dirty="0"/>
+          </a:p>
+        </p:txBody>
+      </p:sp>
+      <p:sp>
+        <p:nvSpPr>
+          <p:cNvPr id="3" name="Picture Placeholder 2"/>
           <p:cNvSpPr>
-            <a:spLocks noGrp="1"/>
+            <a:spLocks noGrp="1" noChangeAspect="1"/>
           </p:cNvSpPr>
           <p:nvPr>
             <p:ph type="pic" idx="1"/>
@@ -2961,64 +2659,62 @@
         </p:nvSpPr>
         <p:spPr>
           <a:xfrm>
-            <a:off x="5183188" y="987425"/>
-            <a:ext cx="6172200" cy="4873625"/>
-          </a:xfrm>
-        </p:spPr>
-        <p:txBody>
-          <a:bodyPr/>
+            <a:off x="2915543" y="1755425"/>
+            <a:ext cx="3471863" cy="8664222"/>
+          </a:xfrm>
+        </p:spPr>
+        <p:txBody>
+          <a:bodyPr anchor="t"/>
           <a:lstStyle>
             <a:lvl1pPr marL="0" indent="0">
               <a:buNone/>
-              <a:defRPr sz="3200"/>
+              <a:defRPr sz="2400"/>
             </a:lvl1pPr>
-            <a:lvl2pPr marL="457200" indent="0">
+            <a:lvl2pPr marL="342900" indent="0">
               <a:buNone/>
-              <a:defRPr sz="2800"/>
+              <a:defRPr sz="2100"/>
             </a:lvl2pPr>
-            <a:lvl3pPr marL="914400" indent="0">
+            <a:lvl3pPr marL="685800" indent="0">
               <a:buNone/>
-              <a:defRPr sz="2400"/>
+              <a:defRPr sz="1800"/>
             </a:lvl3pPr>
-            <a:lvl4pPr marL="1371600" indent="0">
+            <a:lvl4pPr marL="1028700" indent="0">
               <a:buNone/>
-              <a:defRPr sz="2000"/>
+              <a:defRPr sz="1500"/>
             </a:lvl4pPr>
-            <a:lvl5pPr marL="1828800" indent="0">
+            <a:lvl5pPr marL="1371600" indent="0">
               <a:buNone/>
-              <a:defRPr sz="2000"/>
+              <a:defRPr sz="1500"/>
             </a:lvl5pPr>
-            <a:lvl6pPr marL="2286000" indent="0">
+            <a:lvl6pPr marL="1714500" indent="0">
               <a:buNone/>
-              <a:defRPr sz="2000"/>
+              <a:defRPr sz="1500"/>
             </a:lvl6pPr>
-            <a:lvl7pPr marL="2743200" indent="0">
+            <a:lvl7pPr marL="2057400" indent="0">
               <a:buNone/>
-              <a:defRPr sz="2000"/>
+              <a:defRPr sz="1500"/>
             </a:lvl7pPr>
-            <a:lvl8pPr marL="3200400" indent="0">
+            <a:lvl8pPr marL="2400300" indent="0">
               <a:buNone/>
-              <a:defRPr sz="2000"/>
+              <a:defRPr sz="1500"/>
             </a:lvl8pPr>
-            <a:lvl9pPr marL="3657600" indent="0">
+            <a:lvl9pPr marL="2743200" indent="0">
               <a:buNone/>
-              <a:defRPr sz="2000"/>
+              <a:defRPr sz="1500"/>
             </a:lvl9pPr>
           </a:lstStyle>
           <a:p>
-            <a:endParaRPr lang="fr-FR"/>
-          </a:p>
-        </p:txBody>
-      </p:sp>
-      <p:sp>
-        <p:nvSpPr>
-          <p:cNvPr id="4" name="Espace réservé du texte 3">
-            <a:extLst>
-              <a:ext uri="{FF2B5EF4-FFF2-40B4-BE49-F238E27FC236}">
-                <a16:creationId xmlns:a16="http://schemas.microsoft.com/office/drawing/2014/main" id="{DE5D9D44-0249-481F-A80B-032CB3EE4631}"/>
-              </a:ext>
-            </a:extLst>
-          </p:cNvPr>
+            <a:r>
+              <a:rPr lang="fr-FR"/>
+              <a:t>Cliquez sur l'icône pour ajouter une image</a:t>
+            </a:r>
+            <a:endParaRPr lang="en-US" dirty="0"/>
+          </a:p>
+        </p:txBody>
+      </p:sp>
+      <p:sp>
+        <p:nvSpPr>
+          <p:cNvPr id="4" name="Text Placeholder 3"/>
           <p:cNvSpPr>
             <a:spLocks noGrp="1"/>
           </p:cNvSpPr>
@@ -3028,8 +2724,8 @@
         </p:nvSpPr>
         <p:spPr>
           <a:xfrm>
-            <a:off x="839788" y="2057400"/>
-            <a:ext cx="3932237" cy="3811588"/>
+            <a:off x="472381" y="3657600"/>
+            <a:ext cx="2211884" cy="6776156"/>
           </a:xfrm>
         </p:spPr>
         <p:txBody>
@@ -3037,39 +2733,39 @@
           <a:lstStyle>
             <a:lvl1pPr marL="0" indent="0">
               <a:buNone/>
-              <a:defRPr sz="1600"/>
+              <a:defRPr sz="1200"/>
             </a:lvl1pPr>
-            <a:lvl2pPr marL="457200" indent="0">
+            <a:lvl2pPr marL="342900" indent="0">
               <a:buNone/>
-              <a:defRPr sz="1400"/>
+              <a:defRPr sz="1050"/>
             </a:lvl2pPr>
-            <a:lvl3pPr marL="914400" indent="0">
+            <a:lvl3pPr marL="685800" indent="0">
               <a:buNone/>
-              <a:defRPr sz="1200"/>
+              <a:defRPr sz="900"/>
             </a:lvl3pPr>
-            <a:lvl4pPr marL="1371600" indent="0">
+            <a:lvl4pPr marL="1028700" indent="0">
               <a:buNone/>
-              <a:defRPr sz="1000"/>
+              <a:defRPr sz="750"/>
             </a:lvl4pPr>
-            <a:lvl5pPr marL="1828800" indent="0">
+            <a:lvl5pPr marL="1371600" indent="0">
               <a:buNone/>
-              <a:defRPr sz="1000"/>
+              <a:defRPr sz="750"/>
             </a:lvl5pPr>
-            <a:lvl6pPr marL="2286000" indent="0">
+            <a:lvl6pPr marL="1714500" indent="0">
               <a:buNone/>
-              <a:defRPr sz="1000"/>
+              <a:defRPr sz="750"/>
             </a:lvl6pPr>
-            <a:lvl7pPr marL="2743200" indent="0">
+            <a:lvl7pPr marL="2057400" indent="0">
               <a:buNone/>
-              <a:defRPr sz="1000"/>
+              <a:defRPr sz="750"/>
             </a:lvl7pPr>
-            <a:lvl8pPr marL="3200400" indent="0">
+            <a:lvl8pPr marL="2400300" indent="0">
               <a:buNone/>
-              <a:defRPr sz="1000"/>
+              <a:defRPr sz="750"/>
             </a:lvl8pPr>
-            <a:lvl9pPr marL="3657600" indent="0">
+            <a:lvl9pPr marL="2743200" indent="0">
               <a:buNone/>
-              <a:defRPr sz="1000"/>
+              <a:defRPr sz="750"/>
             </a:lvl9pPr>
           </a:lstStyle>
           <a:p>
@@ -3083,13 +2779,7 @@
       </p:sp>
       <p:sp>
         <p:nvSpPr>
-          <p:cNvPr id="5" name="Espace réservé de la date 4">
-            <a:extLst>
-              <a:ext uri="{FF2B5EF4-FFF2-40B4-BE49-F238E27FC236}">
-                <a16:creationId xmlns:a16="http://schemas.microsoft.com/office/drawing/2014/main" id="{4CCA2153-3731-41C3-B074-F9FF5088E013}"/>
-              </a:ext>
-            </a:extLst>
-          </p:cNvPr>
+          <p:cNvPr id="5" name="Date Placeholder 4"/>
           <p:cNvSpPr>
             <a:spLocks noGrp="1"/>
           </p:cNvSpPr>
@@ -3104,7 +2794,7 @@
           <a:p>
             <a:fld id="{DEBA1CB3-45B4-4365-8A01-D60AF6EBF46C}" type="datetimeFigureOut">
               <a:rPr lang="fr-FR" smtClean="0"/>
-              <a:t>08/01/2021</a:t>
+              <a:t>07/05/2021</a:t>
             </a:fld>
             <a:endParaRPr lang="fr-FR"/>
           </a:p>
@@ -3112,13 +2802,7 @@
       </p:sp>
       <p:sp>
         <p:nvSpPr>
-          <p:cNvPr id="6" name="Espace réservé du pied de page 5">
-            <a:extLst>
-              <a:ext uri="{FF2B5EF4-FFF2-40B4-BE49-F238E27FC236}">
-                <a16:creationId xmlns:a16="http://schemas.microsoft.com/office/drawing/2014/main" id="{AAED92CC-CDBF-426C-B5CC-10F3D23AF08B}"/>
-              </a:ext>
-            </a:extLst>
-          </p:cNvPr>
+          <p:cNvPr id="6" name="Footer Placeholder 5"/>
           <p:cNvSpPr>
             <a:spLocks noGrp="1"/>
           </p:cNvSpPr>
@@ -3137,13 +2821,7 @@
       </p:sp>
       <p:sp>
         <p:nvSpPr>
-          <p:cNvPr id="7" name="Espace réservé du numéro de diapositive 6">
-            <a:extLst>
-              <a:ext uri="{FF2B5EF4-FFF2-40B4-BE49-F238E27FC236}">
-                <a16:creationId xmlns:a16="http://schemas.microsoft.com/office/drawing/2014/main" id="{985AB24F-92DB-4B4D-A60D-42E5494D7448}"/>
-              </a:ext>
-            </a:extLst>
-          </p:cNvPr>
+          <p:cNvPr id="7" name="Slide Number Placeholder 6"/>
           <p:cNvSpPr>
             <a:spLocks noGrp="1"/>
           </p:cNvSpPr>
@@ -3167,7 +2845,7 @@
     </p:spTree>
     <p:extLst>
       <p:ext uri="{BB962C8B-B14F-4D97-AF65-F5344CB8AC3E}">
-        <p14:creationId xmlns:p14="http://schemas.microsoft.com/office/powerpoint/2010/main" val="27669970"/>
+        <p14:creationId xmlns:p14="http://schemas.microsoft.com/office/powerpoint/2010/main" val="2428575750"/>
       </p:ext>
     </p:extLst>
   </p:cSld>
@@ -3201,13 +2879,7 @@
       </p:grpSpPr>
       <p:sp>
         <p:nvSpPr>
-          <p:cNvPr id="2" name="Espace réservé du titre 1">
-            <a:extLst>
-              <a:ext uri="{FF2B5EF4-FFF2-40B4-BE49-F238E27FC236}">
-                <a16:creationId xmlns:a16="http://schemas.microsoft.com/office/drawing/2014/main" id="{768F6FED-733B-46B7-8EF1-AB50268EBFC3}"/>
-              </a:ext>
-            </a:extLst>
-          </p:cNvPr>
+          <p:cNvPr id="2" name="Title Placeholder 1"/>
           <p:cNvSpPr>
             <a:spLocks noGrp="1"/>
           </p:cNvSpPr>
@@ -3217,8 +2889,8 @@
         </p:nvSpPr>
         <p:spPr>
           <a:xfrm>
-            <a:off x="838200" y="365125"/>
-            <a:ext cx="10515600" cy="1325563"/>
+            <a:off x="471488" y="649114"/>
+            <a:ext cx="5915025" cy="2356556"/>
           </a:xfrm>
           <a:prstGeom prst="rect">
             <a:avLst/>
@@ -3234,18 +2906,13 @@
               <a:rPr lang="fr-FR"/>
               <a:t>Modifiez le style du titre</a:t>
             </a:r>
-          </a:p>
-        </p:txBody>
-      </p:sp>
-      <p:sp>
-        <p:nvSpPr>
-          <p:cNvPr id="3" name="Espace réservé du texte 2">
-            <a:extLst>
-              <a:ext uri="{FF2B5EF4-FFF2-40B4-BE49-F238E27FC236}">
-                <a16:creationId xmlns:a16="http://schemas.microsoft.com/office/drawing/2014/main" id="{49595156-9C61-45A6-9F95-0E17862250BB}"/>
-              </a:ext>
-            </a:extLst>
-          </p:cNvPr>
+            <a:endParaRPr lang="en-US" dirty="0"/>
+          </a:p>
+        </p:txBody>
+      </p:sp>
+      <p:sp>
+        <p:nvSpPr>
+          <p:cNvPr id="3" name="Text Placeholder 2"/>
           <p:cNvSpPr>
             <a:spLocks noGrp="1"/>
           </p:cNvSpPr>
@@ -3255,8 +2922,8 @@
         </p:nvSpPr>
         <p:spPr>
           <a:xfrm>
-            <a:off x="838200" y="1825625"/>
-            <a:ext cx="10515600" cy="4351338"/>
+            <a:off x="471488" y="3245556"/>
+            <a:ext cx="5915025" cy="7735712"/>
           </a:xfrm>
           <a:prstGeom prst="rect">
             <a:avLst/>
@@ -3301,18 +2968,13 @@
               <a:rPr lang="fr-FR"/>
               <a:t>Cinquième niveau</a:t>
             </a:r>
-          </a:p>
-        </p:txBody>
-      </p:sp>
-      <p:sp>
-        <p:nvSpPr>
-          <p:cNvPr id="4" name="Espace réservé de la date 3">
-            <a:extLst>
-              <a:ext uri="{FF2B5EF4-FFF2-40B4-BE49-F238E27FC236}">
-                <a16:creationId xmlns:a16="http://schemas.microsoft.com/office/drawing/2014/main" id="{E5D63E3C-CFCB-44AC-9F65-8C5C195AAB0B}"/>
-              </a:ext>
-            </a:extLst>
-          </p:cNvPr>
+            <a:endParaRPr lang="en-US" dirty="0"/>
+          </a:p>
+        </p:txBody>
+      </p:sp>
+      <p:sp>
+        <p:nvSpPr>
+          <p:cNvPr id="4" name="Date Placeholder 3"/>
           <p:cNvSpPr>
             <a:spLocks noGrp="1"/>
           </p:cNvSpPr>
@@ -3322,8 +2984,8 @@
         </p:nvSpPr>
         <p:spPr>
           <a:xfrm>
-            <a:off x="838200" y="6356350"/>
-            <a:ext cx="2743200" cy="365125"/>
+            <a:off x="471488" y="11300181"/>
+            <a:ext cx="1543050" cy="649111"/>
           </a:xfrm>
           <a:prstGeom prst="rect">
             <a:avLst/>
@@ -3333,7 +2995,7 @@
           <a:bodyPr vert="horz" lIns="91440" tIns="45720" rIns="91440" bIns="45720" rtlCol="0" anchor="ctr"/>
           <a:lstStyle>
             <a:lvl1pPr algn="l">
-              <a:defRPr sz="1200">
+              <a:defRPr sz="900">
                 <a:solidFill>
                   <a:schemeClr val="tx1">
                     <a:tint val="75000"/>
@@ -3345,7 +3007,7 @@
           <a:p>
             <a:fld id="{DEBA1CB3-45B4-4365-8A01-D60AF6EBF46C}" type="datetimeFigureOut">
               <a:rPr lang="fr-FR" smtClean="0"/>
-              <a:t>08/01/2021</a:t>
+              <a:t>07/05/2021</a:t>
             </a:fld>
             <a:endParaRPr lang="fr-FR"/>
           </a:p>
@@ -3353,13 +3015,7 @@
       </p:sp>
       <p:sp>
         <p:nvSpPr>
-          <p:cNvPr id="5" name="Espace réservé du pied de page 4">
-            <a:extLst>
-              <a:ext uri="{FF2B5EF4-FFF2-40B4-BE49-F238E27FC236}">
-                <a16:creationId xmlns:a16="http://schemas.microsoft.com/office/drawing/2014/main" id="{A45261F0-3C75-4748-B9A6-82DD9F598B23}"/>
-              </a:ext>
-            </a:extLst>
-          </p:cNvPr>
+          <p:cNvPr id="5" name="Footer Placeholder 4"/>
           <p:cNvSpPr>
             <a:spLocks noGrp="1"/>
           </p:cNvSpPr>
@@ -3369,8 +3025,8 @@
         </p:nvSpPr>
         <p:spPr>
           <a:xfrm>
-            <a:off x="4038600" y="6356350"/>
-            <a:ext cx="4114800" cy="365125"/>
+            <a:off x="2271713" y="11300181"/>
+            <a:ext cx="2314575" cy="649111"/>
           </a:xfrm>
           <a:prstGeom prst="rect">
             <a:avLst/>
@@ -3380,7 +3036,7 @@
           <a:bodyPr vert="horz" lIns="91440" tIns="45720" rIns="91440" bIns="45720" rtlCol="0" anchor="ctr"/>
           <a:lstStyle>
             <a:lvl1pPr algn="ctr">
-              <a:defRPr sz="1200">
+              <a:defRPr sz="900">
                 <a:solidFill>
                   <a:schemeClr val="tx1">
                     <a:tint val="75000"/>
@@ -3396,13 +3052,7 @@
       </p:sp>
       <p:sp>
         <p:nvSpPr>
-          <p:cNvPr id="6" name="Espace réservé du numéro de diapositive 5">
-            <a:extLst>
-              <a:ext uri="{FF2B5EF4-FFF2-40B4-BE49-F238E27FC236}">
-                <a16:creationId xmlns:a16="http://schemas.microsoft.com/office/drawing/2014/main" id="{6A4459AF-0729-4595-88F2-1B1D5A4D0D3A}"/>
-              </a:ext>
-            </a:extLst>
-          </p:cNvPr>
+          <p:cNvPr id="6" name="Slide Number Placeholder 5"/>
           <p:cNvSpPr>
             <a:spLocks noGrp="1"/>
           </p:cNvSpPr>
@@ -3412,8 +3062,8 @@
         </p:nvSpPr>
         <p:spPr>
           <a:xfrm>
-            <a:off x="8610600" y="6356350"/>
-            <a:ext cx="2743200" cy="365125"/>
+            <a:off x="4843463" y="11300181"/>
+            <a:ext cx="1543050" cy="649111"/>
           </a:xfrm>
           <a:prstGeom prst="rect">
             <a:avLst/>
@@ -3423,7 +3073,7 @@
           <a:bodyPr vert="horz" lIns="91440" tIns="45720" rIns="91440" bIns="45720" rtlCol="0" anchor="ctr"/>
           <a:lstStyle>
             <a:lvl1pPr algn="r">
-              <a:defRPr sz="1200">
+              <a:defRPr sz="900">
                 <a:solidFill>
                   <a:schemeClr val="tx1">
                     <a:tint val="75000"/>
@@ -3444,27 +3094,27 @@
     </p:spTree>
     <p:extLst>
       <p:ext uri="{BB962C8B-B14F-4D97-AF65-F5344CB8AC3E}">
-        <p14:creationId xmlns:p14="http://schemas.microsoft.com/office/powerpoint/2010/main" val="2545031701"/>
+        <p14:creationId xmlns:p14="http://schemas.microsoft.com/office/powerpoint/2010/main" val="1592877023"/>
       </p:ext>
     </p:extLst>
   </p:cSld>
   <p:clrMap bg1="lt1" tx1="dk1" bg2="lt2" tx2="dk2" accent1="accent1" accent2="accent2" accent3="accent3" accent4="accent4" accent5="accent5" accent6="accent6" hlink="hlink" folHlink="folHlink"/>
   <p:sldLayoutIdLst>
-    <p:sldLayoutId id="2147483649" r:id="rId1"/>
-    <p:sldLayoutId id="2147483650" r:id="rId2"/>
-    <p:sldLayoutId id="2147483651" r:id="rId3"/>
-    <p:sldLayoutId id="2147483652" r:id="rId4"/>
-    <p:sldLayoutId id="2147483653" r:id="rId5"/>
-    <p:sldLayoutId id="2147483654" r:id="rId6"/>
-    <p:sldLayoutId id="2147483655" r:id="rId7"/>
-    <p:sldLayoutId id="2147483656" r:id="rId8"/>
-    <p:sldLayoutId id="2147483657" r:id="rId9"/>
-    <p:sldLayoutId id="2147483658" r:id="rId10"/>
-    <p:sldLayoutId id="2147483659" r:id="rId11"/>
+    <p:sldLayoutId id="2147483661" r:id="rId1"/>
+    <p:sldLayoutId id="2147483662" r:id="rId2"/>
+    <p:sldLayoutId id="2147483663" r:id="rId3"/>
+    <p:sldLayoutId id="2147483664" r:id="rId4"/>
+    <p:sldLayoutId id="2147483665" r:id="rId5"/>
+    <p:sldLayoutId id="2147483666" r:id="rId6"/>
+    <p:sldLayoutId id="2147483667" r:id="rId7"/>
+    <p:sldLayoutId id="2147483668" r:id="rId8"/>
+    <p:sldLayoutId id="2147483669" r:id="rId9"/>
+    <p:sldLayoutId id="2147483670" r:id="rId10"/>
+    <p:sldLayoutId id="2147483671" r:id="rId11"/>
   </p:sldLayoutIdLst>
   <p:txStyles>
     <p:titleStyle>
-      <a:lvl1pPr algn="l" defTabSz="914400" rtl="0" eaLnBrk="1" latinLnBrk="0" hangingPunct="1">
+      <a:lvl1pPr algn="l" defTabSz="685800" rtl="0" eaLnBrk="1" latinLnBrk="0" hangingPunct="1">
         <a:lnSpc>
           <a:spcPct val="90000"/>
         </a:lnSpc>
@@ -3472,7 +3122,7 @@
           <a:spcPct val="0"/>
         </a:spcBef>
         <a:buNone/>
-        <a:defRPr sz="4400" kern="1200">
+        <a:defRPr sz="3300" kern="1200">
           <a:solidFill>
             <a:schemeClr val="tx1"/>
           </a:solidFill>
@@ -3483,16 +3133,16 @@
       </a:lvl1pPr>
     </p:titleStyle>
     <p:bodyStyle>
-      <a:lvl1pPr marL="228600" indent="-228600" algn="l" defTabSz="914400" rtl="0" eaLnBrk="1" latinLnBrk="0" hangingPunct="1">
+      <a:lvl1pPr marL="171450" indent="-171450" algn="l" defTabSz="685800" rtl="0" eaLnBrk="1" latinLnBrk="0" hangingPunct="1">
         <a:lnSpc>
           <a:spcPct val="90000"/>
         </a:lnSpc>
         <a:spcBef>
-          <a:spcPts val="1000"/>
+          <a:spcPts val="750"/>
         </a:spcBef>
         <a:buFont typeface="Arial" panose="020B0604020202020204" pitchFamily="34" charset="0"/>
         <a:buChar char="•"/>
-        <a:defRPr sz="2800" kern="1200">
+        <a:defRPr sz="2100" kern="1200">
           <a:solidFill>
             <a:schemeClr val="tx1"/>
           </a:solidFill>
@@ -3501,48 +3151,12 @@
           <a:cs typeface="+mn-cs"/>
         </a:defRPr>
       </a:lvl1pPr>
-      <a:lvl2pPr marL="685800" indent="-228600" algn="l" defTabSz="914400" rtl="0" eaLnBrk="1" latinLnBrk="0" hangingPunct="1">
+      <a:lvl2pPr marL="514350" indent="-171450" algn="l" defTabSz="685800" rtl="0" eaLnBrk="1" latinLnBrk="0" hangingPunct="1">
         <a:lnSpc>
           <a:spcPct val="90000"/>
         </a:lnSpc>
         <a:spcBef>
-          <a:spcPts val="500"/>
-        </a:spcBef>
-        <a:buFont typeface="Arial" panose="020B0604020202020204" pitchFamily="34" charset="0"/>
-        <a:buChar char="•"/>
-        <a:defRPr sz="2400" kern="1200">
-          <a:solidFill>
-            <a:schemeClr val="tx1"/>
-          </a:solidFill>
-          <a:latin typeface="+mn-lt"/>
-          <a:ea typeface="+mn-ea"/>
-          <a:cs typeface="+mn-cs"/>
-        </a:defRPr>
-      </a:lvl2pPr>
-      <a:lvl3pPr marL="1143000" indent="-228600" algn="l" defTabSz="914400" rtl="0" eaLnBrk="1" latinLnBrk="0" hangingPunct="1">
-        <a:lnSpc>
-          <a:spcPct val="90000"/>
-        </a:lnSpc>
-        <a:spcBef>
-          <a:spcPts val="500"/>
-        </a:spcBef>
-        <a:buFont typeface="Arial" panose="020B0604020202020204" pitchFamily="34" charset="0"/>
-        <a:buChar char="•"/>
-        <a:defRPr sz="2000" kern="1200">
-          <a:solidFill>
-            <a:schemeClr val="tx1"/>
-          </a:solidFill>
-          <a:latin typeface="+mn-lt"/>
-          <a:ea typeface="+mn-ea"/>
-          <a:cs typeface="+mn-cs"/>
-        </a:defRPr>
-      </a:lvl3pPr>
-      <a:lvl4pPr marL="1600200" indent="-228600" algn="l" defTabSz="914400" rtl="0" eaLnBrk="1" latinLnBrk="0" hangingPunct="1">
-        <a:lnSpc>
-          <a:spcPct val="90000"/>
-        </a:lnSpc>
-        <a:spcBef>
-          <a:spcPts val="500"/>
+          <a:spcPts val="375"/>
         </a:spcBef>
         <a:buFont typeface="Arial" panose="020B0604020202020204" pitchFamily="34" charset="0"/>
         <a:buChar char="•"/>
@@ -3554,17 +3168,53 @@
           <a:ea typeface="+mn-ea"/>
           <a:cs typeface="+mn-cs"/>
         </a:defRPr>
-      </a:lvl4pPr>
-      <a:lvl5pPr marL="2057400" indent="-228600" algn="l" defTabSz="914400" rtl="0" eaLnBrk="1" latinLnBrk="0" hangingPunct="1">
+      </a:lvl2pPr>
+      <a:lvl3pPr marL="857250" indent="-171450" algn="l" defTabSz="685800" rtl="0" eaLnBrk="1" latinLnBrk="0" hangingPunct="1">
         <a:lnSpc>
           <a:spcPct val="90000"/>
         </a:lnSpc>
         <a:spcBef>
-          <a:spcPts val="500"/>
+          <a:spcPts val="375"/>
         </a:spcBef>
         <a:buFont typeface="Arial" panose="020B0604020202020204" pitchFamily="34" charset="0"/>
         <a:buChar char="•"/>
-        <a:defRPr sz="1800" kern="1200">
+        <a:defRPr sz="1500" kern="1200">
+          <a:solidFill>
+            <a:schemeClr val="tx1"/>
+          </a:solidFill>
+          <a:latin typeface="+mn-lt"/>
+          <a:ea typeface="+mn-ea"/>
+          <a:cs typeface="+mn-cs"/>
+        </a:defRPr>
+      </a:lvl3pPr>
+      <a:lvl4pPr marL="1200150" indent="-171450" algn="l" defTabSz="685800" rtl="0" eaLnBrk="1" latinLnBrk="0" hangingPunct="1">
+        <a:lnSpc>
+          <a:spcPct val="90000"/>
+        </a:lnSpc>
+        <a:spcBef>
+          <a:spcPts val="375"/>
+        </a:spcBef>
+        <a:buFont typeface="Arial" panose="020B0604020202020204" pitchFamily="34" charset="0"/>
+        <a:buChar char="•"/>
+        <a:defRPr sz="1350" kern="1200">
+          <a:solidFill>
+            <a:schemeClr val="tx1"/>
+          </a:solidFill>
+          <a:latin typeface="+mn-lt"/>
+          <a:ea typeface="+mn-ea"/>
+          <a:cs typeface="+mn-cs"/>
+        </a:defRPr>
+      </a:lvl4pPr>
+      <a:lvl5pPr marL="1543050" indent="-171450" algn="l" defTabSz="685800" rtl="0" eaLnBrk="1" latinLnBrk="0" hangingPunct="1">
+        <a:lnSpc>
+          <a:spcPct val="90000"/>
+        </a:lnSpc>
+        <a:spcBef>
+          <a:spcPts val="375"/>
+        </a:spcBef>
+        <a:buFont typeface="Arial" panose="020B0604020202020204" pitchFamily="34" charset="0"/>
+        <a:buChar char="•"/>
+        <a:defRPr sz="1350" kern="1200">
           <a:solidFill>
             <a:schemeClr val="tx1"/>
           </a:solidFill>
@@ -3573,16 +3223,16 @@
           <a:cs typeface="+mn-cs"/>
         </a:defRPr>
       </a:lvl5pPr>
-      <a:lvl6pPr marL="2514600" indent="-228600" algn="l" defTabSz="914400" rtl="0" eaLnBrk="1" latinLnBrk="0" hangingPunct="1">
+      <a:lvl6pPr marL="1885950" indent="-171450" algn="l" defTabSz="685800" rtl="0" eaLnBrk="1" latinLnBrk="0" hangingPunct="1">
         <a:lnSpc>
           <a:spcPct val="90000"/>
         </a:lnSpc>
         <a:spcBef>
-          <a:spcPts val="500"/>
+          <a:spcPts val="375"/>
         </a:spcBef>
         <a:buFont typeface="Arial" panose="020B0604020202020204" pitchFamily="34" charset="0"/>
         <a:buChar char="•"/>
-        <a:defRPr sz="1800" kern="1200">
+        <a:defRPr sz="1350" kern="1200">
           <a:solidFill>
             <a:schemeClr val="tx1"/>
           </a:solidFill>
@@ -3591,16 +3241,16 @@
           <a:cs typeface="+mn-cs"/>
         </a:defRPr>
       </a:lvl6pPr>
-      <a:lvl7pPr marL="2971800" indent="-228600" algn="l" defTabSz="914400" rtl="0" eaLnBrk="1" latinLnBrk="0" hangingPunct="1">
+      <a:lvl7pPr marL="2228850" indent="-171450" algn="l" defTabSz="685800" rtl="0" eaLnBrk="1" latinLnBrk="0" hangingPunct="1">
         <a:lnSpc>
           <a:spcPct val="90000"/>
         </a:lnSpc>
         <a:spcBef>
-          <a:spcPts val="500"/>
+          <a:spcPts val="375"/>
         </a:spcBef>
         <a:buFont typeface="Arial" panose="020B0604020202020204" pitchFamily="34" charset="0"/>
         <a:buChar char="•"/>
-        <a:defRPr sz="1800" kern="1200">
+        <a:defRPr sz="1350" kern="1200">
           <a:solidFill>
             <a:schemeClr val="tx1"/>
           </a:solidFill>
@@ -3609,16 +3259,16 @@
           <a:cs typeface="+mn-cs"/>
         </a:defRPr>
       </a:lvl7pPr>
-      <a:lvl8pPr marL="3429000" indent="-228600" algn="l" defTabSz="914400" rtl="0" eaLnBrk="1" latinLnBrk="0" hangingPunct="1">
+      <a:lvl8pPr marL="2571750" indent="-171450" algn="l" defTabSz="685800" rtl="0" eaLnBrk="1" latinLnBrk="0" hangingPunct="1">
         <a:lnSpc>
           <a:spcPct val="90000"/>
         </a:lnSpc>
         <a:spcBef>
-          <a:spcPts val="500"/>
+          <a:spcPts val="375"/>
         </a:spcBef>
         <a:buFont typeface="Arial" panose="020B0604020202020204" pitchFamily="34" charset="0"/>
         <a:buChar char="•"/>
-        <a:defRPr sz="1800" kern="1200">
+        <a:defRPr sz="1350" kern="1200">
           <a:solidFill>
             <a:schemeClr val="tx1"/>
           </a:solidFill>
@@ -3627,16 +3277,16 @@
           <a:cs typeface="+mn-cs"/>
         </a:defRPr>
       </a:lvl8pPr>
-      <a:lvl9pPr marL="3886200" indent="-228600" algn="l" defTabSz="914400" rtl="0" eaLnBrk="1" latinLnBrk="0" hangingPunct="1">
+      <a:lvl9pPr marL="2914650" indent="-171450" algn="l" defTabSz="685800" rtl="0" eaLnBrk="1" latinLnBrk="0" hangingPunct="1">
         <a:lnSpc>
           <a:spcPct val="90000"/>
         </a:lnSpc>
         <a:spcBef>
-          <a:spcPts val="500"/>
+          <a:spcPts val="375"/>
         </a:spcBef>
         <a:buFont typeface="Arial" panose="020B0604020202020204" pitchFamily="34" charset="0"/>
         <a:buChar char="•"/>
-        <a:defRPr sz="1800" kern="1200">
+        <a:defRPr sz="1350" kern="1200">
           <a:solidFill>
             <a:schemeClr val="tx1"/>
           </a:solidFill>
@@ -3648,10 +3298,10 @@
     </p:bodyStyle>
     <p:otherStyle>
       <a:defPPr>
-        <a:defRPr lang="fr-FR"/>
+        <a:defRPr lang="en-US"/>
       </a:defPPr>
-      <a:lvl1pPr marL="0" algn="l" defTabSz="914400" rtl="0" eaLnBrk="1" latinLnBrk="0" hangingPunct="1">
-        <a:defRPr sz="1800" kern="1200">
+      <a:lvl1pPr marL="0" algn="l" defTabSz="685800" rtl="0" eaLnBrk="1" latinLnBrk="0" hangingPunct="1">
+        <a:defRPr sz="1350" kern="1200">
           <a:solidFill>
             <a:schemeClr val="tx1"/>
           </a:solidFill>
@@ -3660,8 +3310,8 @@
           <a:cs typeface="+mn-cs"/>
         </a:defRPr>
       </a:lvl1pPr>
-      <a:lvl2pPr marL="457200" algn="l" defTabSz="914400" rtl="0" eaLnBrk="1" latinLnBrk="0" hangingPunct="1">
-        <a:defRPr sz="1800" kern="1200">
+      <a:lvl2pPr marL="342900" algn="l" defTabSz="685800" rtl="0" eaLnBrk="1" latinLnBrk="0" hangingPunct="1">
+        <a:defRPr sz="1350" kern="1200">
           <a:solidFill>
             <a:schemeClr val="tx1"/>
           </a:solidFill>
@@ -3670,8 +3320,8 @@
           <a:cs typeface="+mn-cs"/>
         </a:defRPr>
       </a:lvl2pPr>
-      <a:lvl3pPr marL="914400" algn="l" defTabSz="914400" rtl="0" eaLnBrk="1" latinLnBrk="0" hangingPunct="1">
-        <a:defRPr sz="1800" kern="1200">
+      <a:lvl3pPr marL="685800" algn="l" defTabSz="685800" rtl="0" eaLnBrk="1" latinLnBrk="0" hangingPunct="1">
+        <a:defRPr sz="1350" kern="1200">
           <a:solidFill>
             <a:schemeClr val="tx1"/>
           </a:solidFill>
@@ -3680,8 +3330,8 @@
           <a:cs typeface="+mn-cs"/>
         </a:defRPr>
       </a:lvl3pPr>
-      <a:lvl4pPr marL="1371600" algn="l" defTabSz="914400" rtl="0" eaLnBrk="1" latinLnBrk="0" hangingPunct="1">
-        <a:defRPr sz="1800" kern="1200">
+      <a:lvl4pPr marL="1028700" algn="l" defTabSz="685800" rtl="0" eaLnBrk="1" latinLnBrk="0" hangingPunct="1">
+        <a:defRPr sz="1350" kern="1200">
           <a:solidFill>
             <a:schemeClr val="tx1"/>
           </a:solidFill>
@@ -3690,8 +3340,8 @@
           <a:cs typeface="+mn-cs"/>
         </a:defRPr>
       </a:lvl4pPr>
-      <a:lvl5pPr marL="1828800" algn="l" defTabSz="914400" rtl="0" eaLnBrk="1" latinLnBrk="0" hangingPunct="1">
-        <a:defRPr sz="1800" kern="1200">
+      <a:lvl5pPr marL="1371600" algn="l" defTabSz="685800" rtl="0" eaLnBrk="1" latinLnBrk="0" hangingPunct="1">
+        <a:defRPr sz="1350" kern="1200">
           <a:solidFill>
             <a:schemeClr val="tx1"/>
           </a:solidFill>
@@ -3700,8 +3350,8 @@
           <a:cs typeface="+mn-cs"/>
         </a:defRPr>
       </a:lvl5pPr>
-      <a:lvl6pPr marL="2286000" algn="l" defTabSz="914400" rtl="0" eaLnBrk="1" latinLnBrk="0" hangingPunct="1">
-        <a:defRPr sz="1800" kern="1200">
+      <a:lvl6pPr marL="1714500" algn="l" defTabSz="685800" rtl="0" eaLnBrk="1" latinLnBrk="0" hangingPunct="1">
+        <a:defRPr sz="1350" kern="1200">
           <a:solidFill>
             <a:schemeClr val="tx1"/>
           </a:solidFill>
@@ -3710,8 +3360,8 @@
           <a:cs typeface="+mn-cs"/>
         </a:defRPr>
       </a:lvl6pPr>
-      <a:lvl7pPr marL="2743200" algn="l" defTabSz="914400" rtl="0" eaLnBrk="1" latinLnBrk="0" hangingPunct="1">
-        <a:defRPr sz="1800" kern="1200">
+      <a:lvl7pPr marL="2057400" algn="l" defTabSz="685800" rtl="0" eaLnBrk="1" latinLnBrk="0" hangingPunct="1">
+        <a:defRPr sz="1350" kern="1200">
           <a:solidFill>
             <a:schemeClr val="tx1"/>
           </a:solidFill>
@@ -3720,8 +3370,8 @@
           <a:cs typeface="+mn-cs"/>
         </a:defRPr>
       </a:lvl7pPr>
-      <a:lvl8pPr marL="3200400" algn="l" defTabSz="914400" rtl="0" eaLnBrk="1" latinLnBrk="0" hangingPunct="1">
-        <a:defRPr sz="1800" kern="1200">
+      <a:lvl8pPr marL="2400300" algn="l" defTabSz="685800" rtl="0" eaLnBrk="1" latinLnBrk="0" hangingPunct="1">
+        <a:defRPr sz="1350" kern="1200">
           <a:solidFill>
             <a:schemeClr val="tx1"/>
           </a:solidFill>
@@ -3730,8 +3380,8 @@
           <a:cs typeface="+mn-cs"/>
         </a:defRPr>
       </a:lvl8pPr>
-      <a:lvl9pPr marL="3657600" algn="l" defTabSz="914400" rtl="0" eaLnBrk="1" latinLnBrk="0" hangingPunct="1">
-        <a:defRPr sz="1800" kern="1200">
+      <a:lvl9pPr marL="2743200" algn="l" defTabSz="685800" rtl="0" eaLnBrk="1" latinLnBrk="0" hangingPunct="1">
+        <a:defRPr sz="1350" kern="1200">
           <a:solidFill>
             <a:schemeClr val="tx1"/>
           </a:solidFill>
@@ -3764,64 +3414,10 @@
       </p:grpSpPr>
       <p:sp>
         <p:nvSpPr>
-          <p:cNvPr id="4" name="ZoneTexte 3">
-            <a:extLst>
-              <a:ext uri="{FF2B5EF4-FFF2-40B4-BE49-F238E27FC236}">
-                <a16:creationId xmlns:a16="http://schemas.microsoft.com/office/drawing/2014/main" id="{5B6C8461-F70B-415E-81E3-8C60209C46E4}"/>
-              </a:ext>
-            </a:extLst>
-          </p:cNvPr>
-          <p:cNvSpPr txBox="1"/>
-          <p:nvPr/>
-        </p:nvSpPr>
-        <p:spPr>
-          <a:xfrm>
-            <a:off x="5251623" y="2476034"/>
-            <a:ext cx="1604093" cy="646331"/>
-          </a:xfrm>
-          <a:prstGeom prst="rect">
-            <a:avLst/>
-          </a:prstGeom>
-          <a:noFill/>
-        </p:spPr>
-        <p:txBody>
-          <a:bodyPr wrap="square" rtlCol="0">
-            <a:spAutoFit/>
-          </a:bodyPr>
-          <a:lstStyle>
-            <a:defPPr>
-              <a:defRPr lang="fr-FR"/>
-            </a:defPPr>
-            <a:lvl1pPr>
-              <a:defRPr>
-                <a:solidFill>
-                  <a:schemeClr val="accent1">
-                    <a:lumMod val="60000"/>
-                    <a:lumOff val="40000"/>
-                  </a:schemeClr>
-                </a:solidFill>
-              </a:defRPr>
-            </a:lvl1pPr>
-          </a:lstStyle>
-          <a:p>
-            <a:pPr algn="ctr"/>
-            <a:r>
-              <a:rPr lang="en-US" i="1" noProof="1">
-                <a:solidFill>
-                  <a:schemeClr val="tx1"/>
-                </a:solidFill>
-              </a:rPr>
-              <a:t>A model of medical device</a:t>
-            </a:r>
-          </a:p>
-        </p:txBody>
-      </p:sp>
-      <p:sp>
-        <p:nvSpPr>
-          <p:cNvPr id="18" name="Rectangle 17">
-            <a:extLst>
-              <a:ext uri="{FF2B5EF4-FFF2-40B4-BE49-F238E27FC236}">
-                <a16:creationId xmlns:a16="http://schemas.microsoft.com/office/drawing/2014/main" id="{0C4C974C-DB2F-4682-BF37-E5EE73D29411}"/>
+          <p:cNvPr id="200" name="Rectangle 199">
+            <a:extLst>
+              <a:ext uri="{FF2B5EF4-FFF2-40B4-BE49-F238E27FC236}">
+                <a16:creationId xmlns:a16="http://schemas.microsoft.com/office/drawing/2014/main" id="{A72DB7A0-D5EC-40AC-B3C9-763C793A4C0A}"/>
               </a:ext>
             </a:extLst>
           </p:cNvPr>
@@ -3830,8 +3426,8 @@
         </p:nvSpPr>
         <p:spPr>
           <a:xfrm>
-            <a:off x="5582446" y="3129287"/>
-            <a:ext cx="340999" cy="196994"/>
+            <a:off x="3337536" y="7629309"/>
+            <a:ext cx="96711" cy="132280"/>
           </a:xfrm>
           <a:prstGeom prst="rect">
             <a:avLst/>
@@ -3858,16 +3454,16 @@
           <a:lstStyle/>
           <a:p>
             <a:pPr algn="ctr"/>
-            <a:endParaRPr lang="fr-FR"/>
-          </a:p>
-        </p:txBody>
-      </p:sp>
-      <p:sp>
-        <p:nvSpPr>
-          <p:cNvPr id="41" name="Rectangle 40">
-            <a:extLst>
-              <a:ext uri="{FF2B5EF4-FFF2-40B4-BE49-F238E27FC236}">
-                <a16:creationId xmlns:a16="http://schemas.microsoft.com/office/drawing/2014/main" id="{9E3AEF37-BE16-41F5-A33B-0A84EFE3DF66}"/>
+            <a:endParaRPr lang="fr-FR" sz="1013"/>
+          </a:p>
+        </p:txBody>
+      </p:sp>
+      <p:sp>
+        <p:nvSpPr>
+          <p:cNvPr id="204" name="Rectangle 203">
+            <a:extLst>
+              <a:ext uri="{FF2B5EF4-FFF2-40B4-BE49-F238E27FC236}">
+                <a16:creationId xmlns:a16="http://schemas.microsoft.com/office/drawing/2014/main" id="{54602CB8-F7C9-43C5-8767-8EAC1E93CF3C}"/>
               </a:ext>
             </a:extLst>
           </p:cNvPr>
@@ -3876,8 +3472,8 @@
         </p:nvSpPr>
         <p:spPr>
           <a:xfrm>
-            <a:off x="6134412" y="3129287"/>
-            <a:ext cx="340999" cy="196994"/>
+            <a:off x="2961017" y="7629309"/>
+            <a:ext cx="96711" cy="132280"/>
           </a:xfrm>
           <a:prstGeom prst="rect">
             <a:avLst/>
@@ -3904,16 +3500,16 @@
           <a:lstStyle/>
           <a:p>
             <a:pPr algn="ctr"/>
-            <a:endParaRPr lang="fr-FR"/>
-          </a:p>
-        </p:txBody>
-      </p:sp>
-      <p:sp>
-        <p:nvSpPr>
-          <p:cNvPr id="53" name="Rectangle 52">
-            <a:extLst>
-              <a:ext uri="{FF2B5EF4-FFF2-40B4-BE49-F238E27FC236}">
-                <a16:creationId xmlns:a16="http://schemas.microsoft.com/office/drawing/2014/main" id="{8A9B58A0-C40C-4E52-BF23-72924550E3EC}"/>
+            <a:endParaRPr lang="fr-FR" sz="1013"/>
+          </a:p>
+        </p:txBody>
+      </p:sp>
+      <p:sp>
+        <p:nvSpPr>
+          <p:cNvPr id="210" name="Rectangle 209">
+            <a:extLst>
+              <a:ext uri="{FF2B5EF4-FFF2-40B4-BE49-F238E27FC236}">
+                <a16:creationId xmlns:a16="http://schemas.microsoft.com/office/drawing/2014/main" id="{A792B04D-C052-4DE9-9E5B-F5FDFE0D5EC0}"/>
               </a:ext>
             </a:extLst>
           </p:cNvPr>
@@ -3922,8 +3518,8 @@
         </p:nvSpPr>
         <p:spPr>
           <a:xfrm>
-            <a:off x="7052821" y="3165322"/>
-            <a:ext cx="340999" cy="324520"/>
+            <a:off x="4166016" y="7629309"/>
+            <a:ext cx="96711" cy="132280"/>
           </a:xfrm>
           <a:prstGeom prst="rect">
             <a:avLst/>
@@ -3950,16 +3546,16 @@
           <a:lstStyle/>
           <a:p>
             <a:pPr algn="ctr"/>
-            <a:endParaRPr lang="fr-FR"/>
-          </a:p>
-        </p:txBody>
-      </p:sp>
-      <p:sp>
-        <p:nvSpPr>
-          <p:cNvPr id="58" name="Rectangle 57">
-            <a:extLst>
-              <a:ext uri="{FF2B5EF4-FFF2-40B4-BE49-F238E27FC236}">
-                <a16:creationId xmlns:a16="http://schemas.microsoft.com/office/drawing/2014/main" id="{543DCC3D-F00F-4A3B-B3E9-1AA7B0D6911F}"/>
+            <a:endParaRPr lang="fr-FR" sz="1013"/>
+          </a:p>
+        </p:txBody>
+      </p:sp>
+      <p:sp>
+        <p:nvSpPr>
+          <p:cNvPr id="211" name="Rectangle 210">
+            <a:extLst>
+              <a:ext uri="{FF2B5EF4-FFF2-40B4-BE49-F238E27FC236}">
+                <a16:creationId xmlns:a16="http://schemas.microsoft.com/office/drawing/2014/main" id="{2BE86968-1542-4DE7-B8C9-1A66456A8699}"/>
               </a:ext>
             </a:extLst>
           </p:cNvPr>
@@ -3968,8 +3564,8 @@
         </p:nvSpPr>
         <p:spPr>
           <a:xfrm>
-            <a:off x="7063335" y="3917521"/>
-            <a:ext cx="340999" cy="324520"/>
+            <a:off x="3821173" y="7629309"/>
+            <a:ext cx="96711" cy="132280"/>
           </a:xfrm>
           <a:prstGeom prst="rect">
             <a:avLst/>
@@ -3996,127 +3592,16 @@
           <a:lstStyle/>
           <a:p>
             <a:pPr algn="ctr"/>
-            <a:endParaRPr lang="fr-FR"/>
-          </a:p>
-        </p:txBody>
-      </p:sp>
-      <p:cxnSp>
-        <p:nvCxnSpPr>
-          <p:cNvPr id="59" name="Connecteur : en angle 58">
-            <a:extLst>
-              <a:ext uri="{FF2B5EF4-FFF2-40B4-BE49-F238E27FC236}">
-                <a16:creationId xmlns:a16="http://schemas.microsoft.com/office/drawing/2014/main" id="{C516C08B-E656-4E4A-B0B6-18D2A2D32D0D}"/>
-              </a:ext>
-            </a:extLst>
-          </p:cNvPr>
-          <p:cNvCxnSpPr>
-            <a:cxnSpLocks/>
-            <a:stCxn id="53" idx="0"/>
-            <a:endCxn id="53" idx="3"/>
-          </p:cNvCxnSpPr>
-          <p:nvPr/>
-        </p:nvCxnSpPr>
-        <p:spPr>
-          <a:xfrm rot="16200000" flipH="1">
-            <a:off x="7227440" y="3161203"/>
-            <a:ext cx="162260" cy="170499"/>
-          </a:xfrm>
-          <a:prstGeom prst="bentConnector4">
-            <a:avLst>
-              <a:gd name="adj1" fmla="val -140885"/>
-              <a:gd name="adj2" fmla="val 234077"/>
-            </a:avLst>
-          </a:prstGeom>
-          <a:ln w="28575">
-            <a:headEnd type="none" w="med" len="med"/>
-            <a:tailEnd type="arrow" w="med" len="med"/>
-          </a:ln>
-        </p:spPr>
-        <p:style>
-          <a:lnRef idx="1">
-            <a:schemeClr val="accent1"/>
-          </a:lnRef>
-          <a:fillRef idx="0">
-            <a:schemeClr val="accent1"/>
-          </a:fillRef>
-          <a:effectRef idx="0">
-            <a:schemeClr val="accent1"/>
-          </a:effectRef>
-          <a:fontRef idx="minor">
-            <a:schemeClr val="tx1"/>
-          </a:fontRef>
-        </p:style>
-      </p:cxnSp>
-      <p:sp>
-        <p:nvSpPr>
-          <p:cNvPr id="64" name="ZoneTexte 63">
-            <a:extLst>
-              <a:ext uri="{FF2B5EF4-FFF2-40B4-BE49-F238E27FC236}">
-                <a16:creationId xmlns:a16="http://schemas.microsoft.com/office/drawing/2014/main" id="{8557EF42-0914-4611-94A2-C378FCA4C870}"/>
-              </a:ext>
-            </a:extLst>
-          </p:cNvPr>
-          <p:cNvSpPr txBox="1"/>
-          <p:nvPr/>
-        </p:nvSpPr>
-        <p:spPr>
-          <a:xfrm>
-            <a:off x="7582981" y="2849371"/>
-            <a:ext cx="3429569" cy="369332"/>
-          </a:xfrm>
-          <a:prstGeom prst="rect">
-            <a:avLst/>
-          </a:prstGeom>
-          <a:noFill/>
-        </p:spPr>
-        <p:txBody>
-          <a:bodyPr wrap="square" rtlCol="0">
-            <a:spAutoFit/>
-          </a:bodyPr>
-          <a:lstStyle/>
-          <a:p>
-            <a:r>
-              <a:rPr lang="en-US" strike="sngStrike" noProof="1">
-                <a:solidFill>
-                  <a:srgbClr val="FF0000"/>
-                </a:solidFill>
-              </a:rPr>
-              <a:t>parentDevice </a:t>
-            </a:r>
-            <a:r>
-              <a:rPr lang="en-US" i="1" strike="sngStrike" noProof="1">
-                <a:solidFill>
-                  <a:srgbClr val="FF0000"/>
-                </a:solidFill>
-              </a:rPr>
-              <a:t>(is part of)</a:t>
-            </a:r>
-            <a:r>
-              <a:rPr lang="en-US" i="1" noProof="1"/>
-              <a:t> </a:t>
-            </a:r>
-            <a:r>
-              <a:rPr lang="en-US" i="1" noProof="1">
-                <a:solidFill>
-                  <a:srgbClr val="00B050"/>
-                </a:solidFill>
-              </a:rPr>
-              <a:t>hasPart</a:t>
-            </a:r>
-            <a:endParaRPr lang="en-US" i="1" strike="sngStrike" noProof="1">
-              <a:solidFill>
-                <a:srgbClr val="00B050"/>
-              </a:solidFill>
-            </a:endParaRPr>
-          </a:p>
-        </p:txBody>
-      </p:sp>
-      <p:sp>
-        <p:nvSpPr>
-          <p:cNvPr id="66" name="Rectangle 65">
-            <a:extLst>
-              <a:ext uri="{FF2B5EF4-FFF2-40B4-BE49-F238E27FC236}">
-                <a16:creationId xmlns:a16="http://schemas.microsoft.com/office/drawing/2014/main" id="{6B69C40E-C7DB-4EAD-B7F6-14CA889E4DD5}"/>
+            <a:endParaRPr lang="fr-FR" sz="1013"/>
+          </a:p>
+        </p:txBody>
+      </p:sp>
+      <p:sp>
+        <p:nvSpPr>
+          <p:cNvPr id="216" name="Rectangle 215">
+            <a:extLst>
+              <a:ext uri="{FF2B5EF4-FFF2-40B4-BE49-F238E27FC236}">
+                <a16:creationId xmlns:a16="http://schemas.microsoft.com/office/drawing/2014/main" id="{5BCA7CEB-5C75-4176-9482-5EC065DE0A2F}"/>
               </a:ext>
             </a:extLst>
           </p:cNvPr>
@@ -4125,8 +3610,8 @@
         </p:nvSpPr>
         <p:spPr>
           <a:xfrm>
-            <a:off x="4665135" y="3898256"/>
-            <a:ext cx="539154" cy="324520"/>
+            <a:off x="3337536" y="8702353"/>
+            <a:ext cx="96711" cy="132280"/>
           </a:xfrm>
           <a:prstGeom prst="rect">
             <a:avLst/>
@@ -4153,16 +3638,982 @@
           <a:lstStyle/>
           <a:p>
             <a:pPr algn="ctr"/>
-            <a:endParaRPr lang="fr-FR"/>
-          </a:p>
-        </p:txBody>
-      </p:sp>
-      <p:sp>
-        <p:nvSpPr>
-          <p:cNvPr id="78" name="ZoneTexte 77">
-            <a:extLst>
-              <a:ext uri="{FF2B5EF4-FFF2-40B4-BE49-F238E27FC236}">
-                <a16:creationId xmlns:a16="http://schemas.microsoft.com/office/drawing/2014/main" id="{AC4046A4-D232-473B-9F2D-9F7674566BF4}"/>
+            <a:endParaRPr lang="fr-FR" sz="1013"/>
+          </a:p>
+        </p:txBody>
+      </p:sp>
+      <p:sp>
+        <p:nvSpPr>
+          <p:cNvPr id="217" name="Rectangle 216">
+            <a:extLst>
+              <a:ext uri="{FF2B5EF4-FFF2-40B4-BE49-F238E27FC236}">
+                <a16:creationId xmlns:a16="http://schemas.microsoft.com/office/drawing/2014/main" id="{CA865186-92E8-42D1-8A5F-269ACB67880E}"/>
+              </a:ext>
+            </a:extLst>
+          </p:cNvPr>
+          <p:cNvSpPr/>
+          <p:nvPr/>
+        </p:nvSpPr>
+        <p:spPr>
+          <a:xfrm>
+            <a:off x="2961017" y="8702353"/>
+            <a:ext cx="96711" cy="132280"/>
+          </a:xfrm>
+          <a:prstGeom prst="rect">
+            <a:avLst/>
+          </a:prstGeom>
+        </p:spPr>
+        <p:style>
+          <a:lnRef idx="2">
+            <a:schemeClr val="accent1">
+              <a:shade val="50000"/>
+            </a:schemeClr>
+          </a:lnRef>
+          <a:fillRef idx="1">
+            <a:schemeClr val="accent1"/>
+          </a:fillRef>
+          <a:effectRef idx="0">
+            <a:schemeClr val="accent1"/>
+          </a:effectRef>
+          <a:fontRef idx="minor">
+            <a:schemeClr val="lt1"/>
+          </a:fontRef>
+        </p:style>
+        <p:txBody>
+          <a:bodyPr rtlCol="0" anchor="ctr"/>
+          <a:lstStyle/>
+          <a:p>
+            <a:pPr algn="ctr"/>
+            <a:endParaRPr lang="fr-FR" sz="1013"/>
+          </a:p>
+        </p:txBody>
+      </p:sp>
+      <p:sp>
+        <p:nvSpPr>
+          <p:cNvPr id="218" name="Rectangle 217">
+            <a:extLst>
+              <a:ext uri="{FF2B5EF4-FFF2-40B4-BE49-F238E27FC236}">
+                <a16:creationId xmlns:a16="http://schemas.microsoft.com/office/drawing/2014/main" id="{6C901711-59C8-409F-A7C2-E1665F2D2930}"/>
+              </a:ext>
+            </a:extLst>
+          </p:cNvPr>
+          <p:cNvSpPr/>
+          <p:nvPr/>
+        </p:nvSpPr>
+        <p:spPr>
+          <a:xfrm>
+            <a:off x="4166016" y="8702353"/>
+            <a:ext cx="96711" cy="132280"/>
+          </a:xfrm>
+          <a:prstGeom prst="rect">
+            <a:avLst/>
+          </a:prstGeom>
+        </p:spPr>
+        <p:style>
+          <a:lnRef idx="2">
+            <a:schemeClr val="accent1">
+              <a:shade val="50000"/>
+            </a:schemeClr>
+          </a:lnRef>
+          <a:fillRef idx="1">
+            <a:schemeClr val="accent1"/>
+          </a:fillRef>
+          <a:effectRef idx="0">
+            <a:schemeClr val="accent1"/>
+          </a:effectRef>
+          <a:fontRef idx="minor">
+            <a:schemeClr val="lt1"/>
+          </a:fontRef>
+        </p:style>
+        <p:txBody>
+          <a:bodyPr rtlCol="0" anchor="ctr"/>
+          <a:lstStyle/>
+          <a:p>
+            <a:pPr algn="ctr"/>
+            <a:endParaRPr lang="fr-FR" sz="1013"/>
+          </a:p>
+        </p:txBody>
+      </p:sp>
+      <p:sp>
+        <p:nvSpPr>
+          <p:cNvPr id="219" name="Rectangle 218">
+            <a:extLst>
+              <a:ext uri="{FF2B5EF4-FFF2-40B4-BE49-F238E27FC236}">
+                <a16:creationId xmlns:a16="http://schemas.microsoft.com/office/drawing/2014/main" id="{B579C4D9-0F20-4FD4-A544-73FA0B1AA16D}"/>
+              </a:ext>
+            </a:extLst>
+          </p:cNvPr>
+          <p:cNvSpPr/>
+          <p:nvPr/>
+        </p:nvSpPr>
+        <p:spPr>
+          <a:xfrm>
+            <a:off x="3821173" y="8702353"/>
+            <a:ext cx="96711" cy="132280"/>
+          </a:xfrm>
+          <a:prstGeom prst="rect">
+            <a:avLst/>
+          </a:prstGeom>
+        </p:spPr>
+        <p:style>
+          <a:lnRef idx="2">
+            <a:schemeClr val="accent1">
+              <a:shade val="50000"/>
+            </a:schemeClr>
+          </a:lnRef>
+          <a:fillRef idx="1">
+            <a:schemeClr val="accent1"/>
+          </a:fillRef>
+          <a:effectRef idx="0">
+            <a:schemeClr val="accent1"/>
+          </a:effectRef>
+          <a:fontRef idx="minor">
+            <a:schemeClr val="lt1"/>
+          </a:fontRef>
+        </p:style>
+        <p:txBody>
+          <a:bodyPr rtlCol="0" anchor="ctr"/>
+          <a:lstStyle/>
+          <a:p>
+            <a:pPr algn="ctr"/>
+            <a:endParaRPr lang="fr-FR" sz="1013"/>
+          </a:p>
+        </p:txBody>
+      </p:sp>
+      <p:sp>
+        <p:nvSpPr>
+          <p:cNvPr id="215" name="Rectangle 214">
+            <a:extLst>
+              <a:ext uri="{FF2B5EF4-FFF2-40B4-BE49-F238E27FC236}">
+                <a16:creationId xmlns:a16="http://schemas.microsoft.com/office/drawing/2014/main" id="{B4B0678E-0778-4593-9318-1FAD99F2647A}"/>
+              </a:ext>
+            </a:extLst>
+          </p:cNvPr>
+          <p:cNvSpPr/>
+          <p:nvPr/>
+        </p:nvSpPr>
+        <p:spPr>
+          <a:xfrm>
+            <a:off x="2868820" y="8704946"/>
+            <a:ext cx="133902" cy="93761"/>
+          </a:xfrm>
+          <a:prstGeom prst="rect">
+            <a:avLst/>
+          </a:prstGeom>
+        </p:spPr>
+        <p:style>
+          <a:lnRef idx="2">
+            <a:schemeClr val="accent1">
+              <a:shade val="50000"/>
+            </a:schemeClr>
+          </a:lnRef>
+          <a:fillRef idx="1">
+            <a:schemeClr val="accent1"/>
+          </a:fillRef>
+          <a:effectRef idx="0">
+            <a:schemeClr val="accent1"/>
+          </a:effectRef>
+          <a:fontRef idx="minor">
+            <a:schemeClr val="lt1"/>
+          </a:fontRef>
+        </p:style>
+        <p:txBody>
+          <a:bodyPr rtlCol="0" anchor="ctr"/>
+          <a:lstStyle/>
+          <a:p>
+            <a:pPr algn="ctr"/>
+            <a:endParaRPr lang="fr-FR" sz="1013"/>
+          </a:p>
+        </p:txBody>
+      </p:sp>
+      <p:sp>
+        <p:nvSpPr>
+          <p:cNvPr id="233" name="Rectangle 232">
+            <a:extLst>
+              <a:ext uri="{FF2B5EF4-FFF2-40B4-BE49-F238E27FC236}">
+                <a16:creationId xmlns:a16="http://schemas.microsoft.com/office/drawing/2014/main" id="{50AB47ED-0AF1-4EC7-A9F9-044A365ADDAF}"/>
+              </a:ext>
+            </a:extLst>
+          </p:cNvPr>
+          <p:cNvSpPr/>
+          <p:nvPr/>
+        </p:nvSpPr>
+        <p:spPr>
+          <a:xfrm>
+            <a:off x="2868820" y="9354002"/>
+            <a:ext cx="133902" cy="93761"/>
+          </a:xfrm>
+          <a:prstGeom prst="rect">
+            <a:avLst/>
+          </a:prstGeom>
+        </p:spPr>
+        <p:style>
+          <a:lnRef idx="2">
+            <a:schemeClr val="accent1">
+              <a:shade val="50000"/>
+            </a:schemeClr>
+          </a:lnRef>
+          <a:fillRef idx="1">
+            <a:schemeClr val="accent1"/>
+          </a:fillRef>
+          <a:effectRef idx="0">
+            <a:schemeClr val="accent1"/>
+          </a:effectRef>
+          <a:fontRef idx="minor">
+            <a:schemeClr val="lt1"/>
+          </a:fontRef>
+        </p:style>
+        <p:txBody>
+          <a:bodyPr rtlCol="0" anchor="ctr"/>
+          <a:lstStyle/>
+          <a:p>
+            <a:pPr algn="ctr"/>
+            <a:endParaRPr lang="fr-FR" sz="1013"/>
+          </a:p>
+        </p:txBody>
+      </p:sp>
+      <p:sp>
+        <p:nvSpPr>
+          <p:cNvPr id="228" name="Rectangle 227">
+            <a:extLst>
+              <a:ext uri="{FF2B5EF4-FFF2-40B4-BE49-F238E27FC236}">
+                <a16:creationId xmlns:a16="http://schemas.microsoft.com/office/drawing/2014/main" id="{FCF06D8F-9D63-42B7-9EC0-A152E54D03DB}"/>
+              </a:ext>
+            </a:extLst>
+          </p:cNvPr>
+          <p:cNvSpPr/>
+          <p:nvPr/>
+        </p:nvSpPr>
+        <p:spPr>
+          <a:xfrm>
+            <a:off x="384005" y="7633273"/>
+            <a:ext cx="96711" cy="132280"/>
+          </a:xfrm>
+          <a:prstGeom prst="rect">
+            <a:avLst/>
+          </a:prstGeom>
+        </p:spPr>
+        <p:style>
+          <a:lnRef idx="2">
+            <a:schemeClr val="accent1">
+              <a:shade val="50000"/>
+            </a:schemeClr>
+          </a:lnRef>
+          <a:fillRef idx="1">
+            <a:schemeClr val="accent1"/>
+          </a:fillRef>
+          <a:effectRef idx="0">
+            <a:schemeClr val="accent1"/>
+          </a:effectRef>
+          <a:fontRef idx="minor">
+            <a:schemeClr val="lt1"/>
+          </a:fontRef>
+        </p:style>
+        <p:txBody>
+          <a:bodyPr rtlCol="0" anchor="ctr"/>
+          <a:lstStyle/>
+          <a:p>
+            <a:pPr algn="ctr"/>
+            <a:endParaRPr lang="fr-FR" sz="1013"/>
+          </a:p>
+        </p:txBody>
+      </p:sp>
+      <p:sp>
+        <p:nvSpPr>
+          <p:cNvPr id="229" name="Rectangle 228">
+            <a:extLst>
+              <a:ext uri="{FF2B5EF4-FFF2-40B4-BE49-F238E27FC236}">
+                <a16:creationId xmlns:a16="http://schemas.microsoft.com/office/drawing/2014/main" id="{9FFFF386-BE37-49EB-95E1-B0AF5DCD5F41}"/>
+              </a:ext>
+            </a:extLst>
+          </p:cNvPr>
+          <p:cNvSpPr/>
+          <p:nvPr/>
+        </p:nvSpPr>
+        <p:spPr>
+          <a:xfrm>
+            <a:off x="1449157" y="7633273"/>
+            <a:ext cx="96711" cy="132280"/>
+          </a:xfrm>
+          <a:prstGeom prst="rect">
+            <a:avLst/>
+          </a:prstGeom>
+        </p:spPr>
+        <p:style>
+          <a:lnRef idx="2">
+            <a:schemeClr val="accent1">
+              <a:shade val="50000"/>
+            </a:schemeClr>
+          </a:lnRef>
+          <a:fillRef idx="1">
+            <a:schemeClr val="accent1"/>
+          </a:fillRef>
+          <a:effectRef idx="0">
+            <a:schemeClr val="accent1"/>
+          </a:effectRef>
+          <a:fontRef idx="minor">
+            <a:schemeClr val="lt1"/>
+          </a:fontRef>
+        </p:style>
+        <p:txBody>
+          <a:bodyPr rtlCol="0" anchor="ctr"/>
+          <a:lstStyle/>
+          <a:p>
+            <a:pPr algn="ctr"/>
+            <a:endParaRPr lang="fr-FR" sz="1013"/>
+          </a:p>
+        </p:txBody>
+      </p:sp>
+      <p:sp>
+        <p:nvSpPr>
+          <p:cNvPr id="129" name="Rectangle 128">
+            <a:extLst>
+              <a:ext uri="{FF2B5EF4-FFF2-40B4-BE49-F238E27FC236}">
+                <a16:creationId xmlns:a16="http://schemas.microsoft.com/office/drawing/2014/main" id="{B1100338-F011-4A51-91E5-B855B4A4985C}"/>
+              </a:ext>
+            </a:extLst>
+          </p:cNvPr>
+          <p:cNvSpPr/>
+          <p:nvPr/>
+        </p:nvSpPr>
+        <p:spPr>
+          <a:xfrm>
+            <a:off x="3654926" y="5000304"/>
+            <a:ext cx="96711" cy="132280"/>
+          </a:xfrm>
+          <a:prstGeom prst="rect">
+            <a:avLst/>
+          </a:prstGeom>
+        </p:spPr>
+        <p:style>
+          <a:lnRef idx="2">
+            <a:schemeClr val="accent1">
+              <a:shade val="50000"/>
+            </a:schemeClr>
+          </a:lnRef>
+          <a:fillRef idx="1">
+            <a:schemeClr val="accent1"/>
+          </a:fillRef>
+          <a:effectRef idx="0">
+            <a:schemeClr val="accent1"/>
+          </a:effectRef>
+          <a:fontRef idx="minor">
+            <a:schemeClr val="lt1"/>
+          </a:fontRef>
+        </p:style>
+        <p:txBody>
+          <a:bodyPr rtlCol="0" anchor="ctr"/>
+          <a:lstStyle/>
+          <a:p>
+            <a:pPr algn="ctr"/>
+            <a:endParaRPr lang="fr-FR" sz="1013"/>
+          </a:p>
+        </p:txBody>
+      </p:sp>
+      <p:sp>
+        <p:nvSpPr>
+          <p:cNvPr id="146" name="Rectangle 145">
+            <a:extLst>
+              <a:ext uri="{FF2B5EF4-FFF2-40B4-BE49-F238E27FC236}">
+                <a16:creationId xmlns:a16="http://schemas.microsoft.com/office/drawing/2014/main" id="{8C74F08A-9F3A-4B52-99A0-FBE3B691F693}"/>
+              </a:ext>
+            </a:extLst>
+          </p:cNvPr>
+          <p:cNvSpPr/>
+          <p:nvPr/>
+        </p:nvSpPr>
+        <p:spPr>
+          <a:xfrm>
+            <a:off x="3808059" y="4996564"/>
+            <a:ext cx="96711" cy="132280"/>
+          </a:xfrm>
+          <a:prstGeom prst="rect">
+            <a:avLst/>
+          </a:prstGeom>
+        </p:spPr>
+        <p:style>
+          <a:lnRef idx="2">
+            <a:schemeClr val="accent1">
+              <a:shade val="50000"/>
+            </a:schemeClr>
+          </a:lnRef>
+          <a:fillRef idx="1">
+            <a:schemeClr val="accent1"/>
+          </a:fillRef>
+          <a:effectRef idx="0">
+            <a:schemeClr val="accent1"/>
+          </a:effectRef>
+          <a:fontRef idx="minor">
+            <a:schemeClr val="lt1"/>
+          </a:fontRef>
+        </p:style>
+        <p:txBody>
+          <a:bodyPr rtlCol="0" anchor="ctr"/>
+          <a:lstStyle/>
+          <a:p>
+            <a:pPr algn="ctr"/>
+            <a:endParaRPr lang="fr-FR" sz="1013"/>
+          </a:p>
+        </p:txBody>
+      </p:sp>
+      <p:sp>
+        <p:nvSpPr>
+          <p:cNvPr id="148" name="Rectangle 147">
+            <a:extLst>
+              <a:ext uri="{FF2B5EF4-FFF2-40B4-BE49-F238E27FC236}">
+                <a16:creationId xmlns:a16="http://schemas.microsoft.com/office/drawing/2014/main" id="{B80F531D-34AD-46F7-87FB-8CD59ADD71A9}"/>
+              </a:ext>
+            </a:extLst>
+          </p:cNvPr>
+          <p:cNvSpPr/>
+          <p:nvPr/>
+        </p:nvSpPr>
+        <p:spPr>
+          <a:xfrm>
+            <a:off x="3515077" y="5000304"/>
+            <a:ext cx="96711" cy="132280"/>
+          </a:xfrm>
+          <a:prstGeom prst="rect">
+            <a:avLst/>
+          </a:prstGeom>
+        </p:spPr>
+        <p:style>
+          <a:lnRef idx="2">
+            <a:schemeClr val="accent1">
+              <a:shade val="50000"/>
+            </a:schemeClr>
+          </a:lnRef>
+          <a:fillRef idx="1">
+            <a:schemeClr val="accent1"/>
+          </a:fillRef>
+          <a:effectRef idx="0">
+            <a:schemeClr val="accent1"/>
+          </a:effectRef>
+          <a:fontRef idx="minor">
+            <a:schemeClr val="lt1"/>
+          </a:fontRef>
+        </p:style>
+        <p:txBody>
+          <a:bodyPr rtlCol="0" anchor="ctr"/>
+          <a:lstStyle/>
+          <a:p>
+            <a:pPr algn="ctr"/>
+            <a:endParaRPr lang="fr-FR" sz="1013"/>
+          </a:p>
+        </p:txBody>
+      </p:sp>
+      <p:sp>
+        <p:nvSpPr>
+          <p:cNvPr id="134" name="Rectangle 133">
+            <a:extLst>
+              <a:ext uri="{FF2B5EF4-FFF2-40B4-BE49-F238E27FC236}">
+                <a16:creationId xmlns:a16="http://schemas.microsoft.com/office/drawing/2014/main" id="{5C85D6E2-0253-4355-8B9E-CF9E7A0C2CB4}"/>
+              </a:ext>
+            </a:extLst>
+          </p:cNvPr>
+          <p:cNvSpPr/>
+          <p:nvPr/>
+        </p:nvSpPr>
+        <p:spPr>
+          <a:xfrm>
+            <a:off x="2813633" y="4959027"/>
+            <a:ext cx="159533" cy="115896"/>
+          </a:xfrm>
+          <a:prstGeom prst="rect">
+            <a:avLst/>
+          </a:prstGeom>
+        </p:spPr>
+        <p:style>
+          <a:lnRef idx="2">
+            <a:schemeClr val="accent1">
+              <a:shade val="50000"/>
+            </a:schemeClr>
+          </a:lnRef>
+          <a:fillRef idx="1">
+            <a:schemeClr val="accent1"/>
+          </a:fillRef>
+          <a:effectRef idx="0">
+            <a:schemeClr val="accent1"/>
+          </a:effectRef>
+          <a:fontRef idx="minor">
+            <a:schemeClr val="lt1"/>
+          </a:fontRef>
+        </p:style>
+        <p:txBody>
+          <a:bodyPr rtlCol="0" anchor="ctr"/>
+          <a:lstStyle/>
+          <a:p>
+            <a:pPr algn="ctr"/>
+            <a:endParaRPr lang="fr-FR" sz="1013"/>
+          </a:p>
+        </p:txBody>
+      </p:sp>
+      <p:sp>
+        <p:nvSpPr>
+          <p:cNvPr id="60" name="Rectangle 59">
+            <a:extLst>
+              <a:ext uri="{FF2B5EF4-FFF2-40B4-BE49-F238E27FC236}">
+                <a16:creationId xmlns:a16="http://schemas.microsoft.com/office/drawing/2014/main" id="{B80DA291-B4AD-437B-875D-FF5B2108348A}"/>
+              </a:ext>
+            </a:extLst>
+          </p:cNvPr>
+          <p:cNvSpPr/>
+          <p:nvPr/>
+        </p:nvSpPr>
+        <p:spPr>
+          <a:xfrm>
+            <a:off x="2804710" y="4393277"/>
+            <a:ext cx="159533" cy="231629"/>
+          </a:xfrm>
+          <a:prstGeom prst="rect">
+            <a:avLst/>
+          </a:prstGeom>
+        </p:spPr>
+        <p:style>
+          <a:lnRef idx="2">
+            <a:schemeClr val="accent1">
+              <a:shade val="50000"/>
+            </a:schemeClr>
+          </a:lnRef>
+          <a:fillRef idx="1">
+            <a:schemeClr val="accent1"/>
+          </a:fillRef>
+          <a:effectRef idx="0">
+            <a:schemeClr val="accent1"/>
+          </a:effectRef>
+          <a:fontRef idx="minor">
+            <a:schemeClr val="lt1"/>
+          </a:fontRef>
+        </p:style>
+        <p:txBody>
+          <a:bodyPr rtlCol="0" anchor="ctr"/>
+          <a:lstStyle/>
+          <a:p>
+            <a:pPr algn="ctr"/>
+            <a:endParaRPr lang="fr-FR" sz="1013"/>
+          </a:p>
+        </p:txBody>
+      </p:sp>
+      <p:sp>
+        <p:nvSpPr>
+          <p:cNvPr id="106" name="Rectangle 105">
+            <a:extLst>
+              <a:ext uri="{FF2B5EF4-FFF2-40B4-BE49-F238E27FC236}">
+                <a16:creationId xmlns:a16="http://schemas.microsoft.com/office/drawing/2014/main" id="{2EF5492D-0C1A-4FAD-B8A7-8F5F865CEA0D}"/>
+              </a:ext>
+            </a:extLst>
+          </p:cNvPr>
+          <p:cNvSpPr/>
+          <p:nvPr/>
+        </p:nvSpPr>
+        <p:spPr>
+          <a:xfrm>
+            <a:off x="1113047" y="6289957"/>
+            <a:ext cx="191812" cy="110015"/>
+          </a:xfrm>
+          <a:prstGeom prst="rect">
+            <a:avLst/>
+          </a:prstGeom>
+        </p:spPr>
+        <p:style>
+          <a:lnRef idx="2">
+            <a:schemeClr val="accent1">
+              <a:shade val="50000"/>
+            </a:schemeClr>
+          </a:lnRef>
+          <a:fillRef idx="1">
+            <a:schemeClr val="accent1"/>
+          </a:fillRef>
+          <a:effectRef idx="0">
+            <a:schemeClr val="accent1"/>
+          </a:effectRef>
+          <a:fontRef idx="minor">
+            <a:schemeClr val="lt1"/>
+          </a:fontRef>
+        </p:style>
+        <p:txBody>
+          <a:bodyPr rtlCol="0" anchor="ctr"/>
+          <a:lstStyle/>
+          <a:p>
+            <a:pPr algn="ctr"/>
+            <a:endParaRPr lang="fr-FR" sz="1013"/>
+          </a:p>
+        </p:txBody>
+      </p:sp>
+      <p:sp>
+        <p:nvSpPr>
+          <p:cNvPr id="109" name="Rectangle 108">
+            <a:extLst>
+              <a:ext uri="{FF2B5EF4-FFF2-40B4-BE49-F238E27FC236}">
+                <a16:creationId xmlns:a16="http://schemas.microsoft.com/office/drawing/2014/main" id="{C29085B8-64CC-4842-B3AC-BEAC465ED479}"/>
+              </a:ext>
+            </a:extLst>
+          </p:cNvPr>
+          <p:cNvSpPr/>
+          <p:nvPr/>
+        </p:nvSpPr>
+        <p:spPr>
+          <a:xfrm>
+            <a:off x="1112707" y="5854629"/>
+            <a:ext cx="191812" cy="110015"/>
+          </a:xfrm>
+          <a:prstGeom prst="rect">
+            <a:avLst/>
+          </a:prstGeom>
+        </p:spPr>
+        <p:style>
+          <a:lnRef idx="2">
+            <a:schemeClr val="accent1">
+              <a:shade val="50000"/>
+            </a:schemeClr>
+          </a:lnRef>
+          <a:fillRef idx="1">
+            <a:schemeClr val="accent1"/>
+          </a:fillRef>
+          <a:effectRef idx="0">
+            <a:schemeClr val="accent1"/>
+          </a:effectRef>
+          <a:fontRef idx="minor">
+            <a:schemeClr val="lt1"/>
+          </a:fontRef>
+        </p:style>
+        <p:txBody>
+          <a:bodyPr rtlCol="0" anchor="ctr"/>
+          <a:lstStyle/>
+          <a:p>
+            <a:pPr algn="ctr"/>
+            <a:endParaRPr lang="fr-FR" sz="1013"/>
+          </a:p>
+        </p:txBody>
+      </p:sp>
+      <p:sp>
+        <p:nvSpPr>
+          <p:cNvPr id="105" name="Rectangle 104">
+            <a:extLst>
+              <a:ext uri="{FF2B5EF4-FFF2-40B4-BE49-F238E27FC236}">
+                <a16:creationId xmlns:a16="http://schemas.microsoft.com/office/drawing/2014/main" id="{DDAE8B25-5BC6-4119-BF19-A08010E8F53C}"/>
+              </a:ext>
+            </a:extLst>
+          </p:cNvPr>
+          <p:cNvSpPr/>
+          <p:nvPr/>
+        </p:nvSpPr>
+        <p:spPr>
+          <a:xfrm>
+            <a:off x="3114356" y="4997908"/>
+            <a:ext cx="159533" cy="132280"/>
+          </a:xfrm>
+          <a:prstGeom prst="rect">
+            <a:avLst/>
+          </a:prstGeom>
+        </p:spPr>
+        <p:style>
+          <a:lnRef idx="2">
+            <a:schemeClr val="accent1">
+              <a:shade val="50000"/>
+            </a:schemeClr>
+          </a:lnRef>
+          <a:fillRef idx="1">
+            <a:schemeClr val="accent1"/>
+          </a:fillRef>
+          <a:effectRef idx="0">
+            <a:schemeClr val="accent1"/>
+          </a:effectRef>
+          <a:fontRef idx="minor">
+            <a:schemeClr val="lt1"/>
+          </a:fontRef>
+        </p:style>
+        <p:txBody>
+          <a:bodyPr rtlCol="0" anchor="ctr"/>
+          <a:lstStyle/>
+          <a:p>
+            <a:pPr algn="ctr"/>
+            <a:endParaRPr lang="fr-FR" sz="1013"/>
+          </a:p>
+        </p:txBody>
+      </p:sp>
+      <p:sp>
+        <p:nvSpPr>
+          <p:cNvPr id="113" name="Rectangle 112">
+            <a:extLst>
+              <a:ext uri="{FF2B5EF4-FFF2-40B4-BE49-F238E27FC236}">
+                <a16:creationId xmlns:a16="http://schemas.microsoft.com/office/drawing/2014/main" id="{D5FA4E3F-19EF-4914-9915-5116C601F01A}"/>
+              </a:ext>
+            </a:extLst>
+          </p:cNvPr>
+          <p:cNvSpPr/>
+          <p:nvPr/>
+        </p:nvSpPr>
+        <p:spPr>
+          <a:xfrm>
+            <a:off x="3311345" y="4997908"/>
+            <a:ext cx="159533" cy="132280"/>
+          </a:xfrm>
+          <a:prstGeom prst="rect">
+            <a:avLst/>
+          </a:prstGeom>
+        </p:spPr>
+        <p:style>
+          <a:lnRef idx="2">
+            <a:schemeClr val="accent1">
+              <a:shade val="50000"/>
+            </a:schemeClr>
+          </a:lnRef>
+          <a:fillRef idx="1">
+            <a:schemeClr val="accent1"/>
+          </a:fillRef>
+          <a:effectRef idx="0">
+            <a:schemeClr val="accent1"/>
+          </a:effectRef>
+          <a:fontRef idx="minor">
+            <a:schemeClr val="lt1"/>
+          </a:fontRef>
+        </p:style>
+        <p:txBody>
+          <a:bodyPr rtlCol="0" anchor="ctr"/>
+          <a:lstStyle/>
+          <a:p>
+            <a:pPr algn="ctr"/>
+            <a:endParaRPr lang="fr-FR" sz="1013"/>
+          </a:p>
+        </p:txBody>
+      </p:sp>
+      <p:sp>
+        <p:nvSpPr>
+          <p:cNvPr id="13" name="Rectangle 12">
+            <a:extLst>
+              <a:ext uri="{FF2B5EF4-FFF2-40B4-BE49-F238E27FC236}">
+                <a16:creationId xmlns:a16="http://schemas.microsoft.com/office/drawing/2014/main" id="{1C72EAEF-6D83-49DD-98E1-F0B22E4F5A26}"/>
+              </a:ext>
+            </a:extLst>
+          </p:cNvPr>
+          <p:cNvSpPr/>
+          <p:nvPr/>
+        </p:nvSpPr>
+        <p:spPr>
+          <a:xfrm>
+            <a:off x="2920060" y="4802352"/>
+            <a:ext cx="159533" cy="132280"/>
+          </a:xfrm>
+          <a:prstGeom prst="rect">
+            <a:avLst/>
+          </a:prstGeom>
+        </p:spPr>
+        <p:style>
+          <a:lnRef idx="2">
+            <a:schemeClr val="accent1">
+              <a:shade val="50000"/>
+            </a:schemeClr>
+          </a:lnRef>
+          <a:fillRef idx="1">
+            <a:schemeClr val="accent1"/>
+          </a:fillRef>
+          <a:effectRef idx="0">
+            <a:schemeClr val="accent1"/>
+          </a:effectRef>
+          <a:fontRef idx="minor">
+            <a:schemeClr val="lt1"/>
+          </a:fontRef>
+        </p:style>
+        <p:txBody>
+          <a:bodyPr rtlCol="0" anchor="ctr"/>
+          <a:lstStyle/>
+          <a:p>
+            <a:pPr algn="ctr"/>
+            <a:endParaRPr lang="fr-FR" sz="1013"/>
+          </a:p>
+        </p:txBody>
+      </p:sp>
+      <p:sp>
+        <p:nvSpPr>
+          <p:cNvPr id="98" name="Rectangle 97">
+            <a:extLst>
+              <a:ext uri="{FF2B5EF4-FFF2-40B4-BE49-F238E27FC236}">
+                <a16:creationId xmlns:a16="http://schemas.microsoft.com/office/drawing/2014/main" id="{47C23550-3151-4C8B-98DB-2CB80AC4E95B}"/>
+              </a:ext>
+            </a:extLst>
+          </p:cNvPr>
+          <p:cNvSpPr/>
+          <p:nvPr/>
+        </p:nvSpPr>
+        <p:spPr>
+          <a:xfrm>
+            <a:off x="2919980" y="5023157"/>
+            <a:ext cx="191812" cy="110015"/>
+          </a:xfrm>
+          <a:prstGeom prst="rect">
+            <a:avLst/>
+          </a:prstGeom>
+        </p:spPr>
+        <p:style>
+          <a:lnRef idx="2">
+            <a:schemeClr val="accent1">
+              <a:shade val="50000"/>
+            </a:schemeClr>
+          </a:lnRef>
+          <a:fillRef idx="1">
+            <a:schemeClr val="accent1"/>
+          </a:fillRef>
+          <a:effectRef idx="0">
+            <a:schemeClr val="accent1"/>
+          </a:effectRef>
+          <a:fontRef idx="minor">
+            <a:schemeClr val="lt1"/>
+          </a:fontRef>
+        </p:style>
+        <p:txBody>
+          <a:bodyPr rtlCol="0" anchor="ctr"/>
+          <a:lstStyle/>
+          <a:p>
+            <a:pPr algn="ctr"/>
+            <a:endParaRPr lang="fr-FR" sz="1013"/>
+          </a:p>
+        </p:txBody>
+      </p:sp>
+      <p:cxnSp>
+        <p:nvCxnSpPr>
+          <p:cNvPr id="100" name="Connecteur : en angle 99">
+            <a:extLst>
+              <a:ext uri="{FF2B5EF4-FFF2-40B4-BE49-F238E27FC236}">
+                <a16:creationId xmlns:a16="http://schemas.microsoft.com/office/drawing/2014/main" id="{B48CF23F-963A-479F-8941-797B51EED458}"/>
+              </a:ext>
+            </a:extLst>
+          </p:cNvPr>
+          <p:cNvCxnSpPr>
+            <a:cxnSpLocks/>
+            <a:stCxn id="134" idx="1"/>
+            <a:endCxn id="101" idx="1"/>
+          </p:cNvCxnSpPr>
+          <p:nvPr/>
+        </p:nvCxnSpPr>
+        <p:spPr>
+          <a:xfrm rot="10800000">
+            <a:off x="2802355" y="4876909"/>
+            <a:ext cx="11278" cy="140066"/>
+          </a:xfrm>
+          <a:prstGeom prst="bentConnector3">
+            <a:avLst>
+              <a:gd name="adj1" fmla="val 2126955"/>
+            </a:avLst>
+          </a:prstGeom>
+          <a:ln w="19050">
+            <a:headEnd type="arrow" w="med" len="med"/>
+            <a:tailEnd type="none" w="med" len="med"/>
+          </a:ln>
+        </p:spPr>
+        <p:style>
+          <a:lnRef idx="1">
+            <a:schemeClr val="accent1"/>
+          </a:lnRef>
+          <a:fillRef idx="0">
+            <a:schemeClr val="accent1"/>
+          </a:fillRef>
+          <a:effectRef idx="0">
+            <a:schemeClr val="accent1"/>
+          </a:effectRef>
+          <a:fontRef idx="minor">
+            <a:schemeClr val="tx1"/>
+          </a:fontRef>
+        </p:style>
+      </p:cxnSp>
+      <p:sp>
+        <p:nvSpPr>
+          <p:cNvPr id="101" name="Rectangle 100">
+            <a:extLst>
+              <a:ext uri="{FF2B5EF4-FFF2-40B4-BE49-F238E27FC236}">
+                <a16:creationId xmlns:a16="http://schemas.microsoft.com/office/drawing/2014/main" id="{8DB10793-A547-4478-B757-E91CE222C90E}"/>
+              </a:ext>
+            </a:extLst>
+          </p:cNvPr>
+          <p:cNvSpPr/>
+          <p:nvPr/>
+        </p:nvSpPr>
+        <p:spPr>
+          <a:xfrm>
+            <a:off x="2802355" y="4821901"/>
+            <a:ext cx="191812" cy="110015"/>
+          </a:xfrm>
+          <a:prstGeom prst="rect">
+            <a:avLst/>
+          </a:prstGeom>
+        </p:spPr>
+        <p:style>
+          <a:lnRef idx="2">
+            <a:schemeClr val="accent1">
+              <a:shade val="50000"/>
+            </a:schemeClr>
+          </a:lnRef>
+          <a:fillRef idx="1">
+            <a:schemeClr val="accent1"/>
+          </a:fillRef>
+          <a:effectRef idx="0">
+            <a:schemeClr val="accent1"/>
+          </a:effectRef>
+          <a:fontRef idx="minor">
+            <a:schemeClr val="lt1"/>
+          </a:fontRef>
+        </p:style>
+        <p:txBody>
+          <a:bodyPr rtlCol="0" anchor="ctr"/>
+          <a:lstStyle/>
+          <a:p>
+            <a:pPr algn="ctr"/>
+            <a:endParaRPr lang="fr-FR" sz="1013"/>
+          </a:p>
+        </p:txBody>
+      </p:sp>
+      <p:sp>
+        <p:nvSpPr>
+          <p:cNvPr id="58" name="Rectangle 57">
+            <a:extLst>
+              <a:ext uri="{FF2B5EF4-FFF2-40B4-BE49-F238E27FC236}">
+                <a16:creationId xmlns:a16="http://schemas.microsoft.com/office/drawing/2014/main" id="{539DD055-8EF1-46D5-A759-909838B13B59}"/>
+              </a:ext>
+            </a:extLst>
+          </p:cNvPr>
+          <p:cNvSpPr/>
+          <p:nvPr/>
+        </p:nvSpPr>
+        <p:spPr>
+          <a:xfrm>
+            <a:off x="3941333" y="4498888"/>
+            <a:ext cx="191812" cy="162421"/>
+          </a:xfrm>
+          <a:prstGeom prst="rect">
+            <a:avLst/>
+          </a:prstGeom>
+        </p:spPr>
+        <p:style>
+          <a:lnRef idx="2">
+            <a:schemeClr val="accent1">
+              <a:shade val="50000"/>
+            </a:schemeClr>
+          </a:lnRef>
+          <a:fillRef idx="1">
+            <a:schemeClr val="accent1"/>
+          </a:fillRef>
+          <a:effectRef idx="0">
+            <a:schemeClr val="accent1"/>
+          </a:effectRef>
+          <a:fontRef idx="minor">
+            <a:schemeClr val="lt1"/>
+          </a:fontRef>
+        </p:style>
+        <p:txBody>
+          <a:bodyPr rtlCol="0" anchor="ctr"/>
+          <a:lstStyle/>
+          <a:p>
+            <a:pPr algn="ctr"/>
+            <a:endParaRPr lang="fr-FR" sz="1013"/>
+          </a:p>
+        </p:txBody>
+      </p:sp>
+      <p:sp>
+        <p:nvSpPr>
+          <p:cNvPr id="9" name="ZoneTexte 8">
+            <a:extLst>
+              <a:ext uri="{FF2B5EF4-FFF2-40B4-BE49-F238E27FC236}">
+                <a16:creationId xmlns:a16="http://schemas.microsoft.com/office/drawing/2014/main" id="{A946E9D0-D148-4527-8D03-943EAE13355B}"/>
               </a:ext>
             </a:extLst>
           </p:cNvPr>
@@ -4171,8 +4622,8 @@
         </p:nvSpPr>
         <p:spPr>
           <a:xfrm>
-            <a:off x="7701555" y="3122365"/>
-            <a:ext cx="607145" cy="369332"/>
+            <a:off x="760371" y="3674239"/>
+            <a:ext cx="482541" cy="230832"/>
           </a:xfrm>
           <a:prstGeom prst="rect">
             <a:avLst/>
@@ -4186,18 +4637,64 @@
           <a:lstStyle/>
           <a:p>
             <a:r>
-              <a:rPr lang="en-US" noProof="1"/>
+              <a:rPr lang="en-US" sz="900" noProof="1"/>
               <a:t>0..*</a:t>
             </a:r>
           </a:p>
         </p:txBody>
       </p:sp>
-      <p:sp>
-        <p:nvSpPr>
-          <p:cNvPr id="79" name="Rectangle 78">
-            <a:extLst>
-              <a:ext uri="{FF2B5EF4-FFF2-40B4-BE49-F238E27FC236}">
-                <a16:creationId xmlns:a16="http://schemas.microsoft.com/office/drawing/2014/main" id="{76A7440C-B119-49C9-9B9C-97837351B98B}"/>
+      <p:cxnSp>
+        <p:nvCxnSpPr>
+          <p:cNvPr id="14" name="Connecteur : en angle 13">
+            <a:extLst>
+              <a:ext uri="{FF2B5EF4-FFF2-40B4-BE49-F238E27FC236}">
+                <a16:creationId xmlns:a16="http://schemas.microsoft.com/office/drawing/2014/main" id="{96E14973-247A-449B-98ED-0D425A7A48C1}"/>
+              </a:ext>
+            </a:extLst>
+          </p:cNvPr>
+          <p:cNvCxnSpPr>
+            <a:cxnSpLocks/>
+            <a:stCxn id="60" idx="0"/>
+            <a:endCxn id="20" idx="2"/>
+          </p:cNvCxnSpPr>
+          <p:nvPr/>
+        </p:nvCxnSpPr>
+        <p:spPr>
+          <a:xfrm rot="16200000" flipV="1">
+            <a:off x="1626485" y="3135284"/>
+            <a:ext cx="732527" cy="1783459"/>
+          </a:xfrm>
+          <a:prstGeom prst="bentConnector3">
+            <a:avLst>
+              <a:gd name="adj1" fmla="val 50000"/>
+            </a:avLst>
+          </a:prstGeom>
+          <a:ln w="19050">
+            <a:headEnd type="none" w="med" len="med"/>
+            <a:tailEnd type="arrow" w="med" len="med"/>
+          </a:ln>
+        </p:spPr>
+        <p:style>
+          <a:lnRef idx="1">
+            <a:schemeClr val="accent1"/>
+          </a:lnRef>
+          <a:fillRef idx="0">
+            <a:schemeClr val="accent1"/>
+          </a:fillRef>
+          <a:effectRef idx="0">
+            <a:schemeClr val="accent1"/>
+          </a:effectRef>
+          <a:fontRef idx="minor">
+            <a:schemeClr val="tx1"/>
+          </a:fontRef>
+        </p:style>
+      </p:cxnSp>
+      <p:sp>
+        <p:nvSpPr>
+          <p:cNvPr id="20" name="Rectangle 19">
+            <a:extLst>
+              <a:ext uri="{FF2B5EF4-FFF2-40B4-BE49-F238E27FC236}">
+                <a16:creationId xmlns:a16="http://schemas.microsoft.com/office/drawing/2014/main" id="{0EF34064-8B6F-4B06-B950-EFD89EB71C6D}"/>
               </a:ext>
             </a:extLst>
           </p:cNvPr>
@@ -4206,8 +4703,163 @@
         </p:nvSpPr>
         <p:spPr>
           <a:xfrm>
-            <a:off x="8900126" y="4478458"/>
-            <a:ext cx="1994629" cy="695103"/>
+            <a:off x="369838" y="3151049"/>
+            <a:ext cx="1462359" cy="509701"/>
+          </a:xfrm>
+          <a:prstGeom prst="rect">
+            <a:avLst/>
+          </a:prstGeom>
+          <a:solidFill>
+            <a:schemeClr val="accent6">
+              <a:lumMod val="75000"/>
+            </a:schemeClr>
+          </a:solidFill>
+          <a:ln>
+            <a:noFill/>
+          </a:ln>
+          <a:effectLst>
+            <a:glow rad="63500">
+              <a:schemeClr val="accent6">
+                <a:satMod val="175000"/>
+                <a:alpha val="40000"/>
+              </a:schemeClr>
+            </a:glow>
+          </a:effectLst>
+        </p:spPr>
+        <p:style>
+          <a:lnRef idx="2">
+            <a:schemeClr val="accent1">
+              <a:shade val="50000"/>
+            </a:schemeClr>
+          </a:lnRef>
+          <a:fillRef idx="1">
+            <a:schemeClr val="accent1"/>
+          </a:fillRef>
+          <a:effectRef idx="0">
+            <a:schemeClr val="accent1"/>
+          </a:effectRef>
+          <a:fontRef idx="minor">
+            <a:schemeClr val="lt1"/>
+          </a:fontRef>
+        </p:style>
+        <p:txBody>
+          <a:bodyPr rtlCol="0" anchor="ctr"/>
+          <a:lstStyle/>
+          <a:p>
+            <a:pPr algn="ctr"/>
+            <a:r>
+              <a:rPr lang="en-US" sz="1013" noProof="1">
+                <a:solidFill>
+                  <a:srgbClr val="FFFF00"/>
+                </a:solidFill>
+              </a:rPr>
+              <a:t>CatalogHeader profile of Composition</a:t>
+            </a:r>
+          </a:p>
+        </p:txBody>
+      </p:sp>
+      <p:sp>
+        <p:nvSpPr>
+          <p:cNvPr id="3" name="ZoneTexte 2">
+            <a:extLst>
+              <a:ext uri="{FF2B5EF4-FFF2-40B4-BE49-F238E27FC236}">
+                <a16:creationId xmlns:a16="http://schemas.microsoft.com/office/drawing/2014/main" id="{50DBA933-9565-444C-B7B3-F193880AE287}"/>
+              </a:ext>
+            </a:extLst>
+          </p:cNvPr>
+          <p:cNvSpPr txBox="1"/>
+          <p:nvPr/>
+        </p:nvSpPr>
+        <p:spPr>
+          <a:xfrm>
+            <a:off x="1807781" y="3811185"/>
+            <a:ext cx="1022440" cy="238359"/>
+          </a:xfrm>
+          <a:prstGeom prst="rect">
+            <a:avLst/>
+          </a:prstGeom>
+          <a:noFill/>
+        </p:spPr>
+        <p:txBody>
+          <a:bodyPr wrap="square" rtlCol="0">
+            <a:spAutoFit/>
+          </a:bodyPr>
+          <a:lstStyle/>
+          <a:p>
+            <a:pPr algn="r"/>
+            <a:r>
+              <a:rPr lang="en-US" sz="900" noProof="1">
+                <a:solidFill>
+                  <a:srgbClr val="0070C0"/>
+                </a:solidFill>
+              </a:rPr>
+              <a:t>catalogReference</a:t>
+            </a:r>
+          </a:p>
+        </p:txBody>
+      </p:sp>
+      <p:cxnSp>
+        <p:nvCxnSpPr>
+          <p:cNvPr id="43" name="Connecteur : en angle 42">
+            <a:extLst>
+              <a:ext uri="{FF2B5EF4-FFF2-40B4-BE49-F238E27FC236}">
+                <a16:creationId xmlns:a16="http://schemas.microsoft.com/office/drawing/2014/main" id="{C9A4C617-23DA-4B5A-A95B-EFA518F82E4B}"/>
+              </a:ext>
+            </a:extLst>
+          </p:cNvPr>
+          <p:cNvCxnSpPr>
+            <a:cxnSpLocks/>
+            <a:stCxn id="148" idx="2"/>
+            <a:endCxn id="46" idx="0"/>
+          </p:cNvCxnSpPr>
+          <p:nvPr/>
+        </p:nvCxnSpPr>
+        <p:spPr>
+          <a:xfrm rot="5400000">
+            <a:off x="1250455" y="4858434"/>
+            <a:ext cx="2038828" cy="2587128"/>
+          </a:xfrm>
+          <a:prstGeom prst="bentConnector3">
+            <a:avLst>
+              <a:gd name="adj1" fmla="val 81768"/>
+            </a:avLst>
+          </a:prstGeom>
+          <a:ln w="19050">
+            <a:headEnd type="none" w="med" len="med"/>
+            <a:tailEnd type="arrow" w="med" len="med"/>
+          </a:ln>
+        </p:spPr>
+        <p:style>
+          <a:lnRef idx="1">
+            <a:schemeClr val="accent1"/>
+          </a:lnRef>
+          <a:fillRef idx="0">
+            <a:schemeClr val="accent1"/>
+          </a:fillRef>
+          <a:effectRef idx="0">
+            <a:schemeClr val="accent1"/>
+          </a:effectRef>
+          <a:fontRef idx="minor">
+            <a:schemeClr val="tx1"/>
+          </a:fontRef>
+        </p:style>
+      </p:cxnSp>
+      <p:sp>
+        <p:nvSpPr>
+          <p:cNvPr id="46" name="Rectangle 45">
+            <a:extLst>
+              <a:ext uri="{FF2B5EF4-FFF2-40B4-BE49-F238E27FC236}">
+                <a16:creationId xmlns:a16="http://schemas.microsoft.com/office/drawing/2014/main" id="{6324F97B-D06D-400B-82DF-1A3970FD058D}"/>
+              </a:ext>
+            </a:extLst>
+          </p:cNvPr>
+          <p:cNvSpPr/>
+          <p:nvPr/>
+        </p:nvSpPr>
+        <p:spPr>
+          <a:xfrm>
+            <a:off x="348286" y="7171412"/>
+            <a:ext cx="1256037" cy="601464"/>
           </a:xfrm>
           <a:prstGeom prst="rect">
             <a:avLst/>
@@ -4270,66 +4922,33 @@
           <a:p>
             <a:pPr algn="ctr"/>
             <a:r>
-              <a:rPr lang="en-US" sz="2000" noProof="1">
+              <a:rPr lang="en-US" sz="1013" noProof="1">
                 <a:solidFill>
-                  <a:schemeClr val="bg1"/>
+                  <a:srgbClr val="FFFF00"/>
                 </a:solidFill>
               </a:rPr>
-              <a:t>ClinicalUseIssue</a:t>
-            </a:r>
-          </a:p>
-        </p:txBody>
-      </p:sp>
-      <p:cxnSp>
-        <p:nvCxnSpPr>
-          <p:cNvPr id="80" name="Connecteur : en angle 79">
-            <a:extLst>
-              <a:ext uri="{FF2B5EF4-FFF2-40B4-BE49-F238E27FC236}">
-                <a16:creationId xmlns:a16="http://schemas.microsoft.com/office/drawing/2014/main" id="{290BAD5C-AB7C-4779-B4E3-A264AC253CEE}"/>
-              </a:ext>
-            </a:extLst>
-          </p:cNvPr>
-          <p:cNvCxnSpPr>
-            <a:cxnSpLocks/>
-            <a:stCxn id="58" idx="3"/>
-            <a:endCxn id="79" idx="0"/>
-          </p:cNvCxnSpPr>
-          <p:nvPr/>
-        </p:nvCxnSpPr>
-        <p:spPr>
-          <a:xfrm>
-            <a:off x="7404334" y="4079781"/>
-            <a:ext cx="2493107" cy="398677"/>
-          </a:xfrm>
-          <a:prstGeom prst="bentConnector2">
-            <a:avLst/>
-          </a:prstGeom>
-          <a:ln w="28575">
-            <a:headEnd type="none" w="med" len="med"/>
-            <a:tailEnd type="arrow" w="med" len="med"/>
-          </a:ln>
-        </p:spPr>
-        <p:style>
-          <a:lnRef idx="1">
-            <a:schemeClr val="accent1"/>
-          </a:lnRef>
-          <a:fillRef idx="0">
-            <a:schemeClr val="accent1"/>
-          </a:fillRef>
-          <a:effectRef idx="0">
-            <a:schemeClr val="accent1"/>
-          </a:effectRef>
-          <a:fontRef idx="minor">
-            <a:schemeClr val="tx1"/>
-          </a:fontRef>
-        </p:style>
-      </p:cxnSp>
-      <p:sp>
-        <p:nvSpPr>
-          <p:cNvPr id="81" name="ZoneTexte 80">
-            <a:extLst>
-              <a:ext uri="{FF2B5EF4-FFF2-40B4-BE49-F238E27FC236}">
-                <a16:creationId xmlns:a16="http://schemas.microsoft.com/office/drawing/2014/main" id="{5389545F-4984-4452-B307-860663536A2F}"/>
+              <a:t>Contraindication</a:t>
+            </a:r>
+          </a:p>
+          <a:p>
+            <a:pPr algn="ctr"/>
+            <a:r>
+              <a:rPr lang="en-US" sz="1013" noProof="1">
+                <a:solidFill>
+                  <a:srgbClr val="FFFF00"/>
+                </a:solidFill>
+              </a:rPr>
+              <a:t>profile of ClinicalUseIssue</a:t>
+            </a:r>
+          </a:p>
+        </p:txBody>
+      </p:sp>
+      <p:sp>
+        <p:nvSpPr>
+          <p:cNvPr id="51" name="ZoneTexte 50">
+            <a:extLst>
+              <a:ext uri="{FF2B5EF4-FFF2-40B4-BE49-F238E27FC236}">
+                <a16:creationId xmlns:a16="http://schemas.microsoft.com/office/drawing/2014/main" id="{DDA19B55-7B2D-4F80-A8B0-AC35CA3AEB5F}"/>
               </a:ext>
             </a:extLst>
           </p:cNvPr>
@@ -4338,8 +4957,8 @@
         </p:nvSpPr>
         <p:spPr>
           <a:xfrm>
-            <a:off x="9934539" y="4052579"/>
-            <a:ext cx="578339" cy="369332"/>
+            <a:off x="1001941" y="6939737"/>
+            <a:ext cx="356197" cy="230832"/>
           </a:xfrm>
           <a:prstGeom prst="rect">
             <a:avLst/>
@@ -4353,7 +4972,7 @@
           <a:lstStyle/>
           <a:p>
             <a:r>
-              <a:rPr lang="en-US" noProof="1"/>
+              <a:rPr lang="en-US" sz="900" noProof="1"/>
               <a:t>0..*</a:t>
             </a:r>
           </a:p>
@@ -4361,10 +4980,10 @@
       </p:sp>
       <p:sp>
         <p:nvSpPr>
-          <p:cNvPr id="82" name="ZoneTexte 81">
-            <a:extLst>
-              <a:ext uri="{FF2B5EF4-FFF2-40B4-BE49-F238E27FC236}">
-                <a16:creationId xmlns:a16="http://schemas.microsoft.com/office/drawing/2014/main" id="{1F530B13-5A3A-4AEB-81C7-401E072832A9}"/>
+          <p:cNvPr id="52" name="ZoneTexte 51">
+            <a:extLst>
+              <a:ext uri="{FF2B5EF4-FFF2-40B4-BE49-F238E27FC236}">
+                <a16:creationId xmlns:a16="http://schemas.microsoft.com/office/drawing/2014/main" id="{8C5EA803-67C9-48E4-8679-3F8205317474}"/>
               </a:ext>
             </a:extLst>
           </p:cNvPr>
@@ -4373,8 +4992,8 @@
         </p:nvSpPr>
         <p:spPr>
           <a:xfrm>
-            <a:off x="7890117" y="3764691"/>
-            <a:ext cx="2160248" cy="369332"/>
+            <a:off x="851903" y="4318476"/>
+            <a:ext cx="1999386" cy="230832"/>
           </a:xfrm>
           <a:prstGeom prst="rect">
             <a:avLst/>
@@ -4388,22 +5007,204 @@
           <a:lstStyle/>
           <a:p>
             <a:r>
-              <a:rPr lang="en-US" noProof="1">
+              <a:rPr lang="en-US" sz="900" noProof="1">
                 <a:solidFill>
                   <a:srgbClr val="0070C0"/>
                 </a:solidFill>
               </a:rPr>
-              <a:t>Guideline extension</a:t>
-            </a:r>
-          </a:p>
-        </p:txBody>
-      </p:sp>
-      <p:sp>
-        <p:nvSpPr>
-          <p:cNvPr id="89" name="Rectangle 88">
-            <a:extLst>
-              <a:ext uri="{FF2B5EF4-FFF2-40B4-BE49-F238E27FC236}">
-                <a16:creationId xmlns:a16="http://schemas.microsoft.com/office/drawing/2014/main" id="{B4181FCE-1070-4BAF-ADD0-462DC1C05C24}"/>
+              <a:t>chargeItem.chargeItemCode.reference</a:t>
+            </a:r>
+          </a:p>
+        </p:txBody>
+      </p:sp>
+      <p:sp>
+        <p:nvSpPr>
+          <p:cNvPr id="75" name="ZoneTexte 74">
+            <a:extLst>
+              <a:ext uri="{FF2B5EF4-FFF2-40B4-BE49-F238E27FC236}">
+                <a16:creationId xmlns:a16="http://schemas.microsoft.com/office/drawing/2014/main" id="{2EFF53CD-4ECD-44EE-9F56-5713E9D8A8F4}"/>
+              </a:ext>
+            </a:extLst>
+          </p:cNvPr>
+          <p:cNvSpPr txBox="1"/>
+          <p:nvPr/>
+        </p:nvSpPr>
+        <p:spPr>
+          <a:xfrm>
+            <a:off x="1591830" y="6609043"/>
+            <a:ext cx="1884832" cy="230832"/>
+          </a:xfrm>
+          <a:prstGeom prst="rect">
+            <a:avLst/>
+          </a:prstGeom>
+          <a:noFill/>
+        </p:spPr>
+        <p:txBody>
+          <a:bodyPr wrap="square" rtlCol="0">
+            <a:spAutoFit/>
+          </a:bodyPr>
+          <a:lstStyle/>
+          <a:p>
+            <a:r>
+              <a:rPr lang="en-US" sz="900" noProof="1">
+                <a:solidFill>
+                  <a:srgbClr val="0070C0"/>
+                </a:solidFill>
+              </a:rPr>
+              <a:t>guideline.contraindication.reference</a:t>
+            </a:r>
+          </a:p>
+        </p:txBody>
+      </p:sp>
+      <p:sp>
+        <p:nvSpPr>
+          <p:cNvPr id="2" name="ZoneTexte 1">
+            <a:extLst>
+              <a:ext uri="{FF2B5EF4-FFF2-40B4-BE49-F238E27FC236}">
+                <a16:creationId xmlns:a16="http://schemas.microsoft.com/office/drawing/2014/main" id="{14C66D9E-6541-4236-87A7-C6FE9DAC58A9}"/>
+              </a:ext>
+            </a:extLst>
+          </p:cNvPr>
+          <p:cNvSpPr txBox="1"/>
+          <p:nvPr/>
+        </p:nvSpPr>
+        <p:spPr>
+          <a:xfrm>
+            <a:off x="1840233" y="3047981"/>
+            <a:ext cx="900881" cy="715837"/>
+          </a:xfrm>
+          <a:prstGeom prst="rect">
+            <a:avLst/>
+          </a:prstGeom>
+          <a:noFill/>
+        </p:spPr>
+        <p:txBody>
+          <a:bodyPr wrap="square" rtlCol="0">
+            <a:spAutoFit/>
+          </a:bodyPr>
+          <a:lstStyle/>
+          <a:p>
+            <a:r>
+              <a:rPr lang="en-US" sz="1013" i="1" noProof="1"/>
+              <a:t>a catalog of devices handled with method 2</a:t>
+            </a:r>
+          </a:p>
+        </p:txBody>
+      </p:sp>
+      <p:sp>
+        <p:nvSpPr>
+          <p:cNvPr id="4" name="ZoneTexte 3">
+            <a:extLst>
+              <a:ext uri="{FF2B5EF4-FFF2-40B4-BE49-F238E27FC236}">
+                <a16:creationId xmlns:a16="http://schemas.microsoft.com/office/drawing/2014/main" id="{5B6C8461-F70B-415E-81E3-8C60209C46E4}"/>
+              </a:ext>
+            </a:extLst>
+          </p:cNvPr>
+          <p:cNvSpPr txBox="1"/>
+          <p:nvPr/>
+        </p:nvSpPr>
+        <p:spPr>
+          <a:xfrm>
+            <a:off x="2956322" y="3848802"/>
+            <a:ext cx="1093924" cy="559961"/>
+          </a:xfrm>
+          <a:prstGeom prst="rect">
+            <a:avLst/>
+          </a:prstGeom>
+          <a:noFill/>
+        </p:spPr>
+        <p:txBody>
+          <a:bodyPr wrap="square" rtlCol="0">
+            <a:spAutoFit/>
+          </a:bodyPr>
+          <a:lstStyle>
+            <a:defPPr>
+              <a:defRPr lang="fr-FR"/>
+            </a:defPPr>
+            <a:lvl1pPr>
+              <a:defRPr>
+                <a:solidFill>
+                  <a:schemeClr val="accent1">
+                    <a:lumMod val="60000"/>
+                    <a:lumOff val="40000"/>
+                  </a:schemeClr>
+                </a:solidFill>
+              </a:defRPr>
+            </a:lvl1pPr>
+          </a:lstStyle>
+          <a:p>
+            <a:pPr algn="ctr"/>
+            <a:r>
+              <a:rPr lang="en-US" sz="1013" i="1" noProof="1">
+                <a:solidFill>
+                  <a:schemeClr val="tx1"/>
+                </a:solidFill>
+              </a:rPr>
+              <a:t>A model or kind of device in the catalog</a:t>
+            </a:r>
+          </a:p>
+        </p:txBody>
+      </p:sp>
+      <p:sp>
+        <p:nvSpPr>
+          <p:cNvPr id="34" name="ZoneTexte 33">
+            <a:extLst>
+              <a:ext uri="{FF2B5EF4-FFF2-40B4-BE49-F238E27FC236}">
+                <a16:creationId xmlns:a16="http://schemas.microsoft.com/office/drawing/2014/main" id="{F26F3D45-53F9-4EC5-BA9D-39047742D144}"/>
+              </a:ext>
+            </a:extLst>
+          </p:cNvPr>
+          <p:cNvSpPr txBox="1"/>
+          <p:nvPr/>
+        </p:nvSpPr>
+        <p:spPr>
+          <a:xfrm>
+            <a:off x="5631488" y="6595763"/>
+            <a:ext cx="1206508" cy="559961"/>
+          </a:xfrm>
+          <a:prstGeom prst="rect">
+            <a:avLst/>
+          </a:prstGeom>
+          <a:noFill/>
+        </p:spPr>
+        <p:txBody>
+          <a:bodyPr wrap="square" rtlCol="0">
+            <a:spAutoFit/>
+          </a:bodyPr>
+          <a:lstStyle>
+            <a:defPPr>
+              <a:defRPr lang="fr-FR"/>
+            </a:defPPr>
+            <a:lvl1pPr>
+              <a:defRPr>
+                <a:solidFill>
+                  <a:schemeClr val="accent1">
+                    <a:lumMod val="60000"/>
+                    <a:lumOff val="40000"/>
+                  </a:schemeClr>
+                </a:solidFill>
+              </a:defRPr>
+            </a:lvl1pPr>
+          </a:lstStyle>
+          <a:p>
+            <a:pPr algn="r"/>
+            <a:r>
+              <a:rPr lang="en-US" sz="1013" i="1" noProof="1">
+                <a:solidFill>
+                  <a:srgbClr val="C00000"/>
+                </a:solidFill>
+              </a:rPr>
+              <a:t>A warning and/or precaution of use for the device</a:t>
+            </a:r>
+          </a:p>
+        </p:txBody>
+      </p:sp>
+      <p:sp>
+        <p:nvSpPr>
+          <p:cNvPr id="41" name="Rectangle 40">
+            <a:extLst>
+              <a:ext uri="{FF2B5EF4-FFF2-40B4-BE49-F238E27FC236}">
+                <a16:creationId xmlns:a16="http://schemas.microsoft.com/office/drawing/2014/main" id="{98246E45-031A-4786-ACF4-D927C7E9CB6C}"/>
               </a:ext>
             </a:extLst>
           </p:cNvPr>
@@ -4412,8 +5213,8 @@
         </p:nvSpPr>
         <p:spPr>
           <a:xfrm>
-            <a:off x="4997131" y="6041784"/>
-            <a:ext cx="2056722" cy="695103"/>
+            <a:off x="369838" y="5802430"/>
+            <a:ext cx="943045" cy="627951"/>
           </a:xfrm>
           <a:prstGeom prst="rect">
             <a:avLst/>
@@ -4476,9 +5277,9 @@
           <a:p>
             <a:pPr algn="ctr"/>
             <a:r>
-              <a:rPr lang="en-US" sz="2000" noProof="1">
+              <a:rPr lang="en-US" sz="1013" noProof="1">
                 <a:solidFill>
-                  <a:schemeClr val="bg1"/>
+                  <a:srgbClr val="FFFF00"/>
                 </a:solidFill>
               </a:rPr>
               <a:t>Organization</a:t>
@@ -4486,35 +5287,103 @@
           </a:p>
         </p:txBody>
       </p:sp>
+      <p:sp>
+        <p:nvSpPr>
+          <p:cNvPr id="47" name="ZoneTexte 46">
+            <a:extLst>
+              <a:ext uri="{FF2B5EF4-FFF2-40B4-BE49-F238E27FC236}">
+                <a16:creationId xmlns:a16="http://schemas.microsoft.com/office/drawing/2014/main" id="{7EBC759F-3EC1-4AEE-B495-9524A5FA0F8C}"/>
+              </a:ext>
+            </a:extLst>
+          </p:cNvPr>
+          <p:cNvSpPr txBox="1"/>
+          <p:nvPr/>
+        </p:nvSpPr>
+        <p:spPr>
+          <a:xfrm>
+            <a:off x="1353893" y="6154128"/>
+            <a:ext cx="386253" cy="230832"/>
+          </a:xfrm>
+          <a:prstGeom prst="rect">
+            <a:avLst/>
+          </a:prstGeom>
+          <a:noFill/>
+        </p:spPr>
+        <p:txBody>
+          <a:bodyPr wrap="square" rtlCol="0">
+            <a:spAutoFit/>
+          </a:bodyPr>
+          <a:lstStyle/>
+          <a:p>
+            <a:r>
+              <a:rPr lang="en-US" sz="900" noProof="1"/>
+              <a:t>0..*</a:t>
+            </a:r>
+          </a:p>
+        </p:txBody>
+      </p:sp>
+      <p:sp>
+        <p:nvSpPr>
+          <p:cNvPr id="49" name="ZoneTexte 48">
+            <a:extLst>
+              <a:ext uri="{FF2B5EF4-FFF2-40B4-BE49-F238E27FC236}">
+                <a16:creationId xmlns:a16="http://schemas.microsoft.com/office/drawing/2014/main" id="{34BC439E-46D1-4D3A-A747-099A225EED85}"/>
+              </a:ext>
+            </a:extLst>
+          </p:cNvPr>
+          <p:cNvSpPr txBox="1"/>
+          <p:nvPr/>
+        </p:nvSpPr>
+        <p:spPr>
+          <a:xfrm>
+            <a:off x="253877" y="5317785"/>
+            <a:ext cx="1688165" cy="248209"/>
+          </a:xfrm>
+          <a:prstGeom prst="rect">
+            <a:avLst/>
+          </a:prstGeom>
+          <a:noFill/>
+        </p:spPr>
+        <p:txBody>
+          <a:bodyPr wrap="square" rtlCol="0">
+            <a:spAutoFit/>
+          </a:bodyPr>
+          <a:lstStyle/>
+          <a:p>
+            <a:r>
+              <a:rPr lang="en-US" sz="1013" i="1" noProof="1"/>
+              <a:t>a billing code and its rules</a:t>
+            </a:r>
+          </a:p>
+        </p:txBody>
+      </p:sp>
       <p:cxnSp>
         <p:nvCxnSpPr>
-          <p:cNvPr id="90" name="Connecteur : en angle 89">
-            <a:extLst>
-              <a:ext uri="{FF2B5EF4-FFF2-40B4-BE49-F238E27FC236}">
-                <a16:creationId xmlns:a16="http://schemas.microsoft.com/office/drawing/2014/main" id="{F9123053-3071-4616-B10E-4FB7C7CA9EC0}"/>
+          <p:cNvPr id="59" name="Connecteur : en angle 58">
+            <a:extLst>
+              <a:ext uri="{FF2B5EF4-FFF2-40B4-BE49-F238E27FC236}">
+                <a16:creationId xmlns:a16="http://schemas.microsoft.com/office/drawing/2014/main" id="{CEC98B57-A84A-4965-8F1C-9AD5C1F66F68}"/>
               </a:ext>
             </a:extLst>
           </p:cNvPr>
           <p:cNvCxnSpPr>
             <a:cxnSpLocks/>
-            <a:stCxn id="11" idx="2"/>
-            <a:endCxn id="89" idx="0"/>
           </p:cNvCxnSpPr>
           <p:nvPr/>
         </p:nvCxnSpPr>
         <p:spPr>
-          <a:xfrm rot="16200000" flipH="1">
-            <a:off x="5134329" y="5150621"/>
-            <a:ext cx="1781036" cy="1290"/>
+          <a:xfrm flipH="1" flipV="1">
+            <a:off x="4118075" y="4434481"/>
+            <a:ext cx="11343" cy="132155"/>
           </a:xfrm>
           <a:prstGeom prst="bentConnector3">
             <a:avLst>
-              <a:gd name="adj1" fmla="val 50000"/>
+              <a:gd name="adj1" fmla="val -1859111"/>
             </a:avLst>
           </a:prstGeom>
-          <a:ln w="28575">
-            <a:headEnd type="none" w="med" len="med"/>
-            <a:tailEnd type="arrow" w="med" len="med"/>
+          <a:ln w="19050">
+            <a:headEnd type="arrow" w="med" len="med"/>
+            <a:tailEnd type="none" w="med" len="med"/>
           </a:ln>
         </p:spPr>
         <p:style>
@@ -4534,10 +5403,10 @@
       </p:cxnSp>
       <p:sp>
         <p:nvSpPr>
-          <p:cNvPr id="95" name="ZoneTexte 94">
-            <a:extLst>
-              <a:ext uri="{FF2B5EF4-FFF2-40B4-BE49-F238E27FC236}">
-                <a16:creationId xmlns:a16="http://schemas.microsoft.com/office/drawing/2014/main" id="{2667A1F0-8A16-473B-A245-0CBE67791978}"/>
+          <p:cNvPr id="61" name="ZoneTexte 60">
+            <a:extLst>
+              <a:ext uri="{FF2B5EF4-FFF2-40B4-BE49-F238E27FC236}">
+                <a16:creationId xmlns:a16="http://schemas.microsoft.com/office/drawing/2014/main" id="{F15FD08A-EE01-41B9-A74C-D190D9D0CE08}"/>
               </a:ext>
             </a:extLst>
           </p:cNvPr>
@@ -4546,8 +5415,8 @@
         </p:nvSpPr>
         <p:spPr>
           <a:xfrm>
-            <a:off x="5980935" y="4321363"/>
-            <a:ext cx="2568699" cy="369332"/>
+            <a:off x="4089205" y="4559757"/>
+            <a:ext cx="417459" cy="230832"/>
           </a:xfrm>
           <a:prstGeom prst="rect">
             <a:avLst/>
@@ -4561,138 +5430,83 @@
           <a:lstStyle/>
           <a:p>
             <a:r>
-              <a:rPr lang="en-US" noProof="1">
+              <a:rPr lang="en-US" sz="900" noProof="1"/>
+              <a:t>0..*</a:t>
+            </a:r>
+          </a:p>
+        </p:txBody>
+      </p:sp>
+      <p:sp>
+        <p:nvSpPr>
+          <p:cNvPr id="6" name="Rectangle 5">
+            <a:extLst>
+              <a:ext uri="{FF2B5EF4-FFF2-40B4-BE49-F238E27FC236}">
+                <a16:creationId xmlns:a16="http://schemas.microsoft.com/office/drawing/2014/main" id="{1C6DDBC5-A792-48D7-9DEB-B008187D51FB}"/>
+              </a:ext>
+            </a:extLst>
+          </p:cNvPr>
+          <p:cNvSpPr/>
+          <p:nvPr/>
+        </p:nvSpPr>
+        <p:spPr>
+          <a:xfrm>
+            <a:off x="4299362" y="4348527"/>
+            <a:ext cx="2451060" cy="369332"/>
+          </a:xfrm>
+          <a:prstGeom prst="rect">
+            <a:avLst/>
+          </a:prstGeom>
+        </p:spPr>
+        <p:txBody>
+          <a:bodyPr wrap="square">
+            <a:spAutoFit/>
+          </a:bodyPr>
+          <a:lstStyle/>
+          <a:p>
+            <a:r>
+              <a:rPr lang="en-US" sz="900" noProof="1">
                 <a:solidFill>
                   <a:srgbClr val="0070C0"/>
                 </a:solidFill>
               </a:rPr>
-              <a:t>manufacturerReference</a:t>
-            </a:r>
-          </a:p>
-        </p:txBody>
-      </p:sp>
-      <p:sp>
-        <p:nvSpPr>
-          <p:cNvPr id="96" name="ZoneTexte 95">
-            <a:extLst>
-              <a:ext uri="{FF2B5EF4-FFF2-40B4-BE49-F238E27FC236}">
-                <a16:creationId xmlns:a16="http://schemas.microsoft.com/office/drawing/2014/main" id="{74EFED4F-FE38-405C-86B3-BBBC58145B2E}"/>
-              </a:ext>
-            </a:extLst>
-          </p:cNvPr>
-          <p:cNvSpPr txBox="1"/>
-          <p:nvPr/>
-        </p:nvSpPr>
-        <p:spPr>
-          <a:xfrm>
-            <a:off x="5445863" y="5686245"/>
-            <a:ext cx="578339" cy="369332"/>
-          </a:xfrm>
-          <a:prstGeom prst="rect">
-            <a:avLst/>
-          </a:prstGeom>
-          <a:noFill/>
-        </p:spPr>
-        <p:txBody>
-          <a:bodyPr wrap="square" rtlCol="0">
-            <a:spAutoFit/>
-          </a:bodyPr>
-          <a:lstStyle/>
-          <a:p>
-            <a:r>
-              <a:rPr lang="en-US" noProof="1"/>
-              <a:t>0..1</a:t>
-            </a:r>
-          </a:p>
-        </p:txBody>
-      </p:sp>
-      <p:sp>
-        <p:nvSpPr>
-          <p:cNvPr id="34" name="ZoneTexte 33">
-            <a:extLst>
-              <a:ext uri="{FF2B5EF4-FFF2-40B4-BE49-F238E27FC236}">
-                <a16:creationId xmlns:a16="http://schemas.microsoft.com/office/drawing/2014/main" id="{9B988D15-0F5C-4951-8A40-BA21A83A3C85}"/>
-              </a:ext>
-            </a:extLst>
-          </p:cNvPr>
-          <p:cNvSpPr txBox="1"/>
-          <p:nvPr/>
-        </p:nvSpPr>
-        <p:spPr>
-          <a:xfrm>
-            <a:off x="2038673" y="1347156"/>
-            <a:ext cx="661288" cy="369332"/>
-          </a:xfrm>
-          <a:prstGeom prst="rect">
-            <a:avLst/>
-          </a:prstGeom>
-          <a:noFill/>
-        </p:spPr>
-        <p:txBody>
-          <a:bodyPr wrap="square" rtlCol="0">
-            <a:spAutoFit/>
-          </a:bodyPr>
-          <a:lstStyle/>
-          <a:p>
-            <a:r>
-              <a:rPr lang="en-US" noProof="1"/>
-              <a:t>0..*</a:t>
-            </a:r>
-          </a:p>
-        </p:txBody>
-      </p:sp>
-      <p:cxnSp>
-        <p:nvCxnSpPr>
-          <p:cNvPr id="35" name="Connecteur : en angle 34">
-            <a:extLst>
-              <a:ext uri="{FF2B5EF4-FFF2-40B4-BE49-F238E27FC236}">
-                <a16:creationId xmlns:a16="http://schemas.microsoft.com/office/drawing/2014/main" id="{F70BD90F-FD89-4313-9BA2-6807BD61486A}"/>
-              </a:ext>
-            </a:extLst>
-          </p:cNvPr>
-          <p:cNvCxnSpPr>
-            <a:cxnSpLocks/>
-            <a:stCxn id="17" idx="0"/>
-            <a:endCxn id="36" idx="2"/>
-          </p:cNvCxnSpPr>
-          <p:nvPr/>
-        </p:nvCxnSpPr>
-        <p:spPr>
-          <a:xfrm rot="16200000" flipV="1">
-            <a:off x="2953289" y="980656"/>
-            <a:ext cx="1803908" cy="2493352"/>
-          </a:xfrm>
-          <a:prstGeom prst="bentConnector3">
-            <a:avLst>
-              <a:gd name="adj1" fmla="val 73508"/>
-            </a:avLst>
-          </a:prstGeom>
-          <a:ln w="19050">
-            <a:headEnd type="none" w="med" len="med"/>
-            <a:tailEnd type="arrow" w="med" len="med"/>
-          </a:ln>
-        </p:spPr>
-        <p:style>
-          <a:lnRef idx="1">
-            <a:schemeClr val="accent1"/>
-          </a:lnRef>
-          <a:fillRef idx="0">
-            <a:schemeClr val="accent1"/>
-          </a:fillRef>
-          <a:effectRef idx="0">
-            <a:schemeClr val="accent1"/>
-          </a:effectRef>
-          <a:fontRef idx="minor">
-            <a:schemeClr val="tx1"/>
-          </a:fontRef>
-        </p:style>
-      </p:cxnSp>
-      <p:sp>
-        <p:nvSpPr>
-          <p:cNvPr id="36" name="Rectangle 35">
-            <a:extLst>
-              <a:ext uri="{FF2B5EF4-FFF2-40B4-BE49-F238E27FC236}">
-                <a16:creationId xmlns:a16="http://schemas.microsoft.com/office/drawing/2014/main" id="{BFF9D425-FF3A-4814-B9C3-A97951A1754F}"/>
+              <a:t>hasPart.reference</a:t>
+            </a:r>
+          </a:p>
+          <a:p>
+            <a:pPr marL="177800"/>
+            <a:r>
+              <a:rPr lang="en-US" sz="900" noProof="1"/>
+              <a:t>(</a:t>
+            </a:r>
+            <a:r>
+              <a:rPr lang="en-US" sz="900" noProof="1">
+                <a:solidFill>
+                  <a:srgbClr val="0070C0"/>
+                </a:solidFill>
+              </a:rPr>
+              <a:t>hasPart.count</a:t>
+            </a:r>
+            <a:r>
+              <a:rPr lang="en-US" sz="900" noProof="1"/>
+              <a:t> = number of such parts)</a:t>
+            </a:r>
+            <a:endParaRPr lang="en-US" sz="900" noProof="1">
+              <a:solidFill>
+                <a:schemeClr val="tx1">
+                  <a:lumMod val="50000"/>
+                  <a:lumOff val="50000"/>
+                </a:schemeClr>
+              </a:solidFill>
+            </a:endParaRPr>
+          </a:p>
+        </p:txBody>
+      </p:sp>
+      <p:sp>
+        <p:nvSpPr>
+          <p:cNvPr id="53" name="Rectangle 52">
+            <a:extLst>
+              <a:ext uri="{FF2B5EF4-FFF2-40B4-BE49-F238E27FC236}">
+                <a16:creationId xmlns:a16="http://schemas.microsoft.com/office/drawing/2014/main" id="{F537AED2-9E97-485C-A84E-51BF2306A00D}"/>
               </a:ext>
             </a:extLst>
           </p:cNvPr>
@@ -4701,28 +5515,12 @@
         </p:nvSpPr>
         <p:spPr>
           <a:xfrm>
-            <a:off x="1472666" y="109090"/>
-            <a:ext cx="2271802" cy="1216288"/>
-          </a:xfrm>
-          <a:prstGeom prst="rect">
-            <a:avLst/>
-          </a:prstGeom>
-          <a:solidFill>
-            <a:schemeClr val="accent6">
-              <a:lumMod val="75000"/>
-            </a:schemeClr>
-          </a:solidFill>
-          <a:ln>
-            <a:noFill/>
-          </a:ln>
-          <a:effectLst>
-            <a:glow rad="63500">
-              <a:schemeClr val="accent6">
-                <a:satMod val="175000"/>
-                <a:alpha val="40000"/>
-              </a:schemeClr>
-            </a:glow>
-          </a:effectLst>
+            <a:off x="4041085" y="4836317"/>
+            <a:ext cx="80718" cy="92390"/>
+          </a:xfrm>
+          <a:prstGeom prst="rect">
+            <a:avLst/>
+          </a:prstGeom>
         </p:spPr>
         <p:style>
           <a:lnRef idx="2">
@@ -4745,23 +5543,106 @@
           <a:lstStyle/>
           <a:p>
             <a:pPr algn="ctr"/>
-            <a:r>
-              <a:rPr lang="en-US" sz="2000" noProof="1">
-                <a:solidFill>
-                  <a:srgbClr val="FFFF00"/>
-                </a:solidFill>
-              </a:rPr>
-              <a:t>CatalogHeader profile of Composition</a:t>
-            </a:r>
-          </a:p>
-        </p:txBody>
-      </p:sp>
-      <p:sp>
-        <p:nvSpPr>
-          <p:cNvPr id="37" name="ZoneTexte 36">
-            <a:extLst>
-              <a:ext uri="{FF2B5EF4-FFF2-40B4-BE49-F238E27FC236}">
-                <a16:creationId xmlns:a16="http://schemas.microsoft.com/office/drawing/2014/main" id="{457CC573-B00C-4976-86CC-012E215A1748}"/>
+            <a:endParaRPr lang="fr-FR" sz="1013"/>
+          </a:p>
+        </p:txBody>
+      </p:sp>
+      <p:sp>
+        <p:nvSpPr>
+          <p:cNvPr id="62" name="Rectangle 61">
+            <a:extLst>
+              <a:ext uri="{FF2B5EF4-FFF2-40B4-BE49-F238E27FC236}">
+                <a16:creationId xmlns:a16="http://schemas.microsoft.com/office/drawing/2014/main" id="{CC06C13B-AAED-42D3-AC8E-E9010DD2A1F9}"/>
+              </a:ext>
+            </a:extLst>
+          </p:cNvPr>
+          <p:cNvSpPr/>
+          <p:nvPr/>
+        </p:nvSpPr>
+        <p:spPr>
+          <a:xfrm>
+            <a:off x="3937785" y="4924586"/>
+            <a:ext cx="191812" cy="110015"/>
+          </a:xfrm>
+          <a:prstGeom prst="rect">
+            <a:avLst/>
+          </a:prstGeom>
+        </p:spPr>
+        <p:style>
+          <a:lnRef idx="2">
+            <a:schemeClr val="accent1">
+              <a:shade val="50000"/>
+            </a:schemeClr>
+          </a:lnRef>
+          <a:fillRef idx="1">
+            <a:schemeClr val="accent1"/>
+          </a:fillRef>
+          <a:effectRef idx="0">
+            <a:schemeClr val="accent1"/>
+          </a:effectRef>
+          <a:fontRef idx="minor">
+            <a:schemeClr val="lt1"/>
+          </a:fontRef>
+        </p:style>
+        <p:txBody>
+          <a:bodyPr rtlCol="0" anchor="ctr"/>
+          <a:lstStyle/>
+          <a:p>
+            <a:pPr algn="ctr"/>
+            <a:endParaRPr lang="fr-FR" sz="1013"/>
+          </a:p>
+        </p:txBody>
+      </p:sp>
+      <p:cxnSp>
+        <p:nvCxnSpPr>
+          <p:cNvPr id="64" name="Connecteur : en angle 63">
+            <a:extLst>
+              <a:ext uri="{FF2B5EF4-FFF2-40B4-BE49-F238E27FC236}">
+                <a16:creationId xmlns:a16="http://schemas.microsoft.com/office/drawing/2014/main" id="{3335D043-C903-4BE8-AD2D-90AB3E5DD599}"/>
+              </a:ext>
+            </a:extLst>
+          </p:cNvPr>
+          <p:cNvCxnSpPr>
+            <a:cxnSpLocks/>
+          </p:cNvCxnSpPr>
+          <p:nvPr/>
+        </p:nvCxnSpPr>
+        <p:spPr>
+          <a:xfrm flipH="1" flipV="1">
+            <a:off x="4118075" y="4882512"/>
+            <a:ext cx="7794" cy="123171"/>
+          </a:xfrm>
+          <a:prstGeom prst="bentConnector3">
+            <a:avLst>
+              <a:gd name="adj1" fmla="val -2705722"/>
+            </a:avLst>
+          </a:prstGeom>
+          <a:ln w="19050">
+            <a:headEnd type="arrow" w="med" len="med"/>
+            <a:tailEnd type="none" w="med" len="med"/>
+          </a:ln>
+        </p:spPr>
+        <p:style>
+          <a:lnRef idx="1">
+            <a:schemeClr val="accent1"/>
+          </a:lnRef>
+          <a:fillRef idx="0">
+            <a:schemeClr val="accent1"/>
+          </a:fillRef>
+          <a:effectRef idx="0">
+            <a:schemeClr val="accent1"/>
+          </a:effectRef>
+          <a:fontRef idx="minor">
+            <a:schemeClr val="tx1"/>
+          </a:fontRef>
+        </p:style>
+      </p:cxnSp>
+      <p:sp>
+        <p:nvSpPr>
+          <p:cNvPr id="65" name="ZoneTexte 64">
+            <a:extLst>
+              <a:ext uri="{FF2B5EF4-FFF2-40B4-BE49-F238E27FC236}">
+                <a16:creationId xmlns:a16="http://schemas.microsoft.com/office/drawing/2014/main" id="{A0A89A95-A588-46F5-BA0F-55DBADAB29F5}"/>
               </a:ext>
             </a:extLst>
           </p:cNvPr>
@@ -4770,8 +5651,8 @@
         </p:nvSpPr>
         <p:spPr>
           <a:xfrm>
-            <a:off x="2496889" y="1439665"/>
-            <a:ext cx="1930294" cy="369332"/>
+            <a:off x="4092843" y="5008567"/>
+            <a:ext cx="417460" cy="230832"/>
           </a:xfrm>
           <a:prstGeom prst="rect">
             <a:avLst/>
@@ -4784,60 +5665,87 @@
           </a:bodyPr>
           <a:lstStyle/>
           <a:p>
-            <a:pPr algn="r"/>
-            <a:r>
-              <a:rPr lang="en-US" noProof="1">
+            <a:r>
+              <a:rPr lang="en-US" sz="900" noProof="1"/>
+              <a:t>0..*</a:t>
+            </a:r>
+          </a:p>
+        </p:txBody>
+      </p:sp>
+      <p:sp>
+        <p:nvSpPr>
+          <p:cNvPr id="66" name="Rectangle 65">
+            <a:extLst>
+              <a:ext uri="{FF2B5EF4-FFF2-40B4-BE49-F238E27FC236}">
+                <a16:creationId xmlns:a16="http://schemas.microsoft.com/office/drawing/2014/main" id="{A75549AC-A1E5-42FF-B36C-5EA2320DE11D}"/>
+              </a:ext>
+            </a:extLst>
+          </p:cNvPr>
+          <p:cNvSpPr/>
+          <p:nvPr/>
+        </p:nvSpPr>
+        <p:spPr>
+          <a:xfrm>
+            <a:off x="4301224" y="4852207"/>
+            <a:ext cx="2534111" cy="507831"/>
+          </a:xfrm>
+          <a:prstGeom prst="rect">
+            <a:avLst/>
+          </a:prstGeom>
+        </p:spPr>
+        <p:txBody>
+          <a:bodyPr wrap="square">
+            <a:spAutoFit/>
+          </a:bodyPr>
+          <a:lstStyle/>
+          <a:p>
+            <a:r>
+              <a:rPr lang="en-US" sz="900" noProof="1">
                 <a:solidFill>
                   <a:srgbClr val="0070C0"/>
                 </a:solidFill>
               </a:rPr>
-              <a:t>catalogReference</a:t>
-            </a:r>
-          </a:p>
-        </p:txBody>
-      </p:sp>
-      <p:sp>
-        <p:nvSpPr>
-          <p:cNvPr id="38" name="ZoneTexte 37">
-            <a:extLst>
-              <a:ext uri="{FF2B5EF4-FFF2-40B4-BE49-F238E27FC236}">
-                <a16:creationId xmlns:a16="http://schemas.microsoft.com/office/drawing/2014/main" id="{73E0FBE3-24E4-4AEB-B07B-4468F80E07B6}"/>
-              </a:ext>
-            </a:extLst>
-          </p:cNvPr>
-          <p:cNvSpPr txBox="1"/>
-          <p:nvPr/>
-        </p:nvSpPr>
-        <p:spPr>
-          <a:xfrm>
-            <a:off x="-26095" y="109090"/>
-            <a:ext cx="1462050" cy="1200329"/>
-          </a:xfrm>
-          <a:prstGeom prst="rect">
-            <a:avLst/>
-          </a:prstGeom>
-          <a:noFill/>
-        </p:spPr>
-        <p:txBody>
-          <a:bodyPr wrap="square" rtlCol="0">
-            <a:spAutoFit/>
-          </a:bodyPr>
-          <a:lstStyle/>
-          <a:p>
-            <a:pPr algn="r"/>
-            <a:r>
-              <a:rPr lang="en-US" i="1" noProof="1"/>
-              <a:t>a catalog of devices handled with method 2</a:t>
-            </a:r>
-          </a:p>
-        </p:txBody>
-      </p:sp>
-      <p:sp>
-        <p:nvSpPr>
-          <p:cNvPr id="40" name="Rectangle 39">
-            <a:extLst>
-              <a:ext uri="{FF2B5EF4-FFF2-40B4-BE49-F238E27FC236}">
-                <a16:creationId xmlns:a16="http://schemas.microsoft.com/office/drawing/2014/main" id="{412F768F-728D-4CCA-8D21-D83D721FC7AD}"/>
+              <a:t>link.relatedDevice</a:t>
+            </a:r>
+            <a:r>
+              <a:rPr lang="en-US" sz="900" noProof="1">
+                <a:solidFill>
+                  <a:schemeClr val="tx1">
+                    <a:lumMod val="50000"/>
+                    <a:lumOff val="50000"/>
+                  </a:schemeClr>
+                </a:solidFill>
+              </a:rPr>
+              <a:t> </a:t>
+            </a:r>
+          </a:p>
+          <a:p>
+            <a:pPr marL="177800"/>
+            <a:r>
+              <a:rPr lang="en-US" sz="900" noProof="1"/>
+              <a:t>(</a:t>
+            </a:r>
+            <a:r>
+              <a:rPr lang="en-US" sz="900" noProof="1">
+                <a:solidFill>
+                  <a:srgbClr val="0070C0"/>
+                </a:solidFill>
+              </a:rPr>
+              <a:t>link.relation </a:t>
+            </a:r>
+            <a:r>
+              <a:rPr lang="en-US" sz="900" noProof="1"/>
+              <a:t>in [gateway | container | replaces | previous | connected |…])</a:t>
+            </a:r>
+          </a:p>
+        </p:txBody>
+      </p:sp>
+      <p:sp>
+        <p:nvSpPr>
+          <p:cNvPr id="84" name="Rectangle 83">
+            <a:extLst>
+              <a:ext uri="{FF2B5EF4-FFF2-40B4-BE49-F238E27FC236}">
+                <a16:creationId xmlns:a16="http://schemas.microsoft.com/office/drawing/2014/main" id="{0C6BEAAE-84AD-4EA9-8750-21ACC1178B80}"/>
               </a:ext>
             </a:extLst>
           </p:cNvPr>
@@ -4846,8 +5754,100 @@
         </p:nvSpPr>
         <p:spPr>
           <a:xfrm>
-            <a:off x="7916768" y="109090"/>
-            <a:ext cx="2213695" cy="1270066"/>
+            <a:off x="2915971" y="4477162"/>
+            <a:ext cx="159533" cy="132280"/>
+          </a:xfrm>
+          <a:prstGeom prst="rect">
+            <a:avLst/>
+          </a:prstGeom>
+        </p:spPr>
+        <p:style>
+          <a:lnRef idx="2">
+            <a:schemeClr val="accent1">
+              <a:shade val="50000"/>
+            </a:schemeClr>
+          </a:lnRef>
+          <a:fillRef idx="1">
+            <a:schemeClr val="accent1"/>
+          </a:fillRef>
+          <a:effectRef idx="0">
+            <a:schemeClr val="accent1"/>
+          </a:effectRef>
+          <a:fontRef idx="minor">
+            <a:schemeClr val="lt1"/>
+          </a:fontRef>
+        </p:style>
+        <p:txBody>
+          <a:bodyPr rtlCol="0" anchor="ctr"/>
+          <a:lstStyle/>
+          <a:p>
+            <a:pPr algn="ctr"/>
+            <a:endParaRPr lang="fr-FR" sz="1013"/>
+          </a:p>
+        </p:txBody>
+      </p:sp>
+      <p:sp>
+        <p:nvSpPr>
+          <p:cNvPr id="8" name="Rectangle 7">
+            <a:extLst>
+              <a:ext uri="{FF2B5EF4-FFF2-40B4-BE49-F238E27FC236}">
+                <a16:creationId xmlns:a16="http://schemas.microsoft.com/office/drawing/2014/main" id="{CEEC58EF-7E7F-4AD1-BF5F-F726576E3AEA}"/>
+              </a:ext>
+            </a:extLst>
+          </p:cNvPr>
+          <p:cNvSpPr/>
+          <p:nvPr/>
+        </p:nvSpPr>
+        <p:spPr>
+          <a:xfrm>
+            <a:off x="3941333" y="4400986"/>
+            <a:ext cx="180469" cy="125810"/>
+          </a:xfrm>
+          <a:prstGeom prst="rect">
+            <a:avLst/>
+          </a:prstGeom>
+        </p:spPr>
+        <p:style>
+          <a:lnRef idx="2">
+            <a:schemeClr val="accent1">
+              <a:shade val="50000"/>
+            </a:schemeClr>
+          </a:lnRef>
+          <a:fillRef idx="1">
+            <a:schemeClr val="accent1"/>
+          </a:fillRef>
+          <a:effectRef idx="0">
+            <a:schemeClr val="accent1"/>
+          </a:effectRef>
+          <a:fontRef idx="minor">
+            <a:schemeClr val="lt1"/>
+          </a:fontRef>
+        </p:style>
+        <p:txBody>
+          <a:bodyPr rtlCol="0" anchor="ctr"/>
+          <a:lstStyle/>
+          <a:p>
+            <a:pPr algn="ctr"/>
+            <a:endParaRPr lang="fr-FR" sz="1013"/>
+          </a:p>
+        </p:txBody>
+      </p:sp>
+      <p:sp>
+        <p:nvSpPr>
+          <p:cNvPr id="17" name="Rectangle 16">
+            <a:extLst>
+              <a:ext uri="{FF2B5EF4-FFF2-40B4-BE49-F238E27FC236}">
+                <a16:creationId xmlns:a16="http://schemas.microsoft.com/office/drawing/2014/main" id="{8E892F89-443B-40D7-A74D-F01386D033A2}"/>
+              </a:ext>
+            </a:extLst>
+          </p:cNvPr>
+          <p:cNvSpPr/>
+          <p:nvPr/>
+        </p:nvSpPr>
+        <p:spPr>
+          <a:xfrm>
+            <a:off x="4900307" y="3151049"/>
+            <a:ext cx="1462359" cy="509701"/>
           </a:xfrm>
           <a:prstGeom prst="rect">
             <a:avLst/>
@@ -4891,40 +5891,48 @@
           <a:p>
             <a:pPr algn="ctr"/>
             <a:r>
-              <a:rPr lang="en-US" sz="2000" noProof="1">
+              <a:rPr lang="en-US" sz="1013" noProof="1">
                 <a:solidFill>
                   <a:srgbClr val="FFFF00"/>
                 </a:solidFill>
               </a:rPr>
-              <a:t>Catalog profile of Composition</a:t>
+              <a:t>Catalog profile of </a:t>
+            </a:r>
+            <a:r>
+              <a:rPr lang="en-US" sz="1238" noProof="1">
+                <a:solidFill>
+                  <a:srgbClr val="FFFF00"/>
+                </a:solidFill>
+              </a:rPr>
+              <a:t>Composition</a:t>
             </a:r>
           </a:p>
         </p:txBody>
       </p:sp>
       <p:cxnSp>
         <p:nvCxnSpPr>
-          <p:cNvPr id="43" name="Connecteur : en angle 42">
-            <a:extLst>
-              <a:ext uri="{FF2B5EF4-FFF2-40B4-BE49-F238E27FC236}">
-                <a16:creationId xmlns:a16="http://schemas.microsoft.com/office/drawing/2014/main" id="{72C33B5B-AE81-4337-A063-3C000F869484}"/>
+          <p:cNvPr id="68" name="Connecteur : en angle 67">
+            <a:extLst>
+              <a:ext uri="{FF2B5EF4-FFF2-40B4-BE49-F238E27FC236}">
+                <a16:creationId xmlns:a16="http://schemas.microsoft.com/office/drawing/2014/main" id="{F35B3B54-B8F4-4344-A947-535ED333A7DE}"/>
               </a:ext>
             </a:extLst>
           </p:cNvPr>
           <p:cNvCxnSpPr>
             <a:cxnSpLocks/>
-            <a:stCxn id="57" idx="0"/>
-            <a:endCxn id="40" idx="2"/>
+            <a:stCxn id="8" idx="0"/>
+            <a:endCxn id="17" idx="2"/>
           </p:cNvCxnSpPr>
           <p:nvPr/>
         </p:nvCxnSpPr>
         <p:spPr>
           <a:xfrm rot="5400000" flipH="1" flipV="1">
-            <a:off x="7099200" y="1204871"/>
-            <a:ext cx="1750131" cy="2098702"/>
+            <a:off x="4461409" y="3230909"/>
+            <a:ext cx="740236" cy="1599919"/>
           </a:xfrm>
           <a:prstGeom prst="bentConnector3">
             <a:avLst>
-              <a:gd name="adj1" fmla="val 74231"/>
+              <a:gd name="adj1" fmla="val 50000"/>
             </a:avLst>
           </a:prstGeom>
           <a:ln w="19050">
@@ -4949,10 +5957,10 @@
       </p:cxnSp>
       <p:sp>
         <p:nvSpPr>
-          <p:cNvPr id="44" name="ZoneTexte 43">
-            <a:extLst>
-              <a:ext uri="{FF2B5EF4-FFF2-40B4-BE49-F238E27FC236}">
-                <a16:creationId xmlns:a16="http://schemas.microsoft.com/office/drawing/2014/main" id="{1B57AAC5-78BC-45F2-8314-02D3DDD14B0C}"/>
+          <p:cNvPr id="22" name="ZoneTexte 21">
+            <a:extLst>
+              <a:ext uri="{FF2B5EF4-FFF2-40B4-BE49-F238E27FC236}">
+                <a16:creationId xmlns:a16="http://schemas.microsoft.com/office/drawing/2014/main" id="{D033C511-26B7-4EFB-862E-38448F70A80C}"/>
               </a:ext>
             </a:extLst>
           </p:cNvPr>
@@ -4961,8 +5969,8 @@
         </p:nvSpPr>
         <p:spPr>
           <a:xfrm>
-            <a:off x="6883291" y="2581017"/>
-            <a:ext cx="610436" cy="369332"/>
+            <a:off x="4007217" y="4081898"/>
+            <a:ext cx="482541" cy="230832"/>
           </a:xfrm>
           <a:prstGeom prst="rect">
             <a:avLst/>
@@ -4976,7 +5984,7 @@
           <a:lstStyle/>
           <a:p>
             <a:r>
-              <a:rPr lang="en-US" noProof="1"/>
+              <a:rPr lang="en-US" sz="900" noProof="1"/>
               <a:t>0..*</a:t>
             </a:r>
           </a:p>
@@ -4984,10 +5992,10 @@
       </p:sp>
       <p:sp>
         <p:nvSpPr>
-          <p:cNvPr id="46" name="ZoneTexte 45">
-            <a:extLst>
-              <a:ext uri="{FF2B5EF4-FFF2-40B4-BE49-F238E27FC236}">
-                <a16:creationId xmlns:a16="http://schemas.microsoft.com/office/drawing/2014/main" id="{C4C1B98C-7E29-450E-B919-AC43FD871321}"/>
+          <p:cNvPr id="85" name="ZoneTexte 84">
+            <a:extLst>
+              <a:ext uri="{FF2B5EF4-FFF2-40B4-BE49-F238E27FC236}">
+                <a16:creationId xmlns:a16="http://schemas.microsoft.com/office/drawing/2014/main" id="{0BD4B109-DE85-4241-9CC1-5A4F8481FBCC}"/>
               </a:ext>
             </a:extLst>
           </p:cNvPr>
@@ -4996,8 +6004,8 @@
         </p:nvSpPr>
         <p:spPr>
           <a:xfrm>
-            <a:off x="10130463" y="282458"/>
-            <a:ext cx="2045840" cy="923330"/>
+            <a:off x="3928268" y="3047981"/>
+            <a:ext cx="916148" cy="715837"/>
           </a:xfrm>
           <a:prstGeom prst="rect">
             <a:avLst/>
@@ -5010,58 +6018,20 @@
           </a:bodyPr>
           <a:lstStyle/>
           <a:p>
-            <a:r>
-              <a:rPr lang="en-US" i="1" noProof="1"/>
-              <a:t>A catalog of devices handled with method 1</a:t>
-            </a:r>
-          </a:p>
-        </p:txBody>
-      </p:sp>
-      <p:sp>
-        <p:nvSpPr>
-          <p:cNvPr id="47" name="ZoneTexte 46">
-            <a:extLst>
-              <a:ext uri="{FF2B5EF4-FFF2-40B4-BE49-F238E27FC236}">
-                <a16:creationId xmlns:a16="http://schemas.microsoft.com/office/drawing/2014/main" id="{00B55C70-3998-4376-8DCC-4E262B2575DC}"/>
-              </a:ext>
-            </a:extLst>
-          </p:cNvPr>
-          <p:cNvSpPr txBox="1"/>
-          <p:nvPr/>
-        </p:nvSpPr>
-        <p:spPr>
-          <a:xfrm>
-            <a:off x="7632452" y="1447038"/>
-            <a:ext cx="1566041" cy="369332"/>
-          </a:xfrm>
-          <a:prstGeom prst="rect">
-            <a:avLst/>
-          </a:prstGeom>
-          <a:noFill/>
-        </p:spPr>
-        <p:txBody>
-          <a:bodyPr wrap="square" rtlCol="0">
-            <a:spAutoFit/>
-          </a:bodyPr>
-          <a:lstStyle/>
-          <a:p>
-            <a:r>
-              <a:rPr lang="en-US" noProof="1">
-                <a:solidFill>
-                  <a:srgbClr val="0070C0"/>
-                </a:solidFill>
-              </a:rPr>
-              <a:t>section.entry</a:t>
-            </a:r>
-          </a:p>
-        </p:txBody>
-      </p:sp>
-      <p:sp>
-        <p:nvSpPr>
-          <p:cNvPr id="57" name="Rectangle 56">
-            <a:extLst>
-              <a:ext uri="{FF2B5EF4-FFF2-40B4-BE49-F238E27FC236}">
-                <a16:creationId xmlns:a16="http://schemas.microsoft.com/office/drawing/2014/main" id="{E55DC401-764A-4F06-AE91-26F204CC7A94}"/>
+            <a:pPr algn="r"/>
+            <a:r>
+              <a:rPr lang="en-US" sz="1013" i="1" noProof="1"/>
+              <a:t>a catalog of devices handled with method 1</a:t>
+            </a:r>
+          </a:p>
+        </p:txBody>
+      </p:sp>
+      <p:sp>
+        <p:nvSpPr>
+          <p:cNvPr id="11" name="Rectangle 10">
+            <a:extLst>
+              <a:ext uri="{FF2B5EF4-FFF2-40B4-BE49-F238E27FC236}">
+                <a16:creationId xmlns:a16="http://schemas.microsoft.com/office/drawing/2014/main" id="{E2B1908B-CC45-41BD-BE20-7F25C0BD8D17}"/>
               </a:ext>
             </a:extLst>
           </p:cNvPr>
@@ -5070,54 +6040,8 @@
         </p:nvSpPr>
         <p:spPr>
           <a:xfrm>
-            <a:off x="6813500" y="3129287"/>
-            <a:ext cx="222828" cy="196994"/>
-          </a:xfrm>
-          <a:prstGeom prst="rect">
-            <a:avLst/>
-          </a:prstGeom>
-        </p:spPr>
-        <p:style>
-          <a:lnRef idx="2">
-            <a:schemeClr val="accent1">
-              <a:shade val="50000"/>
-            </a:schemeClr>
-          </a:lnRef>
-          <a:fillRef idx="1">
-            <a:schemeClr val="accent1"/>
-          </a:fillRef>
-          <a:effectRef idx="0">
-            <a:schemeClr val="accent1"/>
-          </a:effectRef>
-          <a:fontRef idx="minor">
-            <a:schemeClr val="lt1"/>
-          </a:fontRef>
-        </p:style>
-        <p:txBody>
-          <a:bodyPr rtlCol="0" anchor="ctr"/>
-          <a:lstStyle/>
-          <a:p>
-            <a:pPr algn="ctr"/>
-            <a:endParaRPr lang="fr-FR"/>
-          </a:p>
-        </p:txBody>
-      </p:sp>
-      <p:sp>
-        <p:nvSpPr>
-          <p:cNvPr id="32" name="Rectangle 31">
-            <a:extLst>
-              <a:ext uri="{FF2B5EF4-FFF2-40B4-BE49-F238E27FC236}">
-                <a16:creationId xmlns:a16="http://schemas.microsoft.com/office/drawing/2014/main" id="{F8DDAFC6-8889-41A5-A980-EAAB08538619}"/>
-              </a:ext>
-            </a:extLst>
-          </p:cNvPr>
-          <p:cNvSpPr/>
-          <p:nvPr/>
-        </p:nvSpPr>
-        <p:spPr>
-          <a:xfrm>
-            <a:off x="9147981" y="6038871"/>
-            <a:ext cx="1493515" cy="695103"/>
+            <a:off x="2791055" y="4385077"/>
+            <a:ext cx="1348446" cy="766043"/>
           </a:xfrm>
           <a:prstGeom prst="rect">
             <a:avLst/>
@@ -5180,45 +6104,206 @@
           <a:p>
             <a:pPr algn="ctr"/>
             <a:r>
-              <a:rPr lang="en-US" sz="2000" noProof="1">
+              <a:rPr lang="en-US" sz="1013" noProof="1">
                 <a:solidFill>
-                  <a:schemeClr val="bg1"/>
+                  <a:srgbClr val="FFFF00"/>
                 </a:solidFill>
               </a:rPr>
-              <a:t>Observation</a:t>
+              <a:t>MDD4Catalog</a:t>
+            </a:r>
+          </a:p>
+          <a:p>
+            <a:pPr algn="ctr"/>
+            <a:r>
+              <a:rPr lang="en-US" sz="1013" noProof="1">
+                <a:solidFill>
+                  <a:srgbClr val="FFFF00"/>
+                </a:solidFill>
+              </a:rPr>
+              <a:t>profile of DeviceDefinition</a:t>
+            </a:r>
+          </a:p>
+        </p:txBody>
+      </p:sp>
+      <p:sp>
+        <p:nvSpPr>
+          <p:cNvPr id="89" name="ZoneTexte 88">
+            <a:extLst>
+              <a:ext uri="{FF2B5EF4-FFF2-40B4-BE49-F238E27FC236}">
+                <a16:creationId xmlns:a16="http://schemas.microsoft.com/office/drawing/2014/main" id="{D95BA6C8-B591-4019-AA5D-9E0BB0A16F09}"/>
+              </a:ext>
+            </a:extLst>
+          </p:cNvPr>
+          <p:cNvSpPr txBox="1"/>
+          <p:nvPr/>
+        </p:nvSpPr>
+        <p:spPr>
+          <a:xfrm>
+            <a:off x="4856050" y="3809823"/>
+            <a:ext cx="799787" cy="230832"/>
+          </a:xfrm>
+          <a:prstGeom prst="rect">
+            <a:avLst/>
+          </a:prstGeom>
+          <a:noFill/>
+        </p:spPr>
+        <p:txBody>
+          <a:bodyPr wrap="square" rtlCol="0">
+            <a:spAutoFit/>
+          </a:bodyPr>
+          <a:lstStyle/>
+          <a:p>
+            <a:r>
+              <a:rPr lang="en-US" sz="900" noProof="1">
+                <a:solidFill>
+                  <a:srgbClr val="0070C0"/>
+                </a:solidFill>
+              </a:rPr>
+              <a:t>section.entry</a:t>
+            </a:r>
+          </a:p>
+        </p:txBody>
+      </p:sp>
+      <p:sp>
+        <p:nvSpPr>
+          <p:cNvPr id="16" name="ZoneTexte 15">
+            <a:extLst>
+              <a:ext uri="{FF2B5EF4-FFF2-40B4-BE49-F238E27FC236}">
+                <a16:creationId xmlns:a16="http://schemas.microsoft.com/office/drawing/2014/main" id="{CE376073-CBD2-4E68-AD49-A8949B93DEA2}"/>
+              </a:ext>
+            </a:extLst>
+          </p:cNvPr>
+          <p:cNvSpPr txBox="1"/>
+          <p:nvPr/>
+        </p:nvSpPr>
+        <p:spPr>
+          <a:xfrm>
+            <a:off x="600805" y="3992104"/>
+            <a:ext cx="2377347" cy="230832"/>
+          </a:xfrm>
+          <a:prstGeom prst="rect">
+            <a:avLst/>
+          </a:prstGeom>
+          <a:noFill/>
+        </p:spPr>
+        <p:txBody>
+          <a:bodyPr wrap="square" rtlCol="0">
+            <a:spAutoFit/>
+          </a:bodyPr>
+          <a:lstStyle/>
+          <a:p>
+            <a:r>
+              <a:rPr lang="en-US" sz="900" dirty="0">
+                <a:solidFill>
+                  <a:srgbClr val="C00000"/>
+                </a:solidFill>
+              </a:rPr>
+              <a:t>(leverage existing extension of the IG for that)</a:t>
+            </a:r>
+          </a:p>
+        </p:txBody>
+      </p:sp>
+      <p:sp>
+        <p:nvSpPr>
+          <p:cNvPr id="103" name="ZoneTexte 102">
+            <a:extLst>
+              <a:ext uri="{FF2B5EF4-FFF2-40B4-BE49-F238E27FC236}">
+                <a16:creationId xmlns:a16="http://schemas.microsoft.com/office/drawing/2014/main" id="{DDA002F0-85EA-4B56-9C5F-F8DDEB1E9106}"/>
+              </a:ext>
+            </a:extLst>
+          </p:cNvPr>
+          <p:cNvSpPr txBox="1"/>
+          <p:nvPr/>
+        </p:nvSpPr>
+        <p:spPr>
+          <a:xfrm>
+            <a:off x="2452778" y="4999571"/>
+            <a:ext cx="388393" cy="230832"/>
+          </a:xfrm>
+          <a:prstGeom prst="rect">
+            <a:avLst/>
+          </a:prstGeom>
+          <a:noFill/>
+        </p:spPr>
+        <p:txBody>
+          <a:bodyPr wrap="square" rtlCol="0">
+            <a:spAutoFit/>
+          </a:bodyPr>
+          <a:lstStyle/>
+          <a:p>
+            <a:r>
+              <a:rPr lang="en-US" sz="900" noProof="1"/>
+              <a:t>0..1</a:t>
+            </a:r>
+          </a:p>
+        </p:txBody>
+      </p:sp>
+      <p:sp>
+        <p:nvSpPr>
+          <p:cNvPr id="104" name="Rectangle 103">
+            <a:extLst>
+              <a:ext uri="{FF2B5EF4-FFF2-40B4-BE49-F238E27FC236}">
+                <a16:creationId xmlns:a16="http://schemas.microsoft.com/office/drawing/2014/main" id="{F8672142-9EE1-405C-82D5-DD195C12770E}"/>
+              </a:ext>
+            </a:extLst>
+          </p:cNvPr>
+          <p:cNvSpPr/>
+          <p:nvPr/>
+        </p:nvSpPr>
+        <p:spPr>
+          <a:xfrm>
+            <a:off x="2017199" y="4678711"/>
+            <a:ext cx="834090" cy="230832"/>
+          </a:xfrm>
+          <a:prstGeom prst="rect">
+            <a:avLst/>
+          </a:prstGeom>
+        </p:spPr>
+        <p:txBody>
+          <a:bodyPr wrap="square">
+            <a:spAutoFit/>
+          </a:bodyPr>
+          <a:lstStyle/>
+          <a:p>
+            <a:pPr algn="r"/>
+            <a:r>
+              <a:rPr lang="en-US" sz="900" noProof="1">
+                <a:solidFill>
+                  <a:srgbClr val="0070C0"/>
+                </a:solidFill>
+              </a:rPr>
+              <a:t>parentDevice</a:t>
             </a:r>
           </a:p>
         </p:txBody>
       </p:sp>
       <p:cxnSp>
         <p:nvCxnSpPr>
-          <p:cNvPr id="33" name="Connecteur : en angle 32">
-            <a:extLst>
-              <a:ext uri="{FF2B5EF4-FFF2-40B4-BE49-F238E27FC236}">
-                <a16:creationId xmlns:a16="http://schemas.microsoft.com/office/drawing/2014/main" id="{06E99D9A-F33A-4023-98C9-570C2B78D1C9}"/>
+          <p:cNvPr id="107" name="Connecteur : en angle 106">
+            <a:extLst>
+              <a:ext uri="{FF2B5EF4-FFF2-40B4-BE49-F238E27FC236}">
+                <a16:creationId xmlns:a16="http://schemas.microsoft.com/office/drawing/2014/main" id="{31ECF306-732F-45CB-A21E-7918E19A7717}"/>
               </a:ext>
             </a:extLst>
           </p:cNvPr>
           <p:cNvCxnSpPr>
             <a:cxnSpLocks/>
-            <a:stCxn id="79" idx="2"/>
-            <a:endCxn id="32" idx="0"/>
+            <a:stCxn id="109" idx="3"/>
+            <a:endCxn id="98" idx="2"/>
           </p:cNvCxnSpPr>
           <p:nvPr/>
         </p:nvCxnSpPr>
         <p:spPr>
-          <a:xfrm rot="5400000">
-            <a:off x="9463435" y="5604865"/>
-            <a:ext cx="865310" cy="2702"/>
-          </a:xfrm>
-          <a:prstGeom prst="bentConnector3">
-            <a:avLst>
-              <a:gd name="adj1" fmla="val 50000"/>
-            </a:avLst>
-          </a:prstGeom>
-          <a:ln w="28575">
-            <a:headEnd type="none" w="med" len="med"/>
-            <a:tailEnd type="arrow" w="med" len="med"/>
+          <a:xfrm flipV="1">
+            <a:off x="1304519" y="5133172"/>
+            <a:ext cx="1711367" cy="776465"/>
+          </a:xfrm>
+          <a:prstGeom prst="bentConnector2">
+            <a:avLst/>
+          </a:prstGeom>
+          <a:ln w="19050">
+            <a:headEnd type="arrow" w="med" len="med"/>
+            <a:tailEnd type="none" w="med" len="med"/>
           </a:ln>
         </p:spPr>
         <p:style>
@@ -5236,153 +6321,33 @@
           </a:fontRef>
         </p:style>
       </p:cxnSp>
-      <p:sp>
-        <p:nvSpPr>
-          <p:cNvPr id="42" name="ZoneTexte 41">
-            <a:extLst>
-              <a:ext uri="{FF2B5EF4-FFF2-40B4-BE49-F238E27FC236}">
-                <a16:creationId xmlns:a16="http://schemas.microsoft.com/office/drawing/2014/main" id="{ED75D7F4-418B-4EE7-8C91-B426DF662924}"/>
-              </a:ext>
-            </a:extLst>
-          </p:cNvPr>
-          <p:cNvSpPr txBox="1"/>
-          <p:nvPr/>
-        </p:nvSpPr>
-        <p:spPr>
-          <a:xfrm>
-            <a:off x="9885433" y="5173561"/>
-            <a:ext cx="1206345" cy="369332"/>
-          </a:xfrm>
-          <a:prstGeom prst="rect">
-            <a:avLst/>
-          </a:prstGeom>
-          <a:noFill/>
-        </p:spPr>
-        <p:txBody>
-          <a:bodyPr wrap="square" rtlCol="0">
-            <a:spAutoFit/>
-          </a:bodyPr>
-          <a:lstStyle/>
-          <a:p>
-            <a:r>
-              <a:rPr lang="en-US" noProof="1">
-                <a:solidFill>
-                  <a:srgbClr val="0070C0"/>
-                </a:solidFill>
-              </a:rPr>
-              <a:t>extension</a:t>
-            </a:r>
-          </a:p>
-        </p:txBody>
-      </p:sp>
-      <p:sp>
-        <p:nvSpPr>
-          <p:cNvPr id="45" name="ZoneTexte 44">
-            <a:extLst>
-              <a:ext uri="{FF2B5EF4-FFF2-40B4-BE49-F238E27FC236}">
-                <a16:creationId xmlns:a16="http://schemas.microsoft.com/office/drawing/2014/main" id="{07DBE21F-8FE0-4F67-B02E-C0F97E28852C}"/>
-              </a:ext>
-            </a:extLst>
-          </p:cNvPr>
-          <p:cNvSpPr txBox="1"/>
-          <p:nvPr/>
-        </p:nvSpPr>
-        <p:spPr>
-          <a:xfrm>
-            <a:off x="9885433" y="5669539"/>
-            <a:ext cx="578339" cy="369332"/>
-          </a:xfrm>
-          <a:prstGeom prst="rect">
-            <a:avLst/>
-          </a:prstGeom>
-          <a:noFill/>
-        </p:spPr>
-        <p:txBody>
-          <a:bodyPr wrap="square" rtlCol="0">
-            <a:spAutoFit/>
-          </a:bodyPr>
-          <a:lstStyle/>
-          <a:p>
-            <a:r>
-              <a:rPr lang="en-US" noProof="1"/>
-              <a:t>0..*</a:t>
-            </a:r>
-          </a:p>
-        </p:txBody>
-      </p:sp>
-      <p:sp>
-        <p:nvSpPr>
-          <p:cNvPr id="48" name="Rectangle 47">
-            <a:extLst>
-              <a:ext uri="{FF2B5EF4-FFF2-40B4-BE49-F238E27FC236}">
-                <a16:creationId xmlns:a16="http://schemas.microsoft.com/office/drawing/2014/main" id="{84593E0E-7660-4421-8039-B990407D625F}"/>
-              </a:ext>
-            </a:extLst>
-          </p:cNvPr>
-          <p:cNvSpPr/>
-          <p:nvPr/>
-        </p:nvSpPr>
-        <p:spPr>
-          <a:xfrm>
-            <a:off x="4643485" y="3925520"/>
-            <a:ext cx="340999" cy="324520"/>
-          </a:xfrm>
-          <a:prstGeom prst="rect">
-            <a:avLst/>
-          </a:prstGeom>
-        </p:spPr>
-        <p:style>
-          <a:lnRef idx="2">
-            <a:schemeClr val="accent1">
-              <a:shade val="50000"/>
-            </a:schemeClr>
-          </a:lnRef>
-          <a:fillRef idx="1">
-            <a:schemeClr val="accent1"/>
-          </a:fillRef>
-          <a:effectRef idx="0">
-            <a:schemeClr val="accent1"/>
-          </a:effectRef>
-          <a:fontRef idx="minor">
-            <a:schemeClr val="lt1"/>
-          </a:fontRef>
-        </p:style>
-        <p:txBody>
-          <a:bodyPr rtlCol="0" anchor="ctr"/>
-          <a:lstStyle/>
-          <a:p>
-            <a:pPr algn="ctr"/>
-            <a:endParaRPr lang="fr-FR"/>
-          </a:p>
-        </p:txBody>
-      </p:sp>
       <p:cxnSp>
         <p:nvCxnSpPr>
-          <p:cNvPr id="49" name="Connecteur : en angle 48">
-            <a:extLst>
-              <a:ext uri="{FF2B5EF4-FFF2-40B4-BE49-F238E27FC236}">
-                <a16:creationId xmlns:a16="http://schemas.microsoft.com/office/drawing/2014/main" id="{FD63C80E-988B-4680-A687-CF845F4FFCCA}"/>
+          <p:cNvPr id="116" name="Connecteur : en angle 115">
+            <a:extLst>
+              <a:ext uri="{FF2B5EF4-FFF2-40B4-BE49-F238E27FC236}">
+                <a16:creationId xmlns:a16="http://schemas.microsoft.com/office/drawing/2014/main" id="{AF848437-9C52-4F44-B4E7-4F7479757CA1}"/>
               </a:ext>
             </a:extLst>
           </p:cNvPr>
           <p:cNvCxnSpPr>
             <a:cxnSpLocks/>
-            <a:stCxn id="48" idx="1"/>
-            <a:endCxn id="50" idx="0"/>
+            <a:stCxn id="41" idx="3"/>
+            <a:endCxn id="105" idx="2"/>
           </p:cNvCxnSpPr>
           <p:nvPr/>
         </p:nvCxnSpPr>
         <p:spPr>
-          <a:xfrm rot="10800000" flipV="1">
-            <a:off x="2351313" y="4087780"/>
-            <a:ext cx="2292173" cy="440260"/>
+          <a:xfrm flipV="1">
+            <a:off x="1312883" y="5130188"/>
+            <a:ext cx="1881240" cy="986218"/>
           </a:xfrm>
           <a:prstGeom prst="bentConnector2">
             <a:avLst/>
           </a:prstGeom>
-          <a:ln w="28575">
-            <a:headEnd type="none" w="med" len="med"/>
-            <a:tailEnd type="arrow" w="med" len="med"/>
+          <a:ln w="19050">
+            <a:headEnd type="arrow" w="med" len="med"/>
+            <a:tailEnd type="none" w="med" len="med"/>
           </a:ln>
         </p:spPr>
         <p:style>
@@ -5400,12 +6365,56 @@
           </a:fontRef>
         </p:style>
       </p:cxnSp>
-      <p:sp>
-        <p:nvSpPr>
-          <p:cNvPr id="50" name="Rectangle 49">
-            <a:extLst>
-              <a:ext uri="{FF2B5EF4-FFF2-40B4-BE49-F238E27FC236}">
-                <a16:creationId xmlns:a16="http://schemas.microsoft.com/office/drawing/2014/main" id="{8DE433AB-BAA4-4305-B1E7-470CA2B05998}"/>
+      <p:cxnSp>
+        <p:nvCxnSpPr>
+          <p:cNvPr id="117" name="Connecteur : en angle 116">
+            <a:extLst>
+              <a:ext uri="{FF2B5EF4-FFF2-40B4-BE49-F238E27FC236}">
+                <a16:creationId xmlns:a16="http://schemas.microsoft.com/office/drawing/2014/main" id="{830CA198-8806-4C21-9B05-71A3FFDED42D}"/>
+              </a:ext>
+            </a:extLst>
+          </p:cNvPr>
+          <p:cNvCxnSpPr>
+            <a:cxnSpLocks/>
+            <a:stCxn id="106" idx="3"/>
+            <a:endCxn id="113" idx="2"/>
+          </p:cNvCxnSpPr>
+          <p:nvPr/>
+        </p:nvCxnSpPr>
+        <p:spPr>
+          <a:xfrm flipV="1">
+            <a:off x="1304859" y="5130188"/>
+            <a:ext cx="2086253" cy="1214777"/>
+          </a:xfrm>
+          <a:prstGeom prst="bentConnector2">
+            <a:avLst/>
+          </a:prstGeom>
+          <a:ln w="19050">
+            <a:headEnd type="arrow" w="med" len="med"/>
+            <a:tailEnd type="none" w="med" len="med"/>
+          </a:ln>
+        </p:spPr>
+        <p:style>
+          <a:lnRef idx="1">
+            <a:schemeClr val="accent1"/>
+          </a:lnRef>
+          <a:fillRef idx="0">
+            <a:schemeClr val="accent1"/>
+          </a:fillRef>
+          <a:effectRef idx="0">
+            <a:schemeClr val="accent1"/>
+          </a:effectRef>
+          <a:fontRef idx="minor">
+            <a:schemeClr val="tx1"/>
+          </a:fontRef>
+        </p:style>
+      </p:cxnSp>
+      <p:sp>
+        <p:nvSpPr>
+          <p:cNvPr id="119" name="Rectangle 118">
+            <a:extLst>
+              <a:ext uri="{FF2B5EF4-FFF2-40B4-BE49-F238E27FC236}">
+                <a16:creationId xmlns:a16="http://schemas.microsoft.com/office/drawing/2014/main" id="{0FF17EB8-A83C-40FA-96EE-77F3334A2894}"/>
               </a:ext>
             </a:extLst>
           </p:cNvPr>
@@ -5414,8 +6423,250 @@
         </p:nvSpPr>
         <p:spPr>
           <a:xfrm>
-            <a:off x="1131159" y="4528040"/>
-            <a:ext cx="2440305" cy="792704"/>
+            <a:off x="1573015" y="5718437"/>
+            <a:ext cx="1338445" cy="230832"/>
+          </a:xfrm>
+          <a:prstGeom prst="rect">
+            <a:avLst/>
+          </a:prstGeom>
+        </p:spPr>
+        <p:txBody>
+          <a:bodyPr wrap="square">
+            <a:spAutoFit/>
+          </a:bodyPr>
+          <a:lstStyle/>
+          <a:p>
+            <a:pPr algn="r"/>
+            <a:r>
+              <a:rPr lang="en-US" sz="900" noProof="1">
+                <a:solidFill>
+                  <a:srgbClr val="0070C0"/>
+                </a:solidFill>
+              </a:rPr>
+              <a:t>owner</a:t>
+            </a:r>
+          </a:p>
+        </p:txBody>
+      </p:sp>
+      <p:sp>
+        <p:nvSpPr>
+          <p:cNvPr id="120" name="Rectangle 119">
+            <a:extLst>
+              <a:ext uri="{FF2B5EF4-FFF2-40B4-BE49-F238E27FC236}">
+                <a16:creationId xmlns:a16="http://schemas.microsoft.com/office/drawing/2014/main" id="{D4DEED48-C288-4FA4-A11B-00B8818C51C9}"/>
+              </a:ext>
+            </a:extLst>
+          </p:cNvPr>
+          <p:cNvSpPr/>
+          <p:nvPr/>
+        </p:nvSpPr>
+        <p:spPr>
+          <a:xfrm>
+            <a:off x="1688666" y="5925013"/>
+            <a:ext cx="1338445" cy="230832"/>
+          </a:xfrm>
+          <a:prstGeom prst="rect">
+            <a:avLst/>
+          </a:prstGeom>
+        </p:spPr>
+        <p:txBody>
+          <a:bodyPr wrap="square">
+            <a:spAutoFit/>
+          </a:bodyPr>
+          <a:lstStyle/>
+          <a:p>
+            <a:pPr algn="r"/>
+            <a:r>
+              <a:rPr lang="en-US" sz="900" noProof="1">
+                <a:solidFill>
+                  <a:srgbClr val="0070C0"/>
+                </a:solidFill>
+              </a:rPr>
+              <a:t>manufacturerReference</a:t>
+            </a:r>
+          </a:p>
+        </p:txBody>
+      </p:sp>
+      <p:sp>
+        <p:nvSpPr>
+          <p:cNvPr id="121" name="Rectangle 120">
+            <a:extLst>
+              <a:ext uri="{FF2B5EF4-FFF2-40B4-BE49-F238E27FC236}">
+                <a16:creationId xmlns:a16="http://schemas.microsoft.com/office/drawing/2014/main" id="{D2A03529-74DF-439D-A6C4-95A3184F045A}"/>
+              </a:ext>
+            </a:extLst>
+          </p:cNvPr>
+          <p:cNvSpPr/>
+          <p:nvPr/>
+        </p:nvSpPr>
+        <p:spPr>
+          <a:xfrm>
+            <a:off x="1471262" y="6152637"/>
+            <a:ext cx="1821851" cy="369332"/>
+          </a:xfrm>
+          <a:prstGeom prst="rect">
+            <a:avLst/>
+          </a:prstGeom>
+        </p:spPr>
+        <p:txBody>
+          <a:bodyPr wrap="square">
+            <a:spAutoFit/>
+          </a:bodyPr>
+          <a:lstStyle/>
+          <a:p>
+            <a:pPr algn="r"/>
+            <a:r>
+              <a:rPr lang="en-US" sz="900" noProof="1">
+                <a:solidFill>
+                  <a:srgbClr val="0070C0"/>
+                </a:solidFill>
+              </a:rPr>
+              <a:t>packaging.[packaging.[…]]</a:t>
+            </a:r>
+          </a:p>
+          <a:p>
+            <a:pPr algn="r"/>
+            <a:r>
+              <a:rPr lang="en-US" sz="900" noProof="1">
+                <a:solidFill>
+                  <a:srgbClr val="0070C0"/>
+                </a:solidFill>
+              </a:rPr>
+              <a:t>.distributor.organizationReference</a:t>
+            </a:r>
+          </a:p>
+        </p:txBody>
+      </p:sp>
+      <p:sp>
+        <p:nvSpPr>
+          <p:cNvPr id="125" name="ZoneTexte 124">
+            <a:extLst>
+              <a:ext uri="{FF2B5EF4-FFF2-40B4-BE49-F238E27FC236}">
+                <a16:creationId xmlns:a16="http://schemas.microsoft.com/office/drawing/2014/main" id="{F4B72F8E-B6D8-4749-8F4F-D6F96515A4E2}"/>
+              </a:ext>
+            </a:extLst>
+          </p:cNvPr>
+          <p:cNvSpPr txBox="1"/>
+          <p:nvPr/>
+        </p:nvSpPr>
+        <p:spPr>
+          <a:xfrm>
+            <a:off x="1358138" y="5719734"/>
+            <a:ext cx="405123" cy="230832"/>
+          </a:xfrm>
+          <a:prstGeom prst="rect">
+            <a:avLst/>
+          </a:prstGeom>
+          <a:noFill/>
+        </p:spPr>
+        <p:txBody>
+          <a:bodyPr wrap="square" rtlCol="0">
+            <a:spAutoFit/>
+          </a:bodyPr>
+          <a:lstStyle/>
+          <a:p>
+            <a:r>
+              <a:rPr lang="en-US" sz="900" noProof="1"/>
+              <a:t>0..1</a:t>
+            </a:r>
+          </a:p>
+        </p:txBody>
+      </p:sp>
+      <p:sp>
+        <p:nvSpPr>
+          <p:cNvPr id="127" name="ZoneTexte 126">
+            <a:extLst>
+              <a:ext uri="{FF2B5EF4-FFF2-40B4-BE49-F238E27FC236}">
+                <a16:creationId xmlns:a16="http://schemas.microsoft.com/office/drawing/2014/main" id="{A583BB59-BC1F-4036-879F-9EB46AAB501E}"/>
+              </a:ext>
+            </a:extLst>
+          </p:cNvPr>
+          <p:cNvSpPr txBox="1"/>
+          <p:nvPr/>
+        </p:nvSpPr>
+        <p:spPr>
+          <a:xfrm>
+            <a:off x="1351753" y="5931320"/>
+            <a:ext cx="388393" cy="230832"/>
+          </a:xfrm>
+          <a:prstGeom prst="rect">
+            <a:avLst/>
+          </a:prstGeom>
+          <a:noFill/>
+        </p:spPr>
+        <p:txBody>
+          <a:bodyPr wrap="square" rtlCol="0">
+            <a:spAutoFit/>
+          </a:bodyPr>
+          <a:lstStyle/>
+          <a:p>
+            <a:r>
+              <a:rPr lang="en-US" sz="900" noProof="1"/>
+              <a:t>0..1</a:t>
+            </a:r>
+          </a:p>
+        </p:txBody>
+      </p:sp>
+      <p:cxnSp>
+        <p:nvCxnSpPr>
+          <p:cNvPr id="131" name="Connecteur : en angle 130">
+            <a:extLst>
+              <a:ext uri="{FF2B5EF4-FFF2-40B4-BE49-F238E27FC236}">
+                <a16:creationId xmlns:a16="http://schemas.microsoft.com/office/drawing/2014/main" id="{9B919AB9-BB06-4754-9C9D-AB4C4FABEEBF}"/>
+              </a:ext>
+            </a:extLst>
+          </p:cNvPr>
+          <p:cNvCxnSpPr>
+            <a:cxnSpLocks/>
+            <a:stCxn id="60" idx="1"/>
+            <a:endCxn id="132" idx="0"/>
+          </p:cNvCxnSpPr>
+          <p:nvPr/>
+        </p:nvCxnSpPr>
+        <p:spPr>
+          <a:xfrm rot="10800000" flipV="1">
+            <a:off x="1026320" y="4509092"/>
+            <a:ext cx="1778391" cy="200280"/>
+          </a:xfrm>
+          <a:prstGeom prst="bentConnector2">
+            <a:avLst/>
+          </a:prstGeom>
+          <a:ln w="19050">
+            <a:headEnd type="none" w="med" len="med"/>
+            <a:tailEnd type="arrow" w="med" len="med"/>
+          </a:ln>
+        </p:spPr>
+        <p:style>
+          <a:lnRef idx="1">
+            <a:schemeClr val="accent1"/>
+          </a:lnRef>
+          <a:fillRef idx="0">
+            <a:schemeClr val="accent1"/>
+          </a:fillRef>
+          <a:effectRef idx="0">
+            <a:schemeClr val="accent1"/>
+          </a:effectRef>
+          <a:fontRef idx="minor">
+            <a:schemeClr val="tx1"/>
+          </a:fontRef>
+        </p:style>
+      </p:cxnSp>
+      <p:sp>
+        <p:nvSpPr>
+          <p:cNvPr id="132" name="Rectangle 131">
+            <a:extLst>
+              <a:ext uri="{FF2B5EF4-FFF2-40B4-BE49-F238E27FC236}">
+                <a16:creationId xmlns:a16="http://schemas.microsoft.com/office/drawing/2014/main" id="{4C78A115-B578-4257-AC6B-E17E75B4371A}"/>
+              </a:ext>
+            </a:extLst>
+          </p:cNvPr>
+          <p:cNvSpPr/>
+          <p:nvPr/>
+        </p:nvSpPr>
+        <p:spPr>
+          <a:xfrm>
+            <a:off x="369838" y="4709372"/>
+            <a:ext cx="1312961" cy="627951"/>
           </a:xfrm>
           <a:prstGeom prst="rect">
             <a:avLst/>
@@ -5478,9 +6729,9 @@
           <a:p>
             <a:pPr algn="ctr"/>
             <a:r>
-              <a:rPr lang="en-US" sz="2000" noProof="1">
+              <a:rPr lang="en-US" sz="1013" noProof="1">
                 <a:solidFill>
-                  <a:schemeClr val="bg1"/>
+                  <a:srgbClr val="FFFF00"/>
                 </a:solidFill>
               </a:rPr>
               <a:t>ChargeItemDefinition</a:t>
@@ -5490,10 +6741,10 @@
       </p:sp>
       <p:sp>
         <p:nvSpPr>
-          <p:cNvPr id="51" name="ZoneTexte 50">
-            <a:extLst>
-              <a:ext uri="{FF2B5EF4-FFF2-40B4-BE49-F238E27FC236}">
-                <a16:creationId xmlns:a16="http://schemas.microsoft.com/office/drawing/2014/main" id="{B432A0E3-37FB-43D6-AD1D-49E58D642501}"/>
+          <p:cNvPr id="137" name="ZoneTexte 136">
+            <a:extLst>
+              <a:ext uri="{FF2B5EF4-FFF2-40B4-BE49-F238E27FC236}">
+                <a16:creationId xmlns:a16="http://schemas.microsoft.com/office/drawing/2014/main" id="{6E8DEE0E-4ED7-4BF1-9760-14EA39F2BBA1}"/>
               </a:ext>
             </a:extLst>
           </p:cNvPr>
@@ -5502,8 +6753,8 @@
         </p:nvSpPr>
         <p:spPr>
           <a:xfrm>
-            <a:off x="2309020" y="4179990"/>
-            <a:ext cx="578339" cy="369332"/>
+            <a:off x="709036" y="4472009"/>
+            <a:ext cx="405123" cy="230832"/>
           </a:xfrm>
           <a:prstGeom prst="rect">
             <a:avLst/>
@@ -5517,7 +6768,7 @@
           <a:lstStyle/>
           <a:p>
             <a:r>
-              <a:rPr lang="en-US" noProof="1"/>
+              <a:rPr lang="en-US" sz="900" noProof="1"/>
               <a:t>0..*</a:t>
             </a:r>
           </a:p>
@@ -5525,49 +6776,10 @@
       </p:sp>
       <p:sp>
         <p:nvSpPr>
-          <p:cNvPr id="52" name="ZoneTexte 51">
-            <a:extLst>
-              <a:ext uri="{FF2B5EF4-FFF2-40B4-BE49-F238E27FC236}">
-                <a16:creationId xmlns:a16="http://schemas.microsoft.com/office/drawing/2014/main" id="{2B606A26-93C1-4D3C-82E9-8BCA6914F050}"/>
-              </a:ext>
-            </a:extLst>
-          </p:cNvPr>
-          <p:cNvSpPr txBox="1"/>
-          <p:nvPr/>
-        </p:nvSpPr>
-        <p:spPr>
-          <a:xfrm>
-            <a:off x="2845067" y="4034851"/>
-            <a:ext cx="1737451" cy="369332"/>
-          </a:xfrm>
-          <a:prstGeom prst="rect">
-            <a:avLst/>
-          </a:prstGeom>
-          <a:noFill/>
-        </p:spPr>
-        <p:txBody>
-          <a:bodyPr wrap="square" rtlCol="0">
-            <a:spAutoFit/>
-          </a:bodyPr>
-          <a:lstStyle/>
-          <a:p>
-            <a:r>
-              <a:rPr lang="en-US" noProof="1">
-                <a:solidFill>
-                  <a:srgbClr val="0070C0"/>
-                </a:solidFill>
-              </a:rPr>
-              <a:t>Billing extension</a:t>
-            </a:r>
-          </a:p>
-        </p:txBody>
-      </p:sp>
-      <p:sp>
-        <p:nvSpPr>
-          <p:cNvPr id="17" name="Rectangle 16">
-            <a:extLst>
-              <a:ext uri="{FF2B5EF4-FFF2-40B4-BE49-F238E27FC236}">
-                <a16:creationId xmlns:a16="http://schemas.microsoft.com/office/drawing/2014/main" id="{E989523E-2435-438C-B1CA-FBD07084180E}"/>
+          <p:cNvPr id="142" name="Rectangle 141">
+            <a:extLst>
+              <a:ext uri="{FF2B5EF4-FFF2-40B4-BE49-F238E27FC236}">
+                <a16:creationId xmlns:a16="http://schemas.microsoft.com/office/drawing/2014/main" id="{E3FFAB38-5F11-429A-BE89-4778DE80D904}"/>
               </a:ext>
             </a:extLst>
           </p:cNvPr>
@@ -5576,54 +6788,8 @@
         </p:nvSpPr>
         <p:spPr>
           <a:xfrm>
-            <a:off x="4643485" y="3129286"/>
-            <a:ext cx="916868" cy="250017"/>
-          </a:xfrm>
-          <a:prstGeom prst="rect">
-            <a:avLst/>
-          </a:prstGeom>
-        </p:spPr>
-        <p:style>
-          <a:lnRef idx="2">
-            <a:schemeClr val="accent1">
-              <a:shade val="50000"/>
-            </a:schemeClr>
-          </a:lnRef>
-          <a:fillRef idx="1">
-            <a:schemeClr val="accent1"/>
-          </a:fillRef>
-          <a:effectRef idx="0">
-            <a:schemeClr val="accent1"/>
-          </a:effectRef>
-          <a:fontRef idx="minor">
-            <a:schemeClr val="lt1"/>
-          </a:fontRef>
-        </p:style>
-        <p:txBody>
-          <a:bodyPr rtlCol="0" anchor="ctr"/>
-          <a:lstStyle/>
-          <a:p>
-            <a:pPr algn="ctr"/>
-            <a:endParaRPr lang="fr-FR"/>
-          </a:p>
-        </p:txBody>
-      </p:sp>
-      <p:sp>
-        <p:nvSpPr>
-          <p:cNvPr id="11" name="Rectangle 10">
-            <a:extLst>
-              <a:ext uri="{FF2B5EF4-FFF2-40B4-BE49-F238E27FC236}">
-                <a16:creationId xmlns:a16="http://schemas.microsoft.com/office/drawing/2014/main" id="{E2B1908B-CC45-41BD-BE20-7F25C0BD8D17}"/>
-              </a:ext>
-            </a:extLst>
-          </p:cNvPr>
-          <p:cNvSpPr/>
-          <p:nvPr/>
-        </p:nvSpPr>
-        <p:spPr>
-          <a:xfrm>
-            <a:off x="4635922" y="3120206"/>
-            <a:ext cx="2776560" cy="1140542"/>
+            <a:off x="2864405" y="7171412"/>
+            <a:ext cx="1439872" cy="601464"/>
           </a:xfrm>
           <a:prstGeom prst="rect">
             <a:avLst/>
@@ -5686,23 +6852,1370 @@
           <a:p>
             <a:pPr algn="ctr"/>
             <a:r>
-              <a:rPr lang="en-US" sz="2000" noProof="1">
+              <a:rPr lang="en-US" sz="1013" noProof="1">
                 <a:solidFill>
-                  <a:schemeClr val="bg1"/>
+                  <a:srgbClr val="FFFF00"/>
                 </a:solidFill>
               </a:rPr>
-              <a:t>MDD4Catalog</a:t>
-            </a:r>
-          </a:p>
+              <a:t>Indication profile of ClinicalUseIssue</a:t>
+            </a:r>
+          </a:p>
+        </p:txBody>
+      </p:sp>
+      <p:sp>
+        <p:nvSpPr>
+          <p:cNvPr id="144" name="Rectangle 143">
+            <a:extLst>
+              <a:ext uri="{FF2B5EF4-FFF2-40B4-BE49-F238E27FC236}">
+                <a16:creationId xmlns:a16="http://schemas.microsoft.com/office/drawing/2014/main" id="{146CCCCD-606A-4801-9C86-88A0021174D3}"/>
+              </a:ext>
+            </a:extLst>
+          </p:cNvPr>
+          <p:cNvSpPr/>
+          <p:nvPr/>
+        </p:nvSpPr>
+        <p:spPr>
+          <a:xfrm>
+            <a:off x="5106629" y="7171412"/>
+            <a:ext cx="1256037" cy="601464"/>
+          </a:xfrm>
+          <a:prstGeom prst="rect">
+            <a:avLst/>
+          </a:prstGeom>
+          <a:gradFill flip="none" rotWithShape="1">
+            <a:gsLst>
+              <a:gs pos="0">
+                <a:schemeClr val="accent1">
+                  <a:shade val="30000"/>
+                  <a:satMod val="115000"/>
+                </a:schemeClr>
+              </a:gs>
+              <a:gs pos="50000">
+                <a:schemeClr val="accent1">
+                  <a:shade val="67500"/>
+                  <a:satMod val="115000"/>
+                </a:schemeClr>
+              </a:gs>
+              <a:gs pos="100000">
+                <a:schemeClr val="accent1">
+                  <a:shade val="100000"/>
+                  <a:satMod val="115000"/>
+                </a:schemeClr>
+              </a:gs>
+            </a:gsLst>
+            <a:lin ang="0" scaled="1"/>
+            <a:tileRect/>
+          </a:gradFill>
+          <a:ln>
+            <a:noFill/>
+          </a:ln>
+          <a:effectLst>
+            <a:glow rad="63500">
+              <a:schemeClr val="accent1">
+                <a:satMod val="175000"/>
+                <a:alpha val="40000"/>
+              </a:schemeClr>
+            </a:glow>
+          </a:effectLst>
+        </p:spPr>
+        <p:style>
+          <a:lnRef idx="2">
+            <a:schemeClr val="accent1">
+              <a:shade val="50000"/>
+            </a:schemeClr>
+          </a:lnRef>
+          <a:fillRef idx="1">
+            <a:schemeClr val="accent1"/>
+          </a:fillRef>
+          <a:effectRef idx="0">
+            <a:schemeClr val="accent1"/>
+          </a:effectRef>
+          <a:fontRef idx="minor">
+            <a:schemeClr val="lt1"/>
+          </a:fontRef>
+        </p:style>
+        <p:txBody>
+          <a:bodyPr rtlCol="0" anchor="ctr"/>
+          <a:lstStyle/>
           <a:p>
             <a:pPr algn="ctr"/>
             <a:r>
-              <a:rPr lang="en-US" sz="2000" noProof="1">
+              <a:rPr lang="en-US" sz="1013" noProof="1">
                 <a:solidFill>
-                  <a:schemeClr val="bg1"/>
+                  <a:srgbClr val="FFFF00"/>
                 </a:solidFill>
               </a:rPr>
-              <a:t>Profile of DeviceDefinition</a:t>
+              <a:t>Precaution profile of ClinicalUseIssue</a:t>
+            </a:r>
+          </a:p>
+        </p:txBody>
+      </p:sp>
+      <p:cxnSp>
+        <p:nvCxnSpPr>
+          <p:cNvPr id="150" name="Connecteur : en angle 149">
+            <a:extLst>
+              <a:ext uri="{FF2B5EF4-FFF2-40B4-BE49-F238E27FC236}">
+                <a16:creationId xmlns:a16="http://schemas.microsoft.com/office/drawing/2014/main" id="{6FDA5CAB-12F3-4597-8E1B-DCD32642DA8C}"/>
+              </a:ext>
+            </a:extLst>
+          </p:cNvPr>
+          <p:cNvCxnSpPr>
+            <a:cxnSpLocks/>
+            <a:stCxn id="129" idx="2"/>
+            <a:endCxn id="142" idx="0"/>
+          </p:cNvCxnSpPr>
+          <p:nvPr/>
+        </p:nvCxnSpPr>
+        <p:spPr>
+          <a:xfrm rot="5400000">
+            <a:off x="2624398" y="6092528"/>
+            <a:ext cx="2038828" cy="118941"/>
+          </a:xfrm>
+          <a:prstGeom prst="bentConnector3">
+            <a:avLst>
+              <a:gd name="adj1" fmla="val 87686"/>
+            </a:avLst>
+          </a:prstGeom>
+          <a:ln w="19050">
+            <a:headEnd type="none" w="med" len="med"/>
+            <a:tailEnd type="arrow" w="med" len="med"/>
+          </a:ln>
+        </p:spPr>
+        <p:style>
+          <a:lnRef idx="1">
+            <a:schemeClr val="accent1"/>
+          </a:lnRef>
+          <a:fillRef idx="0">
+            <a:schemeClr val="accent1"/>
+          </a:fillRef>
+          <a:effectRef idx="0">
+            <a:schemeClr val="accent1"/>
+          </a:effectRef>
+          <a:fontRef idx="minor">
+            <a:schemeClr val="tx1"/>
+          </a:fontRef>
+        </p:style>
+      </p:cxnSp>
+      <p:cxnSp>
+        <p:nvCxnSpPr>
+          <p:cNvPr id="154" name="Connecteur : en angle 153">
+            <a:extLst>
+              <a:ext uri="{FF2B5EF4-FFF2-40B4-BE49-F238E27FC236}">
+                <a16:creationId xmlns:a16="http://schemas.microsoft.com/office/drawing/2014/main" id="{B2449D53-828B-4A2A-88C0-88D976C1C8B0}"/>
+              </a:ext>
+            </a:extLst>
+          </p:cNvPr>
+          <p:cNvCxnSpPr>
+            <a:cxnSpLocks/>
+            <a:stCxn id="146" idx="2"/>
+            <a:endCxn id="144" idx="0"/>
+          </p:cNvCxnSpPr>
+          <p:nvPr/>
+        </p:nvCxnSpPr>
+        <p:spPr>
+          <a:xfrm rot="16200000" flipH="1">
+            <a:off x="3774247" y="5211011"/>
+            <a:ext cx="2042568" cy="1878233"/>
+          </a:xfrm>
+          <a:prstGeom prst="bentConnector3">
+            <a:avLst>
+              <a:gd name="adj1" fmla="val 50000"/>
+            </a:avLst>
+          </a:prstGeom>
+          <a:ln w="19050">
+            <a:headEnd type="none" w="med" len="med"/>
+            <a:tailEnd type="arrow" w="med" len="med"/>
+          </a:ln>
+        </p:spPr>
+        <p:style>
+          <a:lnRef idx="1">
+            <a:schemeClr val="accent1"/>
+          </a:lnRef>
+          <a:fillRef idx="0">
+            <a:schemeClr val="accent1"/>
+          </a:fillRef>
+          <a:effectRef idx="0">
+            <a:schemeClr val="accent1"/>
+          </a:effectRef>
+          <a:fontRef idx="minor">
+            <a:schemeClr val="tx1"/>
+          </a:fontRef>
+        </p:style>
+      </p:cxnSp>
+      <p:sp>
+        <p:nvSpPr>
+          <p:cNvPr id="163" name="ZoneTexte 162">
+            <a:extLst>
+              <a:ext uri="{FF2B5EF4-FFF2-40B4-BE49-F238E27FC236}">
+                <a16:creationId xmlns:a16="http://schemas.microsoft.com/office/drawing/2014/main" id="{1E2DC2D1-22F3-4F38-9F17-741A4168DC9E}"/>
+              </a:ext>
+            </a:extLst>
+          </p:cNvPr>
+          <p:cNvSpPr txBox="1"/>
+          <p:nvPr/>
+        </p:nvSpPr>
+        <p:spPr>
+          <a:xfrm>
+            <a:off x="5378450" y="6888189"/>
+            <a:ext cx="356197" cy="230832"/>
+          </a:xfrm>
+          <a:prstGeom prst="rect">
+            <a:avLst/>
+          </a:prstGeom>
+          <a:noFill/>
+        </p:spPr>
+        <p:txBody>
+          <a:bodyPr wrap="square" rtlCol="0">
+            <a:spAutoFit/>
+          </a:bodyPr>
+          <a:lstStyle/>
+          <a:p>
+            <a:r>
+              <a:rPr lang="en-US" sz="900" noProof="1"/>
+              <a:t>0..*</a:t>
+            </a:r>
+          </a:p>
+        </p:txBody>
+      </p:sp>
+      <p:sp>
+        <p:nvSpPr>
+          <p:cNvPr id="164" name="ZoneTexte 163">
+            <a:extLst>
+              <a:ext uri="{FF2B5EF4-FFF2-40B4-BE49-F238E27FC236}">
+                <a16:creationId xmlns:a16="http://schemas.microsoft.com/office/drawing/2014/main" id="{43BC5F56-1077-4719-A16B-A6329FA53AB0}"/>
+              </a:ext>
+            </a:extLst>
+          </p:cNvPr>
+          <p:cNvSpPr txBox="1"/>
+          <p:nvPr/>
+        </p:nvSpPr>
+        <p:spPr>
+          <a:xfrm>
+            <a:off x="3264683" y="6936900"/>
+            <a:ext cx="356197" cy="230832"/>
+          </a:xfrm>
+          <a:prstGeom prst="rect">
+            <a:avLst/>
+          </a:prstGeom>
+          <a:noFill/>
+        </p:spPr>
+        <p:txBody>
+          <a:bodyPr wrap="square" rtlCol="0">
+            <a:spAutoFit/>
+          </a:bodyPr>
+          <a:lstStyle/>
+          <a:p>
+            <a:r>
+              <a:rPr lang="en-US" sz="900" noProof="1"/>
+              <a:t>0..*</a:t>
+            </a:r>
+          </a:p>
+        </p:txBody>
+      </p:sp>
+      <p:sp>
+        <p:nvSpPr>
+          <p:cNvPr id="167" name="ZoneTexte 166">
+            <a:extLst>
+              <a:ext uri="{FF2B5EF4-FFF2-40B4-BE49-F238E27FC236}">
+                <a16:creationId xmlns:a16="http://schemas.microsoft.com/office/drawing/2014/main" id="{C84BBB63-906C-4183-AF0C-049CB1F0A858}"/>
+              </a:ext>
+            </a:extLst>
+          </p:cNvPr>
+          <p:cNvSpPr txBox="1"/>
+          <p:nvPr/>
+        </p:nvSpPr>
+        <p:spPr>
+          <a:xfrm>
+            <a:off x="3651539" y="6515374"/>
+            <a:ext cx="1884833" cy="230832"/>
+          </a:xfrm>
+          <a:prstGeom prst="rect">
+            <a:avLst/>
+          </a:prstGeom>
+          <a:noFill/>
+        </p:spPr>
+        <p:txBody>
+          <a:bodyPr wrap="square" rtlCol="0">
+            <a:spAutoFit/>
+          </a:bodyPr>
+          <a:lstStyle/>
+          <a:p>
+            <a:r>
+              <a:rPr lang="en-US" sz="900" noProof="1">
+                <a:solidFill>
+                  <a:srgbClr val="0070C0"/>
+                </a:solidFill>
+              </a:rPr>
+              <a:t>guideline.indication.reference</a:t>
+            </a:r>
+          </a:p>
+        </p:txBody>
+      </p:sp>
+      <p:sp>
+        <p:nvSpPr>
+          <p:cNvPr id="169" name="ZoneTexte 168">
+            <a:extLst>
+              <a:ext uri="{FF2B5EF4-FFF2-40B4-BE49-F238E27FC236}">
+                <a16:creationId xmlns:a16="http://schemas.microsoft.com/office/drawing/2014/main" id="{A46273DE-D4D3-463B-B704-B8D7CB5F8E20}"/>
+              </a:ext>
+            </a:extLst>
+          </p:cNvPr>
+          <p:cNvSpPr txBox="1"/>
+          <p:nvPr/>
+        </p:nvSpPr>
+        <p:spPr>
+          <a:xfrm>
+            <a:off x="3833977" y="5932213"/>
+            <a:ext cx="1671170" cy="230832"/>
+          </a:xfrm>
+          <a:prstGeom prst="rect">
+            <a:avLst/>
+          </a:prstGeom>
+          <a:noFill/>
+        </p:spPr>
+        <p:txBody>
+          <a:bodyPr wrap="square" rtlCol="0">
+            <a:spAutoFit/>
+          </a:bodyPr>
+          <a:lstStyle/>
+          <a:p>
+            <a:r>
+              <a:rPr lang="en-US" sz="900" noProof="1">
+                <a:solidFill>
+                  <a:srgbClr val="0070C0"/>
+                </a:solidFill>
+              </a:rPr>
+              <a:t>guideline.precaution.reference</a:t>
+            </a:r>
+          </a:p>
+        </p:txBody>
+      </p:sp>
+      <p:sp>
+        <p:nvSpPr>
+          <p:cNvPr id="177" name="ZoneTexte 176">
+            <a:extLst>
+              <a:ext uri="{FF2B5EF4-FFF2-40B4-BE49-F238E27FC236}">
+                <a16:creationId xmlns:a16="http://schemas.microsoft.com/office/drawing/2014/main" id="{BEF3A378-928C-4265-970D-B8358BAA13C2}"/>
+              </a:ext>
+            </a:extLst>
+          </p:cNvPr>
+          <p:cNvSpPr txBox="1"/>
+          <p:nvPr/>
+        </p:nvSpPr>
+        <p:spPr>
+          <a:xfrm>
+            <a:off x="3590404" y="6912182"/>
+            <a:ext cx="1241123" cy="559961"/>
+          </a:xfrm>
+          <a:prstGeom prst="rect">
+            <a:avLst/>
+          </a:prstGeom>
+          <a:noFill/>
+        </p:spPr>
+        <p:txBody>
+          <a:bodyPr wrap="square" rtlCol="0">
+            <a:spAutoFit/>
+          </a:bodyPr>
+          <a:lstStyle>
+            <a:defPPr>
+              <a:defRPr lang="fr-FR"/>
+            </a:defPPr>
+            <a:lvl1pPr>
+              <a:defRPr>
+                <a:solidFill>
+                  <a:schemeClr val="accent1">
+                    <a:lumMod val="60000"/>
+                    <a:lumOff val="40000"/>
+                  </a:schemeClr>
+                </a:solidFill>
+              </a:defRPr>
+            </a:lvl1pPr>
+          </a:lstStyle>
+          <a:p>
+            <a:pPr algn="r"/>
+            <a:r>
+              <a:rPr lang="en-US" sz="1013" i="1" noProof="1">
+                <a:solidFill>
+                  <a:schemeClr val="tx1"/>
+                </a:solidFill>
+              </a:rPr>
+              <a:t>An indication of use for the </a:t>
+            </a:r>
+          </a:p>
+          <a:p>
+            <a:pPr algn="r"/>
+            <a:r>
+              <a:rPr lang="en-US" sz="1013" i="1" noProof="1">
+                <a:solidFill>
+                  <a:schemeClr val="tx1"/>
+                </a:solidFill>
+              </a:rPr>
+              <a:t>device</a:t>
+            </a:r>
+          </a:p>
+        </p:txBody>
+      </p:sp>
+      <p:sp>
+        <p:nvSpPr>
+          <p:cNvPr id="178" name="ZoneTexte 177">
+            <a:extLst>
+              <a:ext uri="{FF2B5EF4-FFF2-40B4-BE49-F238E27FC236}">
+                <a16:creationId xmlns:a16="http://schemas.microsoft.com/office/drawing/2014/main" id="{C786F709-8C57-4CCF-80B4-A323D5109A07}"/>
+              </a:ext>
+            </a:extLst>
+          </p:cNvPr>
+          <p:cNvSpPr txBox="1"/>
+          <p:nvPr/>
+        </p:nvSpPr>
+        <p:spPr>
+          <a:xfrm>
+            <a:off x="249773" y="6603802"/>
+            <a:ext cx="1177962" cy="559961"/>
+          </a:xfrm>
+          <a:prstGeom prst="rect">
+            <a:avLst/>
+          </a:prstGeom>
+          <a:noFill/>
+        </p:spPr>
+        <p:txBody>
+          <a:bodyPr wrap="square" rtlCol="0">
+            <a:spAutoFit/>
+          </a:bodyPr>
+          <a:lstStyle>
+            <a:defPPr>
+              <a:defRPr lang="fr-FR"/>
+            </a:defPPr>
+            <a:lvl1pPr>
+              <a:defRPr>
+                <a:solidFill>
+                  <a:schemeClr val="accent1">
+                    <a:lumMod val="60000"/>
+                    <a:lumOff val="40000"/>
+                  </a:schemeClr>
+                </a:solidFill>
+              </a:defRPr>
+            </a:lvl1pPr>
+          </a:lstStyle>
+          <a:p>
+            <a:r>
+              <a:rPr lang="en-US" sz="1013" i="1" noProof="1">
+                <a:solidFill>
+                  <a:schemeClr val="tx1"/>
+                </a:solidFill>
+              </a:rPr>
+              <a:t>A contraindication of use for </a:t>
+            </a:r>
+          </a:p>
+          <a:p>
+            <a:r>
+              <a:rPr lang="en-US" sz="1013" i="1" noProof="1">
+                <a:solidFill>
+                  <a:schemeClr val="tx1"/>
+                </a:solidFill>
+              </a:rPr>
+              <a:t>the device</a:t>
+            </a:r>
+          </a:p>
+        </p:txBody>
+      </p:sp>
+      <p:sp>
+        <p:nvSpPr>
+          <p:cNvPr id="180" name="Rectangle 179">
+            <a:extLst>
+              <a:ext uri="{FF2B5EF4-FFF2-40B4-BE49-F238E27FC236}">
+                <a16:creationId xmlns:a16="http://schemas.microsoft.com/office/drawing/2014/main" id="{6E12A1E6-C52C-4E69-A3FB-ABE7CFACF096}"/>
+              </a:ext>
+            </a:extLst>
+          </p:cNvPr>
+          <p:cNvSpPr/>
+          <p:nvPr/>
+        </p:nvSpPr>
+        <p:spPr>
+          <a:xfrm>
+            <a:off x="2858062" y="8694191"/>
+            <a:ext cx="1439872" cy="796480"/>
+          </a:xfrm>
+          <a:prstGeom prst="rect">
+            <a:avLst/>
+          </a:prstGeom>
+          <a:gradFill flip="none" rotWithShape="1">
+            <a:gsLst>
+              <a:gs pos="0">
+                <a:schemeClr val="accent1">
+                  <a:shade val="30000"/>
+                  <a:satMod val="115000"/>
+                </a:schemeClr>
+              </a:gs>
+              <a:gs pos="50000">
+                <a:schemeClr val="accent1">
+                  <a:shade val="67500"/>
+                  <a:satMod val="115000"/>
+                </a:schemeClr>
+              </a:gs>
+              <a:gs pos="100000">
+                <a:schemeClr val="accent1">
+                  <a:shade val="100000"/>
+                  <a:satMod val="115000"/>
+                </a:schemeClr>
+              </a:gs>
+            </a:gsLst>
+            <a:lin ang="0" scaled="1"/>
+            <a:tileRect/>
+          </a:gradFill>
+          <a:ln>
+            <a:noFill/>
+          </a:ln>
+          <a:effectLst>
+            <a:glow rad="63500">
+              <a:schemeClr val="accent1">
+                <a:satMod val="175000"/>
+                <a:alpha val="40000"/>
+              </a:schemeClr>
+            </a:glow>
+          </a:effectLst>
+        </p:spPr>
+        <p:style>
+          <a:lnRef idx="2">
+            <a:schemeClr val="accent1">
+              <a:shade val="50000"/>
+            </a:schemeClr>
+          </a:lnRef>
+          <a:fillRef idx="1">
+            <a:schemeClr val="accent1"/>
+          </a:fillRef>
+          <a:effectRef idx="0">
+            <a:schemeClr val="accent1"/>
+          </a:effectRef>
+          <a:fontRef idx="minor">
+            <a:schemeClr val="lt1"/>
+          </a:fontRef>
+        </p:style>
+        <p:txBody>
+          <a:bodyPr rtlCol="0" anchor="ctr"/>
+          <a:lstStyle/>
+          <a:p>
+            <a:pPr algn="ctr"/>
+            <a:r>
+              <a:rPr lang="en-US" sz="1013" noProof="1">
+                <a:solidFill>
+                  <a:srgbClr val="FFFF00"/>
+                </a:solidFill>
+              </a:rPr>
+              <a:t>ObservationDefinition</a:t>
+            </a:r>
+          </a:p>
+        </p:txBody>
+      </p:sp>
+      <p:cxnSp>
+        <p:nvCxnSpPr>
+          <p:cNvPr id="196" name="Connecteur droit avec flèche 195">
+            <a:extLst>
+              <a:ext uri="{FF2B5EF4-FFF2-40B4-BE49-F238E27FC236}">
+                <a16:creationId xmlns:a16="http://schemas.microsoft.com/office/drawing/2014/main" id="{EC3446BE-1F05-4DC7-BA9B-BF10BFC6E347}"/>
+              </a:ext>
+            </a:extLst>
+          </p:cNvPr>
+          <p:cNvCxnSpPr>
+            <a:stCxn id="204" idx="2"/>
+            <a:endCxn id="217" idx="0"/>
+          </p:cNvCxnSpPr>
+          <p:nvPr/>
+        </p:nvCxnSpPr>
+        <p:spPr>
+          <a:xfrm>
+            <a:off x="3009373" y="7761589"/>
+            <a:ext cx="0" cy="940764"/>
+          </a:xfrm>
+          <a:prstGeom prst="straightConnector1">
+            <a:avLst/>
+          </a:prstGeom>
+          <a:ln w="19050">
+            <a:headEnd type="none" w="med" len="med"/>
+            <a:tailEnd type="arrow" w="med" len="med"/>
+          </a:ln>
+        </p:spPr>
+        <p:style>
+          <a:lnRef idx="1">
+            <a:schemeClr val="accent1"/>
+          </a:lnRef>
+          <a:fillRef idx="0">
+            <a:schemeClr val="accent1"/>
+          </a:fillRef>
+          <a:effectRef idx="0">
+            <a:schemeClr val="accent1"/>
+          </a:effectRef>
+          <a:fontRef idx="minor">
+            <a:schemeClr val="tx1"/>
+          </a:fontRef>
+        </p:style>
+      </p:cxnSp>
+      <p:cxnSp>
+        <p:nvCxnSpPr>
+          <p:cNvPr id="220" name="Connecteur droit avec flèche 219">
+            <a:extLst>
+              <a:ext uri="{FF2B5EF4-FFF2-40B4-BE49-F238E27FC236}">
+                <a16:creationId xmlns:a16="http://schemas.microsoft.com/office/drawing/2014/main" id="{A0F74912-993D-4DE2-954D-3A4871732537}"/>
+              </a:ext>
+            </a:extLst>
+          </p:cNvPr>
+          <p:cNvCxnSpPr>
+            <a:cxnSpLocks/>
+            <a:stCxn id="200" idx="2"/>
+            <a:endCxn id="216" idx="0"/>
+          </p:cNvCxnSpPr>
+          <p:nvPr/>
+        </p:nvCxnSpPr>
+        <p:spPr>
+          <a:xfrm>
+            <a:off x="3385892" y="7761589"/>
+            <a:ext cx="0" cy="940764"/>
+          </a:xfrm>
+          <a:prstGeom prst="straightConnector1">
+            <a:avLst/>
+          </a:prstGeom>
+          <a:ln w="19050">
+            <a:headEnd type="none" w="med" len="med"/>
+            <a:tailEnd type="arrow" w="med" len="med"/>
+          </a:ln>
+        </p:spPr>
+        <p:style>
+          <a:lnRef idx="1">
+            <a:schemeClr val="accent1"/>
+          </a:lnRef>
+          <a:fillRef idx="0">
+            <a:schemeClr val="accent1"/>
+          </a:fillRef>
+          <a:effectRef idx="0">
+            <a:schemeClr val="accent1"/>
+          </a:effectRef>
+          <a:fontRef idx="minor">
+            <a:schemeClr val="tx1"/>
+          </a:fontRef>
+        </p:style>
+      </p:cxnSp>
+      <p:cxnSp>
+        <p:nvCxnSpPr>
+          <p:cNvPr id="221" name="Connecteur droit avec flèche 220">
+            <a:extLst>
+              <a:ext uri="{FF2B5EF4-FFF2-40B4-BE49-F238E27FC236}">
+                <a16:creationId xmlns:a16="http://schemas.microsoft.com/office/drawing/2014/main" id="{10041B49-CE70-469B-AF07-C5E724D5D3E0}"/>
+              </a:ext>
+            </a:extLst>
+          </p:cNvPr>
+          <p:cNvCxnSpPr>
+            <a:cxnSpLocks/>
+            <a:stCxn id="211" idx="2"/>
+            <a:endCxn id="219" idx="0"/>
+          </p:cNvCxnSpPr>
+          <p:nvPr/>
+        </p:nvCxnSpPr>
+        <p:spPr>
+          <a:xfrm>
+            <a:off x="3869529" y="7761589"/>
+            <a:ext cx="0" cy="940764"/>
+          </a:xfrm>
+          <a:prstGeom prst="straightConnector1">
+            <a:avLst/>
+          </a:prstGeom>
+          <a:ln w="19050">
+            <a:headEnd type="none" w="med" len="med"/>
+            <a:tailEnd type="arrow" w="med" len="med"/>
+          </a:ln>
+        </p:spPr>
+        <p:style>
+          <a:lnRef idx="1">
+            <a:schemeClr val="accent1"/>
+          </a:lnRef>
+          <a:fillRef idx="0">
+            <a:schemeClr val="accent1"/>
+          </a:fillRef>
+          <a:effectRef idx="0">
+            <a:schemeClr val="accent1"/>
+          </a:effectRef>
+          <a:fontRef idx="minor">
+            <a:schemeClr val="tx1"/>
+          </a:fontRef>
+        </p:style>
+      </p:cxnSp>
+      <p:cxnSp>
+        <p:nvCxnSpPr>
+          <p:cNvPr id="222" name="Connecteur droit avec flèche 221">
+            <a:extLst>
+              <a:ext uri="{FF2B5EF4-FFF2-40B4-BE49-F238E27FC236}">
+                <a16:creationId xmlns:a16="http://schemas.microsoft.com/office/drawing/2014/main" id="{1F118E55-A078-4A3D-A6DF-20A36486A99F}"/>
+              </a:ext>
+            </a:extLst>
+          </p:cNvPr>
+          <p:cNvCxnSpPr>
+            <a:cxnSpLocks/>
+            <a:stCxn id="210" idx="2"/>
+            <a:endCxn id="218" idx="0"/>
+          </p:cNvCxnSpPr>
+          <p:nvPr/>
+        </p:nvCxnSpPr>
+        <p:spPr>
+          <a:xfrm>
+            <a:off x="4214372" y="7761589"/>
+            <a:ext cx="0" cy="940764"/>
+          </a:xfrm>
+          <a:prstGeom prst="straightConnector1">
+            <a:avLst/>
+          </a:prstGeom>
+          <a:ln w="19050">
+            <a:headEnd type="none" w="med" len="med"/>
+            <a:tailEnd type="arrow" w="med" len="med"/>
+          </a:ln>
+        </p:spPr>
+        <p:style>
+          <a:lnRef idx="1">
+            <a:schemeClr val="accent1"/>
+          </a:lnRef>
+          <a:fillRef idx="0">
+            <a:schemeClr val="accent1"/>
+          </a:fillRef>
+          <a:effectRef idx="0">
+            <a:schemeClr val="accent1"/>
+          </a:effectRef>
+          <a:fontRef idx="minor">
+            <a:schemeClr val="tx1"/>
+          </a:fontRef>
+        </p:style>
+      </p:cxnSp>
+      <p:cxnSp>
+        <p:nvCxnSpPr>
+          <p:cNvPr id="234" name="Connecteur : en angle 233">
+            <a:extLst>
+              <a:ext uri="{FF2B5EF4-FFF2-40B4-BE49-F238E27FC236}">
+                <a16:creationId xmlns:a16="http://schemas.microsoft.com/office/drawing/2014/main" id="{019C5DB7-9508-4191-8430-F71038EC0F72}"/>
+              </a:ext>
+            </a:extLst>
+          </p:cNvPr>
+          <p:cNvCxnSpPr>
+            <a:cxnSpLocks/>
+            <a:stCxn id="229" idx="2"/>
+            <a:endCxn id="215" idx="1"/>
+          </p:cNvCxnSpPr>
+          <p:nvPr/>
+        </p:nvCxnSpPr>
+        <p:spPr>
+          <a:xfrm rot="16200000" flipH="1">
+            <a:off x="1690029" y="7573036"/>
+            <a:ext cx="986274" cy="1371307"/>
+          </a:xfrm>
+          <a:prstGeom prst="bentConnector2">
+            <a:avLst/>
+          </a:prstGeom>
+          <a:ln w="19050">
+            <a:headEnd type="none" w="med" len="med"/>
+            <a:tailEnd type="arrow" w="med" len="med"/>
+          </a:ln>
+        </p:spPr>
+        <p:style>
+          <a:lnRef idx="1">
+            <a:schemeClr val="accent1"/>
+          </a:lnRef>
+          <a:fillRef idx="0">
+            <a:schemeClr val="accent1"/>
+          </a:fillRef>
+          <a:effectRef idx="0">
+            <a:schemeClr val="accent1"/>
+          </a:effectRef>
+          <a:fontRef idx="minor">
+            <a:schemeClr val="tx1"/>
+          </a:fontRef>
+        </p:style>
+      </p:cxnSp>
+      <p:cxnSp>
+        <p:nvCxnSpPr>
+          <p:cNvPr id="237" name="Connecteur : en angle 236">
+            <a:extLst>
+              <a:ext uri="{FF2B5EF4-FFF2-40B4-BE49-F238E27FC236}">
+                <a16:creationId xmlns:a16="http://schemas.microsoft.com/office/drawing/2014/main" id="{B8879526-B6CF-4553-B6C2-333D781EEB5D}"/>
+              </a:ext>
+            </a:extLst>
+          </p:cNvPr>
+          <p:cNvCxnSpPr>
+            <a:cxnSpLocks/>
+            <a:stCxn id="46" idx="2"/>
+            <a:endCxn id="180" idx="1"/>
+          </p:cNvCxnSpPr>
+          <p:nvPr/>
+        </p:nvCxnSpPr>
+        <p:spPr>
+          <a:xfrm rot="16200000" flipH="1">
+            <a:off x="1257406" y="7491774"/>
+            <a:ext cx="1319555" cy="1881757"/>
+          </a:xfrm>
+          <a:prstGeom prst="bentConnector2">
+            <a:avLst/>
+          </a:prstGeom>
+          <a:ln w="19050">
+            <a:headEnd type="none" w="med" len="med"/>
+            <a:tailEnd type="arrow" w="med" len="med"/>
+          </a:ln>
+        </p:spPr>
+        <p:style>
+          <a:lnRef idx="1">
+            <a:schemeClr val="accent1"/>
+          </a:lnRef>
+          <a:fillRef idx="0">
+            <a:schemeClr val="accent1"/>
+          </a:fillRef>
+          <a:effectRef idx="0">
+            <a:schemeClr val="accent1"/>
+          </a:effectRef>
+          <a:fontRef idx="minor">
+            <a:schemeClr val="tx1"/>
+          </a:fontRef>
+        </p:style>
+      </p:cxnSp>
+      <p:cxnSp>
+        <p:nvCxnSpPr>
+          <p:cNvPr id="241" name="Connecteur : en angle 240">
+            <a:extLst>
+              <a:ext uri="{FF2B5EF4-FFF2-40B4-BE49-F238E27FC236}">
+                <a16:creationId xmlns:a16="http://schemas.microsoft.com/office/drawing/2014/main" id="{8F8C9DD2-E91C-4D67-8702-717A691379EF}"/>
+              </a:ext>
+            </a:extLst>
+          </p:cNvPr>
+          <p:cNvCxnSpPr>
+            <a:cxnSpLocks/>
+            <a:stCxn id="228" idx="2"/>
+            <a:endCxn id="233" idx="1"/>
+          </p:cNvCxnSpPr>
+          <p:nvPr/>
+        </p:nvCxnSpPr>
+        <p:spPr>
+          <a:xfrm rot="16200000" flipH="1">
+            <a:off x="832925" y="7364988"/>
+            <a:ext cx="1635330" cy="2436459"/>
+          </a:xfrm>
+          <a:prstGeom prst="bentConnector2">
+            <a:avLst/>
+          </a:prstGeom>
+          <a:ln w="19050">
+            <a:headEnd type="none" w="med" len="med"/>
+            <a:tailEnd type="arrow" w="med" len="med"/>
+          </a:ln>
+        </p:spPr>
+        <p:style>
+          <a:lnRef idx="1">
+            <a:schemeClr val="accent1"/>
+          </a:lnRef>
+          <a:fillRef idx="0">
+            <a:schemeClr val="accent1"/>
+          </a:fillRef>
+          <a:effectRef idx="0">
+            <a:schemeClr val="accent1"/>
+          </a:effectRef>
+          <a:fontRef idx="minor">
+            <a:schemeClr val="tx1"/>
+          </a:fontRef>
+        </p:style>
+      </p:cxnSp>
+      <p:sp>
+        <p:nvSpPr>
+          <p:cNvPr id="244" name="ZoneTexte 243">
+            <a:extLst>
+              <a:ext uri="{FF2B5EF4-FFF2-40B4-BE49-F238E27FC236}">
+                <a16:creationId xmlns:a16="http://schemas.microsoft.com/office/drawing/2014/main" id="{05AC170E-B937-4005-8AD5-A4CBC82A331A}"/>
+              </a:ext>
+            </a:extLst>
+          </p:cNvPr>
+          <p:cNvSpPr txBox="1"/>
+          <p:nvPr/>
+        </p:nvSpPr>
+        <p:spPr>
+          <a:xfrm>
+            <a:off x="373864" y="9207403"/>
+            <a:ext cx="2296150" cy="369332"/>
+          </a:xfrm>
+          <a:prstGeom prst="rect">
+            <a:avLst/>
+          </a:prstGeom>
+          <a:noFill/>
+        </p:spPr>
+        <p:txBody>
+          <a:bodyPr wrap="square" rtlCol="0">
+            <a:spAutoFit/>
+          </a:bodyPr>
+          <a:lstStyle/>
+          <a:p>
+            <a:r>
+              <a:rPr lang="en-US" sz="900" noProof="1">
+                <a:solidFill>
+                  <a:srgbClr val="0070C0"/>
+                </a:solidFill>
+              </a:rPr>
+              <a:t>contraindication.diseaseSymptomProcedure</a:t>
+            </a:r>
+          </a:p>
+          <a:p>
+            <a:r>
+              <a:rPr lang="en-US" sz="900" noProof="1">
+                <a:solidFill>
+                  <a:srgbClr val="0070C0"/>
+                </a:solidFill>
+              </a:rPr>
+              <a:t>.reference</a:t>
+            </a:r>
+          </a:p>
+        </p:txBody>
+      </p:sp>
+      <p:sp>
+        <p:nvSpPr>
+          <p:cNvPr id="245" name="ZoneTexte 244">
+            <a:extLst>
+              <a:ext uri="{FF2B5EF4-FFF2-40B4-BE49-F238E27FC236}">
+                <a16:creationId xmlns:a16="http://schemas.microsoft.com/office/drawing/2014/main" id="{2089B1E4-490C-439F-B4A7-2E6E93F476E8}"/>
+              </a:ext>
+            </a:extLst>
+          </p:cNvPr>
+          <p:cNvSpPr txBox="1"/>
+          <p:nvPr/>
+        </p:nvSpPr>
+        <p:spPr>
+          <a:xfrm>
+            <a:off x="2482401" y="9374688"/>
+            <a:ext cx="405123" cy="230832"/>
+          </a:xfrm>
+          <a:prstGeom prst="rect">
+            <a:avLst/>
+          </a:prstGeom>
+          <a:noFill/>
+        </p:spPr>
+        <p:txBody>
+          <a:bodyPr wrap="square" rtlCol="0">
+            <a:spAutoFit/>
+          </a:bodyPr>
+          <a:lstStyle/>
+          <a:p>
+            <a:r>
+              <a:rPr lang="en-US" sz="900" noProof="1"/>
+              <a:t>0..1</a:t>
+            </a:r>
+          </a:p>
+        </p:txBody>
+      </p:sp>
+      <p:sp>
+        <p:nvSpPr>
+          <p:cNvPr id="246" name="ZoneTexte 245">
+            <a:extLst>
+              <a:ext uri="{FF2B5EF4-FFF2-40B4-BE49-F238E27FC236}">
+                <a16:creationId xmlns:a16="http://schemas.microsoft.com/office/drawing/2014/main" id="{B012771E-AB71-4700-89C8-43AD78295D15}"/>
+              </a:ext>
+            </a:extLst>
+          </p:cNvPr>
+          <p:cNvSpPr txBox="1"/>
+          <p:nvPr/>
+        </p:nvSpPr>
+        <p:spPr>
+          <a:xfrm>
+            <a:off x="928017" y="8900908"/>
+            <a:ext cx="1637682" cy="369332"/>
+          </a:xfrm>
+          <a:prstGeom prst="rect">
+            <a:avLst/>
+          </a:prstGeom>
+          <a:noFill/>
+        </p:spPr>
+        <p:txBody>
+          <a:bodyPr wrap="square" rtlCol="0">
+            <a:spAutoFit/>
+          </a:bodyPr>
+          <a:lstStyle/>
+          <a:p>
+            <a:r>
+              <a:rPr lang="en-US" sz="900" noProof="1">
+                <a:solidFill>
+                  <a:srgbClr val="0070C0"/>
+                </a:solidFill>
+              </a:rPr>
+              <a:t>contraindication.diseaseStatus</a:t>
+            </a:r>
+          </a:p>
+          <a:p>
+            <a:r>
+              <a:rPr lang="en-US" sz="900" noProof="1">
+                <a:solidFill>
+                  <a:srgbClr val="0070C0"/>
+                </a:solidFill>
+              </a:rPr>
+              <a:t>.reference</a:t>
+            </a:r>
+          </a:p>
+        </p:txBody>
+      </p:sp>
+      <p:sp>
+        <p:nvSpPr>
+          <p:cNvPr id="247" name="ZoneTexte 246">
+            <a:extLst>
+              <a:ext uri="{FF2B5EF4-FFF2-40B4-BE49-F238E27FC236}">
+                <a16:creationId xmlns:a16="http://schemas.microsoft.com/office/drawing/2014/main" id="{163456B0-C7BA-42F6-92AA-2B844BA73EE5}"/>
+              </a:ext>
+            </a:extLst>
+          </p:cNvPr>
+          <p:cNvSpPr txBox="1"/>
+          <p:nvPr/>
+        </p:nvSpPr>
+        <p:spPr>
+          <a:xfrm>
+            <a:off x="2505307" y="9027371"/>
+            <a:ext cx="405123" cy="230832"/>
+          </a:xfrm>
+          <a:prstGeom prst="rect">
+            <a:avLst/>
+          </a:prstGeom>
+          <a:noFill/>
+        </p:spPr>
+        <p:txBody>
+          <a:bodyPr wrap="square" rtlCol="0">
+            <a:spAutoFit/>
+          </a:bodyPr>
+          <a:lstStyle/>
+          <a:p>
+            <a:r>
+              <a:rPr lang="en-US" sz="900" noProof="1"/>
+              <a:t>0..1</a:t>
+            </a:r>
+          </a:p>
+        </p:txBody>
+      </p:sp>
+      <p:sp>
+        <p:nvSpPr>
+          <p:cNvPr id="248" name="ZoneTexte 247">
+            <a:extLst>
+              <a:ext uri="{FF2B5EF4-FFF2-40B4-BE49-F238E27FC236}">
+                <a16:creationId xmlns:a16="http://schemas.microsoft.com/office/drawing/2014/main" id="{8017D943-2733-4567-B41A-0D2D49733B8A}"/>
+              </a:ext>
+            </a:extLst>
+          </p:cNvPr>
+          <p:cNvSpPr txBox="1"/>
+          <p:nvPr/>
+        </p:nvSpPr>
+        <p:spPr>
+          <a:xfrm>
+            <a:off x="1441836" y="8417097"/>
+            <a:ext cx="962809" cy="507831"/>
+          </a:xfrm>
+          <a:prstGeom prst="rect">
+            <a:avLst/>
+          </a:prstGeom>
+          <a:noFill/>
+        </p:spPr>
+        <p:txBody>
+          <a:bodyPr wrap="square" rtlCol="0">
+            <a:spAutoFit/>
+          </a:bodyPr>
+          <a:lstStyle/>
+          <a:p>
+            <a:r>
+              <a:rPr lang="en-US" sz="900" noProof="1">
+                <a:solidFill>
+                  <a:srgbClr val="0070C0"/>
+                </a:solidFill>
+              </a:rPr>
+              <a:t>contraindication</a:t>
+            </a:r>
+          </a:p>
+          <a:p>
+            <a:r>
+              <a:rPr lang="en-US" sz="900" noProof="1">
+                <a:solidFill>
+                  <a:srgbClr val="0070C0"/>
+                </a:solidFill>
+              </a:rPr>
+              <a:t>.comorbidity</a:t>
+            </a:r>
+          </a:p>
+          <a:p>
+            <a:r>
+              <a:rPr lang="en-US" sz="900" noProof="1">
+                <a:solidFill>
+                  <a:srgbClr val="0070C0"/>
+                </a:solidFill>
+              </a:rPr>
+              <a:t>.reference</a:t>
+            </a:r>
+          </a:p>
+        </p:txBody>
+      </p:sp>
+      <p:sp>
+        <p:nvSpPr>
+          <p:cNvPr id="251" name="ZoneTexte 250">
+            <a:extLst>
+              <a:ext uri="{FF2B5EF4-FFF2-40B4-BE49-F238E27FC236}">
+                <a16:creationId xmlns:a16="http://schemas.microsoft.com/office/drawing/2014/main" id="{E7B6B43F-28F7-41D7-A0D3-5AD22E9AE6CB}"/>
+              </a:ext>
+            </a:extLst>
+          </p:cNvPr>
+          <p:cNvSpPr txBox="1"/>
+          <p:nvPr/>
+        </p:nvSpPr>
+        <p:spPr>
+          <a:xfrm>
+            <a:off x="2512463" y="8747304"/>
+            <a:ext cx="386253" cy="230832"/>
+          </a:xfrm>
+          <a:prstGeom prst="rect">
+            <a:avLst/>
+          </a:prstGeom>
+          <a:noFill/>
+        </p:spPr>
+        <p:txBody>
+          <a:bodyPr wrap="square" rtlCol="0">
+            <a:spAutoFit/>
+          </a:bodyPr>
+          <a:lstStyle/>
+          <a:p>
+            <a:r>
+              <a:rPr lang="en-US" sz="900" noProof="1"/>
+              <a:t>0..*</a:t>
+            </a:r>
+          </a:p>
+        </p:txBody>
+      </p:sp>
+      <p:sp>
+        <p:nvSpPr>
+          <p:cNvPr id="253" name="ZoneTexte 252">
+            <a:extLst>
+              <a:ext uri="{FF2B5EF4-FFF2-40B4-BE49-F238E27FC236}">
+                <a16:creationId xmlns:a16="http://schemas.microsoft.com/office/drawing/2014/main" id="{4E03C4D9-FE49-4962-B768-4329A7DAF43C}"/>
+              </a:ext>
+            </a:extLst>
+          </p:cNvPr>
+          <p:cNvSpPr txBox="1"/>
+          <p:nvPr/>
+        </p:nvSpPr>
+        <p:spPr>
+          <a:xfrm>
+            <a:off x="3463843" y="7735357"/>
+            <a:ext cx="812366" cy="507831"/>
+          </a:xfrm>
+          <a:prstGeom prst="rect">
+            <a:avLst/>
+          </a:prstGeom>
+          <a:noFill/>
+        </p:spPr>
+        <p:txBody>
+          <a:bodyPr wrap="square" rtlCol="0">
+            <a:spAutoFit/>
+          </a:bodyPr>
+          <a:lstStyle/>
+          <a:p>
+            <a:pPr algn="ctr"/>
+            <a:r>
+              <a:rPr lang="en-US" sz="900" noProof="1">
+                <a:solidFill>
+                  <a:srgbClr val="0070C0"/>
+                </a:solidFill>
+              </a:rPr>
+              <a:t>indication</a:t>
+            </a:r>
+          </a:p>
+          <a:p>
+            <a:pPr algn="ctr"/>
+            <a:r>
+              <a:rPr lang="en-US" sz="900" noProof="1">
+                <a:solidFill>
+                  <a:srgbClr val="0070C0"/>
+                </a:solidFill>
+              </a:rPr>
+              <a:t>.comorbidity</a:t>
+            </a:r>
+          </a:p>
+          <a:p>
+            <a:pPr algn="ctr"/>
+            <a:r>
+              <a:rPr lang="en-US" sz="900" noProof="1">
+                <a:solidFill>
+                  <a:srgbClr val="0070C0"/>
+                </a:solidFill>
+              </a:rPr>
+              <a:t>.reference</a:t>
+            </a:r>
+          </a:p>
+        </p:txBody>
+      </p:sp>
+      <p:sp>
+        <p:nvSpPr>
+          <p:cNvPr id="254" name="ZoneTexte 253">
+            <a:extLst>
+              <a:ext uri="{FF2B5EF4-FFF2-40B4-BE49-F238E27FC236}">
+                <a16:creationId xmlns:a16="http://schemas.microsoft.com/office/drawing/2014/main" id="{D4810903-0504-49D9-B26F-0B03F7A407EE}"/>
+              </a:ext>
+            </a:extLst>
+          </p:cNvPr>
+          <p:cNvSpPr txBox="1"/>
+          <p:nvPr/>
+        </p:nvSpPr>
+        <p:spPr>
+          <a:xfrm>
+            <a:off x="1560699" y="7840388"/>
+            <a:ext cx="1503156" cy="507831"/>
+          </a:xfrm>
+          <a:prstGeom prst="rect">
+            <a:avLst/>
+          </a:prstGeom>
+          <a:noFill/>
+        </p:spPr>
+        <p:txBody>
+          <a:bodyPr wrap="square" rtlCol="0">
+            <a:spAutoFit/>
+          </a:bodyPr>
+          <a:lstStyle/>
+          <a:p>
+            <a:pPr algn="r"/>
+            <a:r>
+              <a:rPr lang="en-US" sz="900" noProof="1">
+                <a:solidFill>
+                  <a:srgbClr val="0070C0"/>
+                </a:solidFill>
+              </a:rPr>
+              <a:t>indication</a:t>
+            </a:r>
+          </a:p>
+          <a:p>
+            <a:pPr algn="r"/>
+            <a:r>
+              <a:rPr lang="en-US" sz="900" noProof="1">
+                <a:solidFill>
+                  <a:srgbClr val="0070C0"/>
+                </a:solidFill>
+              </a:rPr>
+              <a:t>.diseaseSymptomProcedure</a:t>
+            </a:r>
+          </a:p>
+          <a:p>
+            <a:pPr algn="r"/>
+            <a:r>
+              <a:rPr lang="en-US" sz="900" noProof="1">
+                <a:solidFill>
+                  <a:srgbClr val="0070C0"/>
+                </a:solidFill>
+              </a:rPr>
+              <a:t>.reference</a:t>
+            </a:r>
+          </a:p>
+        </p:txBody>
+      </p:sp>
+      <p:sp>
+        <p:nvSpPr>
+          <p:cNvPr id="256" name="ZoneTexte 255">
+            <a:extLst>
+              <a:ext uri="{FF2B5EF4-FFF2-40B4-BE49-F238E27FC236}">
+                <a16:creationId xmlns:a16="http://schemas.microsoft.com/office/drawing/2014/main" id="{BCE8B8EE-4EA4-4E20-A1E9-9381C6578D0E}"/>
+              </a:ext>
+            </a:extLst>
+          </p:cNvPr>
+          <p:cNvSpPr txBox="1"/>
+          <p:nvPr/>
+        </p:nvSpPr>
+        <p:spPr>
+          <a:xfrm>
+            <a:off x="2964243" y="8128382"/>
+            <a:ext cx="863374" cy="507831"/>
+          </a:xfrm>
+          <a:prstGeom prst="rect">
+            <a:avLst/>
+          </a:prstGeom>
+          <a:noFill/>
+        </p:spPr>
+        <p:txBody>
+          <a:bodyPr wrap="square" rtlCol="0">
+            <a:spAutoFit/>
+          </a:bodyPr>
+          <a:lstStyle/>
+          <a:p>
+            <a:pPr algn="ctr"/>
+            <a:r>
+              <a:rPr lang="en-US" sz="900" noProof="1">
+                <a:solidFill>
+                  <a:srgbClr val="0070C0"/>
+                </a:solidFill>
+              </a:rPr>
+              <a:t>indication</a:t>
+            </a:r>
+          </a:p>
+          <a:p>
+            <a:pPr algn="ctr"/>
+            <a:r>
+              <a:rPr lang="en-US" sz="900" noProof="1">
+                <a:solidFill>
+                  <a:srgbClr val="0070C0"/>
+                </a:solidFill>
+              </a:rPr>
+              <a:t>.diseaseStatus</a:t>
+            </a:r>
+          </a:p>
+          <a:p>
+            <a:pPr algn="ctr"/>
+            <a:r>
+              <a:rPr lang="en-US" sz="900" noProof="1">
+                <a:solidFill>
+                  <a:srgbClr val="0070C0"/>
+                </a:solidFill>
+              </a:rPr>
+              <a:t>.reference</a:t>
+            </a:r>
+          </a:p>
+        </p:txBody>
+      </p:sp>
+      <p:sp>
+        <p:nvSpPr>
+          <p:cNvPr id="257" name="ZoneTexte 256">
+            <a:extLst>
+              <a:ext uri="{FF2B5EF4-FFF2-40B4-BE49-F238E27FC236}">
+                <a16:creationId xmlns:a16="http://schemas.microsoft.com/office/drawing/2014/main" id="{962E2590-6A38-46BD-AB0F-69DA6BDB2A2F}"/>
+              </a:ext>
+            </a:extLst>
+          </p:cNvPr>
+          <p:cNvSpPr txBox="1"/>
+          <p:nvPr/>
+        </p:nvSpPr>
+        <p:spPr>
+          <a:xfrm>
+            <a:off x="4166016" y="8094303"/>
+            <a:ext cx="942148" cy="507831"/>
+          </a:xfrm>
+          <a:prstGeom prst="rect">
+            <a:avLst/>
+          </a:prstGeom>
+          <a:noFill/>
+        </p:spPr>
+        <p:txBody>
+          <a:bodyPr wrap="square" rtlCol="0">
+            <a:spAutoFit/>
+          </a:bodyPr>
+          <a:lstStyle/>
+          <a:p>
+            <a:r>
+              <a:rPr lang="en-US" sz="900" noProof="1">
+                <a:solidFill>
+                  <a:srgbClr val="0070C0"/>
+                </a:solidFill>
+              </a:rPr>
+              <a:t>indication</a:t>
+            </a:r>
+          </a:p>
+          <a:p>
+            <a:r>
+              <a:rPr lang="en-US" sz="900" noProof="1">
+                <a:solidFill>
+                  <a:srgbClr val="0070C0"/>
+                </a:solidFill>
+              </a:rPr>
+              <a:t>.intendedEffect</a:t>
+            </a:r>
+          </a:p>
+          <a:p>
+            <a:r>
+              <a:rPr lang="en-US" sz="900" noProof="1">
+                <a:solidFill>
+                  <a:srgbClr val="0070C0"/>
+                </a:solidFill>
+              </a:rPr>
+              <a:t>.reference</a:t>
             </a:r>
           </a:p>
         </p:txBody>
@@ -5710,7 +8223,7 @@
     </p:spTree>
     <p:extLst>
       <p:ext uri="{BB962C8B-B14F-4D97-AF65-F5344CB8AC3E}">
-        <p14:creationId xmlns:p14="http://schemas.microsoft.com/office/powerpoint/2010/main" val="3491562091"/>
+        <p14:creationId xmlns:p14="http://schemas.microsoft.com/office/powerpoint/2010/main" val="2678140213"/>
       </p:ext>
     </p:extLst>
   </p:cSld>
@@ -5723,7 +8236,7 @@
 <file path=ppt/theme/theme1.xml><?xml version="1.0" encoding="utf-8"?>
 <a:theme xmlns:a="http://schemas.openxmlformats.org/drawingml/2006/main" name="Thème Office">
   <a:themeElements>
-    <a:clrScheme name="Office">
+    <a:clrScheme name="Thème Office">
       <a:dk1>
         <a:sysClr val="windowText" lastClr="000000"/>
       </a:dk1>
@@ -5761,7 +8274,7 @@
         <a:srgbClr val="954F72"/>
       </a:folHlink>
     </a:clrScheme>
-    <a:fontScheme name="Office">
+    <a:fontScheme name="Thème Office">
       <a:majorFont>
         <a:latin typeface="Calibri Light" panose="020F0302020204030204"/>
         <a:ea typeface=""/>
@@ -5796,23 +8309,6 @@
         <a:font script="Viet" typeface="Times New Roman"/>
         <a:font script="Uigh" typeface="Microsoft Uighur"/>
         <a:font script="Geor" typeface="Sylfaen"/>
-        <a:font script="Armn" typeface="Arial"/>
-        <a:font script="Bugi" typeface="Leelawadee UI"/>
-        <a:font script="Bopo" typeface="Microsoft JhengHei"/>
-        <a:font script="Java" typeface="Javanese Text"/>
-        <a:font script="Lisu" typeface="Segoe UI"/>
-        <a:font script="Mymr" typeface="Myanmar Text"/>
-        <a:font script="Nkoo" typeface="Ebrima"/>
-        <a:font script="Olck" typeface="Nirmala UI"/>
-        <a:font script="Osma" typeface="Ebrima"/>
-        <a:font script="Phag" typeface="Phagspa"/>
-        <a:font script="Syrn" typeface="Estrangelo Edessa"/>
-        <a:font script="Syrj" typeface="Estrangelo Edessa"/>
-        <a:font script="Syre" typeface="Estrangelo Edessa"/>
-        <a:font script="Sora" typeface="Nirmala UI"/>
-        <a:font script="Tale" typeface="Microsoft Tai Le"/>
-        <a:font script="Talu" typeface="Microsoft New Tai Lue"/>
-        <a:font script="Tfng" typeface="Ebrima"/>
       </a:majorFont>
       <a:minorFont>
         <a:latin typeface="Calibri" panose="020F0502020204030204"/>
@@ -5848,26 +8344,9 @@
         <a:font script="Viet" typeface="Arial"/>
         <a:font script="Uigh" typeface="Microsoft Uighur"/>
         <a:font script="Geor" typeface="Sylfaen"/>
-        <a:font script="Armn" typeface="Arial"/>
-        <a:font script="Bugi" typeface="Leelawadee UI"/>
-        <a:font script="Bopo" typeface="Microsoft JhengHei"/>
-        <a:font script="Java" typeface="Javanese Text"/>
-        <a:font script="Lisu" typeface="Segoe UI"/>
-        <a:font script="Mymr" typeface="Myanmar Text"/>
-        <a:font script="Nkoo" typeface="Ebrima"/>
-        <a:font script="Olck" typeface="Nirmala UI"/>
-        <a:font script="Osma" typeface="Ebrima"/>
-        <a:font script="Phag" typeface="Phagspa"/>
-        <a:font script="Syrn" typeface="Estrangelo Edessa"/>
-        <a:font script="Syrj" typeface="Estrangelo Edessa"/>
-        <a:font script="Syre" typeface="Estrangelo Edessa"/>
-        <a:font script="Sora" typeface="Nirmala UI"/>
-        <a:font script="Tale" typeface="Microsoft Tai Le"/>
-        <a:font script="Talu" typeface="Microsoft New Tai Lue"/>
-        <a:font script="Tfng" typeface="Ebrima"/>
       </a:minorFont>
     </a:fontScheme>
-    <a:fmtScheme name="Office">
+    <a:fmtScheme name="Thème Office">
       <a:fillStyleLst>
         <a:solidFill>
           <a:schemeClr val="phClr"/>

--- a/input/images-source/DeviceCatalog.pptx
+++ b/input/images-source/DeviceCatalog.pptx
@@ -197,7 +197,7 @@
           <a:p>
             <a:fld id="{C0FC2EA5-DDD9-41B5-A743-573E81829967}" type="datetimeFigureOut">
               <a:rPr lang="fr-FR" smtClean="0"/>
-              <a:t>07/05/2021</a:t>
+              <a:t>19/08/2021</a:t>
             </a:fld>
             <a:endParaRPr lang="fr-FR"/>
           </a:p>
@@ -684,7 +684,7 @@
           <a:p>
             <a:fld id="{DEBA1CB3-45B4-4365-8A01-D60AF6EBF46C}" type="datetimeFigureOut">
               <a:rPr lang="fr-FR" smtClean="0"/>
-              <a:t>07/05/2021</a:t>
+              <a:t>19/08/2021</a:t>
             </a:fld>
             <a:endParaRPr lang="fr-FR"/>
           </a:p>
@@ -854,7 +854,7 @@
           <a:p>
             <a:fld id="{DEBA1CB3-45B4-4365-8A01-D60AF6EBF46C}" type="datetimeFigureOut">
               <a:rPr lang="fr-FR" smtClean="0"/>
-              <a:t>07/05/2021</a:t>
+              <a:t>19/08/2021</a:t>
             </a:fld>
             <a:endParaRPr lang="fr-FR"/>
           </a:p>
@@ -1034,7 +1034,7 @@
           <a:p>
             <a:fld id="{DEBA1CB3-45B4-4365-8A01-D60AF6EBF46C}" type="datetimeFigureOut">
               <a:rPr lang="fr-FR" smtClean="0"/>
-              <a:t>07/05/2021</a:t>
+              <a:t>19/08/2021</a:t>
             </a:fld>
             <a:endParaRPr lang="fr-FR"/>
           </a:p>
@@ -1204,7 +1204,7 @@
           <a:p>
             <a:fld id="{DEBA1CB3-45B4-4365-8A01-D60AF6EBF46C}" type="datetimeFigureOut">
               <a:rPr lang="fr-FR" smtClean="0"/>
-              <a:t>07/05/2021</a:t>
+              <a:t>19/08/2021</a:t>
             </a:fld>
             <a:endParaRPr lang="fr-FR"/>
           </a:p>
@@ -1448,7 +1448,7 @@
           <a:p>
             <a:fld id="{DEBA1CB3-45B4-4365-8A01-D60AF6EBF46C}" type="datetimeFigureOut">
               <a:rPr lang="fr-FR" smtClean="0"/>
-              <a:t>07/05/2021</a:t>
+              <a:t>19/08/2021</a:t>
             </a:fld>
             <a:endParaRPr lang="fr-FR"/>
           </a:p>
@@ -1680,7 +1680,7 @@
           <a:p>
             <a:fld id="{DEBA1CB3-45B4-4365-8A01-D60AF6EBF46C}" type="datetimeFigureOut">
               <a:rPr lang="fr-FR" smtClean="0"/>
-              <a:t>07/05/2021</a:t>
+              <a:t>19/08/2021</a:t>
             </a:fld>
             <a:endParaRPr lang="fr-FR"/>
           </a:p>
@@ -2047,7 +2047,7 @@
           <a:p>
             <a:fld id="{DEBA1CB3-45B4-4365-8A01-D60AF6EBF46C}" type="datetimeFigureOut">
               <a:rPr lang="fr-FR" smtClean="0"/>
-              <a:t>07/05/2021</a:t>
+              <a:t>19/08/2021</a:t>
             </a:fld>
             <a:endParaRPr lang="fr-FR"/>
           </a:p>
@@ -2165,7 +2165,7 @@
           <a:p>
             <a:fld id="{DEBA1CB3-45B4-4365-8A01-D60AF6EBF46C}" type="datetimeFigureOut">
               <a:rPr lang="fr-FR" smtClean="0"/>
-              <a:t>07/05/2021</a:t>
+              <a:t>19/08/2021</a:t>
             </a:fld>
             <a:endParaRPr lang="fr-FR"/>
           </a:p>
@@ -2260,7 +2260,7 @@
           <a:p>
             <a:fld id="{DEBA1CB3-45B4-4365-8A01-D60AF6EBF46C}" type="datetimeFigureOut">
               <a:rPr lang="fr-FR" smtClean="0"/>
-              <a:t>07/05/2021</a:t>
+              <a:t>19/08/2021</a:t>
             </a:fld>
             <a:endParaRPr lang="fr-FR"/>
           </a:p>
@@ -2537,7 +2537,7 @@
           <a:p>
             <a:fld id="{DEBA1CB3-45B4-4365-8A01-D60AF6EBF46C}" type="datetimeFigureOut">
               <a:rPr lang="fr-FR" smtClean="0"/>
-              <a:t>07/05/2021</a:t>
+              <a:t>19/08/2021</a:t>
             </a:fld>
             <a:endParaRPr lang="fr-FR"/>
           </a:p>
@@ -2794,7 +2794,7 @@
           <a:p>
             <a:fld id="{DEBA1CB3-45B4-4365-8A01-D60AF6EBF46C}" type="datetimeFigureOut">
               <a:rPr lang="fr-FR" smtClean="0"/>
-              <a:t>07/05/2021</a:t>
+              <a:t>19/08/2021</a:t>
             </a:fld>
             <a:endParaRPr lang="fr-FR"/>
           </a:p>
@@ -3007,7 +3007,7 @@
           <a:p>
             <a:fld id="{DEBA1CB3-45B4-4365-8A01-D60AF6EBF46C}" type="datetimeFigureOut">
               <a:rPr lang="fr-FR" smtClean="0"/>
-              <a:t>07/05/2021</a:t>
+              <a:t>19/08/2021</a:t>
             </a:fld>
             <a:endParaRPr lang="fr-FR"/>
           </a:p>
@@ -4717,14 +4717,7 @@
           <a:ln>
             <a:noFill/>
           </a:ln>
-          <a:effectLst>
-            <a:glow rad="63500">
-              <a:schemeClr val="accent6">
-                <a:satMod val="175000"/>
-                <a:alpha val="40000"/>
-              </a:schemeClr>
-            </a:glow>
-          </a:effectLst>
+          <a:effectLst/>
         </p:spPr>
         <p:style>
           <a:lnRef idx="2">
@@ -4891,14 +4884,7 @@
           <a:ln>
             <a:noFill/>
           </a:ln>
-          <a:effectLst>
-            <a:glow rad="63500">
-              <a:schemeClr val="accent1">
-                <a:satMod val="175000"/>
-                <a:alpha val="40000"/>
-              </a:schemeClr>
-            </a:glow>
-          </a:effectLst>
+          <a:effectLst/>
         </p:spPr>
         <p:style>
           <a:lnRef idx="2">
@@ -4917,7 +4903,7 @@
           </a:fontRef>
         </p:style>
         <p:txBody>
-          <a:bodyPr rtlCol="0" anchor="ctr"/>
+          <a:bodyPr lIns="0" rIns="0" rtlCol="0" anchor="ctr"/>
           <a:lstStyle/>
           <a:p>
             <a:pPr algn="ctr"/>
@@ -4938,7 +4924,7 @@
                   <a:srgbClr val="FFFF00"/>
                 </a:solidFill>
               </a:rPr>
-              <a:t>profile of ClinicalUseIssue</a:t>
+              <a:t>profile of ClinicalUseDefinition</a:t>
             </a:r>
           </a:p>
         </p:txBody>
@@ -5191,7 +5177,7 @@
             <a:r>
               <a:rPr lang="en-US" sz="1013" i="1" noProof="1">
                 <a:solidFill>
-                  <a:srgbClr val="C00000"/>
+                  <a:schemeClr val="tx1"/>
                 </a:solidFill>
               </a:rPr>
               <a:t>A warning and/or precaution of use for the device</a:t>
@@ -5246,14 +5232,7 @@
           <a:ln>
             <a:noFill/>
           </a:ln>
-          <a:effectLst>
-            <a:glow rad="63500">
-              <a:schemeClr val="accent1">
-                <a:satMod val="175000"/>
-                <a:alpha val="40000"/>
-              </a:schemeClr>
-            </a:glow>
-          </a:effectLst>
+          <a:effectLst/>
         </p:spPr>
         <p:style>
           <a:lnRef idx="2">
@@ -5860,14 +5839,7 @@
           <a:ln>
             <a:noFill/>
           </a:ln>
-          <a:effectLst>
-            <a:glow rad="63500">
-              <a:schemeClr val="accent2">
-                <a:satMod val="175000"/>
-                <a:alpha val="40000"/>
-              </a:schemeClr>
-            </a:glow>
-          </a:effectLst>
+          <a:effectLst/>
         </p:spPr>
         <p:style>
           <a:lnRef idx="2">
@@ -6073,14 +6045,7 @@
           <a:ln>
             <a:noFill/>
           </a:ln>
-          <a:effectLst>
-            <a:glow rad="63500">
-              <a:schemeClr val="accent1">
-                <a:satMod val="175000"/>
-                <a:alpha val="40000"/>
-              </a:schemeClr>
-            </a:glow>
-          </a:effectLst>
+          <a:effectLst/>
         </p:spPr>
         <p:style>
           <a:lnRef idx="2">
@@ -6698,14 +6663,7 @@
           <a:ln>
             <a:noFill/>
           </a:ln>
-          <a:effectLst>
-            <a:glow rad="63500">
-              <a:schemeClr val="accent1">
-                <a:satMod val="175000"/>
-                <a:alpha val="40000"/>
-              </a:schemeClr>
-            </a:glow>
-          </a:effectLst>
+          <a:effectLst/>
         </p:spPr>
         <p:style>
           <a:lnRef idx="2">
@@ -6821,14 +6779,7 @@
           <a:ln>
             <a:noFill/>
           </a:ln>
-          <a:effectLst>
-            <a:glow rad="63500">
-              <a:schemeClr val="accent1">
-                <a:satMod val="175000"/>
-                <a:alpha val="40000"/>
-              </a:schemeClr>
-            </a:glow>
-          </a:effectLst>
+          <a:effectLst/>
         </p:spPr>
         <p:style>
           <a:lnRef idx="2">
@@ -6847,7 +6798,7 @@
           </a:fontRef>
         </p:style>
         <p:txBody>
-          <a:bodyPr rtlCol="0" anchor="ctr"/>
+          <a:bodyPr lIns="0" rIns="0" rtlCol="0" anchor="ctr"/>
           <a:lstStyle/>
           <a:p>
             <a:pPr algn="ctr"/>
@@ -6857,7 +6808,7 @@
                   <a:srgbClr val="FFFF00"/>
                 </a:solidFill>
               </a:rPr>
-              <a:t>Indication profile of ClinicalUseIssue</a:t>
+              <a:t>Indication profile of ClinicalUseDefinition</a:t>
             </a:r>
           </a:p>
         </p:txBody>
@@ -6909,14 +6860,7 @@
           <a:ln>
             <a:noFill/>
           </a:ln>
-          <a:effectLst>
-            <a:glow rad="63500">
-              <a:schemeClr val="accent1">
-                <a:satMod val="175000"/>
-                <a:alpha val="40000"/>
-              </a:schemeClr>
-            </a:glow>
-          </a:effectLst>
+          <a:effectLst/>
         </p:spPr>
         <p:style>
           <a:lnRef idx="2">
@@ -6935,7 +6879,7 @@
           </a:fontRef>
         </p:style>
         <p:txBody>
-          <a:bodyPr rtlCol="0" anchor="ctr"/>
+          <a:bodyPr lIns="0" rIns="0" rtlCol="0" anchor="ctr"/>
           <a:lstStyle/>
           <a:p>
             <a:pPr algn="ctr"/>
@@ -6945,7 +6889,7 @@
                   <a:srgbClr val="FFFF00"/>
                 </a:solidFill>
               </a:rPr>
-              <a:t>Precaution profile of ClinicalUseIssue</a:t>
+              <a:t>Warning profile of ClinicalUseDefinition</a:t>
             </a:r>
           </a:p>
         </p:txBody>
@@ -7365,14 +7309,7 @@
           <a:ln>
             <a:noFill/>
           </a:ln>
-          <a:effectLst>
-            <a:glow rad="63500">
-              <a:schemeClr val="accent1">
-                <a:satMod val="175000"/>
-                <a:alpha val="40000"/>
-              </a:schemeClr>
-            </a:glow>
-          </a:effectLst>
+          <a:effectLst/>
         </p:spPr>
         <p:style>
           <a:lnRef idx="2">

--- a/input/images-source/DeviceCatalog.pptx
+++ b/input/images-source/DeviceCatalog.pptx
@@ -4878,7 +4878,7 @@
         </p:nvSpPr>
         <p:spPr>
           <a:xfrm>
-            <a:off x="3387160" y="3042276"/>
+            <a:off x="3399036" y="3030400"/>
             <a:ext cx="386253" cy="246221"/>
           </a:xfrm>
           <a:prstGeom prst="rect">
@@ -5563,7 +5563,7 @@
         </p:nvSpPr>
         <p:spPr>
           <a:xfrm>
-            <a:off x="3391405" y="2607882"/>
+            <a:off x="3403281" y="2596006"/>
             <a:ext cx="405123" cy="246221"/>
           </a:xfrm>
           <a:prstGeom prst="rect">
@@ -5598,7 +5598,7 @@
         </p:nvSpPr>
         <p:spPr>
           <a:xfrm>
-            <a:off x="3385020" y="2819468"/>
+            <a:off x="3396896" y="2807592"/>
             <a:ext cx="388393" cy="246221"/>
           </a:xfrm>
           <a:prstGeom prst="rect">
@@ -8445,6 +8445,76 @@
                 </a:solidFill>
               </a:rPr>
               <a:t>profile of DeviceDefinition</a:t>
+            </a:r>
+          </a:p>
+        </p:txBody>
+      </p:sp>
+      <p:sp>
+        <p:nvSpPr>
+          <p:cNvPr id="116" name="ZoneTexte 115">
+            <a:extLst>
+              <a:ext uri="{FF2B5EF4-FFF2-40B4-BE49-F238E27FC236}">
+                <a16:creationId xmlns:a16="http://schemas.microsoft.com/office/drawing/2014/main" id="{9D9CBA66-1225-4E15-81CE-F51A672EC1A9}"/>
+              </a:ext>
+            </a:extLst>
+          </p:cNvPr>
+          <p:cNvSpPr txBox="1"/>
+          <p:nvPr/>
+        </p:nvSpPr>
+        <p:spPr>
+          <a:xfrm>
+            <a:off x="5516462" y="813424"/>
+            <a:ext cx="405123" cy="246221"/>
+          </a:xfrm>
+          <a:prstGeom prst="rect">
+            <a:avLst/>
+          </a:prstGeom>
+          <a:noFill/>
+        </p:spPr>
+        <p:txBody>
+          <a:bodyPr wrap="square" rtlCol="0">
+            <a:spAutoFit/>
+          </a:bodyPr>
+          <a:lstStyle/>
+          <a:p>
+            <a:r>
+              <a:rPr lang="en-US" sz="1000" noProof="1"/>
+              <a:t>0..1</a:t>
+            </a:r>
+          </a:p>
+        </p:txBody>
+      </p:sp>
+      <p:sp>
+        <p:nvSpPr>
+          <p:cNvPr id="117" name="ZoneTexte 116">
+            <a:extLst>
+              <a:ext uri="{FF2B5EF4-FFF2-40B4-BE49-F238E27FC236}">
+                <a16:creationId xmlns:a16="http://schemas.microsoft.com/office/drawing/2014/main" id="{BCF07625-C0C6-43D6-AD20-1D6791D54B0C}"/>
+              </a:ext>
+            </a:extLst>
+          </p:cNvPr>
+          <p:cNvSpPr txBox="1"/>
+          <p:nvPr/>
+        </p:nvSpPr>
+        <p:spPr>
+          <a:xfrm>
+            <a:off x="7014831" y="812621"/>
+            <a:ext cx="405123" cy="246221"/>
+          </a:xfrm>
+          <a:prstGeom prst="rect">
+            <a:avLst/>
+          </a:prstGeom>
+          <a:noFill/>
+        </p:spPr>
+        <p:txBody>
+          <a:bodyPr wrap="square" rtlCol="0">
+            <a:spAutoFit/>
+          </a:bodyPr>
+          <a:lstStyle/>
+          <a:p>
+            <a:r>
+              <a:rPr lang="en-US" sz="1000" noProof="1"/>
+              <a:t>0..1</a:t>
             </a:r>
           </a:p>
         </p:txBody>
